--- a/Unix Presentation.pptx
+++ b/Unix Presentation.pptx
@@ -5,10 +5,10 @@
     <p:sldMasterId id="2147483767" r:id="rId4"/>
   </p:sldMasterIdLst>
   <p:notesMasterIdLst>
-    <p:notesMasterId r:id="rId18"/>
+    <p:notesMasterId r:id="rId25"/>
   </p:notesMasterIdLst>
   <p:handoutMasterIdLst>
-    <p:handoutMasterId r:id="rId19"/>
+    <p:handoutMasterId r:id="rId26"/>
   </p:handoutMasterIdLst>
   <p:sldIdLst>
     <p:sldId id="317" r:id="rId5"/>
@@ -17,13 +17,20 @@
     <p:sldId id="278" r:id="rId8"/>
     <p:sldId id="309" r:id="rId9"/>
     <p:sldId id="263" r:id="rId10"/>
-    <p:sldId id="310" r:id="rId11"/>
-    <p:sldId id="311" r:id="rId12"/>
-    <p:sldId id="312" r:id="rId13"/>
-    <p:sldId id="316" r:id="rId14"/>
-    <p:sldId id="314" r:id="rId15"/>
-    <p:sldId id="315" r:id="rId16"/>
-    <p:sldId id="304" r:id="rId17"/>
+    <p:sldId id="318" r:id="rId11"/>
+    <p:sldId id="319" r:id="rId12"/>
+    <p:sldId id="310" r:id="rId13"/>
+    <p:sldId id="320" r:id="rId14"/>
+    <p:sldId id="321" r:id="rId15"/>
+    <p:sldId id="311" r:id="rId16"/>
+    <p:sldId id="322" r:id="rId17"/>
+    <p:sldId id="312" r:id="rId18"/>
+    <p:sldId id="323" r:id="rId19"/>
+    <p:sldId id="314" r:id="rId20"/>
+    <p:sldId id="324" r:id="rId21"/>
+    <p:sldId id="316" r:id="rId22"/>
+    <p:sldId id="315" r:id="rId23"/>
+    <p:sldId id="304" r:id="rId24"/>
   </p:sldIdLst>
   <p:sldSz cx="12192000" cy="6858000"/>
   <p:notesSz cx="6858000" cy="9144000"/>
@@ -227,7 +234,7 @@
           <a:p>
             <a:fld id="{FD913024-4032-4B4F-8680-09D5E08EDB6E}" type="datetimeFigureOut">
               <a:rPr lang="en-US" smtClean="0"/>
-              <a:t>5/12/2025</a:t>
+              <a:t>5/15/2025</a:t>
             </a:fld>
             <a:endParaRPr lang="en-US" dirty="0"/>
           </a:p>
@@ -404,7 +411,7 @@
           <a:p>
             <a:fld id="{F2AE225E-43E0-7047-8ADB-DD9EBB41B4D0}" type="datetimeFigureOut">
               <a:rPr lang="en-US" noProof="0" smtClean="0"/>
-              <a:t>5/12/2025</a:t>
+              <a:t>5/15/2025</a:t>
             </a:fld>
             <a:endParaRPr lang="en-US" noProof="0" dirty="0"/>
           </a:p>
@@ -844,7 +851,7 @@
           <a:p>
             <a:fld id="{7C366290-4595-5745-A50F-D5EC13BAC604}" type="slidenum">
               <a:rPr lang="en-US" noProof="0" smtClean="0"/>
-              <a:t>11</a:t>
+              <a:t>14</a:t>
             </a:fld>
             <a:endParaRPr lang="en-US" noProof="0" dirty="0"/>
           </a:p>
@@ -853,7 +860,7 @@
     </p:spTree>
     <p:extLst>
       <p:ext uri="{BB962C8B-B14F-4D97-AF65-F5344CB8AC3E}">
-        <p14:creationId xmlns:p14="http://schemas.microsoft.com/office/powerpoint/2010/main" val="4209986571"/>
+        <p14:creationId xmlns:p14="http://schemas.microsoft.com/office/powerpoint/2010/main" val="3472499718"/>
       </p:ext>
     </p:extLst>
   </p:cSld>
@@ -928,7 +935,7 @@
           <a:p>
             <a:fld id="{7C366290-4595-5745-A50F-D5EC13BAC604}" type="slidenum">
               <a:rPr lang="en-US" noProof="0" smtClean="0"/>
-              <a:t>12</a:t>
+              <a:t>16</a:t>
             </a:fld>
             <a:endParaRPr lang="en-US" noProof="0" dirty="0"/>
           </a:p>
@@ -937,7 +944,7 @@
     </p:spTree>
     <p:extLst>
       <p:ext uri="{BB962C8B-B14F-4D97-AF65-F5344CB8AC3E}">
-        <p14:creationId xmlns:p14="http://schemas.microsoft.com/office/powerpoint/2010/main" val="2332748524"/>
+        <p14:creationId xmlns:p14="http://schemas.microsoft.com/office/powerpoint/2010/main" val="4209986571"/>
       </p:ext>
     </p:extLst>
   </p:cSld>
@@ -1012,7 +1019,91 @@
           <a:p>
             <a:fld id="{7C366290-4595-5745-A50F-D5EC13BAC604}" type="slidenum">
               <a:rPr lang="en-US" noProof="0" smtClean="0"/>
-              <a:t>13</a:t>
+              <a:t>19</a:t>
+            </a:fld>
+            <a:endParaRPr lang="en-US" noProof="0" dirty="0"/>
+          </a:p>
+        </p:txBody>
+      </p:sp>
+    </p:spTree>
+    <p:extLst>
+      <p:ext uri="{BB962C8B-B14F-4D97-AF65-F5344CB8AC3E}">
+        <p14:creationId xmlns:p14="http://schemas.microsoft.com/office/powerpoint/2010/main" val="2332748524"/>
+      </p:ext>
+    </p:extLst>
+  </p:cSld>
+  <p:clrMapOvr>
+    <a:masterClrMapping/>
+  </p:clrMapOvr>
+</p:notes>
+</file>
+
+<file path=ppt/notesSlides/notesSlide13.xml><?xml version="1.0" encoding="utf-8"?>
+<p:notes xmlns:a="http://schemas.openxmlformats.org/drawingml/2006/main" xmlns:r="http://schemas.openxmlformats.org/officeDocument/2006/relationships" xmlns:p="http://schemas.openxmlformats.org/presentationml/2006/main">
+  <p:cSld>
+    <p:spTree>
+      <p:nvGrpSpPr>
+        <p:cNvPr id="1" name=""/>
+        <p:cNvGrpSpPr/>
+        <p:nvPr/>
+      </p:nvGrpSpPr>
+      <p:grpSpPr>
+        <a:xfrm>
+          <a:off x="0" y="0"/>
+          <a:ext cx="0" cy="0"/>
+          <a:chOff x="0" y="0"/>
+          <a:chExt cx="0" cy="0"/>
+        </a:xfrm>
+      </p:grpSpPr>
+      <p:sp>
+        <p:nvSpPr>
+          <p:cNvPr id="2" name="Slide Image Placeholder 1"/>
+          <p:cNvSpPr>
+            <a:spLocks noGrp="1" noRot="1" noChangeAspect="1"/>
+          </p:cNvSpPr>
+          <p:nvPr>
+            <p:ph type="sldImg"/>
+          </p:nvPr>
+        </p:nvSpPr>
+        <p:spPr/>
+      </p:sp>
+      <p:sp>
+        <p:nvSpPr>
+          <p:cNvPr id="3" name="Notes Placeholder 2"/>
+          <p:cNvSpPr>
+            <a:spLocks noGrp="1"/>
+          </p:cNvSpPr>
+          <p:nvPr>
+            <p:ph type="body" idx="1"/>
+          </p:nvPr>
+        </p:nvSpPr>
+        <p:spPr/>
+        <p:txBody>
+          <a:bodyPr/>
+          <a:lstStyle/>
+          <a:p>
+            <a:endParaRPr lang="en-US" dirty="0"/>
+          </a:p>
+        </p:txBody>
+      </p:sp>
+      <p:sp>
+        <p:nvSpPr>
+          <p:cNvPr id="4" name="Slide Number Placeholder 3"/>
+          <p:cNvSpPr>
+            <a:spLocks noGrp="1"/>
+          </p:cNvSpPr>
+          <p:nvPr>
+            <p:ph type="sldNum" sz="quarter" idx="5"/>
+          </p:nvPr>
+        </p:nvSpPr>
+        <p:spPr/>
+        <p:txBody>
+          <a:bodyPr/>
+          <a:lstStyle/>
+          <a:p>
+            <a:fld id="{7C366290-4595-5745-A50F-D5EC13BAC604}" type="slidenum">
+              <a:rPr lang="en-US" noProof="0" smtClean="0"/>
+              <a:t>20</a:t>
             </a:fld>
             <a:endParaRPr lang="en-US" noProof="0" dirty="0"/>
           </a:p>
@@ -1516,7 +1607,7 @@
           <a:p>
             <a:fld id="{7C366290-4595-5745-A50F-D5EC13BAC604}" type="slidenum">
               <a:rPr lang="en-US" noProof="0" smtClean="0"/>
-              <a:t>7</a:t>
+              <a:t>9</a:t>
             </a:fld>
             <a:endParaRPr lang="en-US" noProof="0" dirty="0"/>
           </a:p>
@@ -1540,7 +1631,13 @@
   <p:cSld>
     <p:spTree>
       <p:nvGrpSpPr>
-        <p:cNvPr id="1" name=""/>
+        <p:cNvPr id="1" name="">
+          <a:extLst>
+            <a:ext uri="{FF2B5EF4-FFF2-40B4-BE49-F238E27FC236}">
+              <a16:creationId xmlns:a16="http://schemas.microsoft.com/office/drawing/2014/main" id="{64C27870-8B44-14D0-EF0A-BE11BCC58F1C}"/>
+            </a:ext>
+          </a:extLst>
+        </p:cNvPr>
         <p:cNvGrpSpPr/>
         <p:nvPr/>
       </p:nvGrpSpPr>
@@ -1554,7 +1651,13 @@
       </p:grpSpPr>
       <p:sp>
         <p:nvSpPr>
-          <p:cNvPr id="2" name="Slide Image Placeholder 1"/>
+          <p:cNvPr id="2" name="Slide Image Placeholder 1">
+            <a:extLst>
+              <a:ext uri="{FF2B5EF4-FFF2-40B4-BE49-F238E27FC236}">
+                <a16:creationId xmlns:a16="http://schemas.microsoft.com/office/drawing/2014/main" id="{F1036AF4-222D-6078-D76B-634EF12B374F}"/>
+              </a:ext>
+            </a:extLst>
+          </p:cNvPr>
           <p:cNvSpPr>
             <a:spLocks noGrp="1" noRot="1" noChangeAspect="1"/>
           </p:cNvSpPr>
@@ -1566,7 +1669,13 @@
       </p:sp>
       <p:sp>
         <p:nvSpPr>
-          <p:cNvPr id="3" name="Notes Placeholder 2"/>
+          <p:cNvPr id="3" name="Notes Placeholder 2">
+            <a:extLst>
+              <a:ext uri="{FF2B5EF4-FFF2-40B4-BE49-F238E27FC236}">
+                <a16:creationId xmlns:a16="http://schemas.microsoft.com/office/drawing/2014/main" id="{FCCAF689-AA27-E3F9-BA15-385DFECC4590}"/>
+              </a:ext>
+            </a:extLst>
+          </p:cNvPr>
           <p:cNvSpPr>
             <a:spLocks noGrp="1"/>
           </p:cNvSpPr>
@@ -1585,7 +1694,13 @@
       </p:sp>
       <p:sp>
         <p:nvSpPr>
-          <p:cNvPr id="4" name="Slide Number Placeholder 3"/>
+          <p:cNvPr id="4" name="Slide Number Placeholder 3">
+            <a:extLst>
+              <a:ext uri="{FF2B5EF4-FFF2-40B4-BE49-F238E27FC236}">
+                <a16:creationId xmlns:a16="http://schemas.microsoft.com/office/drawing/2014/main" id="{937FB29C-BB92-BAAC-44A4-54C44D53F0F4}"/>
+              </a:ext>
+            </a:extLst>
+          </p:cNvPr>
           <p:cNvSpPr>
             <a:spLocks noGrp="1"/>
           </p:cNvSpPr>
@@ -1600,7 +1715,7 @@
           <a:p>
             <a:fld id="{7C366290-4595-5745-A50F-D5EC13BAC604}" type="slidenum">
               <a:rPr lang="en-US" noProof="0" smtClean="0"/>
-              <a:t>8</a:t>
+              <a:t>10</a:t>
             </a:fld>
             <a:endParaRPr lang="en-US" noProof="0" dirty="0"/>
           </a:p>
@@ -1609,7 +1724,7 @@
     </p:spTree>
     <p:extLst>
       <p:ext uri="{BB962C8B-B14F-4D97-AF65-F5344CB8AC3E}">
-        <p14:creationId xmlns:p14="http://schemas.microsoft.com/office/powerpoint/2010/main" val="3210893639"/>
+        <p14:creationId xmlns:p14="http://schemas.microsoft.com/office/powerpoint/2010/main" val="941581050"/>
       </p:ext>
     </p:extLst>
   </p:cSld>
@@ -1684,7 +1799,7 @@
           <a:p>
             <a:fld id="{7C366290-4595-5745-A50F-D5EC13BAC604}" type="slidenum">
               <a:rPr lang="en-US" noProof="0" smtClean="0"/>
-              <a:t>9</a:t>
+              <a:t>12</a:t>
             </a:fld>
             <a:endParaRPr lang="en-US" noProof="0" dirty="0"/>
           </a:p>
@@ -1693,7 +1808,7 @@
     </p:spTree>
     <p:extLst>
       <p:ext uri="{BB962C8B-B14F-4D97-AF65-F5344CB8AC3E}">
-        <p14:creationId xmlns:p14="http://schemas.microsoft.com/office/powerpoint/2010/main" val="3472499718"/>
+        <p14:creationId xmlns:p14="http://schemas.microsoft.com/office/powerpoint/2010/main" val="3210893639"/>
       </p:ext>
     </p:extLst>
   </p:cSld>
@@ -27047,7 +27162,7 @@
           <a:p>
             <a:fld id="{48A87A34-81AB-432B-8DAE-1953F412C126}" type="datetimeFigureOut">
               <a:rPr lang="en-US" smtClean="0"/>
-              <a:t>5/12/2025</a:t>
+              <a:t>5/15/2025</a:t>
             </a:fld>
             <a:endParaRPr lang="en-US" dirty="0"/>
           </a:p>
@@ -30304,6 +30419,1130 @@
 <file path=ppt/slides/slide10.xml><?xml version="1.0" encoding="utf-8"?>
 <p:sld xmlns:a="http://schemas.openxmlformats.org/drawingml/2006/main" xmlns:r="http://schemas.openxmlformats.org/officeDocument/2006/relationships" xmlns:p="http://schemas.openxmlformats.org/presentationml/2006/main">
   <p:cSld>
+    <p:bg>
+      <p:bgPr>
+        <a:solidFill>
+          <a:schemeClr val="bg2"/>
+        </a:solidFill>
+        <a:effectLst/>
+      </p:bgPr>
+    </p:bg>
+    <p:spTree>
+      <p:nvGrpSpPr>
+        <p:cNvPr id="1" name="">
+          <a:extLst>
+            <a:ext uri="{FF2B5EF4-FFF2-40B4-BE49-F238E27FC236}">
+              <a16:creationId xmlns:a16="http://schemas.microsoft.com/office/drawing/2014/main" id="{AE10ED15-E920-805C-39FF-47F48B8161DC}"/>
+            </a:ext>
+          </a:extLst>
+        </p:cNvPr>
+        <p:cNvGrpSpPr/>
+        <p:nvPr/>
+      </p:nvGrpSpPr>
+      <p:grpSpPr>
+        <a:xfrm>
+          <a:off x="0" y="0"/>
+          <a:ext cx="0" cy="0"/>
+          <a:chOff x="0" y="0"/>
+          <a:chExt cx="0" cy="0"/>
+        </a:xfrm>
+      </p:grpSpPr>
+      <p:sp>
+        <p:nvSpPr>
+          <p:cNvPr id="11" name="Title 10">
+            <a:extLst>
+              <a:ext uri="{FF2B5EF4-FFF2-40B4-BE49-F238E27FC236}">
+                <a16:creationId xmlns:a16="http://schemas.microsoft.com/office/drawing/2014/main" id="{BA301D63-F456-E1CC-3D65-8B53416A6155}"/>
+              </a:ext>
+            </a:extLst>
+          </p:cNvPr>
+          <p:cNvSpPr>
+            <a:spLocks noGrp="1"/>
+          </p:cNvSpPr>
+          <p:nvPr>
+            <p:ph type="title"/>
+          </p:nvPr>
+        </p:nvSpPr>
+        <p:spPr/>
+        <p:txBody>
+          <a:bodyPr/>
+          <a:lstStyle/>
+          <a:p>
+            <a:r>
+              <a:rPr lang="en-US" sz="3200" dirty="0"/>
+              <a:t>Actual experience</a:t>
+            </a:r>
+            <a:endParaRPr lang="en-US" dirty="0"/>
+          </a:p>
+        </p:txBody>
+      </p:sp>
+      <p:sp>
+        <p:nvSpPr>
+          <p:cNvPr id="14" name="Content Placeholder 13">
+            <a:extLst>
+              <a:ext uri="{FF2B5EF4-FFF2-40B4-BE49-F238E27FC236}">
+                <a16:creationId xmlns:a16="http://schemas.microsoft.com/office/drawing/2014/main" id="{16C207AC-598D-6B03-4B29-A45E5F4B5D17}"/>
+              </a:ext>
+            </a:extLst>
+          </p:cNvPr>
+          <p:cNvSpPr>
+            <a:spLocks noGrp="1"/>
+          </p:cNvSpPr>
+          <p:nvPr>
+            <p:ph sz="quarter" idx="11"/>
+          </p:nvPr>
+        </p:nvSpPr>
+        <p:spPr/>
+        <p:txBody>
+          <a:bodyPr/>
+          <a:lstStyle/>
+          <a:p>
+            <a:r>
+              <a:rPr lang="en-US" dirty="0"/>
+              <a:t>Effective body language enhances your message, making it more impactful and memorable:</a:t>
+            </a:r>
+          </a:p>
+          <a:p>
+            <a:pPr lvl="1"/>
+            <a:r>
+              <a:rPr lang="en-US" dirty="0"/>
+              <a:t>Meaningful eye contact</a:t>
+            </a:r>
+          </a:p>
+          <a:p>
+            <a:pPr lvl="1"/>
+            <a:r>
+              <a:rPr lang="en-US" dirty="0"/>
+              <a:t>Purposeful gestures</a:t>
+            </a:r>
+          </a:p>
+          <a:p>
+            <a:pPr lvl="1"/>
+            <a:r>
+              <a:rPr lang="en-US" dirty="0"/>
+              <a:t>Maintain good posture</a:t>
+            </a:r>
+          </a:p>
+          <a:p>
+            <a:pPr lvl="1"/>
+            <a:r>
+              <a:rPr lang="en-US" dirty="0"/>
+              <a:t>Control your expressions</a:t>
+            </a:r>
+          </a:p>
+        </p:txBody>
+      </p:sp>
+      <p:sp>
+        <p:nvSpPr>
+          <p:cNvPr id="17" name="Content Placeholder 16">
+            <a:extLst>
+              <a:ext uri="{FF2B5EF4-FFF2-40B4-BE49-F238E27FC236}">
+                <a16:creationId xmlns:a16="http://schemas.microsoft.com/office/drawing/2014/main" id="{3BADFF13-FF17-86FA-8D0E-C185E8BE4C60}"/>
+              </a:ext>
+            </a:extLst>
+          </p:cNvPr>
+          <p:cNvSpPr>
+            <a:spLocks noGrp="1"/>
+          </p:cNvSpPr>
+          <p:nvPr>
+            <p:ph sz="quarter" idx="12"/>
+          </p:nvPr>
+        </p:nvSpPr>
+        <p:spPr/>
+        <p:txBody>
+          <a:bodyPr>
+            <a:normAutofit/>
+          </a:bodyPr>
+          <a:lstStyle/>
+          <a:p>
+            <a:r>
+              <a:rPr lang="en-US" dirty="0"/>
+              <a:t>This is a powerful tool in public speaking. It involves varying pitch, tone, and volume to convey emotion, emphasize points, and maintain interest:</a:t>
+            </a:r>
+          </a:p>
+          <a:p>
+            <a:pPr lvl="1"/>
+            <a:r>
+              <a:rPr lang="en-US" dirty="0"/>
+              <a:t>Pitch variation</a:t>
+            </a:r>
+          </a:p>
+          <a:p>
+            <a:pPr lvl="1"/>
+            <a:r>
+              <a:rPr lang="en-US" dirty="0"/>
+              <a:t>Tone inflection</a:t>
+            </a:r>
+          </a:p>
+          <a:p>
+            <a:pPr lvl="1"/>
+            <a:r>
+              <a:rPr lang="en-US" dirty="0"/>
+              <a:t>Volume control</a:t>
+            </a:r>
+          </a:p>
+        </p:txBody>
+      </p:sp>
+      <p:sp>
+        <p:nvSpPr>
+          <p:cNvPr id="2" name="Slide Number Placeholder 1">
+            <a:extLst>
+              <a:ext uri="{FF2B5EF4-FFF2-40B4-BE49-F238E27FC236}">
+                <a16:creationId xmlns:a16="http://schemas.microsoft.com/office/drawing/2014/main" id="{ED08825D-AC08-0FAC-82C3-23A910A20C82}"/>
+              </a:ext>
+            </a:extLst>
+          </p:cNvPr>
+          <p:cNvSpPr>
+            <a:spLocks noGrp="1"/>
+          </p:cNvSpPr>
+          <p:nvPr>
+            <p:ph type="sldNum" sz="quarter" idx="4"/>
+          </p:nvPr>
+        </p:nvSpPr>
+        <p:spPr/>
+        <p:txBody>
+          <a:bodyPr/>
+          <a:lstStyle/>
+          <a:p>
+            <a:fld id="{58FB4751-880F-D840-AAA9-3A15815CC996}" type="slidenum">
+              <a:rPr lang="en-US" smtClean="0"/>
+              <a:pPr/>
+              <a:t>10</a:t>
+            </a:fld>
+            <a:endParaRPr lang="en-US" dirty="0"/>
+          </a:p>
+        </p:txBody>
+      </p:sp>
+    </p:spTree>
+    <p:extLst>
+      <p:ext uri="{BB962C8B-B14F-4D97-AF65-F5344CB8AC3E}">
+        <p14:creationId xmlns:p14="http://schemas.microsoft.com/office/powerpoint/2010/main" val="4079100608"/>
+      </p:ext>
+    </p:extLst>
+  </p:cSld>
+  <p:clrMapOvr>
+    <a:masterClrMapping/>
+  </p:clrMapOvr>
+</p:sld>
+</file>
+
+<file path=ppt/slides/slide11.xml><?xml version="1.0" encoding="utf-8"?>
+<p:sld xmlns:a="http://schemas.openxmlformats.org/drawingml/2006/main" xmlns:r="http://schemas.openxmlformats.org/officeDocument/2006/relationships" xmlns:p="http://schemas.openxmlformats.org/presentationml/2006/main">
+  <p:cSld>
+    <p:spTree>
+      <p:nvGrpSpPr>
+        <p:cNvPr id="1" name="">
+          <a:extLst>
+            <a:ext uri="{FF2B5EF4-FFF2-40B4-BE49-F238E27FC236}">
+              <a16:creationId xmlns:a16="http://schemas.microsoft.com/office/drawing/2014/main" id="{BA5EE939-AB71-2FA9-A4E0-EE555957C774}"/>
+            </a:ext>
+          </a:extLst>
+        </p:cNvPr>
+        <p:cNvGrpSpPr/>
+        <p:nvPr/>
+      </p:nvGrpSpPr>
+      <p:grpSpPr>
+        <a:xfrm>
+          <a:off x="0" y="0"/>
+          <a:ext cx="0" cy="0"/>
+          <a:chOff x="0" y="0"/>
+          <a:chExt cx="0" cy="0"/>
+        </a:xfrm>
+      </p:grpSpPr>
+      <p:sp>
+        <p:nvSpPr>
+          <p:cNvPr id="2" name="Title 1">
+            <a:extLst>
+              <a:ext uri="{FF2B5EF4-FFF2-40B4-BE49-F238E27FC236}">
+                <a16:creationId xmlns:a16="http://schemas.microsoft.com/office/drawing/2014/main" id="{F7AB5387-F7DB-03B1-A9CD-61518955547B}"/>
+              </a:ext>
+            </a:extLst>
+          </p:cNvPr>
+          <p:cNvSpPr>
+            <a:spLocks noGrp="1"/>
+          </p:cNvSpPr>
+          <p:nvPr>
+            <p:ph type="title"/>
+          </p:nvPr>
+        </p:nvSpPr>
+        <p:spPr/>
+        <p:txBody>
+          <a:bodyPr/>
+          <a:lstStyle/>
+          <a:p>
+            <a:r>
+              <a:rPr kumimoji="0" lang="en-US" sz="4800" b="0" i="0" u="none" strike="noStrike" kern="1200" cap="none" spc="0" normalizeH="0" baseline="0" noProof="0" dirty="0">
+                <a:ln>
+                  <a:noFill/>
+                </a:ln>
+                <a:solidFill>
+                  <a:prstClr val="black"/>
+                </a:solidFill>
+                <a:effectLst/>
+                <a:uLnTx/>
+                <a:uFillTx/>
+                <a:latin typeface="+mn-lt"/>
+                <a:ea typeface="+mn-ea"/>
+                <a:cs typeface="+mn-cs"/>
+              </a:rPr>
+              <a:t>Major challenges </a:t>
+            </a:r>
+            <a:endParaRPr lang="en-US" sz="6000" b="0" kern="1200" dirty="0">
+              <a:solidFill>
+                <a:schemeClr val="tx1"/>
+              </a:solidFill>
+              <a:latin typeface="+mj-lt"/>
+              <a:ea typeface="+mn-ea"/>
+              <a:cs typeface="+mn-cs"/>
+            </a:endParaRPr>
+          </a:p>
+        </p:txBody>
+      </p:sp>
+      <p:sp>
+        <p:nvSpPr>
+          <p:cNvPr id="3" name="Text Placeholder 2">
+            <a:extLst>
+              <a:ext uri="{FF2B5EF4-FFF2-40B4-BE49-F238E27FC236}">
+                <a16:creationId xmlns:a16="http://schemas.microsoft.com/office/drawing/2014/main" id="{68EFE970-73F4-EA68-4E8F-10B0A40FDF8F}"/>
+              </a:ext>
+            </a:extLst>
+          </p:cNvPr>
+          <p:cNvSpPr>
+            <a:spLocks noGrp="1"/>
+          </p:cNvSpPr>
+          <p:nvPr>
+            <p:ph type="body" sz="quarter" idx="13"/>
+          </p:nvPr>
+        </p:nvSpPr>
+        <p:spPr/>
+        <p:txBody>
+          <a:bodyPr/>
+          <a:lstStyle/>
+          <a:p>
+            <a:endParaRPr lang="en-US" dirty="0"/>
+          </a:p>
+        </p:txBody>
+      </p:sp>
+    </p:spTree>
+    <p:extLst>
+      <p:ext uri="{BB962C8B-B14F-4D97-AF65-F5344CB8AC3E}">
+        <p14:creationId xmlns:p14="http://schemas.microsoft.com/office/powerpoint/2010/main" val="1568202003"/>
+      </p:ext>
+    </p:extLst>
+  </p:cSld>
+  <p:clrMapOvr>
+    <a:masterClrMapping/>
+  </p:clrMapOvr>
+</p:sld>
+</file>
+
+<file path=ppt/slides/slide12.xml><?xml version="1.0" encoding="utf-8"?>
+<p:sld xmlns:a="http://schemas.openxmlformats.org/drawingml/2006/main" xmlns:r="http://schemas.openxmlformats.org/officeDocument/2006/relationships" xmlns:p="http://schemas.openxmlformats.org/presentationml/2006/main">
+  <p:cSld>
+    <p:spTree>
+      <p:nvGrpSpPr>
+        <p:cNvPr id="1" name=""/>
+        <p:cNvGrpSpPr/>
+        <p:nvPr/>
+      </p:nvGrpSpPr>
+      <p:grpSpPr>
+        <a:xfrm>
+          <a:off x="0" y="0"/>
+          <a:ext cx="0" cy="0"/>
+          <a:chOff x="0" y="0"/>
+          <a:chExt cx="0" cy="0"/>
+        </a:xfrm>
+      </p:grpSpPr>
+      <p:sp>
+        <p:nvSpPr>
+          <p:cNvPr id="11" name="Title 10">
+            <a:extLst>
+              <a:ext uri="{FF2B5EF4-FFF2-40B4-BE49-F238E27FC236}">
+                <a16:creationId xmlns:a16="http://schemas.microsoft.com/office/drawing/2014/main" id="{7A49C0DA-C8AE-5ECC-149A-D60ECFF8C1EB}"/>
+              </a:ext>
+            </a:extLst>
+          </p:cNvPr>
+          <p:cNvSpPr>
+            <a:spLocks noGrp="1"/>
+          </p:cNvSpPr>
+          <p:nvPr>
+            <p:ph type="title"/>
+          </p:nvPr>
+        </p:nvSpPr>
+        <p:spPr/>
+        <p:txBody>
+          <a:bodyPr/>
+          <a:lstStyle/>
+          <a:p>
+            <a:r>
+              <a:rPr lang="en-US" sz="3200" dirty="0"/>
+              <a:t>Challenges</a:t>
+            </a:r>
+            <a:endParaRPr lang="en-US" dirty="0"/>
+          </a:p>
+        </p:txBody>
+      </p:sp>
+      <p:sp>
+        <p:nvSpPr>
+          <p:cNvPr id="12" name="Content Placeholder 11">
+            <a:extLst>
+              <a:ext uri="{FF2B5EF4-FFF2-40B4-BE49-F238E27FC236}">
+                <a16:creationId xmlns:a16="http://schemas.microsoft.com/office/drawing/2014/main" id="{C6F2BA06-39BD-0413-D150-70F75EA6CC38}"/>
+              </a:ext>
+            </a:extLst>
+          </p:cNvPr>
+          <p:cNvSpPr>
+            <a:spLocks noGrp="1"/>
+          </p:cNvSpPr>
+          <p:nvPr>
+            <p:ph sz="quarter" idx="13"/>
+          </p:nvPr>
+        </p:nvSpPr>
+        <p:spPr/>
+        <p:txBody>
+          <a:bodyPr/>
+          <a:lstStyle/>
+          <a:p>
+            <a:r>
+              <a:rPr lang="en-US" dirty="0"/>
+              <a:t>Know your material in advance</a:t>
+            </a:r>
+          </a:p>
+          <a:p>
+            <a:r>
+              <a:rPr lang="en-US" dirty="0"/>
+              <a:t>Anticipate common questions</a:t>
+            </a:r>
+          </a:p>
+          <a:p>
+            <a:r>
+              <a:rPr lang="en-US" dirty="0"/>
+              <a:t>Rehearse your responses</a:t>
+            </a:r>
+          </a:p>
+        </p:txBody>
+      </p:sp>
+      <p:sp>
+        <p:nvSpPr>
+          <p:cNvPr id="25" name="Content Placeholder 24">
+            <a:extLst>
+              <a:ext uri="{FF2B5EF4-FFF2-40B4-BE49-F238E27FC236}">
+                <a16:creationId xmlns:a16="http://schemas.microsoft.com/office/drawing/2014/main" id="{7798761A-B671-4825-623F-F4726F2BDF28}"/>
+              </a:ext>
+            </a:extLst>
+          </p:cNvPr>
+          <p:cNvSpPr>
+            <a:spLocks noGrp="1"/>
+          </p:cNvSpPr>
+          <p:nvPr>
+            <p:ph sz="quarter" idx="12"/>
+          </p:nvPr>
+        </p:nvSpPr>
+        <p:spPr/>
+        <p:txBody>
+          <a:bodyPr/>
+          <a:lstStyle/>
+          <a:p>
+            <a:r>
+              <a:rPr lang="en-US" dirty="0"/>
+              <a:t>Maintaining composure during the Q&amp;A session is essential for projecting confidence and authority. Consider the following tips for staying composed:</a:t>
+            </a:r>
+          </a:p>
+          <a:p>
+            <a:pPr lvl="1"/>
+            <a:r>
+              <a:rPr lang="en-US" dirty="0"/>
+              <a:t>Stay calm</a:t>
+            </a:r>
+          </a:p>
+          <a:p>
+            <a:pPr lvl="1"/>
+            <a:r>
+              <a:rPr lang="en-US" dirty="0"/>
+              <a:t>Actively listen</a:t>
+            </a:r>
+          </a:p>
+          <a:p>
+            <a:pPr lvl="1"/>
+            <a:r>
+              <a:rPr lang="en-US" dirty="0"/>
+              <a:t>Pause and reflect</a:t>
+            </a:r>
+          </a:p>
+          <a:p>
+            <a:pPr lvl="1"/>
+            <a:r>
+              <a:rPr lang="en-US" dirty="0"/>
+              <a:t>Maintain eye contact</a:t>
+            </a:r>
+          </a:p>
+        </p:txBody>
+      </p:sp>
+      <p:sp>
+        <p:nvSpPr>
+          <p:cNvPr id="5" name="Slide Number Placeholder 4">
+            <a:extLst>
+              <a:ext uri="{FF2B5EF4-FFF2-40B4-BE49-F238E27FC236}">
+                <a16:creationId xmlns:a16="http://schemas.microsoft.com/office/drawing/2014/main" id="{AF012FDC-7484-2B3B-E496-144348256B81}"/>
+              </a:ext>
+            </a:extLst>
+          </p:cNvPr>
+          <p:cNvSpPr>
+            <a:spLocks noGrp="1"/>
+          </p:cNvSpPr>
+          <p:nvPr>
+            <p:ph type="sldNum" sz="quarter" idx="4"/>
+          </p:nvPr>
+        </p:nvSpPr>
+        <p:spPr/>
+        <p:txBody>
+          <a:bodyPr/>
+          <a:lstStyle/>
+          <a:p>
+            <a:fld id="{58FB4751-880F-D840-AAA9-3A15815CC996}" type="slidenum">
+              <a:rPr lang="en-US" smtClean="0"/>
+              <a:pPr/>
+              <a:t>12</a:t>
+            </a:fld>
+            <a:endParaRPr lang="en-US" dirty="0"/>
+          </a:p>
+        </p:txBody>
+      </p:sp>
+    </p:spTree>
+    <p:extLst>
+      <p:ext uri="{BB962C8B-B14F-4D97-AF65-F5344CB8AC3E}">
+        <p14:creationId xmlns:p14="http://schemas.microsoft.com/office/powerpoint/2010/main" val="3748348926"/>
+      </p:ext>
+    </p:extLst>
+  </p:cSld>
+  <p:clrMapOvr>
+    <a:masterClrMapping/>
+  </p:clrMapOvr>
+</p:sld>
+</file>
+
+<file path=ppt/slides/slide13.xml><?xml version="1.0" encoding="utf-8"?>
+<p:sld xmlns:a="http://schemas.openxmlformats.org/drawingml/2006/main" xmlns:r="http://schemas.openxmlformats.org/officeDocument/2006/relationships" xmlns:p="http://schemas.openxmlformats.org/presentationml/2006/main">
+  <p:cSld>
+    <p:spTree>
+      <p:nvGrpSpPr>
+        <p:cNvPr id="1" name="">
+          <a:extLst>
+            <a:ext uri="{FF2B5EF4-FFF2-40B4-BE49-F238E27FC236}">
+              <a16:creationId xmlns:a16="http://schemas.microsoft.com/office/drawing/2014/main" id="{9918D43B-1AD4-5D5C-9F52-1DA0C3C77778}"/>
+            </a:ext>
+          </a:extLst>
+        </p:cNvPr>
+        <p:cNvGrpSpPr/>
+        <p:nvPr/>
+      </p:nvGrpSpPr>
+      <p:grpSpPr>
+        <a:xfrm>
+          <a:off x="0" y="0"/>
+          <a:ext cx="0" cy="0"/>
+          <a:chOff x="0" y="0"/>
+          <a:chExt cx="0" cy="0"/>
+        </a:xfrm>
+      </p:grpSpPr>
+      <p:sp>
+        <p:nvSpPr>
+          <p:cNvPr id="2" name="Title 1">
+            <a:extLst>
+              <a:ext uri="{FF2B5EF4-FFF2-40B4-BE49-F238E27FC236}">
+                <a16:creationId xmlns:a16="http://schemas.microsoft.com/office/drawing/2014/main" id="{037A7126-6EBA-6D3B-1E24-1A57D4164BB9}"/>
+              </a:ext>
+            </a:extLst>
+          </p:cNvPr>
+          <p:cNvSpPr>
+            <a:spLocks noGrp="1"/>
+          </p:cNvSpPr>
+          <p:nvPr>
+            <p:ph type="title"/>
+          </p:nvPr>
+        </p:nvSpPr>
+        <p:spPr>
+          <a:xfrm>
+            <a:off x="914400" y="914400"/>
+            <a:ext cx="10360152" cy="2807208"/>
+          </a:xfrm>
+        </p:spPr>
+        <p:txBody>
+          <a:bodyPr/>
+          <a:lstStyle/>
+          <a:p>
+            <a:r>
+              <a:rPr lang="en-US" dirty="0"/>
+              <a:t>Major accomplishments</a:t>
+            </a:r>
+          </a:p>
+        </p:txBody>
+      </p:sp>
+      <p:sp>
+        <p:nvSpPr>
+          <p:cNvPr id="3" name="Text Placeholder 2">
+            <a:extLst>
+              <a:ext uri="{FF2B5EF4-FFF2-40B4-BE49-F238E27FC236}">
+                <a16:creationId xmlns:a16="http://schemas.microsoft.com/office/drawing/2014/main" id="{927118ED-9325-943C-4794-04ADB765CF7C}"/>
+              </a:ext>
+            </a:extLst>
+          </p:cNvPr>
+          <p:cNvSpPr>
+            <a:spLocks noGrp="1"/>
+          </p:cNvSpPr>
+          <p:nvPr>
+            <p:ph type="body" sz="quarter" idx="13"/>
+          </p:nvPr>
+        </p:nvSpPr>
+        <p:spPr/>
+        <p:txBody>
+          <a:bodyPr/>
+          <a:lstStyle/>
+          <a:p>
+            <a:endParaRPr lang="en-US" dirty="0"/>
+          </a:p>
+        </p:txBody>
+      </p:sp>
+    </p:spTree>
+    <p:extLst>
+      <p:ext uri="{BB962C8B-B14F-4D97-AF65-F5344CB8AC3E}">
+        <p14:creationId xmlns:p14="http://schemas.microsoft.com/office/powerpoint/2010/main" val="3733762178"/>
+      </p:ext>
+    </p:extLst>
+  </p:cSld>
+  <p:clrMapOvr>
+    <a:masterClrMapping/>
+  </p:clrMapOvr>
+</p:sld>
+</file>
+
+<file path=ppt/slides/slide14.xml><?xml version="1.0" encoding="utf-8"?>
+<p:sld xmlns:a="http://schemas.openxmlformats.org/drawingml/2006/main" xmlns:r="http://schemas.openxmlformats.org/officeDocument/2006/relationships" xmlns:p="http://schemas.openxmlformats.org/presentationml/2006/main">
+  <p:cSld>
+    <p:spTree>
+      <p:nvGrpSpPr>
+        <p:cNvPr id="1" name=""/>
+        <p:cNvGrpSpPr/>
+        <p:nvPr/>
+      </p:nvGrpSpPr>
+      <p:grpSpPr>
+        <a:xfrm>
+          <a:off x="0" y="0"/>
+          <a:ext cx="0" cy="0"/>
+          <a:chOff x="0" y="0"/>
+          <a:chExt cx="0" cy="0"/>
+        </a:xfrm>
+      </p:grpSpPr>
+      <p:sp>
+        <p:nvSpPr>
+          <p:cNvPr id="5" name="Title 4">
+            <a:extLst>
+              <a:ext uri="{FF2B5EF4-FFF2-40B4-BE49-F238E27FC236}">
+                <a16:creationId xmlns:a16="http://schemas.microsoft.com/office/drawing/2014/main" id="{E95044F7-BD97-2FDE-4E33-A565BCF0EFEC}"/>
+              </a:ext>
+            </a:extLst>
+          </p:cNvPr>
+          <p:cNvSpPr>
+            <a:spLocks noGrp="1"/>
+          </p:cNvSpPr>
+          <p:nvPr>
+            <p:ph type="title"/>
+          </p:nvPr>
+        </p:nvSpPr>
+        <p:spPr/>
+        <p:txBody>
+          <a:bodyPr/>
+          <a:lstStyle/>
+          <a:p>
+            <a:r>
+              <a:rPr lang="en-US" sz="3200" dirty="0"/>
+              <a:t>speaking impact</a:t>
+            </a:r>
+            <a:endParaRPr lang="en-US" dirty="0"/>
+          </a:p>
+        </p:txBody>
+      </p:sp>
+      <p:sp>
+        <p:nvSpPr>
+          <p:cNvPr id="3" name="Content Placeholder 2">
+            <a:extLst>
+              <a:ext uri="{FF2B5EF4-FFF2-40B4-BE49-F238E27FC236}">
+                <a16:creationId xmlns:a16="http://schemas.microsoft.com/office/drawing/2014/main" id="{DE597F60-88E2-C430-D52B-6604405AD55C}"/>
+              </a:ext>
+            </a:extLst>
+          </p:cNvPr>
+          <p:cNvSpPr>
+            <a:spLocks noGrp="1"/>
+          </p:cNvSpPr>
+          <p:nvPr>
+            <p:ph sz="quarter" idx="12"/>
+          </p:nvPr>
+        </p:nvSpPr>
+        <p:spPr/>
+        <p:txBody>
+          <a:bodyPr/>
+          <a:lstStyle/>
+          <a:p>
+            <a:r>
+              <a:rPr lang="en-US" dirty="0"/>
+              <a:t>Your ability to communicate effectively will leave a lasting impact on your audience</a:t>
+            </a:r>
+          </a:p>
+          <a:p>
+            <a:r>
+              <a:rPr lang="en-US" dirty="0"/>
+              <a:t>Effectively communicating involves not only delivering a message but also resonating with the experiences, values, and emotions of those listening </a:t>
+            </a:r>
+          </a:p>
+        </p:txBody>
+      </p:sp>
+      <p:pic>
+        <p:nvPicPr>
+          <p:cNvPr id="7" name="Picture Placeholder 6" descr="A computer monitor with blue text on screen&#10;&#10;AI-generated content may be incorrect.">
+            <a:extLst>
+              <a:ext uri="{FF2B5EF4-FFF2-40B4-BE49-F238E27FC236}">
+                <a16:creationId xmlns:a16="http://schemas.microsoft.com/office/drawing/2014/main" id="{B3B42BFD-05B6-FC12-D2A0-8BA5C0451558}"/>
+              </a:ext>
+            </a:extLst>
+          </p:cNvPr>
+          <p:cNvPicPr>
+            <a:picLocks noGrp="1" noChangeAspect="1"/>
+          </p:cNvPicPr>
+          <p:nvPr>
+            <p:ph type="pic" sz="quarter" idx="10"/>
+          </p:nvPr>
+        </p:nvPicPr>
+        <p:blipFill>
+          <a:blip r:embed="rId3"/>
+          <a:srcRect l="23744" r="23744"/>
+          <a:stretch>
+            <a:fillRect/>
+          </a:stretch>
+        </p:blipFill>
+        <p:spPr/>
+      </p:pic>
+    </p:spTree>
+    <p:extLst>
+      <p:ext uri="{BB962C8B-B14F-4D97-AF65-F5344CB8AC3E}">
+        <p14:creationId xmlns:p14="http://schemas.microsoft.com/office/powerpoint/2010/main" val="859909800"/>
+      </p:ext>
+    </p:extLst>
+  </p:cSld>
+  <p:clrMapOvr>
+    <a:masterClrMapping/>
+  </p:clrMapOvr>
+</p:sld>
+</file>
+
+<file path=ppt/slides/slide15.xml><?xml version="1.0" encoding="utf-8"?>
+<p:sld xmlns:a="http://schemas.openxmlformats.org/drawingml/2006/main" xmlns:r="http://schemas.openxmlformats.org/officeDocument/2006/relationships" xmlns:p="http://schemas.openxmlformats.org/presentationml/2006/main">
+  <p:cSld>
+    <p:spTree>
+      <p:nvGrpSpPr>
+        <p:cNvPr id="1" name="">
+          <a:extLst>
+            <a:ext uri="{FF2B5EF4-FFF2-40B4-BE49-F238E27FC236}">
+              <a16:creationId xmlns:a16="http://schemas.microsoft.com/office/drawing/2014/main" id="{5F8BFB97-4CF2-13F8-FACD-D0ABDD758E11}"/>
+            </a:ext>
+          </a:extLst>
+        </p:cNvPr>
+        <p:cNvGrpSpPr/>
+        <p:nvPr/>
+      </p:nvGrpSpPr>
+      <p:grpSpPr>
+        <a:xfrm>
+          <a:off x="0" y="0"/>
+          <a:ext cx="0" cy="0"/>
+          <a:chOff x="0" y="0"/>
+          <a:chExt cx="0" cy="0"/>
+        </a:xfrm>
+      </p:grpSpPr>
+      <p:sp>
+        <p:nvSpPr>
+          <p:cNvPr id="2" name="Title 1">
+            <a:extLst>
+              <a:ext uri="{FF2B5EF4-FFF2-40B4-BE49-F238E27FC236}">
+                <a16:creationId xmlns:a16="http://schemas.microsoft.com/office/drawing/2014/main" id="{DB9FB439-1687-5EDF-5A31-B71756519CF3}"/>
+              </a:ext>
+            </a:extLst>
+          </p:cNvPr>
+          <p:cNvSpPr>
+            <a:spLocks noGrp="1"/>
+          </p:cNvSpPr>
+          <p:nvPr>
+            <p:ph type="title"/>
+          </p:nvPr>
+        </p:nvSpPr>
+        <p:spPr>
+          <a:xfrm>
+            <a:off x="914400" y="914400"/>
+            <a:ext cx="10360152" cy="2807208"/>
+          </a:xfrm>
+        </p:spPr>
+        <p:txBody>
+          <a:bodyPr/>
+          <a:lstStyle/>
+          <a:p>
+            <a:r>
+              <a:rPr lang="en-US" dirty="0"/>
+              <a:t>Future plans</a:t>
+            </a:r>
+          </a:p>
+        </p:txBody>
+      </p:sp>
+      <p:sp>
+        <p:nvSpPr>
+          <p:cNvPr id="3" name="Text Placeholder 2">
+            <a:extLst>
+              <a:ext uri="{FF2B5EF4-FFF2-40B4-BE49-F238E27FC236}">
+                <a16:creationId xmlns:a16="http://schemas.microsoft.com/office/drawing/2014/main" id="{8531A963-4BF6-D779-7CD6-552612B577FB}"/>
+              </a:ext>
+            </a:extLst>
+          </p:cNvPr>
+          <p:cNvSpPr>
+            <a:spLocks noGrp="1"/>
+          </p:cNvSpPr>
+          <p:nvPr>
+            <p:ph type="body" sz="quarter" idx="13"/>
+          </p:nvPr>
+        </p:nvSpPr>
+        <p:spPr/>
+        <p:txBody>
+          <a:bodyPr/>
+          <a:lstStyle/>
+          <a:p>
+            <a:endParaRPr lang="en-US" dirty="0"/>
+          </a:p>
+        </p:txBody>
+      </p:sp>
+    </p:spTree>
+    <p:extLst>
+      <p:ext uri="{BB962C8B-B14F-4D97-AF65-F5344CB8AC3E}">
+        <p14:creationId xmlns:p14="http://schemas.microsoft.com/office/powerpoint/2010/main" val="3641631770"/>
+      </p:ext>
+    </p:extLst>
+  </p:cSld>
+  <p:clrMapOvr>
+    <a:masterClrMapping/>
+  </p:clrMapOvr>
+</p:sld>
+</file>
+
+<file path=ppt/slides/slide16.xml><?xml version="1.0" encoding="utf-8"?>
+<p:sld xmlns:a="http://schemas.openxmlformats.org/drawingml/2006/main" xmlns:r="http://schemas.openxmlformats.org/officeDocument/2006/relationships" xmlns:p="http://schemas.openxmlformats.org/presentationml/2006/main">
+  <p:cSld>
+    <p:spTree>
+      <p:nvGrpSpPr>
+        <p:cNvPr id="1" name=""/>
+        <p:cNvGrpSpPr/>
+        <p:nvPr/>
+      </p:nvGrpSpPr>
+      <p:grpSpPr>
+        <a:xfrm>
+          <a:off x="0" y="0"/>
+          <a:ext cx="0" cy="0"/>
+          <a:chOff x="0" y="0"/>
+          <a:chExt cx="0" cy="0"/>
+        </a:xfrm>
+      </p:grpSpPr>
+      <p:sp>
+        <p:nvSpPr>
+          <p:cNvPr id="9" name="Title 8">
+            <a:extLst>
+              <a:ext uri="{FF2B5EF4-FFF2-40B4-BE49-F238E27FC236}">
+                <a16:creationId xmlns:a16="http://schemas.microsoft.com/office/drawing/2014/main" id="{EB33A77B-664F-FFD3-D61A-0D344C269A12}"/>
+              </a:ext>
+            </a:extLst>
+          </p:cNvPr>
+          <p:cNvSpPr>
+            <a:spLocks noGrp="1"/>
+          </p:cNvSpPr>
+          <p:nvPr>
+            <p:ph type="title"/>
+          </p:nvPr>
+        </p:nvSpPr>
+        <p:spPr/>
+        <p:txBody>
+          <a:bodyPr/>
+          <a:lstStyle/>
+          <a:p>
+            <a:r>
+              <a:rPr lang="en-US" sz="3200" dirty="0"/>
+              <a:t>final tips &amp; takeaways</a:t>
+            </a:r>
+            <a:endParaRPr lang="en-US" dirty="0"/>
+          </a:p>
+        </p:txBody>
+      </p:sp>
+      <p:sp>
+        <p:nvSpPr>
+          <p:cNvPr id="3" name="Content Placeholder 2">
+            <a:extLst>
+              <a:ext uri="{FF2B5EF4-FFF2-40B4-BE49-F238E27FC236}">
+                <a16:creationId xmlns:a16="http://schemas.microsoft.com/office/drawing/2014/main" id="{DA4B0F3C-5228-C9FB-1212-1D4894C80B46}"/>
+              </a:ext>
+            </a:extLst>
+          </p:cNvPr>
+          <p:cNvSpPr>
+            <a:spLocks noGrp="1"/>
+          </p:cNvSpPr>
+          <p:nvPr>
+            <p:ph sz="quarter" idx="13"/>
+          </p:nvPr>
+        </p:nvSpPr>
+        <p:spPr/>
+        <p:txBody>
+          <a:bodyPr>
+            <a:normAutofit lnSpcReduction="10000"/>
+          </a:bodyPr>
+          <a:lstStyle/>
+          <a:p>
+            <a:r>
+              <a:rPr lang="en-US" dirty="0"/>
+              <a:t>CONSISTENT REHEARSAL</a:t>
+            </a:r>
+          </a:p>
+          <a:p>
+            <a:pPr lvl="1"/>
+            <a:r>
+              <a:rPr lang="en-US" dirty="0"/>
+              <a:t>Strengthen your familiarity</a:t>
+            </a:r>
+          </a:p>
+          <a:p>
+            <a:r>
+              <a:rPr lang="en-US" dirty="0"/>
+              <a:t>REFINE DELIVERY STYLE</a:t>
+            </a:r>
+          </a:p>
+          <a:p>
+            <a:pPr lvl="1"/>
+            <a:r>
+              <a:rPr lang="en-US" dirty="0"/>
+              <a:t>Pacing, tone, and emphasis</a:t>
+            </a:r>
+          </a:p>
+          <a:p>
+            <a:r>
+              <a:rPr lang="en-US" dirty="0"/>
+              <a:t>TIMING AND TRANSITIONS</a:t>
+            </a:r>
+          </a:p>
+          <a:p>
+            <a:pPr lvl="1"/>
+            <a:r>
+              <a:rPr lang="en-US" dirty="0"/>
+              <a:t>Aim for seamless, professional delivery</a:t>
+            </a:r>
+          </a:p>
+          <a:p>
+            <a:r>
+              <a:rPr lang="en-US" dirty="0"/>
+              <a:t>PRACTICE AUDIENCE</a:t>
+            </a:r>
+          </a:p>
+          <a:p>
+            <a:pPr lvl="1"/>
+            <a:r>
+              <a:rPr lang="en-US" dirty="0"/>
+              <a:t>Enlist colleagues to listen &amp; provide feedback</a:t>
+            </a:r>
+          </a:p>
+        </p:txBody>
+      </p:sp>
+      <p:sp>
+        <p:nvSpPr>
+          <p:cNvPr id="5" name="Content Placeholder 4">
+            <a:extLst>
+              <a:ext uri="{FF2B5EF4-FFF2-40B4-BE49-F238E27FC236}">
+                <a16:creationId xmlns:a16="http://schemas.microsoft.com/office/drawing/2014/main" id="{7DA9EE9E-3073-7E11-3AA5-F77C3B48A97F}"/>
+              </a:ext>
+            </a:extLst>
+          </p:cNvPr>
+          <p:cNvSpPr>
+            <a:spLocks noGrp="1"/>
+          </p:cNvSpPr>
+          <p:nvPr>
+            <p:ph sz="quarter" idx="12"/>
+          </p:nvPr>
+        </p:nvSpPr>
+        <p:spPr/>
+        <p:txBody>
+          <a:bodyPr>
+            <a:normAutofit/>
+          </a:bodyPr>
+          <a:lstStyle/>
+          <a:p>
+            <a:r>
+              <a:rPr lang="en-US" dirty="0"/>
+              <a:t>Seek feedback</a:t>
+            </a:r>
+          </a:p>
+          <a:p>
+            <a:r>
+              <a:rPr lang="en-US" dirty="0"/>
+              <a:t>Reflect on performance</a:t>
+            </a:r>
+          </a:p>
+          <a:p>
+            <a:r>
+              <a:rPr lang="en-US" dirty="0"/>
+              <a:t>Explore new techniques</a:t>
+            </a:r>
+          </a:p>
+          <a:p>
+            <a:r>
+              <a:rPr lang="en-US" dirty="0"/>
+              <a:t>Set personal goals</a:t>
+            </a:r>
+          </a:p>
+          <a:p>
+            <a:r>
+              <a:rPr lang="en-US" dirty="0"/>
+              <a:t>Iterate and adapt</a:t>
+            </a:r>
+          </a:p>
+        </p:txBody>
+      </p:sp>
+      <p:sp>
+        <p:nvSpPr>
+          <p:cNvPr id="4" name="Slide Number Placeholder 3">
+            <a:extLst>
+              <a:ext uri="{FF2B5EF4-FFF2-40B4-BE49-F238E27FC236}">
+                <a16:creationId xmlns:a16="http://schemas.microsoft.com/office/drawing/2014/main" id="{AE59500A-4B75-29F9-CE37-C3E13D6A566A}"/>
+              </a:ext>
+            </a:extLst>
+          </p:cNvPr>
+          <p:cNvSpPr>
+            <a:spLocks noGrp="1"/>
+          </p:cNvSpPr>
+          <p:nvPr>
+            <p:ph type="sldNum" sz="quarter" idx="4"/>
+          </p:nvPr>
+        </p:nvSpPr>
+        <p:spPr/>
+        <p:txBody>
+          <a:bodyPr/>
+          <a:lstStyle/>
+          <a:p>
+            <a:fld id="{58FB4751-880F-D840-AAA9-3A15815CC996}" type="slidenum">
+              <a:rPr lang="en-US" smtClean="0"/>
+              <a:pPr/>
+              <a:t>16</a:t>
+            </a:fld>
+            <a:endParaRPr lang="en-US" dirty="0"/>
+          </a:p>
+        </p:txBody>
+      </p:sp>
+    </p:spTree>
+    <p:extLst>
+      <p:ext uri="{BB962C8B-B14F-4D97-AF65-F5344CB8AC3E}">
+        <p14:creationId xmlns:p14="http://schemas.microsoft.com/office/powerpoint/2010/main" val="4132147533"/>
+      </p:ext>
+    </p:extLst>
+  </p:cSld>
+  <p:clrMapOvr>
+    <a:masterClrMapping/>
+  </p:clrMapOvr>
+</p:sld>
+</file>
+
+<file path=ppt/slides/slide17.xml><?xml version="1.0" encoding="utf-8"?>
+<p:sld xmlns:a="http://schemas.openxmlformats.org/drawingml/2006/main" xmlns:r="http://schemas.openxmlformats.org/officeDocument/2006/relationships" xmlns:p="http://schemas.openxmlformats.org/presentationml/2006/main">
+  <p:cSld>
+    <p:spTree>
+      <p:nvGrpSpPr>
+        <p:cNvPr id="1" name="">
+          <a:extLst>
+            <a:ext uri="{FF2B5EF4-FFF2-40B4-BE49-F238E27FC236}">
+              <a16:creationId xmlns:a16="http://schemas.microsoft.com/office/drawing/2014/main" id="{CF2E2B8E-6B88-3DED-A68D-27D18E32C50C}"/>
+            </a:ext>
+          </a:extLst>
+        </p:cNvPr>
+        <p:cNvGrpSpPr/>
+        <p:nvPr/>
+      </p:nvGrpSpPr>
+      <p:grpSpPr>
+        <a:xfrm>
+          <a:off x="0" y="0"/>
+          <a:ext cx="0" cy="0"/>
+          <a:chOff x="0" y="0"/>
+          <a:chExt cx="0" cy="0"/>
+        </a:xfrm>
+      </p:grpSpPr>
+      <p:sp>
+        <p:nvSpPr>
+          <p:cNvPr id="2" name="Title 1">
+            <a:extLst>
+              <a:ext uri="{FF2B5EF4-FFF2-40B4-BE49-F238E27FC236}">
+                <a16:creationId xmlns:a16="http://schemas.microsoft.com/office/drawing/2014/main" id="{AD3B6220-F952-A53F-5BBE-1A35DC717F73}"/>
+              </a:ext>
+            </a:extLst>
+          </p:cNvPr>
+          <p:cNvSpPr>
+            <a:spLocks noGrp="1"/>
+          </p:cNvSpPr>
+          <p:nvPr>
+            <p:ph type="title"/>
+          </p:nvPr>
+        </p:nvSpPr>
+        <p:spPr>
+          <a:xfrm>
+            <a:off x="914400" y="914400"/>
+            <a:ext cx="10360152" cy="2807208"/>
+          </a:xfrm>
+        </p:spPr>
+        <p:txBody>
+          <a:bodyPr/>
+          <a:lstStyle/>
+          <a:p>
+            <a:r>
+              <a:rPr lang="en-US" dirty="0"/>
+              <a:t>Why buy our product?</a:t>
+            </a:r>
+          </a:p>
+        </p:txBody>
+      </p:sp>
+      <p:sp>
+        <p:nvSpPr>
+          <p:cNvPr id="3" name="Text Placeholder 2">
+            <a:extLst>
+              <a:ext uri="{FF2B5EF4-FFF2-40B4-BE49-F238E27FC236}">
+                <a16:creationId xmlns:a16="http://schemas.microsoft.com/office/drawing/2014/main" id="{AB13457D-A477-94B8-CA47-3E5677B413EE}"/>
+              </a:ext>
+            </a:extLst>
+          </p:cNvPr>
+          <p:cNvSpPr>
+            <a:spLocks noGrp="1"/>
+          </p:cNvSpPr>
+          <p:nvPr>
+            <p:ph type="body" sz="quarter" idx="13"/>
+          </p:nvPr>
+        </p:nvSpPr>
+        <p:spPr/>
+        <p:txBody>
+          <a:bodyPr/>
+          <a:lstStyle/>
+          <a:p>
+            <a:endParaRPr lang="en-US" dirty="0"/>
+          </a:p>
+        </p:txBody>
+      </p:sp>
+    </p:spTree>
+    <p:extLst>
+      <p:ext uri="{BB962C8B-B14F-4D97-AF65-F5344CB8AC3E}">
+        <p14:creationId xmlns:p14="http://schemas.microsoft.com/office/powerpoint/2010/main" val="2269628443"/>
+      </p:ext>
+    </p:extLst>
+  </p:cSld>
+  <p:clrMapOvr>
+    <a:masterClrMapping/>
+  </p:clrMapOvr>
+</p:sld>
+</file>
+
+<file path=ppt/slides/slide18.xml><?xml version="1.0" encoding="utf-8"?>
+<p:sld xmlns:a="http://schemas.openxmlformats.org/drawingml/2006/main" xmlns:r="http://schemas.openxmlformats.org/officeDocument/2006/relationships" xmlns:p="http://schemas.openxmlformats.org/presentationml/2006/main">
+  <p:cSld>
     <p:spTree>
       <p:nvGrpSpPr>
         <p:cNvPr id="1" name=""/>
@@ -30827,7 +32066,7 @@
             <a:fld id="{58FB4751-880F-D840-AAA9-3A15815CC996}" type="slidenum">
               <a:rPr lang="en-US" smtClean="0"/>
               <a:pPr/>
-              <a:t>10</a:t>
+              <a:t>18</a:t>
             </a:fld>
             <a:endParaRPr lang="en-US" dirty="0"/>
           </a:p>
@@ -30846,226 +32085,7 @@
 </p:sld>
 </file>
 
-<file path=ppt/slides/slide11.xml><?xml version="1.0" encoding="utf-8"?>
-<p:sld xmlns:a="http://schemas.openxmlformats.org/drawingml/2006/main" xmlns:r="http://schemas.openxmlformats.org/officeDocument/2006/relationships" xmlns:p="http://schemas.openxmlformats.org/presentationml/2006/main">
-  <p:cSld>
-    <p:spTree>
-      <p:nvGrpSpPr>
-        <p:cNvPr id="1" name=""/>
-        <p:cNvGrpSpPr/>
-        <p:nvPr/>
-      </p:nvGrpSpPr>
-      <p:grpSpPr>
-        <a:xfrm>
-          <a:off x="0" y="0"/>
-          <a:ext cx="0" cy="0"/>
-          <a:chOff x="0" y="0"/>
-          <a:chExt cx="0" cy="0"/>
-        </a:xfrm>
-      </p:grpSpPr>
-      <p:sp>
-        <p:nvSpPr>
-          <p:cNvPr id="9" name="Title 8">
-            <a:extLst>
-              <a:ext uri="{FF2B5EF4-FFF2-40B4-BE49-F238E27FC236}">
-                <a16:creationId xmlns:a16="http://schemas.microsoft.com/office/drawing/2014/main" id="{EB33A77B-664F-FFD3-D61A-0D344C269A12}"/>
-              </a:ext>
-            </a:extLst>
-          </p:cNvPr>
-          <p:cNvSpPr>
-            <a:spLocks noGrp="1"/>
-          </p:cNvSpPr>
-          <p:nvPr>
-            <p:ph type="title"/>
-          </p:nvPr>
-        </p:nvSpPr>
-        <p:spPr/>
-        <p:txBody>
-          <a:bodyPr/>
-          <a:lstStyle/>
-          <a:p>
-            <a:r>
-              <a:rPr lang="en-US" sz="3200" dirty="0"/>
-              <a:t>final tips &amp; takeaways</a:t>
-            </a:r>
-            <a:endParaRPr lang="en-US" dirty="0"/>
-          </a:p>
-        </p:txBody>
-      </p:sp>
-      <p:sp>
-        <p:nvSpPr>
-          <p:cNvPr id="3" name="Content Placeholder 2">
-            <a:extLst>
-              <a:ext uri="{FF2B5EF4-FFF2-40B4-BE49-F238E27FC236}">
-                <a16:creationId xmlns:a16="http://schemas.microsoft.com/office/drawing/2014/main" id="{DA4B0F3C-5228-C9FB-1212-1D4894C80B46}"/>
-              </a:ext>
-            </a:extLst>
-          </p:cNvPr>
-          <p:cNvSpPr>
-            <a:spLocks noGrp="1"/>
-          </p:cNvSpPr>
-          <p:nvPr>
-            <p:ph sz="quarter" idx="13"/>
-          </p:nvPr>
-        </p:nvSpPr>
-        <p:spPr/>
-        <p:txBody>
-          <a:bodyPr>
-            <a:normAutofit lnSpcReduction="10000"/>
-          </a:bodyPr>
-          <a:lstStyle/>
-          <a:p>
-            <a:r>
-              <a:rPr lang="en-US" dirty="0"/>
-              <a:t>CONSISTENT REHEARSAL</a:t>
-            </a:r>
-          </a:p>
-          <a:p>
-            <a:pPr lvl="1"/>
-            <a:r>
-              <a:rPr lang="en-US" dirty="0"/>
-              <a:t>Strengthen your familiarity</a:t>
-            </a:r>
-          </a:p>
-          <a:p>
-            <a:r>
-              <a:rPr lang="en-US" dirty="0"/>
-              <a:t>REFINE DELIVERY STYLE</a:t>
-            </a:r>
-          </a:p>
-          <a:p>
-            <a:pPr lvl="1"/>
-            <a:r>
-              <a:rPr lang="en-US" dirty="0"/>
-              <a:t>Pacing, tone, and emphasis</a:t>
-            </a:r>
-          </a:p>
-          <a:p>
-            <a:r>
-              <a:rPr lang="en-US" dirty="0"/>
-              <a:t>TIMING AND TRANSITIONS</a:t>
-            </a:r>
-          </a:p>
-          <a:p>
-            <a:pPr lvl="1"/>
-            <a:r>
-              <a:rPr lang="en-US" dirty="0"/>
-              <a:t>Aim for seamless, professional delivery</a:t>
-            </a:r>
-          </a:p>
-          <a:p>
-            <a:r>
-              <a:rPr lang="en-US" dirty="0"/>
-              <a:t>PRACTICE AUDIENCE</a:t>
-            </a:r>
-          </a:p>
-          <a:p>
-            <a:pPr lvl="1"/>
-            <a:r>
-              <a:rPr lang="en-US" dirty="0"/>
-              <a:t>Enlist colleagues to listen &amp; provide feedback</a:t>
-            </a:r>
-          </a:p>
-        </p:txBody>
-      </p:sp>
-      <p:sp>
-        <p:nvSpPr>
-          <p:cNvPr id="5" name="Content Placeholder 4">
-            <a:extLst>
-              <a:ext uri="{FF2B5EF4-FFF2-40B4-BE49-F238E27FC236}">
-                <a16:creationId xmlns:a16="http://schemas.microsoft.com/office/drawing/2014/main" id="{7DA9EE9E-3073-7E11-3AA5-F77C3B48A97F}"/>
-              </a:ext>
-            </a:extLst>
-          </p:cNvPr>
-          <p:cNvSpPr>
-            <a:spLocks noGrp="1"/>
-          </p:cNvSpPr>
-          <p:nvPr>
-            <p:ph sz="quarter" idx="12"/>
-          </p:nvPr>
-        </p:nvSpPr>
-        <p:spPr/>
-        <p:txBody>
-          <a:bodyPr>
-            <a:normAutofit/>
-          </a:bodyPr>
-          <a:lstStyle/>
-          <a:p>
-            <a:r>
-              <a:rPr lang="en-US" dirty="0"/>
-              <a:t>Seek feedback</a:t>
-            </a:r>
-          </a:p>
-          <a:p>
-            <a:r>
-              <a:rPr lang="en-US" dirty="0"/>
-              <a:t>Reflect on performance</a:t>
-            </a:r>
-          </a:p>
-          <a:p>
-            <a:r>
-              <a:rPr lang="en-US" dirty="0"/>
-              <a:t>Explore new techniques</a:t>
-            </a:r>
-          </a:p>
-          <a:p>
-            <a:r>
-              <a:rPr lang="en-US" dirty="0"/>
-              <a:t>Set personal goals</a:t>
-            </a:r>
-          </a:p>
-          <a:p>
-            <a:r>
-              <a:rPr lang="en-US" dirty="0"/>
-              <a:t>Iterate and adapt</a:t>
-            </a:r>
-          </a:p>
-        </p:txBody>
-      </p:sp>
-      <p:sp>
-        <p:nvSpPr>
-          <p:cNvPr id="4" name="Slide Number Placeholder 3">
-            <a:extLst>
-              <a:ext uri="{FF2B5EF4-FFF2-40B4-BE49-F238E27FC236}">
-                <a16:creationId xmlns:a16="http://schemas.microsoft.com/office/drawing/2014/main" id="{AE59500A-4B75-29F9-CE37-C3E13D6A566A}"/>
-              </a:ext>
-            </a:extLst>
-          </p:cNvPr>
-          <p:cNvSpPr>
-            <a:spLocks noGrp="1"/>
-          </p:cNvSpPr>
-          <p:nvPr>
-            <p:ph type="sldNum" sz="quarter" idx="4"/>
-          </p:nvPr>
-        </p:nvSpPr>
-        <p:spPr/>
-        <p:txBody>
-          <a:bodyPr/>
-          <a:lstStyle/>
-          <a:p>
-            <a:fld id="{58FB4751-880F-D840-AAA9-3A15815CC996}" type="slidenum">
-              <a:rPr lang="en-US" smtClean="0"/>
-              <a:pPr/>
-              <a:t>11</a:t>
-            </a:fld>
-            <a:endParaRPr lang="en-US" dirty="0"/>
-          </a:p>
-        </p:txBody>
-      </p:sp>
-    </p:spTree>
-    <p:extLst>
-      <p:ext uri="{BB962C8B-B14F-4D97-AF65-F5344CB8AC3E}">
-        <p14:creationId xmlns:p14="http://schemas.microsoft.com/office/powerpoint/2010/main" val="4132147533"/>
-      </p:ext>
-    </p:extLst>
-  </p:cSld>
-  <p:clrMapOvr>
-    <a:masterClrMapping/>
-  </p:clrMapOvr>
-</p:sld>
-</file>
-
-<file path=ppt/slides/slide12.xml><?xml version="1.0" encoding="utf-8"?>
+<file path=ppt/slides/slide19.xml><?xml version="1.0" encoding="utf-8"?>
 <p:sld xmlns:a="http://schemas.openxmlformats.org/drawingml/2006/main" xmlns:r="http://schemas.openxmlformats.org/officeDocument/2006/relationships" xmlns:p="http://schemas.openxmlformats.org/presentationml/2006/main">
   <p:cSld>
     <p:spTree>
@@ -31649,7 +32669,7 @@
             <a:fld id="{58FB4751-880F-D840-AAA9-3A15815CC996}" type="slidenum">
               <a:rPr lang="en-US" smtClean="0"/>
               <a:pPr/>
-              <a:t>12</a:t>
+              <a:t>19</a:t>
             </a:fld>
             <a:endParaRPr lang="en-US" dirty="0"/>
           </a:p>
@@ -31659,123 +32679,6 @@
     <p:extLst>
       <p:ext uri="{BB962C8B-B14F-4D97-AF65-F5344CB8AC3E}">
         <p14:creationId xmlns:p14="http://schemas.microsoft.com/office/powerpoint/2010/main" val="3064996118"/>
-      </p:ext>
-    </p:extLst>
-  </p:cSld>
-  <p:clrMapOvr>
-    <a:masterClrMapping/>
-  </p:clrMapOvr>
-</p:sld>
-</file>
-
-<file path=ppt/slides/slide13.xml><?xml version="1.0" encoding="utf-8"?>
-<p:sld xmlns:a="http://schemas.openxmlformats.org/drawingml/2006/main" xmlns:r="http://schemas.openxmlformats.org/officeDocument/2006/relationships" xmlns:p="http://schemas.openxmlformats.org/presentationml/2006/main">
-  <p:cSld>
-    <p:bg>
-      <p:bgPr>
-        <a:solidFill>
-          <a:schemeClr val="bg2"/>
-        </a:solidFill>
-        <a:effectLst/>
-      </p:bgPr>
-    </p:bg>
-    <p:spTree>
-      <p:nvGrpSpPr>
-        <p:cNvPr id="1" name=""/>
-        <p:cNvGrpSpPr/>
-        <p:nvPr/>
-      </p:nvGrpSpPr>
-      <p:grpSpPr>
-        <a:xfrm>
-          <a:off x="0" y="0"/>
-          <a:ext cx="0" cy="0"/>
-          <a:chOff x="0" y="0"/>
-          <a:chExt cx="0" cy="0"/>
-        </a:xfrm>
-      </p:grpSpPr>
-      <p:sp>
-        <p:nvSpPr>
-          <p:cNvPr id="6" name="Title 5">
-            <a:extLst>
-              <a:ext uri="{FF2B5EF4-FFF2-40B4-BE49-F238E27FC236}">
-                <a16:creationId xmlns:a16="http://schemas.microsoft.com/office/drawing/2014/main" id="{D5DC0028-4150-0F89-E59C-F563C67F6CFD}"/>
-              </a:ext>
-            </a:extLst>
-          </p:cNvPr>
-          <p:cNvSpPr>
-            <a:spLocks noGrp="1"/>
-          </p:cNvSpPr>
-          <p:nvPr>
-            <p:ph type="ctrTitle"/>
-          </p:nvPr>
-        </p:nvSpPr>
-        <p:spPr/>
-        <p:txBody>
-          <a:bodyPr/>
-          <a:lstStyle/>
-          <a:p>
-            <a:r>
-              <a:rPr lang="en-US" dirty="0"/>
-              <a:t>thank you</a:t>
-            </a:r>
-          </a:p>
-        </p:txBody>
-      </p:sp>
-      <p:sp>
-        <p:nvSpPr>
-          <p:cNvPr id="11" name="Content Placeholder 10">
-            <a:extLst>
-              <a:ext uri="{FF2B5EF4-FFF2-40B4-BE49-F238E27FC236}">
-                <a16:creationId xmlns:a16="http://schemas.microsoft.com/office/drawing/2014/main" id="{C6DCC38C-603B-CCD0-2914-0BBCD4F4F74E}"/>
-              </a:ext>
-            </a:extLst>
-          </p:cNvPr>
-          <p:cNvSpPr>
-            <a:spLocks noGrp="1"/>
-          </p:cNvSpPr>
-          <p:nvPr>
-            <p:ph sz="quarter" idx="13"/>
-          </p:nvPr>
-        </p:nvSpPr>
-        <p:spPr/>
-        <p:txBody>
-          <a:bodyPr anchor="ctr"/>
-          <a:lstStyle/>
-          <a:p>
-            <a:r>
-              <a:rPr lang="en-US" dirty="0"/>
-              <a:t>BRITA TAMM</a:t>
-            </a:r>
-          </a:p>
-          <a:p>
-            <a:r>
-              <a:rPr lang="en-US" dirty="0"/>
-              <a:t>502-555-0152</a:t>
-            </a:r>
-          </a:p>
-          <a:p>
-            <a:pPr lvl="1"/>
-            <a:r>
-              <a:rPr lang="en-US" dirty="0"/>
-              <a:t>brita@firstupconsultants.com</a:t>
-            </a:r>
-          </a:p>
-          <a:p>
-            <a:pPr lvl="1"/>
-            <a:r>
-              <a:rPr lang="en-US" dirty="0"/>
-              <a:t>www.firstupconsultants.com</a:t>
-            </a:r>
-          </a:p>
-          <a:p>
-            <a:endParaRPr lang="en-US" dirty="0"/>
-          </a:p>
-        </p:txBody>
-      </p:sp>
-    </p:spTree>
-    <p:extLst>
-      <p:ext uri="{BB962C8B-B14F-4D97-AF65-F5344CB8AC3E}">
-        <p14:creationId xmlns:p14="http://schemas.microsoft.com/office/powerpoint/2010/main" val="2188828507"/>
       </p:ext>
     </p:extLst>
   </p:cSld>
@@ -31846,14 +32749,14 @@
             <p:ph idx="1"/>
             <p:extLst>
               <p:ext uri="{D42A27DB-BD31-4B8C-83A1-F6EECF244321}">
-                <p14:modId xmlns:p14="http://schemas.microsoft.com/office/powerpoint/2010/main" val="438499091"/>
+                <p14:modId xmlns:p14="http://schemas.microsoft.com/office/powerpoint/2010/main" val="635766959"/>
               </p:ext>
             </p:extLst>
           </p:nvPr>
         </p:nvGraphicFramePr>
         <p:xfrm>
-          <a:off x="1450975" y="2016125"/>
-          <a:ext cx="9604375" cy="3449638"/>
+          <a:off x="1451579" y="1853754"/>
+          <a:ext cx="9604373" cy="4267912"/>
         </p:xfrm>
         <a:graphic>
           <a:graphicData uri="http://schemas.openxmlformats.org/drawingml/2006/table">
@@ -31868,13 +32771,13 @@
                   </a:extLst>
                 </a:gridCol>
               </a:tblGrid>
-              <a:tr h="782798">
+              <a:tr h="432246">
                 <a:tc>
                   <a:txBody>
                     <a:bodyPr/>
                     <a:lstStyle/>
                     <a:p>
-                      <a:pPr marL="0" marR="0" lvl="0" indent="0" algn="r" defTabSz="914400" rtl="0" eaLnBrk="1" fontAlgn="auto" latinLnBrk="0" hangingPunct="1">
+                      <a:pPr marL="285750" marR="0" lvl="0" indent="-285750" algn="l" defTabSz="914400" rtl="0" eaLnBrk="1" fontAlgn="auto" latinLnBrk="0" hangingPunct="1">
                         <a:lnSpc>
                           <a:spcPct val="100000"/>
                         </a:lnSpc>
@@ -31886,26 +32789,14 @@
                         </a:spcAft>
                         <a:buClrTx/>
                         <a:buSzTx/>
-                        <a:buFontTx/>
-                        <a:buNone/>
+                        <a:buFont typeface="Arial" panose="020B0604020202020204" pitchFamily="34" charset="0"/>
+                        <a:buChar char="•"/>
                         <a:tabLst/>
                         <a:defRPr/>
                       </a:pPr>
                       <a:r>
-                        <a:rPr lang="en-US" sz="2400" b="0" dirty="0">
-                          <a:latin typeface="+mn-lt"/>
-                          <a:cs typeface="Gill Sans Light" panose="020B0302020104020203" pitchFamily="34" charset="-79"/>
-                        </a:rPr>
-                        <a:t>INTRODUCTION</a:t>
-                      </a:r>
-                    </a:p>
-                    <a:p>
-                      <a:pPr algn="r"/>
-                      <a:r>
-                        <a:rPr lang="en-US" sz="2400" b="0" dirty="0">
-                          <a:latin typeface="+mj-lt"/>
-                        </a:rPr>
-                        <a:t>3</a:t>
+                        <a:rPr lang="en-US" dirty="0"/>
+                        <a:t>Project description and motivation</a:t>
                       </a:r>
                     </a:p>
                   </a:txBody>
@@ -31947,30 +32838,32 @@
                   </a:ext>
                 </a:extLst>
               </a:tr>
-              <a:tr h="979008">
+              <a:tr h="429299">
                 <a:tc>
                   <a:txBody>
                     <a:bodyPr/>
                     <a:lstStyle/>
                     <a:p>
-                      <a:pPr algn="r"/>
+                      <a:pPr marL="285750" marR="0" lvl="0" indent="-285750" algn="l" defTabSz="914400" rtl="0" eaLnBrk="1" fontAlgn="auto" latinLnBrk="0" hangingPunct="1">
+                        <a:lnSpc>
+                          <a:spcPct val="100000"/>
+                        </a:lnSpc>
+                        <a:spcBef>
+                          <a:spcPts val="0"/>
+                        </a:spcBef>
+                        <a:spcAft>
+                          <a:spcPts val="0"/>
+                        </a:spcAft>
+                        <a:buClrTx/>
+                        <a:buSzTx/>
+                        <a:buFont typeface="Arial" panose="020B0604020202020204" pitchFamily="34" charset="0"/>
+                        <a:buChar char="•"/>
+                        <a:tabLst/>
+                        <a:defRPr/>
+                      </a:pPr>
                       <a:r>
-                        <a:rPr lang="en-US" sz="2400" b="0" dirty="0"/>
-                        <a:t>BUILDING CONFIDENCE</a:t>
-                      </a:r>
-                    </a:p>
-                    <a:p>
-                      <a:pPr marL="0" algn="r" defTabSz="914400" rtl="0" eaLnBrk="1" latinLnBrk="0" hangingPunct="1"/>
-                      <a:r>
-                        <a:rPr lang="en-US" sz="2400" b="0" kern="1200" dirty="0">
-                          <a:solidFill>
-                            <a:schemeClr val="tx1"/>
-                          </a:solidFill>
-                          <a:latin typeface="+mj-lt"/>
-                          <a:ea typeface="+mn-ea"/>
-                          <a:cs typeface="+mn-cs"/>
-                        </a:rPr>
-                        <a:t>4</a:t>
+                        <a:rPr lang="en-US" dirty="0"/>
+                        <a:t>Major technical solutions compared </a:t>
                       </a:r>
                     </a:p>
                   </a:txBody>
@@ -32017,30 +32910,45 @@
                   </a:ext>
                 </a:extLst>
               </a:tr>
-              <a:tr h="998987">
+              <a:tr h="395514">
                 <a:tc>
                   <a:txBody>
                     <a:bodyPr/>
                     <a:lstStyle/>
                     <a:p>
-                      <a:pPr algn="r"/>
+                      <a:pPr marL="285750" marR="0" lvl="0" indent="-285750" algn="l" defTabSz="914400" rtl="0" eaLnBrk="1" fontAlgn="auto" latinLnBrk="0" hangingPunct="1">
+                        <a:lnSpc>
+                          <a:spcPct val="100000"/>
+                        </a:lnSpc>
+                        <a:spcBef>
+                          <a:spcPts val="0"/>
+                        </a:spcBef>
+                        <a:spcAft>
+                          <a:spcPts val="0"/>
+                        </a:spcAft>
+                        <a:buClrTx/>
+                        <a:buSzTx/>
+                        <a:buFont typeface="Arial" panose="020B0604020202020204" pitchFamily="34" charset="0"/>
+                        <a:buChar char="•"/>
+                        <a:tabLst/>
+                        <a:defRPr/>
+                      </a:pPr>
                       <a:r>
-                        <a:rPr lang="en-US" sz="2400" b="0" dirty="0"/>
-                        <a:t>ENGAGING THE AUDIENCE</a:t>
-                      </a:r>
-                    </a:p>
-                    <a:p>
-                      <a:pPr marL="0" algn="r" defTabSz="914400" rtl="0" eaLnBrk="1" latinLnBrk="0" hangingPunct="1"/>
-                      <a:r>
-                        <a:rPr lang="en-US" sz="2400" b="0" kern="1200" dirty="0">
+                        <a:rPr kumimoji="0" lang="en-US" sz="1800" b="0" i="0" u="none" strike="noStrike" kern="1200" cap="none" spc="0" normalizeH="0" baseline="0" noProof="0" dirty="0">
+                          <a:ln>
+                            <a:noFill/>
+                          </a:ln>
                           <a:solidFill>
-                            <a:schemeClr val="tx1"/>
+                            <a:prstClr val="black"/>
                           </a:solidFill>
-                          <a:latin typeface="+mj-lt"/>
+                          <a:effectLst/>
+                          <a:uLnTx/>
+                          <a:uFillTx/>
+                          <a:latin typeface="+mn-lt"/>
                           <a:ea typeface="+mn-ea"/>
                           <a:cs typeface="+mn-cs"/>
                         </a:rPr>
-                        <a:t>5</a:t>
+                        <a:t>Project Demo </a:t>
                       </a:r>
                     </a:p>
                   </a:txBody>
@@ -32087,13 +32995,13 @@
                   </a:ext>
                 </a:extLst>
               </a:tr>
-              <a:tr h="959028">
+              <a:tr h="355963">
                 <a:tc>
                   <a:txBody>
                     <a:bodyPr/>
                     <a:lstStyle/>
                     <a:p>
-                      <a:pPr marL="0" marR="0" lvl="0" indent="0" algn="r" defTabSz="914400" rtl="0" eaLnBrk="1" fontAlgn="auto" latinLnBrk="0" hangingPunct="1">
+                      <a:pPr marL="285750" marR="0" lvl="0" indent="-285750" algn="l" defTabSz="914400" rtl="0" eaLnBrk="1" fontAlgn="auto" latinLnBrk="0" hangingPunct="1">
                         <a:lnSpc>
                           <a:spcPct val="100000"/>
                         </a:lnSpc>
@@ -32105,32 +33013,27 @@
                         </a:spcAft>
                         <a:buClrTx/>
                         <a:buSzTx/>
-                        <a:buFontTx/>
-                        <a:buNone/>
+                        <a:buFont typeface="Arial" panose="020B0604020202020204" pitchFamily="34" charset="0"/>
+                        <a:buChar char="•"/>
                         <a:tabLst/>
                         <a:defRPr/>
                       </a:pPr>
                       <a:r>
-                        <a:rPr lang="en-US" sz="2400" b="0" dirty="0"/>
-                        <a:t>VISUAL AIDS</a:t>
-                      </a:r>
-                      <a:endParaRPr lang="en-US" sz="2400" b="0" dirty="0">
-                        <a:latin typeface="+mn-lt"/>
-                        <a:cs typeface="Gill Sans Light" panose="020B0302020104020203" pitchFamily="34" charset="-79"/>
-                      </a:endParaRPr>
-                    </a:p>
-                    <a:p>
-                      <a:pPr marL="0" algn="r" defTabSz="914400" rtl="0" eaLnBrk="1" latinLnBrk="0" hangingPunct="1"/>
-                      <a:r>
-                        <a:rPr lang="en-US" sz="2400" b="0" kern="1200" dirty="0">
+                        <a:rPr kumimoji="0" lang="en-US" sz="1800" b="0" i="0" u="none" strike="noStrike" kern="1200" cap="none" spc="0" normalizeH="0" baseline="0" dirty="0">
+                          <a:ln>
+                            <a:noFill/>
+                          </a:ln>
                           <a:solidFill>
-                            <a:schemeClr val="tx1"/>
+                            <a:prstClr val="black"/>
                           </a:solidFill>
-                          <a:latin typeface="+mj-lt"/>
+                          <a:effectLst/>
+                          <a:uLnTx/>
+                          <a:uFillTx/>
+                          <a:latin typeface="+mn-lt"/>
                           <a:ea typeface="+mn-ea"/>
                           <a:cs typeface="+mn-cs"/>
                         </a:rPr>
-                        <a:t> 6</a:t>
+                        <a:t>GitHub tour</a:t>
                       </a:r>
                     </a:p>
                   </a:txBody>
@@ -32177,7 +33080,336 @@
                   </a:ext>
                 </a:extLst>
               </a:tr>
-              <a:tr h="854835">
+              <a:tr h="327995">
+                <a:tc>
+                  <a:txBody>
+                    <a:bodyPr/>
+                    <a:lstStyle/>
+                    <a:p>
+                      <a:pPr marL="285750" indent="-285750" algn="l">
+                        <a:buFont typeface="Arial" panose="020B0604020202020204" pitchFamily="34" charset="0"/>
+                        <a:buChar char="•"/>
+                      </a:pPr>
+                      <a:r>
+                        <a:rPr lang="en-US" dirty="0"/>
+                        <a:t>Development journey (plan x actual experience)</a:t>
+                      </a:r>
+                    </a:p>
+                  </a:txBody>
+                  <a:tcPr marL="209550" marR="209550" anchor="b">
+                    <a:lnL w="12700" cmpd="sng">
+                      <a:noFill/>
+                      <a:prstDash val="solid"/>
+                    </a:lnL>
+                    <a:lnR w="12700" cmpd="sng">
+                      <a:noFill/>
+                      <a:prstDash val="solid"/>
+                    </a:lnR>
+                    <a:lnT w="9525" cap="flat" cmpd="sng" algn="ctr">
+                      <a:solidFill>
+                        <a:schemeClr val="tx1"/>
+                      </a:solidFill>
+                      <a:prstDash val="solid"/>
+                      <a:round/>
+                      <a:headEnd type="none" w="med" len="med"/>
+                      <a:tailEnd type="none" w="med" len="med"/>
+                    </a:lnT>
+                    <a:lnB w="9525" cap="flat" cmpd="sng" algn="ctr">
+                      <a:solidFill>
+                        <a:schemeClr val="tx1"/>
+                      </a:solidFill>
+                      <a:prstDash val="solid"/>
+                      <a:round/>
+                      <a:headEnd type="none" w="med" len="med"/>
+                      <a:tailEnd type="none" w="med" len="med"/>
+                    </a:lnB>
+                    <a:lnTlToBr w="12700" cmpd="sng">
+                      <a:noFill/>
+                      <a:prstDash val="solid"/>
+                    </a:lnTlToBr>
+                    <a:lnBlToTr w="12700" cmpd="sng">
+                      <a:noFill/>
+                      <a:prstDash val="solid"/>
+                    </a:lnBlToTr>
+                  </a:tcPr>
+                </a:tc>
+                <a:extLst>
+                  <a:ext uri="{0D108BD9-81ED-4DB2-BD59-A6C34878D82A}">
+                    <a16:rowId xmlns:a16="http://schemas.microsoft.com/office/drawing/2014/main" val="3056376589"/>
+                  </a:ext>
+                </a:extLst>
+              </a:tr>
+              <a:tr h="367584">
+                <a:tc>
+                  <a:txBody>
+                    <a:bodyPr/>
+                    <a:lstStyle/>
+                    <a:p>
+                      <a:pPr marL="285750" indent="-285750" algn="l">
+                        <a:buFont typeface="Arial" panose="020B0604020202020204" pitchFamily="34" charset="0"/>
+                        <a:buChar char="•"/>
+                      </a:pPr>
+                      <a:r>
+                        <a:rPr kumimoji="0" lang="en-US" sz="1800" b="0" i="0" u="none" strike="noStrike" kern="1200" cap="none" spc="0" normalizeH="0" baseline="0" noProof="0" dirty="0">
+                          <a:ln>
+                            <a:noFill/>
+                          </a:ln>
+                          <a:solidFill>
+                            <a:prstClr val="black"/>
+                          </a:solidFill>
+                          <a:effectLst/>
+                          <a:uLnTx/>
+                          <a:uFillTx/>
+                          <a:latin typeface="+mn-lt"/>
+                          <a:ea typeface="+mn-ea"/>
+                          <a:cs typeface="+mn-cs"/>
+                        </a:rPr>
+                        <a:t>Major challenges </a:t>
+                      </a:r>
+                      <a:endParaRPr lang="en-US" sz="2400" b="0" kern="1200" dirty="0">
+                        <a:solidFill>
+                          <a:schemeClr val="tx1"/>
+                        </a:solidFill>
+                        <a:latin typeface="+mj-lt"/>
+                        <a:ea typeface="+mn-ea"/>
+                        <a:cs typeface="+mn-cs"/>
+                      </a:endParaRPr>
+                    </a:p>
+                  </a:txBody>
+                  <a:tcPr marL="209550" marR="209550" anchor="b">
+                    <a:lnL w="12700" cmpd="sng">
+                      <a:noFill/>
+                      <a:prstDash val="solid"/>
+                    </a:lnL>
+                    <a:lnR w="12700" cmpd="sng">
+                      <a:noFill/>
+                      <a:prstDash val="solid"/>
+                    </a:lnR>
+                    <a:lnT w="9525" cap="flat" cmpd="sng" algn="ctr">
+                      <a:solidFill>
+                        <a:schemeClr val="tx1"/>
+                      </a:solidFill>
+                      <a:prstDash val="solid"/>
+                      <a:round/>
+                      <a:headEnd type="none" w="med" len="med"/>
+                      <a:tailEnd type="none" w="med" len="med"/>
+                    </a:lnT>
+                    <a:lnB w="9525" cap="flat" cmpd="sng" algn="ctr">
+                      <a:solidFill>
+                        <a:schemeClr val="tx1"/>
+                      </a:solidFill>
+                      <a:prstDash val="solid"/>
+                      <a:round/>
+                      <a:headEnd type="none" w="med" len="med"/>
+                      <a:tailEnd type="none" w="med" len="med"/>
+                    </a:lnB>
+                    <a:lnTlToBr w="12700" cmpd="sng">
+                      <a:noFill/>
+                      <a:prstDash val="solid"/>
+                    </a:lnTlToBr>
+                    <a:lnBlToTr w="12700" cmpd="sng">
+                      <a:noFill/>
+                      <a:prstDash val="solid"/>
+                    </a:lnBlToTr>
+                  </a:tcPr>
+                </a:tc>
+                <a:extLst>
+                  <a:ext uri="{0D108BD9-81ED-4DB2-BD59-A6C34878D82A}">
+                    <a16:rowId xmlns:a16="http://schemas.microsoft.com/office/drawing/2014/main" val="4273466372"/>
+                  </a:ext>
+                </a:extLst>
+              </a:tr>
+              <a:tr h="355963">
+                <a:tc>
+                  <a:txBody>
+                    <a:bodyPr/>
+                    <a:lstStyle/>
+                    <a:p>
+                      <a:pPr marL="285750" indent="-285750" algn="l">
+                        <a:buFont typeface="Arial" panose="020B0604020202020204" pitchFamily="34" charset="0"/>
+                        <a:buChar char="•"/>
+                      </a:pPr>
+                      <a:r>
+                        <a:rPr lang="en-US" dirty="0"/>
+                        <a:t>Major accomplishments</a:t>
+                      </a:r>
+                    </a:p>
+                  </a:txBody>
+                  <a:tcPr marL="209550" marR="209550" anchor="b">
+                    <a:lnL w="12700" cmpd="sng">
+                      <a:noFill/>
+                      <a:prstDash val="solid"/>
+                    </a:lnL>
+                    <a:lnR w="12700" cmpd="sng">
+                      <a:noFill/>
+                      <a:prstDash val="solid"/>
+                    </a:lnR>
+                    <a:lnT w="9525" cap="flat" cmpd="sng" algn="ctr">
+                      <a:solidFill>
+                        <a:schemeClr val="tx1"/>
+                      </a:solidFill>
+                      <a:prstDash val="solid"/>
+                      <a:round/>
+                      <a:headEnd type="none" w="med" len="med"/>
+                      <a:tailEnd type="none" w="med" len="med"/>
+                    </a:lnT>
+                    <a:lnB w="9525" cap="flat" cmpd="sng" algn="ctr">
+                      <a:solidFill>
+                        <a:schemeClr val="tx1"/>
+                      </a:solidFill>
+                      <a:prstDash val="solid"/>
+                      <a:round/>
+                      <a:headEnd type="none" w="med" len="med"/>
+                      <a:tailEnd type="none" w="med" len="med"/>
+                    </a:lnB>
+                    <a:lnTlToBr w="12700" cmpd="sng">
+                      <a:noFill/>
+                      <a:prstDash val="solid"/>
+                    </a:lnTlToBr>
+                    <a:lnBlToTr w="12700" cmpd="sng">
+                      <a:noFill/>
+                      <a:prstDash val="solid"/>
+                    </a:lnBlToTr>
+                  </a:tcPr>
+                </a:tc>
+                <a:extLst>
+                  <a:ext uri="{0D108BD9-81ED-4DB2-BD59-A6C34878D82A}">
+                    <a16:rowId xmlns:a16="http://schemas.microsoft.com/office/drawing/2014/main" val="1400689766"/>
+                  </a:ext>
+                </a:extLst>
+              </a:tr>
+              <a:tr h="327995">
+                <a:tc>
+                  <a:txBody>
+                    <a:bodyPr/>
+                    <a:lstStyle/>
+                    <a:p>
+                      <a:pPr marL="285750" marR="0" lvl="0" indent="-285750" algn="l" defTabSz="914400" rtl="0" eaLnBrk="1" fontAlgn="auto" latinLnBrk="0" hangingPunct="1">
+                        <a:lnSpc>
+                          <a:spcPct val="100000"/>
+                        </a:lnSpc>
+                        <a:spcBef>
+                          <a:spcPts val="0"/>
+                        </a:spcBef>
+                        <a:spcAft>
+                          <a:spcPts val="0"/>
+                        </a:spcAft>
+                        <a:buClrTx/>
+                        <a:buSzTx/>
+                        <a:buFont typeface="Arial" panose="020B0604020202020204" pitchFamily="34" charset="0"/>
+                        <a:buChar char="•"/>
+                        <a:tabLst/>
+                        <a:defRPr/>
+                      </a:pPr>
+                      <a:r>
+                        <a:rPr lang="en-US" dirty="0"/>
+                        <a:t>Future plans (for us or someone else taking over)</a:t>
+                      </a:r>
+                    </a:p>
+                  </a:txBody>
+                  <a:tcPr marL="209550" marR="209550" anchor="b">
+                    <a:lnL w="12700" cmpd="sng">
+                      <a:noFill/>
+                      <a:prstDash val="solid"/>
+                    </a:lnL>
+                    <a:lnR w="12700" cmpd="sng">
+                      <a:noFill/>
+                      <a:prstDash val="solid"/>
+                    </a:lnR>
+                    <a:lnT w="9525" cap="flat" cmpd="sng" algn="ctr">
+                      <a:solidFill>
+                        <a:schemeClr val="tx1"/>
+                      </a:solidFill>
+                      <a:prstDash val="solid"/>
+                      <a:round/>
+                      <a:headEnd type="none" w="med" len="med"/>
+                      <a:tailEnd type="none" w="med" len="med"/>
+                    </a:lnT>
+                    <a:lnB w="9525" cap="flat" cmpd="sng" algn="ctr">
+                      <a:solidFill>
+                        <a:schemeClr val="tx1"/>
+                      </a:solidFill>
+                      <a:prstDash val="solid"/>
+                      <a:round/>
+                      <a:headEnd type="none" w="med" len="med"/>
+                      <a:tailEnd type="none" w="med" len="med"/>
+                    </a:lnB>
+                    <a:lnTlToBr w="12700" cmpd="sng">
+                      <a:noFill/>
+                      <a:prstDash val="solid"/>
+                    </a:lnTlToBr>
+                    <a:lnBlToTr w="12700" cmpd="sng">
+                      <a:noFill/>
+                      <a:prstDash val="solid"/>
+                    </a:lnBlToTr>
+                  </a:tcPr>
+                </a:tc>
+                <a:extLst>
+                  <a:ext uri="{0D108BD9-81ED-4DB2-BD59-A6C34878D82A}">
+                    <a16:rowId xmlns:a16="http://schemas.microsoft.com/office/drawing/2014/main" val="2266177308"/>
+                  </a:ext>
+                </a:extLst>
+              </a:tr>
+              <a:tr h="440729">
+                <a:tc>
+                  <a:txBody>
+                    <a:bodyPr/>
+                    <a:lstStyle/>
+                    <a:p>
+                      <a:pPr marL="285750" indent="-285750" algn="l">
+                        <a:buFont typeface="Arial" panose="020B0604020202020204" pitchFamily="34" charset="0"/>
+                        <a:buChar char="•"/>
+                      </a:pPr>
+                      <a:r>
+                        <a:rPr lang="en-US" dirty="0"/>
+                        <a:t>Why buy our product?</a:t>
+                      </a:r>
+                    </a:p>
+                  </a:txBody>
+                  <a:tcPr marL="209550" marR="209550" anchor="b">
+                    <a:lnL w="12700" cmpd="sng">
+                      <a:noFill/>
+                      <a:prstDash val="solid"/>
+                    </a:lnL>
+                    <a:lnR w="12700" cmpd="sng">
+                      <a:noFill/>
+                      <a:prstDash val="solid"/>
+                    </a:lnR>
+                    <a:lnT w="9525" cap="flat" cmpd="sng" algn="ctr">
+                      <a:solidFill>
+                        <a:schemeClr val="tx1"/>
+                      </a:solidFill>
+                      <a:prstDash val="solid"/>
+                      <a:round/>
+                      <a:headEnd type="none" w="med" len="med"/>
+                      <a:tailEnd type="none" w="med" len="med"/>
+                    </a:lnT>
+                    <a:lnB w="9525" cap="flat" cmpd="sng" algn="ctr">
+                      <a:solidFill>
+                        <a:schemeClr val="tx1"/>
+                      </a:solidFill>
+                      <a:prstDash val="solid"/>
+                      <a:round/>
+                      <a:headEnd type="none" w="med" len="med"/>
+                      <a:tailEnd type="none" w="med" len="med"/>
+                    </a:lnB>
+                    <a:lnTlToBr w="12700" cmpd="sng">
+                      <a:noFill/>
+                      <a:prstDash val="solid"/>
+                    </a:lnTlToBr>
+                    <a:lnBlToTr w="12700" cmpd="sng">
+                      <a:noFill/>
+                      <a:prstDash val="solid"/>
+                    </a:lnBlToTr>
+                  </a:tcPr>
+                </a:tc>
+                <a:extLst>
+                  <a:ext uri="{0D108BD9-81ED-4DB2-BD59-A6C34878D82A}">
+                    <a16:rowId xmlns:a16="http://schemas.microsoft.com/office/drawing/2014/main" val="2239056416"/>
+                  </a:ext>
+                </a:extLst>
+              </a:tr>
+              <a:tr h="739500">
                 <a:tc>
                   <a:txBody>
                     <a:bodyPr/>
@@ -32200,28 +33432,7 @@
                         <a:tabLst/>
                         <a:defRPr/>
                       </a:pPr>
-                      <a:r>
-                        <a:rPr lang="en-US" sz="2400" b="0" dirty="0"/>
-                        <a:t>FINAL TIPS &amp; TAKEAWAYS</a:t>
-                      </a:r>
-                      <a:endParaRPr lang="en-US" sz="2400" b="0" dirty="0">
-                        <a:latin typeface="+mn-lt"/>
-                        <a:cs typeface="Gill Sans Light" panose="020B0302020104020203" pitchFamily="34" charset="-79"/>
-                      </a:endParaRPr>
-                    </a:p>
-                    <a:p>
-                      <a:pPr marL="0" algn="r" defTabSz="914400" rtl="0" eaLnBrk="1" latinLnBrk="0" hangingPunct="1"/>
-                      <a:r>
-                        <a:rPr lang="en-US" sz="2400" b="0" kern="1200" dirty="0">
-                          <a:solidFill>
-                            <a:schemeClr val="tx1"/>
-                          </a:solidFill>
-                          <a:latin typeface="+mj-lt"/>
-                          <a:ea typeface="+mn-ea"/>
-                          <a:cs typeface="+mn-cs"/>
-                        </a:rPr>
-                        <a:t>11</a:t>
-                      </a:r>
+                      <a:endParaRPr lang="en-US" dirty="0"/>
                     </a:p>
                   </a:txBody>
                   <a:tcPr marL="209550" marR="209550" anchor="b">
@@ -32258,7 +33469,7 @@
                 </a:tc>
                 <a:extLst>
                   <a:ext uri="{0D108BD9-81ED-4DB2-BD59-A6C34878D82A}">
-                    <a16:rowId xmlns:a16="http://schemas.microsoft.com/office/drawing/2014/main" val="3056376589"/>
+                    <a16:rowId xmlns:a16="http://schemas.microsoft.com/office/drawing/2014/main" val="599534956"/>
                   </a:ext>
                 </a:extLst>
               </a:tr>
@@ -32270,6 +33481,97 @@
     <p:extLst>
       <p:ext uri="{BB962C8B-B14F-4D97-AF65-F5344CB8AC3E}">
         <p14:creationId xmlns:p14="http://schemas.microsoft.com/office/powerpoint/2010/main" val="586478555"/>
+      </p:ext>
+    </p:extLst>
+  </p:cSld>
+  <p:clrMapOvr>
+    <a:masterClrMapping/>
+  </p:clrMapOvr>
+</p:sld>
+</file>
+
+<file path=ppt/slides/slide20.xml><?xml version="1.0" encoding="utf-8"?>
+<p:sld xmlns:a="http://schemas.openxmlformats.org/drawingml/2006/main" xmlns:r="http://schemas.openxmlformats.org/officeDocument/2006/relationships" xmlns:p="http://schemas.openxmlformats.org/presentationml/2006/main">
+  <p:cSld>
+    <p:bg>
+      <p:bgPr>
+        <a:solidFill>
+          <a:schemeClr val="bg2"/>
+        </a:solidFill>
+        <a:effectLst/>
+      </p:bgPr>
+    </p:bg>
+    <p:spTree>
+      <p:nvGrpSpPr>
+        <p:cNvPr id="1" name=""/>
+        <p:cNvGrpSpPr/>
+        <p:nvPr/>
+      </p:nvGrpSpPr>
+      <p:grpSpPr>
+        <a:xfrm>
+          <a:off x="0" y="0"/>
+          <a:ext cx="0" cy="0"/>
+          <a:chOff x="0" y="0"/>
+          <a:chExt cx="0" cy="0"/>
+        </a:xfrm>
+      </p:grpSpPr>
+      <p:sp>
+        <p:nvSpPr>
+          <p:cNvPr id="6" name="Title 5">
+            <a:extLst>
+              <a:ext uri="{FF2B5EF4-FFF2-40B4-BE49-F238E27FC236}">
+                <a16:creationId xmlns:a16="http://schemas.microsoft.com/office/drawing/2014/main" id="{D5DC0028-4150-0F89-E59C-F563C67F6CFD}"/>
+              </a:ext>
+            </a:extLst>
+          </p:cNvPr>
+          <p:cNvSpPr>
+            <a:spLocks noGrp="1"/>
+          </p:cNvSpPr>
+          <p:nvPr>
+            <p:ph type="ctrTitle"/>
+          </p:nvPr>
+        </p:nvSpPr>
+        <p:spPr/>
+        <p:txBody>
+          <a:bodyPr/>
+          <a:lstStyle/>
+          <a:p>
+            <a:r>
+              <a:rPr lang="en-US" dirty="0"/>
+              <a:t>thank you!</a:t>
+            </a:r>
+          </a:p>
+        </p:txBody>
+      </p:sp>
+      <p:sp>
+        <p:nvSpPr>
+          <p:cNvPr id="11" name="Content Placeholder 10">
+            <a:extLst>
+              <a:ext uri="{FF2B5EF4-FFF2-40B4-BE49-F238E27FC236}">
+                <a16:creationId xmlns:a16="http://schemas.microsoft.com/office/drawing/2014/main" id="{C6DCC38C-603B-CCD0-2914-0BBCD4F4F74E}"/>
+              </a:ext>
+            </a:extLst>
+          </p:cNvPr>
+          <p:cNvSpPr>
+            <a:spLocks noGrp="1"/>
+          </p:cNvSpPr>
+          <p:nvPr>
+            <p:ph sz="quarter" idx="13"/>
+          </p:nvPr>
+        </p:nvSpPr>
+        <p:spPr/>
+        <p:txBody>
+          <a:bodyPr anchor="ctr"/>
+          <a:lstStyle/>
+          <a:p>
+            <a:endParaRPr lang="en-US" dirty="0"/>
+          </a:p>
+        </p:txBody>
+      </p:sp>
+    </p:spTree>
+    <p:extLst>
+      <p:ext uri="{BB962C8B-B14F-4D97-AF65-F5344CB8AC3E}">
+        <p14:creationId xmlns:p14="http://schemas.microsoft.com/office/powerpoint/2010/main" val="2188828507"/>
       </p:ext>
     </p:extLst>
   </p:cSld>
@@ -32317,19 +33619,34 @@
           <a:bodyPr/>
           <a:lstStyle/>
           <a:p>
+            <a:pPr marR="0" lvl="0" algn="l" defTabSz="914400" rtl="0" eaLnBrk="1" fontAlgn="auto" latinLnBrk="0" hangingPunct="1">
+              <a:lnSpc>
+                <a:spcPct val="100000"/>
+              </a:lnSpc>
+              <a:spcBef>
+                <a:spcPts val="0"/>
+              </a:spcBef>
+              <a:spcAft>
+                <a:spcPts val="0"/>
+              </a:spcAft>
+              <a:buClrTx/>
+              <a:buSzTx/>
+              <a:tabLst/>
+              <a:defRPr/>
+            </a:pPr>
             <a:r>
               <a:rPr lang="en-US" dirty="0"/>
-              <a:t>the power of communication</a:t>
+              <a:t>Project description and motivation</a:t>
             </a:r>
           </a:p>
         </p:txBody>
       </p:sp>
       <p:pic>
         <p:nvPicPr>
-          <p:cNvPr id="8" name="Picture Placeholder 21" descr="Person in black skirt and white shirt holding some dandelions">
+          <p:cNvPr id="6" name="Picture Placeholder 5" descr="A computer monitor with blue text on screen&#10;&#10;AI-generated content may be incorrect.">
             <a:extLst>
               <a:ext uri="{FF2B5EF4-FFF2-40B4-BE49-F238E27FC236}">
-                <a16:creationId xmlns:a16="http://schemas.microsoft.com/office/drawing/2014/main" id="{FFD2BD9F-962D-9BA5-14BE-C9CD52FEF9C7}"/>
+                <a16:creationId xmlns:a16="http://schemas.microsoft.com/office/drawing/2014/main" id="{8E7F40CC-0FBF-43F8-6C6C-67774569848D}"/>
               </a:ext>
             </a:extLst>
           </p:cNvPr>
@@ -32340,16 +33657,12 @@
             <p:ph type="pic" idx="1"/>
           </p:nvPr>
         </p:nvPicPr>
-        <p:blipFill rotWithShape="1">
-          <a:blip r:embed="rId3" cstate="screen">
-            <a:extLst>
-              <a:ext uri="{28A0092B-C50C-407E-A947-70E740481C1C}">
-                <a14:useLocalDpi xmlns:a14="http://schemas.microsoft.com/office/drawing/2010/main"/>
-              </a:ext>
-            </a:extLst>
-          </a:blip>
-          <a:srcRect t="18" b="18"/>
-          <a:stretch/>
+        <p:blipFill>
+          <a:blip r:embed="rId3"/>
+          <a:srcRect l="22731" r="22731"/>
+          <a:stretch>
+            <a:fillRect/>
+          </a:stretch>
         </p:blipFill>
         <p:spPr/>
       </p:pic>
@@ -32407,46 +33720,45 @@
             <p:ph type="title"/>
           </p:nvPr>
         </p:nvSpPr>
-        <p:spPr/>
+        <p:spPr>
+          <a:xfrm>
+            <a:off x="5184648" y="914400"/>
+            <a:ext cx="6092381" cy="3538728"/>
+          </a:xfrm>
+        </p:spPr>
         <p:txBody>
           <a:bodyPr anchor="b"/>
           <a:lstStyle/>
           <a:p>
+            <a:pPr marR="0" lvl="0" algn="l" defTabSz="914400" rtl="0" eaLnBrk="1" fontAlgn="auto" latinLnBrk="0" hangingPunct="1">
+              <a:lnSpc>
+                <a:spcPct val="100000"/>
+              </a:lnSpc>
+              <a:spcBef>
+                <a:spcPts val="0"/>
+              </a:spcBef>
+              <a:spcAft>
+                <a:spcPts val="0"/>
+              </a:spcAft>
+              <a:buClrTx/>
+              <a:buSzTx/>
+              <a:tabLst/>
+              <a:defRPr/>
+            </a:pPr>
             <a:r>
-              <a:rPr lang="en-US"/>
-              <a:t>overcoming nervousness</a:t>
+              <a:rPr lang="en-US" dirty="0"/>
+              <a:t>Major </a:t>
             </a:r>
-            <a:endParaRPr lang="en-US" dirty="0"/>
+            <a:br>
+              <a:rPr lang="en-US" dirty="0"/>
+            </a:br>
+            <a:r>
+              <a:rPr lang="en-US" dirty="0"/>
+              <a:t>solutions compared </a:t>
+            </a:r>
           </a:p>
         </p:txBody>
       </p:sp>
-      <p:pic>
-        <p:nvPicPr>
-          <p:cNvPr id="4" name="Picture Placeholder 3" descr="A person holding a plant">
-            <a:extLst>
-              <a:ext uri="{FF2B5EF4-FFF2-40B4-BE49-F238E27FC236}">
-                <a16:creationId xmlns:a16="http://schemas.microsoft.com/office/drawing/2014/main" id="{0DEBEDD0-2C97-CD36-23CF-99F082806824}"/>
-              </a:ext>
-            </a:extLst>
-          </p:cNvPr>
-          <p:cNvPicPr>
-            <a:picLocks noGrp="1" noChangeAspect="1"/>
-          </p:cNvPicPr>
-          <p:nvPr>
-            <p:ph type="pic" sz="quarter" idx="11"/>
-          </p:nvPr>
-        </p:nvPicPr>
-        <p:blipFill rotWithShape="1">
-          <a:blip r:embed="rId3"/>
-          <a:srcRect l="24497" r="24497"/>
-          <a:stretch/>
-        </p:blipFill>
-        <p:spPr>
-          <a:solidFill>
-            <a:schemeClr val="tx1"/>
-          </a:solidFill>
-        </p:spPr>
-      </p:pic>
       <p:sp>
         <p:nvSpPr>
           <p:cNvPr id="11" name="Content Placeholder 10">
@@ -32468,13 +33780,35 @@
           <a:bodyPr/>
           <a:lstStyle/>
           <a:p>
-            <a:r>
-              <a:rPr lang="en-US" dirty="0"/>
-              <a:t>CONFIDENCE-BUILDING STRATEGIES</a:t>
-            </a:r>
+            <a:endParaRPr lang="en-US" dirty="0"/>
           </a:p>
         </p:txBody>
       </p:sp>
+      <p:pic>
+        <p:nvPicPr>
+          <p:cNvPr id="7" name="Picture Placeholder 6" descr="A computer with a monitor and keyboard&#10;&#10;AI-generated content may be incorrect.">
+            <a:extLst>
+              <a:ext uri="{FF2B5EF4-FFF2-40B4-BE49-F238E27FC236}">
+                <a16:creationId xmlns:a16="http://schemas.microsoft.com/office/drawing/2014/main" id="{66FC32FF-7F87-5D16-2356-C7A5837FAAB4}"/>
+              </a:ext>
+            </a:extLst>
+          </p:cNvPr>
+          <p:cNvPicPr>
+            <a:picLocks noGrp="1" noChangeAspect="1"/>
+          </p:cNvPicPr>
+          <p:nvPr>
+            <p:ph type="pic" sz="quarter" idx="11"/>
+          </p:nvPr>
+        </p:nvPicPr>
+        <p:blipFill>
+          <a:blip r:embed="rId3"/>
+          <a:srcRect l="1628" r="1628"/>
+          <a:stretch>
+            <a:fillRect/>
+          </a:stretch>
+        </p:blipFill>
+        <p:spPr/>
+      </p:pic>
     </p:spTree>
     <p:extLst>
       <p:ext uri="{BB962C8B-B14F-4D97-AF65-F5344CB8AC3E}">
@@ -32523,14 +33857,30 @@
         </p:nvSpPr>
         <p:spPr/>
         <p:txBody>
-          <a:bodyPr/>
+          <a:bodyPr>
+            <a:normAutofit fontScale="90000"/>
+          </a:bodyPr>
           <a:lstStyle/>
           <a:p>
+            <a:pPr marR="0" lvl="0" algn="l" defTabSz="914400" rtl="0" eaLnBrk="1" fontAlgn="auto" latinLnBrk="0" hangingPunct="1">
+              <a:lnSpc>
+                <a:spcPct val="100000"/>
+              </a:lnSpc>
+              <a:spcBef>
+                <a:spcPts val="0"/>
+              </a:spcBef>
+              <a:spcAft>
+                <a:spcPts val="0"/>
+              </a:spcAft>
+              <a:buClrTx/>
+              <a:buSzTx/>
+              <a:tabLst/>
+              <a:defRPr/>
+            </a:pPr>
             <a:r>
-              <a:rPr lang="en-US" sz="3200" dirty="0"/>
-              <a:t>engaging the audience</a:t>
+              <a:rPr lang="en-US" dirty="0"/>
+              <a:t>Major technical solutions compared </a:t>
             </a:r>
-            <a:endParaRPr lang="en-US" dirty="0"/>
           </a:p>
         </p:txBody>
       </p:sp>
@@ -32553,32 +33903,28 @@
         <p:spPr/>
         <p:txBody>
           <a:bodyPr>
-            <a:normAutofit lnSpcReduction="10000"/>
+            <a:normAutofit/>
           </a:bodyPr>
           <a:lstStyle/>
           <a:p>
             <a:r>
+              <a:rPr lang="en-US" dirty="0" err="1"/>
+              <a:t>Abc</a:t>
+            </a:r>
+            <a:endParaRPr lang="en-US" dirty="0"/>
+          </a:p>
+          <a:p>
+            <a:r>
               <a:rPr lang="en-US" dirty="0"/>
-              <a:t>Make eye contact with your audience to create a sense of intimacy and involvement</a:t>
+              <a:t>Def</a:t>
             </a:r>
           </a:p>
           <a:p>
             <a:r>
-              <a:rPr lang="en-US" dirty="0"/>
-              <a:t>Weave relatable stories into your presentation using narratives that make your message memorable and impactful</a:t>
+              <a:rPr lang="en-US" dirty="0" err="1"/>
+              <a:t>Ghi</a:t>
             </a:r>
-          </a:p>
-          <a:p>
-            <a:r>
-              <a:rPr lang="en-US" dirty="0"/>
-              <a:t>Encourage questions and provide thoughtful responses to enhance audience participation</a:t>
-            </a:r>
-          </a:p>
-          <a:p>
-            <a:r>
-              <a:rPr lang="en-US" dirty="0"/>
-              <a:t>Use live polls or surveys to gather audience opinions, promoting engagement and making sure the audience feel involved</a:t>
-            </a:r>
+            <a:endParaRPr lang="en-US" dirty="0"/>
           </a:p>
         </p:txBody>
       </p:sp>
@@ -32671,9 +34017,37 @@
           <a:bodyPr anchor="b"/>
           <a:lstStyle/>
           <a:p>
+            <a:pPr marR="0" lvl="0" defTabSz="914400" rtl="0" eaLnBrk="1" fontAlgn="auto" latinLnBrk="0" hangingPunct="1">
+              <a:lnSpc>
+                <a:spcPct val="100000"/>
+              </a:lnSpc>
+              <a:spcBef>
+                <a:spcPts val="0"/>
+              </a:spcBef>
+              <a:spcAft>
+                <a:spcPts val="0"/>
+              </a:spcAft>
+              <a:buClrTx/>
+              <a:buSzTx/>
+              <a:tabLst/>
+              <a:defRPr/>
+            </a:pPr>
             <a:r>
-              <a:rPr lang="en-US" dirty="0"/>
-              <a:t>selecting visual aids</a:t>
+              <a:rPr kumimoji="0" lang="en-US" sz="4800" b="0" i="0" u="none" strike="noStrike" kern="1200" cap="none" spc="0" normalizeH="0" baseline="0" noProof="0" dirty="0">
+                <a:ln>
+                  <a:noFill/>
+                </a:ln>
+                <a:solidFill>
+                  <a:prstClr val="black"/>
+                </a:solidFill>
+                <a:effectLst/>
+                <a:uLnTx/>
+                <a:uFillTx/>
+                <a:latin typeface="+mn-lt"/>
+                <a:ea typeface="+mn-ea"/>
+                <a:cs typeface="+mn-cs"/>
+              </a:rPr>
+              <a:t>Project Demo </a:t>
             </a:r>
           </a:p>
         </p:txBody>
@@ -32699,10 +34073,7 @@
           <a:bodyPr/>
           <a:lstStyle/>
           <a:p>
-            <a:r>
-              <a:rPr lang="en-US" dirty="0"/>
-              <a:t>ENHANCING YOUR PRESENTATION</a:t>
-            </a:r>
+            <a:endParaRPr lang="en-US" dirty="0"/>
           </a:p>
         </p:txBody>
       </p:sp>
@@ -32720,6 +34091,189 @@
 </file>
 
 <file path=ppt/slides/slide7.xml><?xml version="1.0" encoding="utf-8"?>
+<p:sld xmlns:a="http://schemas.openxmlformats.org/drawingml/2006/main" xmlns:r="http://schemas.openxmlformats.org/officeDocument/2006/relationships" xmlns:p="http://schemas.openxmlformats.org/presentationml/2006/main">
+  <p:cSld>
+    <p:spTree>
+      <p:nvGrpSpPr>
+        <p:cNvPr id="1" name=""/>
+        <p:cNvGrpSpPr/>
+        <p:nvPr/>
+      </p:nvGrpSpPr>
+      <p:grpSpPr>
+        <a:xfrm>
+          <a:off x="0" y="0"/>
+          <a:ext cx="0" cy="0"/>
+          <a:chOff x="0" y="0"/>
+          <a:chExt cx="0" cy="0"/>
+        </a:xfrm>
+      </p:grpSpPr>
+      <p:sp>
+        <p:nvSpPr>
+          <p:cNvPr id="2" name="Title 1">
+            <a:extLst>
+              <a:ext uri="{FF2B5EF4-FFF2-40B4-BE49-F238E27FC236}">
+                <a16:creationId xmlns:a16="http://schemas.microsoft.com/office/drawing/2014/main" id="{C7DDA773-0335-0F1E-597F-959AC1F349C2}"/>
+              </a:ext>
+            </a:extLst>
+          </p:cNvPr>
+          <p:cNvSpPr>
+            <a:spLocks noGrp="1"/>
+          </p:cNvSpPr>
+          <p:nvPr>
+            <p:ph type="title"/>
+          </p:nvPr>
+        </p:nvSpPr>
+        <p:spPr/>
+        <p:txBody>
+          <a:bodyPr/>
+          <a:lstStyle/>
+          <a:p>
+            <a:r>
+              <a:rPr kumimoji="0" lang="en-US" sz="4800" b="0" i="0" u="none" strike="noStrike" kern="1200" cap="none" spc="0" normalizeH="0" baseline="0" dirty="0">
+                <a:ln>
+                  <a:noFill/>
+                </a:ln>
+                <a:solidFill>
+                  <a:prstClr val="black"/>
+                </a:solidFill>
+                <a:effectLst/>
+                <a:uLnTx/>
+                <a:uFillTx/>
+                <a:latin typeface="+mn-lt"/>
+                <a:ea typeface="+mn-ea"/>
+                <a:cs typeface="+mn-cs"/>
+              </a:rPr>
+              <a:t>GitHub tour</a:t>
+            </a:r>
+            <a:endParaRPr lang="en-US" dirty="0"/>
+          </a:p>
+        </p:txBody>
+      </p:sp>
+      <p:sp>
+        <p:nvSpPr>
+          <p:cNvPr id="3" name="Text Placeholder 2">
+            <a:extLst>
+              <a:ext uri="{FF2B5EF4-FFF2-40B4-BE49-F238E27FC236}">
+                <a16:creationId xmlns:a16="http://schemas.microsoft.com/office/drawing/2014/main" id="{30B31A65-7F2E-B044-1AC7-C9CD94207738}"/>
+              </a:ext>
+            </a:extLst>
+          </p:cNvPr>
+          <p:cNvSpPr>
+            <a:spLocks noGrp="1"/>
+          </p:cNvSpPr>
+          <p:nvPr>
+            <p:ph type="body" sz="quarter" idx="13"/>
+          </p:nvPr>
+        </p:nvSpPr>
+        <p:spPr/>
+        <p:txBody>
+          <a:bodyPr/>
+          <a:lstStyle/>
+          <a:p>
+            <a:endParaRPr lang="en-US"/>
+          </a:p>
+        </p:txBody>
+      </p:sp>
+    </p:spTree>
+    <p:extLst>
+      <p:ext uri="{BB962C8B-B14F-4D97-AF65-F5344CB8AC3E}">
+        <p14:creationId xmlns:p14="http://schemas.microsoft.com/office/powerpoint/2010/main" val="4039454677"/>
+      </p:ext>
+    </p:extLst>
+  </p:cSld>
+  <p:clrMapOvr>
+    <a:masterClrMapping/>
+  </p:clrMapOvr>
+</p:sld>
+</file>
+
+<file path=ppt/slides/slide8.xml><?xml version="1.0" encoding="utf-8"?>
+<p:sld xmlns:a="http://schemas.openxmlformats.org/drawingml/2006/main" xmlns:r="http://schemas.openxmlformats.org/officeDocument/2006/relationships" xmlns:p="http://schemas.openxmlformats.org/presentationml/2006/main">
+  <p:cSld>
+    <p:spTree>
+      <p:nvGrpSpPr>
+        <p:cNvPr id="1" name=""/>
+        <p:cNvGrpSpPr/>
+        <p:nvPr/>
+      </p:nvGrpSpPr>
+      <p:grpSpPr>
+        <a:xfrm>
+          <a:off x="0" y="0"/>
+          <a:ext cx="0" cy="0"/>
+          <a:chOff x="0" y="0"/>
+          <a:chExt cx="0" cy="0"/>
+        </a:xfrm>
+      </p:grpSpPr>
+      <p:sp>
+        <p:nvSpPr>
+          <p:cNvPr id="2" name="Title 1">
+            <a:extLst>
+              <a:ext uri="{FF2B5EF4-FFF2-40B4-BE49-F238E27FC236}">
+                <a16:creationId xmlns:a16="http://schemas.microsoft.com/office/drawing/2014/main" id="{88292B57-8131-9836-9D62-512B638C354A}"/>
+              </a:ext>
+            </a:extLst>
+          </p:cNvPr>
+          <p:cNvSpPr>
+            <a:spLocks noGrp="1"/>
+          </p:cNvSpPr>
+          <p:nvPr>
+            <p:ph type="title"/>
+          </p:nvPr>
+        </p:nvSpPr>
+        <p:spPr/>
+        <p:txBody>
+          <a:bodyPr/>
+          <a:lstStyle/>
+          <a:p>
+            <a:r>
+              <a:rPr lang="en-US" dirty="0"/>
+              <a:t>Development journey</a:t>
+            </a:r>
+          </a:p>
+        </p:txBody>
+      </p:sp>
+      <p:sp>
+        <p:nvSpPr>
+          <p:cNvPr id="3" name="Text Placeholder 2">
+            <a:extLst>
+              <a:ext uri="{FF2B5EF4-FFF2-40B4-BE49-F238E27FC236}">
+                <a16:creationId xmlns:a16="http://schemas.microsoft.com/office/drawing/2014/main" id="{DF621E18-797B-61FA-E174-489C307E9323}"/>
+              </a:ext>
+            </a:extLst>
+          </p:cNvPr>
+          <p:cNvSpPr>
+            <a:spLocks noGrp="1"/>
+          </p:cNvSpPr>
+          <p:nvPr>
+            <p:ph type="body" sz="quarter" idx="13"/>
+          </p:nvPr>
+        </p:nvSpPr>
+        <p:spPr/>
+        <p:txBody>
+          <a:bodyPr/>
+          <a:lstStyle/>
+          <a:p>
+            <a:r>
+              <a:rPr lang="en-US" dirty="0"/>
+              <a:t>plan  VS  actual  experience</a:t>
+            </a:r>
+          </a:p>
+        </p:txBody>
+      </p:sp>
+    </p:spTree>
+    <p:extLst>
+      <p:ext uri="{BB962C8B-B14F-4D97-AF65-F5344CB8AC3E}">
+        <p14:creationId xmlns:p14="http://schemas.microsoft.com/office/powerpoint/2010/main" val="4095135603"/>
+      </p:ext>
+    </p:extLst>
+  </p:cSld>
+  <p:clrMapOvr>
+    <a:masterClrMapping/>
+  </p:clrMapOvr>
+</p:sld>
+</file>
+
+<file path=ppt/slides/slide9.xml><?xml version="1.0" encoding="utf-8"?>
 <p:sld xmlns:a="http://schemas.openxmlformats.org/drawingml/2006/main" xmlns:r="http://schemas.openxmlformats.org/officeDocument/2006/relationships" xmlns:p="http://schemas.openxmlformats.org/presentationml/2006/main">
   <p:cSld>
     <p:bg>
@@ -32767,7 +34321,7 @@
           <a:p>
             <a:r>
               <a:rPr lang="en-US" sz="3200" dirty="0"/>
-              <a:t>effective delivery techniques</a:t>
+              <a:t>Plan</a:t>
             </a:r>
             <a:endParaRPr lang="en-US" dirty="0"/>
           </a:p>
@@ -32905,7 +34459,7 @@
             <a:fld id="{58FB4751-880F-D840-AAA9-3A15815CC996}" type="slidenum">
               <a:rPr lang="en-US" smtClean="0"/>
               <a:pPr/>
-              <a:t>7</a:t>
+              <a:t>9</a:t>
             </a:fld>
             <a:endParaRPr lang="en-US" dirty="0"/>
           </a:p>
@@ -32915,307 +34469,6 @@
     <p:extLst>
       <p:ext uri="{BB962C8B-B14F-4D97-AF65-F5344CB8AC3E}">
         <p14:creationId xmlns:p14="http://schemas.microsoft.com/office/powerpoint/2010/main" val="4230106960"/>
-      </p:ext>
-    </p:extLst>
-  </p:cSld>
-  <p:clrMapOvr>
-    <a:masterClrMapping/>
-  </p:clrMapOvr>
-</p:sld>
-</file>
-
-<file path=ppt/slides/slide8.xml><?xml version="1.0" encoding="utf-8"?>
-<p:sld xmlns:a="http://schemas.openxmlformats.org/drawingml/2006/main" xmlns:r="http://schemas.openxmlformats.org/officeDocument/2006/relationships" xmlns:p="http://schemas.openxmlformats.org/presentationml/2006/main">
-  <p:cSld>
-    <p:spTree>
-      <p:nvGrpSpPr>
-        <p:cNvPr id="1" name=""/>
-        <p:cNvGrpSpPr/>
-        <p:nvPr/>
-      </p:nvGrpSpPr>
-      <p:grpSpPr>
-        <a:xfrm>
-          <a:off x="0" y="0"/>
-          <a:ext cx="0" cy="0"/>
-          <a:chOff x="0" y="0"/>
-          <a:chExt cx="0" cy="0"/>
-        </a:xfrm>
-      </p:grpSpPr>
-      <p:sp>
-        <p:nvSpPr>
-          <p:cNvPr id="11" name="Title 10">
-            <a:extLst>
-              <a:ext uri="{FF2B5EF4-FFF2-40B4-BE49-F238E27FC236}">
-                <a16:creationId xmlns:a16="http://schemas.microsoft.com/office/drawing/2014/main" id="{7A49C0DA-C8AE-5ECC-149A-D60ECFF8C1EB}"/>
-              </a:ext>
-            </a:extLst>
-          </p:cNvPr>
-          <p:cNvSpPr>
-            <a:spLocks noGrp="1"/>
-          </p:cNvSpPr>
-          <p:nvPr>
-            <p:ph type="title"/>
-          </p:nvPr>
-        </p:nvSpPr>
-        <p:spPr/>
-        <p:txBody>
-          <a:bodyPr/>
-          <a:lstStyle/>
-          <a:p>
-            <a:r>
-              <a:rPr lang="en-US" sz="3200" dirty="0"/>
-              <a:t>navigating q&amp;a sessions</a:t>
-            </a:r>
-            <a:endParaRPr lang="en-US" dirty="0"/>
-          </a:p>
-        </p:txBody>
-      </p:sp>
-      <p:sp>
-        <p:nvSpPr>
-          <p:cNvPr id="12" name="Content Placeholder 11">
-            <a:extLst>
-              <a:ext uri="{FF2B5EF4-FFF2-40B4-BE49-F238E27FC236}">
-                <a16:creationId xmlns:a16="http://schemas.microsoft.com/office/drawing/2014/main" id="{C6F2BA06-39BD-0413-D150-70F75EA6CC38}"/>
-              </a:ext>
-            </a:extLst>
-          </p:cNvPr>
-          <p:cNvSpPr>
-            <a:spLocks noGrp="1"/>
-          </p:cNvSpPr>
-          <p:nvPr>
-            <p:ph sz="quarter" idx="13"/>
-          </p:nvPr>
-        </p:nvSpPr>
-        <p:spPr/>
-        <p:txBody>
-          <a:bodyPr/>
-          <a:lstStyle/>
-          <a:p>
-            <a:r>
-              <a:rPr lang="en-US" dirty="0"/>
-              <a:t>Know your material in advance</a:t>
-            </a:r>
-          </a:p>
-          <a:p>
-            <a:r>
-              <a:rPr lang="en-US" dirty="0"/>
-              <a:t>Anticipate common questions</a:t>
-            </a:r>
-          </a:p>
-          <a:p>
-            <a:r>
-              <a:rPr lang="en-US" dirty="0"/>
-              <a:t>Rehearse your responses</a:t>
-            </a:r>
-          </a:p>
-        </p:txBody>
-      </p:sp>
-      <p:sp>
-        <p:nvSpPr>
-          <p:cNvPr id="25" name="Content Placeholder 24">
-            <a:extLst>
-              <a:ext uri="{FF2B5EF4-FFF2-40B4-BE49-F238E27FC236}">
-                <a16:creationId xmlns:a16="http://schemas.microsoft.com/office/drawing/2014/main" id="{7798761A-B671-4825-623F-F4726F2BDF28}"/>
-              </a:ext>
-            </a:extLst>
-          </p:cNvPr>
-          <p:cNvSpPr>
-            <a:spLocks noGrp="1"/>
-          </p:cNvSpPr>
-          <p:nvPr>
-            <p:ph sz="quarter" idx="12"/>
-          </p:nvPr>
-        </p:nvSpPr>
-        <p:spPr/>
-        <p:txBody>
-          <a:bodyPr/>
-          <a:lstStyle/>
-          <a:p>
-            <a:r>
-              <a:rPr lang="en-US" dirty="0"/>
-              <a:t>Maintaining composure during the Q&amp;A session is essential for projecting confidence and authority. Consider the following tips for staying composed:</a:t>
-            </a:r>
-          </a:p>
-          <a:p>
-            <a:pPr lvl="1"/>
-            <a:r>
-              <a:rPr lang="en-US" dirty="0"/>
-              <a:t>Stay calm</a:t>
-            </a:r>
-          </a:p>
-          <a:p>
-            <a:pPr lvl="1"/>
-            <a:r>
-              <a:rPr lang="en-US" dirty="0"/>
-              <a:t>Actively listen</a:t>
-            </a:r>
-          </a:p>
-          <a:p>
-            <a:pPr lvl="1"/>
-            <a:r>
-              <a:rPr lang="en-US" dirty="0"/>
-              <a:t>Pause and reflect</a:t>
-            </a:r>
-          </a:p>
-          <a:p>
-            <a:pPr lvl="1"/>
-            <a:r>
-              <a:rPr lang="en-US" dirty="0"/>
-              <a:t>Maintain eye contact</a:t>
-            </a:r>
-          </a:p>
-        </p:txBody>
-      </p:sp>
-      <p:sp>
-        <p:nvSpPr>
-          <p:cNvPr id="5" name="Slide Number Placeholder 4">
-            <a:extLst>
-              <a:ext uri="{FF2B5EF4-FFF2-40B4-BE49-F238E27FC236}">
-                <a16:creationId xmlns:a16="http://schemas.microsoft.com/office/drawing/2014/main" id="{AF012FDC-7484-2B3B-E496-144348256B81}"/>
-              </a:ext>
-            </a:extLst>
-          </p:cNvPr>
-          <p:cNvSpPr>
-            <a:spLocks noGrp="1"/>
-          </p:cNvSpPr>
-          <p:nvPr>
-            <p:ph type="sldNum" sz="quarter" idx="4"/>
-          </p:nvPr>
-        </p:nvSpPr>
-        <p:spPr/>
-        <p:txBody>
-          <a:bodyPr/>
-          <a:lstStyle/>
-          <a:p>
-            <a:fld id="{58FB4751-880F-D840-AAA9-3A15815CC996}" type="slidenum">
-              <a:rPr lang="en-US" smtClean="0"/>
-              <a:pPr/>
-              <a:t>8</a:t>
-            </a:fld>
-            <a:endParaRPr lang="en-US" dirty="0"/>
-          </a:p>
-        </p:txBody>
-      </p:sp>
-    </p:spTree>
-    <p:extLst>
-      <p:ext uri="{BB962C8B-B14F-4D97-AF65-F5344CB8AC3E}">
-        <p14:creationId xmlns:p14="http://schemas.microsoft.com/office/powerpoint/2010/main" val="3748348926"/>
-      </p:ext>
-    </p:extLst>
-  </p:cSld>
-  <p:clrMapOvr>
-    <a:masterClrMapping/>
-  </p:clrMapOvr>
-</p:sld>
-</file>
-
-<file path=ppt/slides/slide9.xml><?xml version="1.0" encoding="utf-8"?>
-<p:sld xmlns:a="http://schemas.openxmlformats.org/drawingml/2006/main" xmlns:r="http://schemas.openxmlformats.org/officeDocument/2006/relationships" xmlns:p="http://schemas.openxmlformats.org/presentationml/2006/main">
-  <p:cSld>
-    <p:spTree>
-      <p:nvGrpSpPr>
-        <p:cNvPr id="1" name=""/>
-        <p:cNvGrpSpPr/>
-        <p:nvPr/>
-      </p:nvGrpSpPr>
-      <p:grpSpPr>
-        <a:xfrm>
-          <a:off x="0" y="0"/>
-          <a:ext cx="0" cy="0"/>
-          <a:chOff x="0" y="0"/>
-          <a:chExt cx="0" cy="0"/>
-        </a:xfrm>
-      </p:grpSpPr>
-      <p:sp>
-        <p:nvSpPr>
-          <p:cNvPr id="5" name="Title 4">
-            <a:extLst>
-              <a:ext uri="{FF2B5EF4-FFF2-40B4-BE49-F238E27FC236}">
-                <a16:creationId xmlns:a16="http://schemas.microsoft.com/office/drawing/2014/main" id="{E95044F7-BD97-2FDE-4E33-A565BCF0EFEC}"/>
-              </a:ext>
-            </a:extLst>
-          </p:cNvPr>
-          <p:cNvSpPr>
-            <a:spLocks noGrp="1"/>
-          </p:cNvSpPr>
-          <p:nvPr>
-            <p:ph type="title"/>
-          </p:nvPr>
-        </p:nvSpPr>
-        <p:spPr/>
-        <p:txBody>
-          <a:bodyPr/>
-          <a:lstStyle/>
-          <a:p>
-            <a:r>
-              <a:rPr lang="en-US" sz="3200" dirty="0"/>
-              <a:t>speaking impact</a:t>
-            </a:r>
-            <a:endParaRPr lang="en-US" dirty="0"/>
-          </a:p>
-        </p:txBody>
-      </p:sp>
-      <p:sp>
-        <p:nvSpPr>
-          <p:cNvPr id="3" name="Content Placeholder 2">
-            <a:extLst>
-              <a:ext uri="{FF2B5EF4-FFF2-40B4-BE49-F238E27FC236}">
-                <a16:creationId xmlns:a16="http://schemas.microsoft.com/office/drawing/2014/main" id="{DE597F60-88E2-C430-D52B-6604405AD55C}"/>
-              </a:ext>
-            </a:extLst>
-          </p:cNvPr>
-          <p:cNvSpPr>
-            <a:spLocks noGrp="1"/>
-          </p:cNvSpPr>
-          <p:nvPr>
-            <p:ph sz="quarter" idx="12"/>
-          </p:nvPr>
-        </p:nvSpPr>
-        <p:spPr/>
-        <p:txBody>
-          <a:bodyPr/>
-          <a:lstStyle/>
-          <a:p>
-            <a:r>
-              <a:rPr lang="en-US" dirty="0"/>
-              <a:t>Your ability to communicate effectively will leave a lasting impact on your audience</a:t>
-            </a:r>
-          </a:p>
-          <a:p>
-            <a:r>
-              <a:rPr lang="en-US" dirty="0"/>
-              <a:t>Effectively communicating involves not only delivering a message but also resonating with the experiences, values, and emotions of those listening </a:t>
-            </a:r>
-          </a:p>
-        </p:txBody>
-      </p:sp>
-      <p:pic>
-        <p:nvPicPr>
-          <p:cNvPr id="15" name="Picture Placeholder 14" descr="A person in an apron holding a computer">
-            <a:extLst>
-              <a:ext uri="{FF2B5EF4-FFF2-40B4-BE49-F238E27FC236}">
-                <a16:creationId xmlns:a16="http://schemas.microsoft.com/office/drawing/2014/main" id="{48869757-F643-C013-26AA-3DDE95080099}"/>
-              </a:ext>
-            </a:extLst>
-          </p:cNvPr>
-          <p:cNvPicPr>
-            <a:picLocks noGrp="1" noChangeAspect="1"/>
-          </p:cNvPicPr>
-          <p:nvPr>
-            <p:ph type="pic" sz="quarter" idx="10"/>
-          </p:nvPr>
-        </p:nvPicPr>
-        <p:blipFill>
-          <a:blip r:embed="rId3"/>
-          <a:srcRect l="331" r="331"/>
-          <a:stretch/>
-        </p:blipFill>
-        <p:spPr/>
-      </p:pic>
-    </p:spTree>
-    <p:extLst>
-      <p:ext uri="{BB962C8B-B14F-4D97-AF65-F5344CB8AC3E}">
-        <p14:creationId xmlns:p14="http://schemas.microsoft.com/office/powerpoint/2010/main" val="859909800"/>
       </p:ext>
     </p:extLst>
   </p:cSld>
@@ -34069,23 +35322,12 @@
 </file>
 
 <file path=customXml/item1.xml><?xml version="1.0" encoding="utf-8"?>
-<p:properties xmlns:p="http://schemas.microsoft.com/office/2006/metadata/properties" xmlns:xsi="http://www.w3.org/2001/XMLSchema-instance" xmlns:pc="http://schemas.microsoft.com/office/infopath/2007/PartnerControls">
-  <documentManagement>
-    <_ip_UnifiedCompliancePolicyUIAction xmlns="http://schemas.microsoft.com/sharepoint/v3" xsi:nil="true"/>
-    <Image xmlns="71af3243-3dd4-4a8d-8c0d-dd76da1f02a5">
-      <Url xsi:nil="true"/>
-      <Description xsi:nil="true"/>
-    </Image>
-    <Status xmlns="71af3243-3dd4-4a8d-8c0d-dd76da1f02a5">Not started</Status>
-    <Background xmlns="71af3243-3dd4-4a8d-8c0d-dd76da1f02a5">false</Background>
-    <_ip_UnifiedCompliancePolicyProperties xmlns="http://schemas.microsoft.com/sharepoint/v3" xsi:nil="true"/>
-    <ImageTagsTaxHTField xmlns="71af3243-3dd4-4a8d-8c0d-dd76da1f02a5">
-      <Terms xmlns="http://schemas.microsoft.com/office/infopath/2007/PartnerControls"/>
-    </ImageTagsTaxHTField>
-    <TaxCatchAll xmlns="230e9df3-be65-4c73-a93b-d1236ebd677e" xsi:nil="true"/>
-    <MediaServiceKeyPoints xmlns="71af3243-3dd4-4a8d-8c0d-dd76da1f02a5" xsi:nil="true"/>
-  </documentManagement>
-</p:properties>
+<?mso-contentType ?>
+<FormTemplates xmlns="http://schemas.microsoft.com/sharepoint/v3/contenttype/forms">
+  <Display>DocumentLibraryForm</Display>
+  <Edit>DocumentLibraryForm</Edit>
+  <New>DocumentLibraryForm</New>
+</FormTemplates>
 </file>
 
 <file path=customXml/item2.xml><?xml version="1.0" encoding="utf-8"?>
@@ -34401,22 +35643,29 @@
 </file>
 
 <file path=customXml/item3.xml><?xml version="1.0" encoding="utf-8"?>
-<?mso-contentType ?>
-<FormTemplates xmlns="http://schemas.microsoft.com/sharepoint/v3/contenttype/forms">
-  <Display>DocumentLibraryForm</Display>
-  <Edit>DocumentLibraryForm</Edit>
-  <New>DocumentLibraryForm</New>
-</FormTemplates>
+<p:properties xmlns:p="http://schemas.microsoft.com/office/2006/metadata/properties" xmlns:xsi="http://www.w3.org/2001/XMLSchema-instance" xmlns:pc="http://schemas.microsoft.com/office/infopath/2007/PartnerControls">
+  <documentManagement>
+    <_ip_UnifiedCompliancePolicyUIAction xmlns="http://schemas.microsoft.com/sharepoint/v3" xsi:nil="true"/>
+    <Image xmlns="71af3243-3dd4-4a8d-8c0d-dd76da1f02a5">
+      <Url xsi:nil="true"/>
+      <Description xsi:nil="true"/>
+    </Image>
+    <Status xmlns="71af3243-3dd4-4a8d-8c0d-dd76da1f02a5">Not started</Status>
+    <Background xmlns="71af3243-3dd4-4a8d-8c0d-dd76da1f02a5">false</Background>
+    <_ip_UnifiedCompliancePolicyProperties xmlns="http://schemas.microsoft.com/sharepoint/v3" xsi:nil="true"/>
+    <ImageTagsTaxHTField xmlns="71af3243-3dd4-4a8d-8c0d-dd76da1f02a5">
+      <Terms xmlns="http://schemas.microsoft.com/office/infopath/2007/PartnerControls"/>
+    </ImageTagsTaxHTField>
+    <TaxCatchAll xmlns="230e9df3-be65-4c73-a93b-d1236ebd677e" xsi:nil="true"/>
+    <MediaServiceKeyPoints xmlns="71af3243-3dd4-4a8d-8c0d-dd76da1f02a5" xsi:nil="true"/>
+  </documentManagement>
+</p:properties>
 </file>
 
 <file path=customXml/itemProps1.xml><?xml version="1.0" encoding="utf-8"?>
-<ds:datastoreItem xmlns:ds="http://schemas.openxmlformats.org/officeDocument/2006/customXml" ds:itemID="{85DF9CEC-52C2-4D14-B2F5-11176002A8B6}">
+<ds:datastoreItem xmlns:ds="http://schemas.openxmlformats.org/officeDocument/2006/customXml" ds:itemID="{1249AD37-9510-4A2D-B790-12C439A83F93}">
   <ds:schemaRefs>
-    <ds:schemaRef ds:uri="http://schemas.microsoft.com/office/2006/metadata/properties"/>
-    <ds:schemaRef ds:uri="http://schemas.microsoft.com/office/infopath/2007/PartnerControls"/>
-    <ds:schemaRef ds:uri="http://schemas.microsoft.com/sharepoint/v3"/>
-    <ds:schemaRef ds:uri="71af3243-3dd4-4a8d-8c0d-dd76da1f02a5"/>
-    <ds:schemaRef ds:uri="230e9df3-be65-4c73-a93b-d1236ebd677e"/>
+    <ds:schemaRef ds:uri="http://schemas.microsoft.com/sharepoint/v3/contenttype/forms"/>
   </ds:schemaRefs>
 </ds:datastoreItem>
 </file>
@@ -34443,9 +35692,13 @@
 </file>
 
 <file path=customXml/itemProps3.xml><?xml version="1.0" encoding="utf-8"?>
-<ds:datastoreItem xmlns:ds="http://schemas.openxmlformats.org/officeDocument/2006/customXml" ds:itemID="{1249AD37-9510-4A2D-B790-12C439A83F93}">
+<ds:datastoreItem xmlns:ds="http://schemas.openxmlformats.org/officeDocument/2006/customXml" ds:itemID="{85DF9CEC-52C2-4D14-B2F5-11176002A8B6}">
   <ds:schemaRefs>
-    <ds:schemaRef ds:uri="http://schemas.microsoft.com/sharepoint/v3/contenttype/forms"/>
+    <ds:schemaRef ds:uri="http://schemas.microsoft.com/office/2006/metadata/properties"/>
+    <ds:schemaRef ds:uri="http://schemas.microsoft.com/office/infopath/2007/PartnerControls"/>
+    <ds:schemaRef ds:uri="http://schemas.microsoft.com/sharepoint/v3"/>
+    <ds:schemaRef ds:uri="71af3243-3dd4-4a8d-8c0d-dd76da1f02a5"/>
+    <ds:schemaRef ds:uri="230e9df3-be65-4c73-a93b-d1236ebd677e"/>
   </ds:schemaRefs>
 </ds:datastoreItem>
 </file>

--- a/Unix Presentation.pptx
+++ b/Unix Presentation.pptx
@@ -5,10 +5,10 @@
     <p:sldMasterId id="2147483767" r:id="rId4"/>
   </p:sldMasterIdLst>
   <p:notesMasterIdLst>
-    <p:notesMasterId r:id="rId25"/>
+    <p:notesMasterId r:id="rId20"/>
   </p:notesMasterIdLst>
   <p:handoutMasterIdLst>
-    <p:handoutMasterId r:id="rId26"/>
+    <p:handoutMasterId r:id="rId21"/>
   </p:handoutMasterIdLst>
   <p:sldIdLst>
     <p:sldId id="317" r:id="rId5"/>
@@ -16,21 +16,16 @@
     <p:sldId id="308" r:id="rId7"/>
     <p:sldId id="278" r:id="rId8"/>
     <p:sldId id="309" r:id="rId9"/>
-    <p:sldId id="263" r:id="rId10"/>
-    <p:sldId id="318" r:id="rId11"/>
-    <p:sldId id="319" r:id="rId12"/>
-    <p:sldId id="310" r:id="rId13"/>
-    <p:sldId id="320" r:id="rId14"/>
+    <p:sldId id="325" r:id="rId10"/>
+    <p:sldId id="263" r:id="rId11"/>
+    <p:sldId id="318" r:id="rId12"/>
+    <p:sldId id="319" r:id="rId13"/>
+    <p:sldId id="310" r:id="rId14"/>
     <p:sldId id="321" r:id="rId15"/>
     <p:sldId id="311" r:id="rId16"/>
     <p:sldId id="322" r:id="rId17"/>
-    <p:sldId id="312" r:id="rId18"/>
-    <p:sldId id="323" r:id="rId19"/>
-    <p:sldId id="314" r:id="rId20"/>
-    <p:sldId id="324" r:id="rId21"/>
-    <p:sldId id="316" r:id="rId22"/>
-    <p:sldId id="315" r:id="rId23"/>
-    <p:sldId id="304" r:id="rId24"/>
+    <p:sldId id="323" r:id="rId18"/>
+    <p:sldId id="304" r:id="rId19"/>
   </p:sldIdLst>
   <p:sldSz cx="12192000" cy="6858000"/>
   <p:notesSz cx="6858000" cy="9144000"/>
@@ -234,7 +229,7 @@
           <a:p>
             <a:fld id="{FD913024-4032-4B4F-8680-09D5E08EDB6E}" type="datetimeFigureOut">
               <a:rPr lang="en-US" smtClean="0"/>
-              <a:t>5/15/2025</a:t>
+              <a:t>5/16/2025</a:t>
             </a:fld>
             <a:endParaRPr lang="en-US" dirty="0"/>
           </a:p>
@@ -411,7 +406,7 @@
           <a:p>
             <a:fld id="{F2AE225E-43E0-7047-8ADB-DD9EBB41B4D0}" type="datetimeFigureOut">
               <a:rPr lang="en-US" noProof="0" smtClean="0"/>
-              <a:t>5/15/2025</a:t>
+              <a:t>5/16/2025</a:t>
             </a:fld>
             <a:endParaRPr lang="en-US" noProof="0" dirty="0"/>
           </a:p>
@@ -851,259 +846,7 @@
           <a:p>
             <a:fld id="{7C366290-4595-5745-A50F-D5EC13BAC604}" type="slidenum">
               <a:rPr lang="en-US" noProof="0" smtClean="0"/>
-              <a:t>14</a:t>
-            </a:fld>
-            <a:endParaRPr lang="en-US" noProof="0" dirty="0"/>
-          </a:p>
-        </p:txBody>
-      </p:sp>
-    </p:spTree>
-    <p:extLst>
-      <p:ext uri="{BB962C8B-B14F-4D97-AF65-F5344CB8AC3E}">
-        <p14:creationId xmlns:p14="http://schemas.microsoft.com/office/powerpoint/2010/main" val="3472499718"/>
-      </p:ext>
-    </p:extLst>
-  </p:cSld>
-  <p:clrMapOvr>
-    <a:masterClrMapping/>
-  </p:clrMapOvr>
-</p:notes>
-</file>
-
-<file path=ppt/notesSlides/notesSlide11.xml><?xml version="1.0" encoding="utf-8"?>
-<p:notes xmlns:a="http://schemas.openxmlformats.org/drawingml/2006/main" xmlns:r="http://schemas.openxmlformats.org/officeDocument/2006/relationships" xmlns:p="http://schemas.openxmlformats.org/presentationml/2006/main">
-  <p:cSld>
-    <p:spTree>
-      <p:nvGrpSpPr>
-        <p:cNvPr id="1" name=""/>
-        <p:cNvGrpSpPr/>
-        <p:nvPr/>
-      </p:nvGrpSpPr>
-      <p:grpSpPr>
-        <a:xfrm>
-          <a:off x="0" y="0"/>
-          <a:ext cx="0" cy="0"/>
-          <a:chOff x="0" y="0"/>
-          <a:chExt cx="0" cy="0"/>
-        </a:xfrm>
-      </p:grpSpPr>
-      <p:sp>
-        <p:nvSpPr>
-          <p:cNvPr id="2" name="Slide Image Placeholder 1"/>
-          <p:cNvSpPr>
-            <a:spLocks noGrp="1" noRot="1" noChangeAspect="1"/>
-          </p:cNvSpPr>
-          <p:nvPr>
-            <p:ph type="sldImg"/>
-          </p:nvPr>
-        </p:nvSpPr>
-        <p:spPr/>
-      </p:sp>
-      <p:sp>
-        <p:nvSpPr>
-          <p:cNvPr id="3" name="Notes Placeholder 2"/>
-          <p:cNvSpPr>
-            <a:spLocks noGrp="1"/>
-          </p:cNvSpPr>
-          <p:nvPr>
-            <p:ph type="body" idx="1"/>
-          </p:nvPr>
-        </p:nvSpPr>
-        <p:spPr/>
-        <p:txBody>
-          <a:bodyPr/>
-          <a:lstStyle/>
-          <a:p>
-            <a:endParaRPr lang="en-US" dirty="0"/>
-          </a:p>
-        </p:txBody>
-      </p:sp>
-      <p:sp>
-        <p:nvSpPr>
-          <p:cNvPr id="4" name="Slide Number Placeholder 3"/>
-          <p:cNvSpPr>
-            <a:spLocks noGrp="1"/>
-          </p:cNvSpPr>
-          <p:nvPr>
-            <p:ph type="sldNum" sz="quarter" idx="5"/>
-          </p:nvPr>
-        </p:nvSpPr>
-        <p:spPr/>
-        <p:txBody>
-          <a:bodyPr/>
-          <a:lstStyle/>
-          <a:p>
-            <a:fld id="{7C366290-4595-5745-A50F-D5EC13BAC604}" type="slidenum">
-              <a:rPr lang="en-US" noProof="0" smtClean="0"/>
-              <a:t>16</a:t>
-            </a:fld>
-            <a:endParaRPr lang="en-US" noProof="0" dirty="0"/>
-          </a:p>
-        </p:txBody>
-      </p:sp>
-    </p:spTree>
-    <p:extLst>
-      <p:ext uri="{BB962C8B-B14F-4D97-AF65-F5344CB8AC3E}">
-        <p14:creationId xmlns:p14="http://schemas.microsoft.com/office/powerpoint/2010/main" val="4209986571"/>
-      </p:ext>
-    </p:extLst>
-  </p:cSld>
-  <p:clrMapOvr>
-    <a:masterClrMapping/>
-  </p:clrMapOvr>
-</p:notes>
-</file>
-
-<file path=ppt/notesSlides/notesSlide12.xml><?xml version="1.0" encoding="utf-8"?>
-<p:notes xmlns:a="http://schemas.openxmlformats.org/drawingml/2006/main" xmlns:r="http://schemas.openxmlformats.org/officeDocument/2006/relationships" xmlns:p="http://schemas.openxmlformats.org/presentationml/2006/main">
-  <p:cSld>
-    <p:spTree>
-      <p:nvGrpSpPr>
-        <p:cNvPr id="1" name=""/>
-        <p:cNvGrpSpPr/>
-        <p:nvPr/>
-      </p:nvGrpSpPr>
-      <p:grpSpPr>
-        <a:xfrm>
-          <a:off x="0" y="0"/>
-          <a:ext cx="0" cy="0"/>
-          <a:chOff x="0" y="0"/>
-          <a:chExt cx="0" cy="0"/>
-        </a:xfrm>
-      </p:grpSpPr>
-      <p:sp>
-        <p:nvSpPr>
-          <p:cNvPr id="2" name="Slide Image Placeholder 1"/>
-          <p:cNvSpPr>
-            <a:spLocks noGrp="1" noRot="1" noChangeAspect="1"/>
-          </p:cNvSpPr>
-          <p:nvPr>
-            <p:ph type="sldImg"/>
-          </p:nvPr>
-        </p:nvSpPr>
-        <p:spPr/>
-      </p:sp>
-      <p:sp>
-        <p:nvSpPr>
-          <p:cNvPr id="3" name="Notes Placeholder 2"/>
-          <p:cNvSpPr>
-            <a:spLocks noGrp="1"/>
-          </p:cNvSpPr>
-          <p:nvPr>
-            <p:ph type="body" idx="1"/>
-          </p:nvPr>
-        </p:nvSpPr>
-        <p:spPr/>
-        <p:txBody>
-          <a:bodyPr/>
-          <a:lstStyle/>
-          <a:p>
-            <a:endParaRPr lang="en-US" dirty="0"/>
-          </a:p>
-        </p:txBody>
-      </p:sp>
-      <p:sp>
-        <p:nvSpPr>
-          <p:cNvPr id="4" name="Slide Number Placeholder 3"/>
-          <p:cNvSpPr>
-            <a:spLocks noGrp="1"/>
-          </p:cNvSpPr>
-          <p:nvPr>
-            <p:ph type="sldNum" sz="quarter" idx="5"/>
-          </p:nvPr>
-        </p:nvSpPr>
-        <p:spPr/>
-        <p:txBody>
-          <a:bodyPr/>
-          <a:lstStyle/>
-          <a:p>
-            <a:fld id="{7C366290-4595-5745-A50F-D5EC13BAC604}" type="slidenum">
-              <a:rPr lang="en-US" noProof="0" smtClean="0"/>
-              <a:t>19</a:t>
-            </a:fld>
-            <a:endParaRPr lang="en-US" noProof="0" dirty="0"/>
-          </a:p>
-        </p:txBody>
-      </p:sp>
-    </p:spTree>
-    <p:extLst>
-      <p:ext uri="{BB962C8B-B14F-4D97-AF65-F5344CB8AC3E}">
-        <p14:creationId xmlns:p14="http://schemas.microsoft.com/office/powerpoint/2010/main" val="2332748524"/>
-      </p:ext>
-    </p:extLst>
-  </p:cSld>
-  <p:clrMapOvr>
-    <a:masterClrMapping/>
-  </p:clrMapOvr>
-</p:notes>
-</file>
-
-<file path=ppt/notesSlides/notesSlide13.xml><?xml version="1.0" encoding="utf-8"?>
-<p:notes xmlns:a="http://schemas.openxmlformats.org/drawingml/2006/main" xmlns:r="http://schemas.openxmlformats.org/officeDocument/2006/relationships" xmlns:p="http://schemas.openxmlformats.org/presentationml/2006/main">
-  <p:cSld>
-    <p:spTree>
-      <p:nvGrpSpPr>
-        <p:cNvPr id="1" name=""/>
-        <p:cNvGrpSpPr/>
-        <p:nvPr/>
-      </p:nvGrpSpPr>
-      <p:grpSpPr>
-        <a:xfrm>
-          <a:off x="0" y="0"/>
-          <a:ext cx="0" cy="0"/>
-          <a:chOff x="0" y="0"/>
-          <a:chExt cx="0" cy="0"/>
-        </a:xfrm>
-      </p:grpSpPr>
-      <p:sp>
-        <p:nvSpPr>
-          <p:cNvPr id="2" name="Slide Image Placeholder 1"/>
-          <p:cNvSpPr>
-            <a:spLocks noGrp="1" noRot="1" noChangeAspect="1"/>
-          </p:cNvSpPr>
-          <p:nvPr>
-            <p:ph type="sldImg"/>
-          </p:nvPr>
-        </p:nvSpPr>
-        <p:spPr/>
-      </p:sp>
-      <p:sp>
-        <p:nvSpPr>
-          <p:cNvPr id="3" name="Notes Placeholder 2"/>
-          <p:cNvSpPr>
-            <a:spLocks noGrp="1"/>
-          </p:cNvSpPr>
-          <p:nvPr>
-            <p:ph type="body" idx="1"/>
-          </p:nvPr>
-        </p:nvSpPr>
-        <p:spPr/>
-        <p:txBody>
-          <a:bodyPr/>
-          <a:lstStyle/>
-          <a:p>
-            <a:endParaRPr lang="en-US" dirty="0"/>
-          </a:p>
-        </p:txBody>
-      </p:sp>
-      <p:sp>
-        <p:nvSpPr>
-          <p:cNvPr id="4" name="Slide Number Placeholder 3"/>
-          <p:cNvSpPr>
-            <a:spLocks noGrp="1"/>
-          </p:cNvSpPr>
-          <p:nvPr>
-            <p:ph type="sldNum" sz="quarter" idx="5"/>
-          </p:nvPr>
-        </p:nvSpPr>
-        <p:spPr/>
-        <p:txBody>
-          <a:bodyPr/>
-          <a:lstStyle/>
-          <a:p>
-            <a:fld id="{7C366290-4595-5745-A50F-D5EC13BAC604}" type="slidenum">
-              <a:rPr lang="en-US" noProof="0" smtClean="0"/>
-              <a:t>20</a:t>
+              <a:t>15</a:t>
             </a:fld>
             <a:endParaRPr lang="en-US" noProof="0" dirty="0"/>
           </a:p>
@@ -1463,7 +1206,13 @@
   <p:cSld>
     <p:spTree>
       <p:nvGrpSpPr>
-        <p:cNvPr id="1" name=""/>
+        <p:cNvPr id="1" name="">
+          <a:extLst>
+            <a:ext uri="{FF2B5EF4-FFF2-40B4-BE49-F238E27FC236}">
+              <a16:creationId xmlns:a16="http://schemas.microsoft.com/office/drawing/2014/main" id="{C1708C38-D935-82FC-CAA9-F1269683AFDE}"/>
+            </a:ext>
+          </a:extLst>
+        </p:cNvPr>
         <p:cNvGrpSpPr/>
         <p:nvPr/>
       </p:nvGrpSpPr>
@@ -1477,7 +1226,13 @@
       </p:grpSpPr>
       <p:sp>
         <p:nvSpPr>
-          <p:cNvPr id="2" name="Slide Image Placeholder 1"/>
+          <p:cNvPr id="2" name="Slide Image Placeholder 1">
+            <a:extLst>
+              <a:ext uri="{FF2B5EF4-FFF2-40B4-BE49-F238E27FC236}">
+                <a16:creationId xmlns:a16="http://schemas.microsoft.com/office/drawing/2014/main" id="{199879C8-7E33-4DC6-2640-BB435EBEF86B}"/>
+              </a:ext>
+            </a:extLst>
+          </p:cNvPr>
           <p:cNvSpPr>
             <a:spLocks noGrp="1" noRot="1" noChangeAspect="1"/>
           </p:cNvSpPr>
@@ -1489,7 +1244,13 @@
       </p:sp>
       <p:sp>
         <p:nvSpPr>
-          <p:cNvPr id="3" name="Notes Placeholder 2"/>
+          <p:cNvPr id="3" name="Notes Placeholder 2">
+            <a:extLst>
+              <a:ext uri="{FF2B5EF4-FFF2-40B4-BE49-F238E27FC236}">
+                <a16:creationId xmlns:a16="http://schemas.microsoft.com/office/drawing/2014/main" id="{BC27FBE4-1670-0F1F-9200-AE5153945D51}"/>
+              </a:ext>
+            </a:extLst>
+          </p:cNvPr>
           <p:cNvSpPr>
             <a:spLocks noGrp="1"/>
           </p:cNvSpPr>
@@ -1508,7 +1269,13 @@
       </p:sp>
       <p:sp>
         <p:nvSpPr>
-          <p:cNvPr id="4" name="Slide Number Placeholder 3"/>
+          <p:cNvPr id="4" name="Slide Number Placeholder 3">
+            <a:extLst>
+              <a:ext uri="{FF2B5EF4-FFF2-40B4-BE49-F238E27FC236}">
+                <a16:creationId xmlns:a16="http://schemas.microsoft.com/office/drawing/2014/main" id="{F3C3EC35-D695-5B3F-3F3D-29F71A4E90B2}"/>
+              </a:ext>
+            </a:extLst>
+          </p:cNvPr>
           <p:cNvSpPr>
             <a:spLocks noGrp="1"/>
           </p:cNvSpPr>
@@ -1532,7 +1299,7 @@
     </p:spTree>
     <p:extLst>
       <p:ext uri="{BB962C8B-B14F-4D97-AF65-F5344CB8AC3E}">
-        <p14:creationId xmlns:p14="http://schemas.microsoft.com/office/powerpoint/2010/main" val="2308133455"/>
+        <p14:creationId xmlns:p14="http://schemas.microsoft.com/office/powerpoint/2010/main" val="2215551029"/>
       </p:ext>
     </p:extLst>
   </p:cSld>
@@ -1607,7 +1374,7 @@
           <a:p>
             <a:fld id="{7C366290-4595-5745-A50F-D5EC13BAC604}" type="slidenum">
               <a:rPr lang="en-US" noProof="0" smtClean="0"/>
-              <a:t>9</a:t>
+              <a:t>7</a:t>
             </a:fld>
             <a:endParaRPr lang="en-US" noProof="0" dirty="0"/>
           </a:p>
@@ -1616,7 +1383,7 @@
     </p:spTree>
     <p:extLst>
       <p:ext uri="{BB962C8B-B14F-4D97-AF65-F5344CB8AC3E}">
-        <p14:creationId xmlns:p14="http://schemas.microsoft.com/office/powerpoint/2010/main" val="1026281718"/>
+        <p14:creationId xmlns:p14="http://schemas.microsoft.com/office/powerpoint/2010/main" val="2308133455"/>
       </p:ext>
     </p:extLst>
   </p:cSld>
@@ -1631,13 +1398,7 @@
   <p:cSld>
     <p:spTree>
       <p:nvGrpSpPr>
-        <p:cNvPr id="1" name="">
-          <a:extLst>
-            <a:ext uri="{FF2B5EF4-FFF2-40B4-BE49-F238E27FC236}">
-              <a16:creationId xmlns:a16="http://schemas.microsoft.com/office/drawing/2014/main" id="{64C27870-8B44-14D0-EF0A-BE11BCC58F1C}"/>
-            </a:ext>
-          </a:extLst>
-        </p:cNvPr>
+        <p:cNvPr id="1" name=""/>
         <p:cNvGrpSpPr/>
         <p:nvPr/>
       </p:nvGrpSpPr>
@@ -1651,13 +1412,7 @@
       </p:grpSpPr>
       <p:sp>
         <p:nvSpPr>
-          <p:cNvPr id="2" name="Slide Image Placeholder 1">
-            <a:extLst>
-              <a:ext uri="{FF2B5EF4-FFF2-40B4-BE49-F238E27FC236}">
-                <a16:creationId xmlns:a16="http://schemas.microsoft.com/office/drawing/2014/main" id="{F1036AF4-222D-6078-D76B-634EF12B374F}"/>
-              </a:ext>
-            </a:extLst>
-          </p:cNvPr>
+          <p:cNvPr id="2" name="Slide Image Placeholder 1"/>
           <p:cNvSpPr>
             <a:spLocks noGrp="1" noRot="1" noChangeAspect="1"/>
           </p:cNvSpPr>
@@ -1669,13 +1424,7 @@
       </p:sp>
       <p:sp>
         <p:nvSpPr>
-          <p:cNvPr id="3" name="Notes Placeholder 2">
-            <a:extLst>
-              <a:ext uri="{FF2B5EF4-FFF2-40B4-BE49-F238E27FC236}">
-                <a16:creationId xmlns:a16="http://schemas.microsoft.com/office/drawing/2014/main" id="{FCCAF689-AA27-E3F9-BA15-385DFECC4590}"/>
-              </a:ext>
-            </a:extLst>
-          </p:cNvPr>
+          <p:cNvPr id="3" name="Notes Placeholder 2"/>
           <p:cNvSpPr>
             <a:spLocks noGrp="1"/>
           </p:cNvSpPr>
@@ -1694,13 +1443,7 @@
       </p:sp>
       <p:sp>
         <p:nvSpPr>
-          <p:cNvPr id="4" name="Slide Number Placeholder 3">
-            <a:extLst>
-              <a:ext uri="{FF2B5EF4-FFF2-40B4-BE49-F238E27FC236}">
-                <a16:creationId xmlns:a16="http://schemas.microsoft.com/office/drawing/2014/main" id="{937FB29C-BB92-BAAC-44A4-54C44D53F0F4}"/>
-              </a:ext>
-            </a:extLst>
-          </p:cNvPr>
+          <p:cNvPr id="4" name="Slide Number Placeholder 3"/>
           <p:cNvSpPr>
             <a:spLocks noGrp="1"/>
           </p:cNvSpPr>
@@ -1724,7 +1467,7 @@
     </p:spTree>
     <p:extLst>
       <p:ext uri="{BB962C8B-B14F-4D97-AF65-F5344CB8AC3E}">
-        <p14:creationId xmlns:p14="http://schemas.microsoft.com/office/powerpoint/2010/main" val="941581050"/>
+        <p14:creationId xmlns:p14="http://schemas.microsoft.com/office/powerpoint/2010/main" val="1026281718"/>
       </p:ext>
     </p:extLst>
   </p:cSld>
@@ -16826,5589 +16569,6 @@
 
 <file path=ppt/slideLayouts/slideLayout19.xml><?xml version="1.0" encoding="utf-8"?>
 <p:sldLayout xmlns:a="http://schemas.openxmlformats.org/drawingml/2006/main" xmlns:r="http://schemas.openxmlformats.org/officeDocument/2006/relationships" xmlns:p="http://schemas.openxmlformats.org/presentationml/2006/main" showMasterSp="0" userDrawn="1">
-  <p:cSld name="Title Content and Picture">
-    <p:bg>
-      <p:bgPr>
-        <a:solidFill>
-          <a:schemeClr val="bg2"/>
-        </a:solidFill>
-        <a:effectLst/>
-      </p:bgPr>
-    </p:bg>
-    <p:spTree>
-      <p:nvGrpSpPr>
-        <p:cNvPr id="1" name=""/>
-        <p:cNvGrpSpPr/>
-        <p:nvPr/>
-      </p:nvGrpSpPr>
-      <p:grpSpPr>
-        <a:xfrm>
-          <a:off x="0" y="0"/>
-          <a:ext cx="0" cy="0"/>
-          <a:chOff x="0" y="0"/>
-          <a:chExt cx="0" cy="0"/>
-        </a:xfrm>
-      </p:grpSpPr>
-      <p:sp>
-        <p:nvSpPr>
-          <p:cNvPr id="11" name="Freeform: Shape 10">
-            <a:extLst>
-              <a:ext uri="{FF2B5EF4-FFF2-40B4-BE49-F238E27FC236}">
-                <a16:creationId xmlns:a16="http://schemas.microsoft.com/office/drawing/2014/main" id="{EB31668E-263B-8FB1-9DBB-25F22BB441B3}"/>
-              </a:ext>
-              <a:ext uri="{C183D7F6-B498-43B3-948B-1728B52AA6E4}">
-                <adec:decorative xmlns:adec="http://schemas.microsoft.com/office/drawing/2017/decorative" val="1"/>
-              </a:ext>
-            </a:extLst>
-          </p:cNvPr>
-          <p:cNvSpPr/>
-          <p:nvPr userDrawn="1"/>
-        </p:nvSpPr>
-        <p:spPr>
-          <a:xfrm>
-            <a:off x="0" y="0"/>
-            <a:ext cx="4303817" cy="6100294"/>
-          </a:xfrm>
-          <a:custGeom>
-            <a:avLst/>
-            <a:gdLst>
-              <a:gd name="connsiteX0" fmla="*/ 0 w 4303817"/>
-              <a:gd name="connsiteY0" fmla="*/ 0 h 6100294"/>
-              <a:gd name="connsiteX1" fmla="*/ 4228398 w 4303817"/>
-              <a:gd name="connsiteY1" fmla="*/ 0 h 6100294"/>
-              <a:gd name="connsiteX2" fmla="*/ 4229446 w 4303817"/>
-              <a:gd name="connsiteY2" fmla="*/ 3967 h 6100294"/>
-              <a:gd name="connsiteX3" fmla="*/ 1077531 w 4303817"/>
-              <a:gd name="connsiteY3" fmla="*/ 5738774 h 6100294"/>
-              <a:gd name="connsiteX4" fmla="*/ 4752 w 4303817"/>
-              <a:gd name="connsiteY4" fmla="*/ 6100294 h 6100294"/>
-              <a:gd name="connsiteX5" fmla="*/ 0 w 4303817"/>
-              <a:gd name="connsiteY5" fmla="*/ 6100220 h 6100294"/>
-            </a:gdLst>
-            <a:ahLst/>
-            <a:cxnLst>
-              <a:cxn ang="0">
-                <a:pos x="connsiteX0" y="connsiteY0"/>
-              </a:cxn>
-              <a:cxn ang="0">
-                <a:pos x="connsiteX1" y="connsiteY1"/>
-              </a:cxn>
-              <a:cxn ang="0">
-                <a:pos x="connsiteX2" y="connsiteY2"/>
-              </a:cxn>
-              <a:cxn ang="0">
-                <a:pos x="connsiteX3" y="connsiteY3"/>
-              </a:cxn>
-              <a:cxn ang="0">
-                <a:pos x="connsiteX4" y="connsiteY4"/>
-              </a:cxn>
-              <a:cxn ang="0">
-                <a:pos x="connsiteX5" y="connsiteY5"/>
-              </a:cxn>
-            </a:cxnLst>
-            <a:rect l="l" t="t" r="r" b="b"/>
-            <a:pathLst>
-              <a:path w="4303817" h="6100294">
-                <a:moveTo>
-                  <a:pt x="0" y="0"/>
-                </a:moveTo>
-                <a:lnTo>
-                  <a:pt x="4228398" y="0"/>
-                </a:lnTo>
-                <a:lnTo>
-                  <a:pt x="4229446" y="3967"/>
-                </a:lnTo>
-                <a:cubicBezTo>
-                  <a:pt x="4705210" y="2114652"/>
-                  <a:pt x="2809371" y="4773411"/>
-                  <a:pt x="1077531" y="5738774"/>
-                </a:cubicBezTo>
-                <a:cubicBezTo>
-                  <a:pt x="852198" y="5864379"/>
-                  <a:pt x="435304" y="6090896"/>
-                  <a:pt x="4752" y="6100294"/>
-                </a:cubicBezTo>
-                <a:lnTo>
-                  <a:pt x="0" y="6100220"/>
-                </a:lnTo>
-                <a:close/>
-              </a:path>
-            </a:pathLst>
-          </a:custGeom>
-          <a:solidFill>
-            <a:schemeClr val="accent4">
-              <a:alpha val="25000"/>
-            </a:schemeClr>
-          </a:solidFill>
-          <a:ln w="2077" cap="flat">
-            <a:noFill/>
-            <a:prstDash val="solid"/>
-            <a:miter/>
-          </a:ln>
-        </p:spPr>
-        <p:txBody>
-          <a:bodyPr rot="0" spcFirstLastPara="0" vertOverflow="overflow" horzOverflow="overflow" vert="horz" wrap="square" lIns="91440" tIns="45720" rIns="91440" bIns="45720" numCol="1" spcCol="0" rtlCol="0" fromWordArt="0" anchor="ctr" anchorCtr="0" forceAA="0" compatLnSpc="1">
-            <a:prstTxWarp prst="textNoShape">
-              <a:avLst/>
-            </a:prstTxWarp>
-            <a:noAutofit/>
-          </a:bodyPr>
-          <a:lstStyle/>
-          <a:p>
-            <a:pPr lvl="0"/>
-            <a:endParaRPr lang="en-US" dirty="0">
-              <a:solidFill>
-                <a:schemeClr val="tx1"/>
-              </a:solidFill>
-            </a:endParaRPr>
-          </a:p>
-        </p:txBody>
-      </p:sp>
-      <p:sp>
-        <p:nvSpPr>
-          <p:cNvPr id="30" name="Freeform: Shape 29">
-            <a:extLst>
-              <a:ext uri="{FF2B5EF4-FFF2-40B4-BE49-F238E27FC236}">
-                <a16:creationId xmlns:a16="http://schemas.microsoft.com/office/drawing/2014/main" id="{0972DA96-A413-EF87-50D3-D8EF54FD9F55}"/>
-              </a:ext>
-              <a:ext uri="{C183D7F6-B498-43B3-948B-1728B52AA6E4}">
-                <adec:decorative xmlns:adec="http://schemas.microsoft.com/office/drawing/2017/decorative" val="1"/>
-              </a:ext>
-            </a:extLst>
-          </p:cNvPr>
-          <p:cNvSpPr/>
-          <p:nvPr userDrawn="1"/>
-        </p:nvSpPr>
-        <p:spPr>
-          <a:xfrm rot="5400000">
-            <a:off x="7072129" y="3184875"/>
-            <a:ext cx="3027835" cy="4339045"/>
-          </a:xfrm>
-          <a:custGeom>
-            <a:avLst/>
-            <a:gdLst>
-              <a:gd name="connsiteX0" fmla="*/ 3027835 w 3027835"/>
-              <a:gd name="connsiteY0" fmla="*/ 1577904 h 4339045"/>
-              <a:gd name="connsiteX1" fmla="*/ 3027835 w 3027835"/>
-              <a:gd name="connsiteY1" fmla="*/ 1756157 h 4339045"/>
-              <a:gd name="connsiteX2" fmla="*/ 2987665 w 3027835"/>
-              <a:gd name="connsiteY2" fmla="*/ 1796827 h 4339045"/>
-              <a:gd name="connsiteX3" fmla="*/ 2823016 w 3027835"/>
-              <a:gd name="connsiteY3" fmla="*/ 2308034 h 4339045"/>
-              <a:gd name="connsiteX4" fmla="*/ 2840027 w 3027835"/>
-              <a:gd name="connsiteY4" fmla="*/ 2506841 h 4339045"/>
-              <a:gd name="connsiteX5" fmla="*/ 2810869 w 3027835"/>
-              <a:gd name="connsiteY5" fmla="*/ 2812303 h 4339045"/>
-              <a:gd name="connsiteX6" fmla="*/ 2677151 w 3027835"/>
-              <a:gd name="connsiteY6" fmla="*/ 3079052 h 4339045"/>
-              <a:gd name="connsiteX7" fmla="*/ 2603769 w 3027835"/>
-              <a:gd name="connsiteY7" fmla="*/ 3161057 h 4339045"/>
-              <a:gd name="connsiteX8" fmla="*/ 2588720 w 3027835"/>
-              <a:gd name="connsiteY8" fmla="*/ 3089875 h 4339045"/>
-              <a:gd name="connsiteX9" fmla="*/ 2622934 w 3027835"/>
-              <a:gd name="connsiteY9" fmla="*/ 2771189 h 4339045"/>
-              <a:gd name="connsiteX10" fmla="*/ 2679515 w 3027835"/>
-              <a:gd name="connsiteY10" fmla="*/ 2150521 h 4339045"/>
-              <a:gd name="connsiteX11" fmla="*/ 2421531 w 3027835"/>
-              <a:gd name="connsiteY11" fmla="*/ 2578333 h 4339045"/>
-              <a:gd name="connsiteX12" fmla="*/ 2353181 w 3027835"/>
-              <a:gd name="connsiteY12" fmla="*/ 2957894 h 4339045"/>
-              <a:gd name="connsiteX13" fmla="*/ 2109552 w 3027835"/>
-              <a:gd name="connsiteY13" fmla="*/ 3428433 h 4339045"/>
-              <a:gd name="connsiteX14" fmla="*/ 1994623 w 3027835"/>
-              <a:gd name="connsiteY14" fmla="*/ 3492617 h 4339045"/>
-              <a:gd name="connsiteX15" fmla="*/ 2178503 w 3027835"/>
-              <a:gd name="connsiteY15" fmla="*/ 2652563 h 4339045"/>
-              <a:gd name="connsiteX16" fmla="*/ 1824147 w 3027835"/>
-              <a:gd name="connsiteY16" fmla="*/ 3136598 h 4339045"/>
-              <a:gd name="connsiteX17" fmla="*/ 1658324 w 3027835"/>
-              <a:gd name="connsiteY17" fmla="*/ 3673617 h 4339045"/>
-              <a:gd name="connsiteX18" fmla="*/ 1554071 w 3027835"/>
-              <a:gd name="connsiteY18" fmla="*/ 3767662 h 4339045"/>
-              <a:gd name="connsiteX19" fmla="*/ 1578226 w 3027835"/>
-              <a:gd name="connsiteY19" fmla="*/ 3453444 h 4339045"/>
-              <a:gd name="connsiteX20" fmla="*/ 1610923 w 3027835"/>
-              <a:gd name="connsiteY20" fmla="*/ 3126446 h 4339045"/>
-              <a:gd name="connsiteX21" fmla="*/ 1536984 w 3027835"/>
-              <a:gd name="connsiteY21" fmla="*/ 3193645 h 4339045"/>
-              <a:gd name="connsiteX22" fmla="*/ 1400754 w 3027835"/>
-              <a:gd name="connsiteY22" fmla="*/ 3407314 h 4339045"/>
-              <a:gd name="connsiteX23" fmla="*/ 1379062 w 3027835"/>
-              <a:gd name="connsiteY23" fmla="*/ 3538306 h 4339045"/>
-              <a:gd name="connsiteX24" fmla="*/ 1121611 w 3027835"/>
-              <a:gd name="connsiteY24" fmla="*/ 3964817 h 4339045"/>
-              <a:gd name="connsiteX25" fmla="*/ 1086825 w 3027835"/>
-              <a:gd name="connsiteY25" fmla="*/ 3960854 h 4339045"/>
-              <a:gd name="connsiteX26" fmla="*/ 1151742 w 3027835"/>
-              <a:gd name="connsiteY26" fmla="*/ 3735862 h 4339045"/>
-              <a:gd name="connsiteX27" fmla="*/ 1198823 w 3027835"/>
-              <a:gd name="connsiteY27" fmla="*/ 3461351 h 4339045"/>
-              <a:gd name="connsiteX28" fmla="*/ 1036110 w 3027835"/>
-              <a:gd name="connsiteY28" fmla="*/ 3607292 h 4339045"/>
-              <a:gd name="connsiteX29" fmla="*/ 835057 w 3027835"/>
-              <a:gd name="connsiteY29" fmla="*/ 3891895 h 4339045"/>
-              <a:gd name="connsiteX30" fmla="*/ 643745 w 3027835"/>
-              <a:gd name="connsiteY30" fmla="*/ 4154015 h 4339045"/>
-              <a:gd name="connsiteX31" fmla="*/ 645644 w 3027835"/>
-              <a:gd name="connsiteY31" fmla="*/ 3839533 h 4339045"/>
-              <a:gd name="connsiteX32" fmla="*/ 369474 w 3027835"/>
-              <a:gd name="connsiteY32" fmla="*/ 4094353 h 4339045"/>
-              <a:gd name="connsiteX33" fmla="*/ 131407 w 3027835"/>
-              <a:gd name="connsiteY33" fmla="*/ 4309419 h 4339045"/>
-              <a:gd name="connsiteX34" fmla="*/ 0 w 3027835"/>
-              <a:gd name="connsiteY34" fmla="*/ 4275538 h 4339045"/>
-              <a:gd name="connsiteX35" fmla="*/ 220770 w 3027835"/>
-              <a:gd name="connsiteY35" fmla="*/ 3976206 h 4339045"/>
-              <a:gd name="connsiteX36" fmla="*/ 552175 w 3027835"/>
-              <a:gd name="connsiteY36" fmla="*/ 3763240 h 4339045"/>
-              <a:gd name="connsiteX37" fmla="*/ 799546 w 3027835"/>
-              <a:gd name="connsiteY37" fmla="*/ 3672723 h 4339045"/>
-              <a:gd name="connsiteX38" fmla="*/ 929004 w 3027835"/>
-              <a:gd name="connsiteY38" fmla="*/ 3587034 h 4339045"/>
-              <a:gd name="connsiteX39" fmla="*/ 467968 w 3027835"/>
-              <a:gd name="connsiteY39" fmla="*/ 3466793 h 4339045"/>
-              <a:gd name="connsiteX40" fmla="*/ 1175697 w 3027835"/>
-              <a:gd name="connsiteY40" fmla="*/ 3394819 h 4339045"/>
-              <a:gd name="connsiteX41" fmla="*/ 1357224 w 3027835"/>
-              <a:gd name="connsiteY41" fmla="*/ 3239412 h 4339045"/>
-              <a:gd name="connsiteX42" fmla="*/ 828818 w 3027835"/>
-              <a:gd name="connsiteY42" fmla="*/ 3160711 h 4339045"/>
-              <a:gd name="connsiteX43" fmla="*/ 1025214 w 3027835"/>
-              <a:gd name="connsiteY43" fmla="*/ 2997175 h 4339045"/>
-              <a:gd name="connsiteX44" fmla="*/ 1571266 w 3027835"/>
-              <a:gd name="connsiteY44" fmla="*/ 3058777 h 4339045"/>
-              <a:gd name="connsiteX45" fmla="*/ 1970097 w 3027835"/>
-              <a:gd name="connsiteY45" fmla="*/ 2728096 h 4339045"/>
-              <a:gd name="connsiteX46" fmla="*/ 1569373 w 3027835"/>
-              <a:gd name="connsiteY46" fmla="*/ 2658942 h 4339045"/>
-              <a:gd name="connsiteX47" fmla="*/ 1375822 w 3027835"/>
-              <a:gd name="connsiteY47" fmla="*/ 2670442 h 4339045"/>
-              <a:gd name="connsiteX48" fmla="*/ 1294025 w 3027835"/>
-              <a:gd name="connsiteY48" fmla="*/ 2668776 h 4339045"/>
-              <a:gd name="connsiteX49" fmla="*/ 1552392 w 3027835"/>
-              <a:gd name="connsiteY49" fmla="*/ 2469896 h 4339045"/>
-              <a:gd name="connsiteX50" fmla="*/ 2182140 w 3027835"/>
-              <a:gd name="connsiteY50" fmla="*/ 2545568 h 4339045"/>
-              <a:gd name="connsiteX51" fmla="*/ 2484550 w 3027835"/>
-              <a:gd name="connsiteY51" fmla="*/ 2238892 h 4339045"/>
-              <a:gd name="connsiteX52" fmla="*/ 2238060 w 3027835"/>
-              <a:gd name="connsiteY52" fmla="*/ 2253839 h 4339045"/>
-              <a:gd name="connsiteX53" fmla="*/ 1700354 w 3027835"/>
-              <a:gd name="connsiteY53" fmla="*/ 2296180 h 4339045"/>
-              <a:gd name="connsiteX54" fmla="*/ 1620694 w 3027835"/>
-              <a:gd name="connsiteY54" fmla="*/ 2282960 h 4339045"/>
-              <a:gd name="connsiteX55" fmla="*/ 1809541 w 3027835"/>
-              <a:gd name="connsiteY55" fmla="*/ 2129120 h 4339045"/>
-              <a:gd name="connsiteX56" fmla="*/ 2509155 w 3027835"/>
-              <a:gd name="connsiteY56" fmla="*/ 2037634 h 4339045"/>
-              <a:gd name="connsiteX57" fmla="*/ 2585773 w 3027835"/>
-              <a:gd name="connsiteY57" fmla="*/ 2046926 h 4339045"/>
-              <a:gd name="connsiteX58" fmla="*/ 2690306 w 3027835"/>
-              <a:gd name="connsiteY58" fmla="*/ 2021682 h 4339045"/>
-              <a:gd name="connsiteX59" fmla="*/ 2891381 w 3027835"/>
-              <a:gd name="connsiteY59" fmla="*/ 1807385 h 4339045"/>
-              <a:gd name="connsiteX60" fmla="*/ 2635902 w 3027835"/>
-              <a:gd name="connsiteY60" fmla="*/ 1844944 h 4339045"/>
-              <a:gd name="connsiteX61" fmla="*/ 1987437 w 3027835"/>
-              <a:gd name="connsiteY61" fmla="*/ 1972315 h 4339045"/>
-              <a:gd name="connsiteX62" fmla="*/ 1912448 w 3027835"/>
-              <a:gd name="connsiteY62" fmla="*/ 1968878 h 4339045"/>
-              <a:gd name="connsiteX63" fmla="*/ 1936357 w 3027835"/>
-              <a:gd name="connsiteY63" fmla="*/ 1916156 h 4339045"/>
-              <a:gd name="connsiteX64" fmla="*/ 2663656 w 3027835"/>
-              <a:gd name="connsiteY64" fmla="*/ 1603657 h 4339045"/>
-              <a:gd name="connsiteX65" fmla="*/ 2961282 w 3027835"/>
-              <a:gd name="connsiteY65" fmla="*/ 1590878 h 4339045"/>
-              <a:gd name="connsiteX66" fmla="*/ 3027835 w 3027835"/>
-              <a:gd name="connsiteY66" fmla="*/ 1091533 h 4339045"/>
-              <a:gd name="connsiteX67" fmla="*/ 3027835 w 3027835"/>
-              <a:gd name="connsiteY67" fmla="*/ 1354009 h 4339045"/>
-              <a:gd name="connsiteX68" fmla="*/ 2911954 w 3027835"/>
-              <a:gd name="connsiteY68" fmla="*/ 1374296 h 4339045"/>
-              <a:gd name="connsiteX69" fmla="*/ 2758325 w 3027835"/>
-              <a:gd name="connsiteY69" fmla="*/ 1391210 h 4339045"/>
-              <a:gd name="connsiteX70" fmla="*/ 2287151 w 3027835"/>
-              <a:gd name="connsiteY70" fmla="*/ 1560344 h 4339045"/>
-              <a:gd name="connsiteX71" fmla="*/ 2241378 w 3027835"/>
-              <a:gd name="connsiteY71" fmla="*/ 1577101 h 4339045"/>
-              <a:gd name="connsiteX72" fmla="*/ 2325709 w 3027835"/>
-              <a:gd name="connsiteY72" fmla="*/ 1375265 h 4339045"/>
-              <a:gd name="connsiteX73" fmla="*/ 2472240 w 3027835"/>
-              <a:gd name="connsiteY73" fmla="*/ 1276715 h 4339045"/>
-              <a:gd name="connsiteX74" fmla="*/ 2917220 w 3027835"/>
-              <a:gd name="connsiteY74" fmla="*/ 1104724 h 4339045"/>
-              <a:gd name="connsiteX75" fmla="*/ 3027835 w 3027835"/>
-              <a:gd name="connsiteY75" fmla="*/ 608020 h 4339045"/>
-              <a:gd name="connsiteX76" fmla="*/ 3027835 w 3027835"/>
-              <a:gd name="connsiteY76" fmla="*/ 871290 h 4339045"/>
-              <a:gd name="connsiteX77" fmla="*/ 2823268 w 3027835"/>
-              <a:gd name="connsiteY77" fmla="*/ 903289 h 4339045"/>
-              <a:gd name="connsiteX78" fmla="*/ 2497904 w 3027835"/>
-              <a:gd name="connsiteY78" fmla="*/ 1058451 h 4339045"/>
-              <a:gd name="connsiteX79" fmla="*/ 2426464 w 3027835"/>
-              <a:gd name="connsiteY79" fmla="*/ 1095730 h 4339045"/>
-              <a:gd name="connsiteX80" fmla="*/ 2417297 w 3027835"/>
-              <a:gd name="connsiteY80" fmla="*/ 1059778 h 4339045"/>
-              <a:gd name="connsiteX81" fmla="*/ 2435949 w 3027835"/>
-              <a:gd name="connsiteY81" fmla="*/ 1020554 h 4339045"/>
-              <a:gd name="connsiteX82" fmla="*/ 2873962 w 3027835"/>
-              <a:gd name="connsiteY82" fmla="*/ 655569 h 4339045"/>
-              <a:gd name="connsiteX83" fmla="*/ 2994046 w 3027835"/>
-              <a:gd name="connsiteY83" fmla="*/ 612203 h 4339045"/>
-              <a:gd name="connsiteX84" fmla="*/ 3027835 w 3027835"/>
-              <a:gd name="connsiteY84" fmla="*/ 249929 h 4339045"/>
-              <a:gd name="connsiteX85" fmla="*/ 3027835 w 3027835"/>
-              <a:gd name="connsiteY85" fmla="*/ 396832 h 4339045"/>
-              <a:gd name="connsiteX86" fmla="*/ 3019187 w 3027835"/>
-              <a:gd name="connsiteY86" fmla="*/ 398490 h 4339045"/>
-              <a:gd name="connsiteX87" fmla="*/ 2774694 w 3027835"/>
-              <a:gd name="connsiteY87" fmla="*/ 531824 h 4339045"/>
-              <a:gd name="connsiteX88" fmla="*/ 2720297 w 3027835"/>
-              <a:gd name="connsiteY88" fmla="*/ 546480 h 4339045"/>
-              <a:gd name="connsiteX89" fmla="*/ 2705172 w 3027835"/>
-              <a:gd name="connsiteY89" fmla="*/ 529016 h 4339045"/>
-              <a:gd name="connsiteX90" fmla="*/ 2769368 w 3027835"/>
-              <a:gd name="connsiteY90" fmla="*/ 436451 h 4339045"/>
-              <a:gd name="connsiteX91" fmla="*/ 2932748 w 3027835"/>
-              <a:gd name="connsiteY91" fmla="*/ 313600 h 4339045"/>
-              <a:gd name="connsiteX92" fmla="*/ 3027835 w 3027835"/>
-              <a:gd name="connsiteY92" fmla="*/ 0 h 4339045"/>
-              <a:gd name="connsiteX93" fmla="*/ 3027835 w 3027835"/>
-              <a:gd name="connsiteY93" fmla="*/ 137269 h 4339045"/>
-              <a:gd name="connsiteX94" fmla="*/ 2989957 w 3027835"/>
-              <a:gd name="connsiteY94" fmla="*/ 159851 h 4339045"/>
-              <a:gd name="connsiteX95" fmla="*/ 2910686 w 3027835"/>
-              <a:gd name="connsiteY95" fmla="*/ 165123 h 4339045"/>
-              <a:gd name="connsiteX96" fmla="*/ 2958656 w 3027835"/>
-              <a:gd name="connsiteY96" fmla="*/ 81384 h 4339045"/>
-              <a:gd name="connsiteX97" fmla="*/ 3027271 w 3027835"/>
-              <a:gd name="connsiteY97" fmla="*/ 554 h 4339045"/>
-            </a:gdLst>
-            <a:ahLst/>
-            <a:cxnLst>
-              <a:cxn ang="0">
-                <a:pos x="connsiteX0" y="connsiteY0"/>
-              </a:cxn>
-              <a:cxn ang="0">
-                <a:pos x="connsiteX1" y="connsiteY1"/>
-              </a:cxn>
-              <a:cxn ang="0">
-                <a:pos x="connsiteX2" y="connsiteY2"/>
-              </a:cxn>
-              <a:cxn ang="0">
-                <a:pos x="connsiteX3" y="connsiteY3"/>
-              </a:cxn>
-              <a:cxn ang="0">
-                <a:pos x="connsiteX4" y="connsiteY4"/>
-              </a:cxn>
-              <a:cxn ang="0">
-                <a:pos x="connsiteX5" y="connsiteY5"/>
-              </a:cxn>
-              <a:cxn ang="0">
-                <a:pos x="connsiteX6" y="connsiteY6"/>
-              </a:cxn>
-              <a:cxn ang="0">
-                <a:pos x="connsiteX7" y="connsiteY7"/>
-              </a:cxn>
-              <a:cxn ang="0">
-                <a:pos x="connsiteX8" y="connsiteY8"/>
-              </a:cxn>
-              <a:cxn ang="0">
-                <a:pos x="connsiteX9" y="connsiteY9"/>
-              </a:cxn>
-              <a:cxn ang="0">
-                <a:pos x="connsiteX10" y="connsiteY10"/>
-              </a:cxn>
-              <a:cxn ang="0">
-                <a:pos x="connsiteX11" y="connsiteY11"/>
-              </a:cxn>
-              <a:cxn ang="0">
-                <a:pos x="connsiteX12" y="connsiteY12"/>
-              </a:cxn>
-              <a:cxn ang="0">
-                <a:pos x="connsiteX13" y="connsiteY13"/>
-              </a:cxn>
-              <a:cxn ang="0">
-                <a:pos x="connsiteX14" y="connsiteY14"/>
-              </a:cxn>
-              <a:cxn ang="0">
-                <a:pos x="connsiteX15" y="connsiteY15"/>
-              </a:cxn>
-              <a:cxn ang="0">
-                <a:pos x="connsiteX16" y="connsiteY16"/>
-              </a:cxn>
-              <a:cxn ang="0">
-                <a:pos x="connsiteX17" y="connsiteY17"/>
-              </a:cxn>
-              <a:cxn ang="0">
-                <a:pos x="connsiteX18" y="connsiteY18"/>
-              </a:cxn>
-              <a:cxn ang="0">
-                <a:pos x="connsiteX19" y="connsiteY19"/>
-              </a:cxn>
-              <a:cxn ang="0">
-                <a:pos x="connsiteX20" y="connsiteY20"/>
-              </a:cxn>
-              <a:cxn ang="0">
-                <a:pos x="connsiteX21" y="connsiteY21"/>
-              </a:cxn>
-              <a:cxn ang="0">
-                <a:pos x="connsiteX22" y="connsiteY22"/>
-              </a:cxn>
-              <a:cxn ang="0">
-                <a:pos x="connsiteX23" y="connsiteY23"/>
-              </a:cxn>
-              <a:cxn ang="0">
-                <a:pos x="connsiteX24" y="connsiteY24"/>
-              </a:cxn>
-              <a:cxn ang="0">
-                <a:pos x="connsiteX25" y="connsiteY25"/>
-              </a:cxn>
-              <a:cxn ang="0">
-                <a:pos x="connsiteX26" y="connsiteY26"/>
-              </a:cxn>
-              <a:cxn ang="0">
-                <a:pos x="connsiteX27" y="connsiteY27"/>
-              </a:cxn>
-              <a:cxn ang="0">
-                <a:pos x="connsiteX28" y="connsiteY28"/>
-              </a:cxn>
-              <a:cxn ang="0">
-                <a:pos x="connsiteX29" y="connsiteY29"/>
-              </a:cxn>
-              <a:cxn ang="0">
-                <a:pos x="connsiteX30" y="connsiteY30"/>
-              </a:cxn>
-              <a:cxn ang="0">
-                <a:pos x="connsiteX31" y="connsiteY31"/>
-              </a:cxn>
-              <a:cxn ang="0">
-                <a:pos x="connsiteX32" y="connsiteY32"/>
-              </a:cxn>
-              <a:cxn ang="0">
-                <a:pos x="connsiteX33" y="connsiteY33"/>
-              </a:cxn>
-              <a:cxn ang="0">
-                <a:pos x="connsiteX34" y="connsiteY34"/>
-              </a:cxn>
-              <a:cxn ang="0">
-                <a:pos x="connsiteX35" y="connsiteY35"/>
-              </a:cxn>
-              <a:cxn ang="0">
-                <a:pos x="connsiteX36" y="connsiteY36"/>
-              </a:cxn>
-              <a:cxn ang="0">
-                <a:pos x="connsiteX37" y="connsiteY37"/>
-              </a:cxn>
-              <a:cxn ang="0">
-                <a:pos x="connsiteX38" y="connsiteY38"/>
-              </a:cxn>
-              <a:cxn ang="0">
-                <a:pos x="connsiteX39" y="connsiteY39"/>
-              </a:cxn>
-              <a:cxn ang="0">
-                <a:pos x="connsiteX40" y="connsiteY40"/>
-              </a:cxn>
-              <a:cxn ang="0">
-                <a:pos x="connsiteX41" y="connsiteY41"/>
-              </a:cxn>
-              <a:cxn ang="0">
-                <a:pos x="connsiteX42" y="connsiteY42"/>
-              </a:cxn>
-              <a:cxn ang="0">
-                <a:pos x="connsiteX43" y="connsiteY43"/>
-              </a:cxn>
-              <a:cxn ang="0">
-                <a:pos x="connsiteX44" y="connsiteY44"/>
-              </a:cxn>
-              <a:cxn ang="0">
-                <a:pos x="connsiteX45" y="connsiteY45"/>
-              </a:cxn>
-              <a:cxn ang="0">
-                <a:pos x="connsiteX46" y="connsiteY46"/>
-              </a:cxn>
-              <a:cxn ang="0">
-                <a:pos x="connsiteX47" y="connsiteY47"/>
-              </a:cxn>
-              <a:cxn ang="0">
-                <a:pos x="connsiteX48" y="connsiteY48"/>
-              </a:cxn>
-              <a:cxn ang="0">
-                <a:pos x="connsiteX49" y="connsiteY49"/>
-              </a:cxn>
-              <a:cxn ang="0">
-                <a:pos x="connsiteX50" y="connsiteY50"/>
-              </a:cxn>
-              <a:cxn ang="0">
-                <a:pos x="connsiteX51" y="connsiteY51"/>
-              </a:cxn>
-              <a:cxn ang="0">
-                <a:pos x="connsiteX52" y="connsiteY52"/>
-              </a:cxn>
-              <a:cxn ang="0">
-                <a:pos x="connsiteX53" y="connsiteY53"/>
-              </a:cxn>
-              <a:cxn ang="0">
-                <a:pos x="connsiteX54" y="connsiteY54"/>
-              </a:cxn>
-              <a:cxn ang="0">
-                <a:pos x="connsiteX55" y="connsiteY55"/>
-              </a:cxn>
-              <a:cxn ang="0">
-                <a:pos x="connsiteX56" y="connsiteY56"/>
-              </a:cxn>
-              <a:cxn ang="0">
-                <a:pos x="connsiteX57" y="connsiteY57"/>
-              </a:cxn>
-              <a:cxn ang="0">
-                <a:pos x="connsiteX58" y="connsiteY58"/>
-              </a:cxn>
-              <a:cxn ang="0">
-                <a:pos x="connsiteX59" y="connsiteY59"/>
-              </a:cxn>
-              <a:cxn ang="0">
-                <a:pos x="connsiteX60" y="connsiteY60"/>
-              </a:cxn>
-              <a:cxn ang="0">
-                <a:pos x="connsiteX61" y="connsiteY61"/>
-              </a:cxn>
-              <a:cxn ang="0">
-                <a:pos x="connsiteX62" y="connsiteY62"/>
-              </a:cxn>
-              <a:cxn ang="0">
-                <a:pos x="connsiteX63" y="connsiteY63"/>
-              </a:cxn>
-              <a:cxn ang="0">
-                <a:pos x="connsiteX64" y="connsiteY64"/>
-              </a:cxn>
-              <a:cxn ang="0">
-                <a:pos x="connsiteX65" y="connsiteY65"/>
-              </a:cxn>
-              <a:cxn ang="0">
-                <a:pos x="connsiteX66" y="connsiteY66"/>
-              </a:cxn>
-              <a:cxn ang="0">
-                <a:pos x="connsiteX67" y="connsiteY67"/>
-              </a:cxn>
-              <a:cxn ang="0">
-                <a:pos x="connsiteX68" y="connsiteY68"/>
-              </a:cxn>
-              <a:cxn ang="0">
-                <a:pos x="connsiteX69" y="connsiteY69"/>
-              </a:cxn>
-              <a:cxn ang="0">
-                <a:pos x="connsiteX70" y="connsiteY70"/>
-              </a:cxn>
-              <a:cxn ang="0">
-                <a:pos x="connsiteX71" y="connsiteY71"/>
-              </a:cxn>
-              <a:cxn ang="0">
-                <a:pos x="connsiteX72" y="connsiteY72"/>
-              </a:cxn>
-              <a:cxn ang="0">
-                <a:pos x="connsiteX73" y="connsiteY73"/>
-              </a:cxn>
-              <a:cxn ang="0">
-                <a:pos x="connsiteX74" y="connsiteY74"/>
-              </a:cxn>
-              <a:cxn ang="0">
-                <a:pos x="connsiteX75" y="connsiteY75"/>
-              </a:cxn>
-              <a:cxn ang="0">
-                <a:pos x="connsiteX76" y="connsiteY76"/>
-              </a:cxn>
-              <a:cxn ang="0">
-                <a:pos x="connsiteX77" y="connsiteY77"/>
-              </a:cxn>
-              <a:cxn ang="0">
-                <a:pos x="connsiteX78" y="connsiteY78"/>
-              </a:cxn>
-              <a:cxn ang="0">
-                <a:pos x="connsiteX79" y="connsiteY79"/>
-              </a:cxn>
-              <a:cxn ang="0">
-                <a:pos x="connsiteX80" y="connsiteY80"/>
-              </a:cxn>
-              <a:cxn ang="0">
-                <a:pos x="connsiteX81" y="connsiteY81"/>
-              </a:cxn>
-              <a:cxn ang="0">
-                <a:pos x="connsiteX82" y="connsiteY82"/>
-              </a:cxn>
-              <a:cxn ang="0">
-                <a:pos x="connsiteX83" y="connsiteY83"/>
-              </a:cxn>
-              <a:cxn ang="0">
-                <a:pos x="connsiteX84" y="connsiteY84"/>
-              </a:cxn>
-              <a:cxn ang="0">
-                <a:pos x="connsiteX85" y="connsiteY85"/>
-              </a:cxn>
-              <a:cxn ang="0">
-                <a:pos x="connsiteX86" y="connsiteY86"/>
-              </a:cxn>
-              <a:cxn ang="0">
-                <a:pos x="connsiteX87" y="connsiteY87"/>
-              </a:cxn>
-              <a:cxn ang="0">
-                <a:pos x="connsiteX88" y="connsiteY88"/>
-              </a:cxn>
-              <a:cxn ang="0">
-                <a:pos x="connsiteX89" y="connsiteY89"/>
-              </a:cxn>
-              <a:cxn ang="0">
-                <a:pos x="connsiteX90" y="connsiteY90"/>
-              </a:cxn>
-              <a:cxn ang="0">
-                <a:pos x="connsiteX91" y="connsiteY91"/>
-              </a:cxn>
-              <a:cxn ang="0">
-                <a:pos x="connsiteX92" y="connsiteY92"/>
-              </a:cxn>
-              <a:cxn ang="0">
-                <a:pos x="connsiteX93" y="connsiteY93"/>
-              </a:cxn>
-              <a:cxn ang="0">
-                <a:pos x="connsiteX94" y="connsiteY94"/>
-              </a:cxn>
-              <a:cxn ang="0">
-                <a:pos x="connsiteX95" y="connsiteY95"/>
-              </a:cxn>
-              <a:cxn ang="0">
-                <a:pos x="connsiteX96" y="connsiteY96"/>
-              </a:cxn>
-              <a:cxn ang="0">
-                <a:pos x="connsiteX97" y="connsiteY97"/>
-              </a:cxn>
-            </a:cxnLst>
-            <a:rect l="l" t="t" r="r" b="b"/>
-            <a:pathLst>
-              <a:path w="3027835" h="4339045">
-                <a:moveTo>
-                  <a:pt x="3027835" y="1577904"/>
-                </a:moveTo>
-                <a:lnTo>
-                  <a:pt x="3027835" y="1756157"/>
-                </a:lnTo>
-                <a:lnTo>
-                  <a:pt x="2987665" y="1796827"/>
-                </a:lnTo>
-                <a:cubicBezTo>
-                  <a:pt x="2831563" y="1934924"/>
-                  <a:pt x="2792628" y="2109562"/>
-                  <a:pt x="2823016" y="2308034"/>
-                </a:cubicBezTo>
-                <a:cubicBezTo>
-                  <a:pt x="2832822" y="2373671"/>
-                  <a:pt x="2838131" y="2440239"/>
-                  <a:pt x="2840027" y="2506841"/>
-                </a:cubicBezTo>
-                <a:cubicBezTo>
-                  <a:pt x="2843035" y="2609402"/>
-                  <a:pt x="2858629" y="2714436"/>
-                  <a:pt x="2810869" y="2812303"/>
-                </a:cubicBezTo>
-                <a:cubicBezTo>
-                  <a:pt x="2767189" y="2901734"/>
-                  <a:pt x="2724261" y="2991295"/>
-                  <a:pt x="2677151" y="3079052"/>
-                </a:cubicBezTo>
-                <a:cubicBezTo>
-                  <a:pt x="2663279" y="3104851"/>
-                  <a:pt x="2637466" y="3124418"/>
-                  <a:pt x="2603769" y="3161057"/>
-                </a:cubicBezTo>
-                <a:cubicBezTo>
-                  <a:pt x="2595321" y="3121823"/>
-                  <a:pt x="2587443" y="3105450"/>
-                  <a:pt x="2588720" y="3089875"/>
-                </a:cubicBezTo>
-                <a:cubicBezTo>
-                  <a:pt x="2599055" y="2983565"/>
-                  <a:pt x="2608636" y="2877127"/>
-                  <a:pt x="2622934" y="2771189"/>
-                </a:cubicBezTo>
-                <a:cubicBezTo>
-                  <a:pt x="2650772" y="2565532"/>
-                  <a:pt x="2588082" y="2352220"/>
-                  <a:pt x="2679515" y="2150521"/>
-                </a:cubicBezTo>
-                <a:cubicBezTo>
-                  <a:pt x="2524227" y="2254069"/>
-                  <a:pt x="2455583" y="2406881"/>
-                  <a:pt x="2421531" y="2578333"/>
-                </a:cubicBezTo>
-                <a:cubicBezTo>
-                  <a:pt x="2396448" y="2704716"/>
-                  <a:pt x="2398900" y="2840320"/>
-                  <a:pt x="2353181" y="2957894"/>
-                </a:cubicBezTo>
-                <a:cubicBezTo>
-                  <a:pt x="2289630" y="3121645"/>
-                  <a:pt x="2193666" y="3273015"/>
-                  <a:pt x="2109552" y="3428433"/>
-                </a:cubicBezTo>
-                <a:cubicBezTo>
-                  <a:pt x="2090719" y="3463290"/>
-                  <a:pt x="2060534" y="3489384"/>
-                  <a:pt x="1994623" y="3492617"/>
-                </a:cubicBezTo>
-                <a:cubicBezTo>
-                  <a:pt x="2130693" y="3222090"/>
-                  <a:pt x="2070961" y="2929230"/>
-                  <a:pt x="2178503" y="2652563"/>
-                </a:cubicBezTo>
-                <a:cubicBezTo>
-                  <a:pt x="2010218" y="2739788"/>
-                  <a:pt x="1836772" y="2959143"/>
-                  <a:pt x="1824147" y="3136598"/>
-                </a:cubicBezTo>
-                <a:cubicBezTo>
-                  <a:pt x="1810688" y="3326144"/>
-                  <a:pt x="1736468" y="3501534"/>
-                  <a:pt x="1658324" y="3673617"/>
-                </a:cubicBezTo>
-                <a:cubicBezTo>
-                  <a:pt x="1642628" y="3708239"/>
-                  <a:pt x="1630836" y="3750810"/>
-                  <a:pt x="1554071" y="3767662"/>
-                </a:cubicBezTo>
-                <a:cubicBezTo>
-                  <a:pt x="1566611" y="3656622"/>
-                  <a:pt x="1578354" y="3554737"/>
-                  <a:pt x="1578226" y="3453444"/>
-                </a:cubicBezTo>
-                <a:cubicBezTo>
-                  <a:pt x="1578103" y="3345803"/>
-                  <a:pt x="1598732" y="3238165"/>
-                  <a:pt x="1610923" y="3126446"/>
-                </a:cubicBezTo>
-                <a:cubicBezTo>
-                  <a:pt x="1585291" y="3150379"/>
-                  <a:pt x="1565121" y="3181290"/>
-                  <a:pt x="1536984" y="3193645"/>
-                </a:cubicBezTo>
-                <a:cubicBezTo>
-                  <a:pt x="1442310" y="3235448"/>
-                  <a:pt x="1422835" y="3321914"/>
-                  <a:pt x="1400754" y="3407314"/>
-                </a:cubicBezTo>
-                <a:cubicBezTo>
-                  <a:pt x="1389714" y="3450014"/>
-                  <a:pt x="1385791" y="3494556"/>
-                  <a:pt x="1379062" y="3538306"/>
-                </a:cubicBezTo>
-                <a:cubicBezTo>
-                  <a:pt x="1351281" y="3715636"/>
-                  <a:pt x="1249734" y="3848084"/>
-                  <a:pt x="1121611" y="3964817"/>
-                </a:cubicBezTo>
-                <a:cubicBezTo>
-                  <a:pt x="1118160" y="3967785"/>
-                  <a:pt x="1108219" y="3963445"/>
-                  <a:pt x="1086825" y="3960854"/>
-                </a:cubicBezTo>
-                <a:cubicBezTo>
-                  <a:pt x="1109340" y="3884664"/>
-                  <a:pt x="1134952" y="3811176"/>
-                  <a:pt x="1151742" y="3735862"/>
-                </a:cubicBezTo>
-                <a:cubicBezTo>
-                  <a:pt x="1170039" y="3654458"/>
-                  <a:pt x="1180468" y="3571082"/>
-                  <a:pt x="1198823" y="3461351"/>
-                </a:cubicBezTo>
-                <a:cubicBezTo>
-                  <a:pt x="1131843" y="3521384"/>
-                  <a:pt x="1085389" y="3565587"/>
-                  <a:pt x="1036110" y="3607292"/>
-                </a:cubicBezTo>
-                <a:cubicBezTo>
-                  <a:pt x="944254" y="3685041"/>
-                  <a:pt x="873950" y="3774388"/>
-                  <a:pt x="835057" y="3891895"/>
-                </a:cubicBezTo>
-                <a:cubicBezTo>
-                  <a:pt x="801460" y="3992969"/>
-                  <a:pt x="734225" y="4075256"/>
-                  <a:pt x="643745" y="4154015"/>
-                </a:cubicBezTo>
-                <a:cubicBezTo>
-                  <a:pt x="604980" y="4045929"/>
-                  <a:pt x="660132" y="3950107"/>
-                  <a:pt x="645644" y="3839533"/>
-                </a:cubicBezTo>
-                <a:cubicBezTo>
-                  <a:pt x="546824" y="3930796"/>
-                  <a:pt x="458287" y="4012675"/>
-                  <a:pt x="369474" y="4094353"/>
-                </a:cubicBezTo>
-                <a:cubicBezTo>
-                  <a:pt x="290467" y="4166721"/>
-                  <a:pt x="213733" y="4241183"/>
-                  <a:pt x="131407" y="4309419"/>
-                </a:cubicBezTo>
-                <a:cubicBezTo>
-                  <a:pt x="74675" y="4356657"/>
-                  <a:pt x="55414" y="4348857"/>
-                  <a:pt x="0" y="4275538"/>
-                </a:cubicBezTo>
-                <a:cubicBezTo>
-                  <a:pt x="56778" y="4164821"/>
-                  <a:pt x="128046" y="4062631"/>
-                  <a:pt x="220770" y="3976206"/>
-                </a:cubicBezTo>
-                <a:cubicBezTo>
-                  <a:pt x="318433" y="3885365"/>
-                  <a:pt x="417231" y="3798745"/>
-                  <a:pt x="552175" y="3763240"/>
-                </a:cubicBezTo>
-                <a:cubicBezTo>
-                  <a:pt x="636669" y="3741057"/>
-                  <a:pt x="719208" y="3707698"/>
-                  <a:pt x="799546" y="3672723"/>
-                </a:cubicBezTo>
-                <a:cubicBezTo>
-                  <a:pt x="841009" y="3654916"/>
-                  <a:pt x="876116" y="3622699"/>
-                  <a:pt x="929004" y="3587034"/>
-                </a:cubicBezTo>
-                <a:cubicBezTo>
-                  <a:pt x="640504" y="3565188"/>
-                  <a:pt x="517224" y="3531776"/>
-                  <a:pt x="467968" y="3466793"/>
-                </a:cubicBezTo>
-                <a:cubicBezTo>
-                  <a:pt x="682592" y="3269225"/>
-                  <a:pt x="921368" y="3288413"/>
-                  <a:pt x="1175697" y="3394819"/>
-                </a:cubicBezTo>
-                <a:cubicBezTo>
-                  <a:pt x="1231806" y="3346700"/>
-                  <a:pt x="1288593" y="3298233"/>
-                  <a:pt x="1357224" y="3239412"/>
-                </a:cubicBezTo>
-                <a:cubicBezTo>
-                  <a:pt x="1174440" y="3180912"/>
-                  <a:pt x="1007562" y="3149765"/>
-                  <a:pt x="828818" y="3160711"/>
-                </a:cubicBezTo>
-                <a:cubicBezTo>
-                  <a:pt x="859013" y="3094823"/>
-                  <a:pt x="939993" y="3035337"/>
-                  <a:pt x="1025214" y="2997175"/>
-                </a:cubicBezTo>
-                <a:cubicBezTo>
-                  <a:pt x="1218086" y="2911077"/>
-                  <a:pt x="1399463" y="2938056"/>
-                  <a:pt x="1571266" y="3058777"/>
-                </a:cubicBezTo>
-                <a:cubicBezTo>
-                  <a:pt x="1704503" y="2948342"/>
-                  <a:pt x="1830361" y="2843917"/>
-                  <a:pt x="1970097" y="2728096"/>
-                </a:cubicBezTo>
-                <a:cubicBezTo>
-                  <a:pt x="1821161" y="2702508"/>
-                  <a:pt x="1694953" y="2683458"/>
-                  <a:pt x="1569373" y="2658942"/>
-                </a:cubicBezTo>
-                <a:cubicBezTo>
-                  <a:pt x="1502685" y="2645936"/>
-                  <a:pt x="1439977" y="2635009"/>
-                  <a:pt x="1375822" y="2670442"/>
-                </a:cubicBezTo>
-                <a:cubicBezTo>
-                  <a:pt x="1358714" y="2679891"/>
-                  <a:pt x="1331381" y="2670395"/>
-                  <a:pt x="1294025" y="2668776"/>
-                </a:cubicBezTo>
-                <a:cubicBezTo>
-                  <a:pt x="1355359" y="2549551"/>
-                  <a:pt x="1456635" y="2512597"/>
-                  <a:pt x="1552392" y="2469896"/>
-                </a:cubicBezTo>
-                <a:cubicBezTo>
-                  <a:pt x="1773126" y="2371242"/>
-                  <a:pt x="1982653" y="2393921"/>
-                  <a:pt x="2182140" y="2545568"/>
-                </a:cubicBezTo>
-                <a:cubicBezTo>
-                  <a:pt x="2281884" y="2444400"/>
-                  <a:pt x="2374872" y="2350123"/>
-                  <a:pt x="2484550" y="2238892"/>
-                </a:cubicBezTo>
-                <a:cubicBezTo>
-                  <a:pt x="2383516" y="2245536"/>
-                  <a:pt x="2310848" y="2255660"/>
-                  <a:pt x="2238060" y="2253839"/>
-                </a:cubicBezTo>
-                <a:cubicBezTo>
-                  <a:pt x="2057181" y="2249243"/>
-                  <a:pt x="1876671" y="2240686"/>
-                  <a:pt x="1700354" y="2296180"/>
-                </a:cubicBezTo>
-                <a:cubicBezTo>
-                  <a:pt x="1681708" y="2301958"/>
-                  <a:pt x="1657350" y="2289567"/>
-                  <a:pt x="1620694" y="2282960"/>
-                </a:cubicBezTo>
-                <a:cubicBezTo>
-                  <a:pt x="1675304" y="2201136"/>
-                  <a:pt x="1738031" y="2159573"/>
-                  <a:pt x="1809541" y="2129120"/>
-                </a:cubicBezTo>
-                <a:cubicBezTo>
-                  <a:pt x="2034053" y="2032818"/>
-                  <a:pt x="2262854" y="1969306"/>
-                  <a:pt x="2509155" y="2037634"/>
-                </a:cubicBezTo>
-                <a:cubicBezTo>
-                  <a:pt x="2533866" y="2044357"/>
-                  <a:pt x="2560542" y="2049560"/>
-                  <a:pt x="2585773" y="2046926"/>
-                </a:cubicBezTo>
-                <a:cubicBezTo>
-                  <a:pt x="2621574" y="2043167"/>
-                  <a:pt x="2664566" y="2041726"/>
-                  <a:pt x="2690306" y="2021682"/>
-                </a:cubicBezTo>
-                <a:cubicBezTo>
-                  <a:pt x="2764000" y="1964041"/>
-                  <a:pt x="2826712" y="1893675"/>
-                  <a:pt x="2891381" y="1807385"/>
-                </a:cubicBezTo>
-                <a:cubicBezTo>
-                  <a:pt x="2794930" y="1821629"/>
-                  <a:pt x="2715598" y="1834480"/>
-                  <a:pt x="2635902" y="1844944"/>
-                </a:cubicBezTo>
-                <a:cubicBezTo>
-                  <a:pt x="2417127" y="1873479"/>
-                  <a:pt x="2194167" y="1879462"/>
-                  <a:pt x="1987437" y="1972315"/>
-                </a:cubicBezTo>
-                <a:cubicBezTo>
-                  <a:pt x="1969632" y="1980406"/>
-                  <a:pt x="1943731" y="1970692"/>
-                  <a:pt x="1912448" y="1968878"/>
-                </a:cubicBezTo>
-                <a:cubicBezTo>
-                  <a:pt x="1924394" y="1941664"/>
-                  <a:pt x="1927029" y="1925393"/>
-                  <a:pt x="1936357" y="1916156"/>
-                </a:cubicBezTo>
-                <a:cubicBezTo>
-                  <a:pt x="2138283" y="1718573"/>
-                  <a:pt x="2367195" y="1577657"/>
-                  <a:pt x="2663656" y="1603657"/>
-                </a:cubicBezTo>
-                <a:cubicBezTo>
-                  <a:pt x="2764811" y="1612557"/>
-                  <a:pt x="2863437" y="1606739"/>
-                  <a:pt x="2961282" y="1590878"/>
-                </a:cubicBezTo>
-                <a:close/>
-                <a:moveTo>
-                  <a:pt x="3027835" y="1091533"/>
-                </a:moveTo>
-                <a:lnTo>
-                  <a:pt x="3027835" y="1354009"/>
-                </a:lnTo>
-                <a:lnTo>
-                  <a:pt x="2911954" y="1374296"/>
-                </a:lnTo>
-                <a:cubicBezTo>
-                  <a:pt x="2861009" y="1381094"/>
-                  <a:pt x="2809696" y="1386292"/>
-                  <a:pt x="2758325" y="1391210"/>
-                </a:cubicBezTo>
-                <a:cubicBezTo>
-                  <a:pt x="2587009" y="1407613"/>
-                  <a:pt x="2422083" y="1441838"/>
-                  <a:pt x="2287151" y="1560344"/>
-                </a:cubicBezTo>
-                <a:cubicBezTo>
-                  <a:pt x="2277677" y="1568626"/>
-                  <a:pt x="2261786" y="1570077"/>
-                  <a:pt x="2241378" y="1577101"/>
-                </a:cubicBezTo>
-                <a:cubicBezTo>
-                  <a:pt x="2212898" y="1480383"/>
-                  <a:pt x="2272148" y="1425680"/>
-                  <a:pt x="2325709" y="1375265"/>
-                </a:cubicBezTo>
-                <a:cubicBezTo>
-                  <a:pt x="2368179" y="1335333"/>
-                  <a:pt x="2421961" y="1307099"/>
-                  <a:pt x="2472240" y="1276715"/>
-                </a:cubicBezTo>
-                <a:cubicBezTo>
-                  <a:pt x="2611928" y="1191660"/>
-                  <a:pt x="2759604" y="1133674"/>
-                  <a:pt x="2917220" y="1104724"/>
-                </a:cubicBezTo>
-                <a:close/>
-                <a:moveTo>
-                  <a:pt x="3027835" y="608020"/>
-                </a:moveTo>
-                <a:lnTo>
-                  <a:pt x="3027835" y="871290"/>
-                </a:lnTo>
-                <a:lnTo>
-                  <a:pt x="2823268" y="903289"/>
-                </a:lnTo>
-                <a:cubicBezTo>
-                  <a:pt x="2703617" y="925472"/>
-                  <a:pt x="2588686" y="968905"/>
-                  <a:pt x="2497904" y="1058451"/>
-                </a:cubicBezTo>
-                <a:cubicBezTo>
-                  <a:pt x="2480533" y="1075752"/>
-                  <a:pt x="2452271" y="1082511"/>
-                  <a:pt x="2426464" y="1095730"/>
-                </a:cubicBezTo>
-                <a:cubicBezTo>
-                  <a:pt x="2420370" y="1073468"/>
-                  <a:pt x="2415238" y="1065463"/>
-                  <a:pt x="2417297" y="1059778"/>
-                </a:cubicBezTo>
-                <a:cubicBezTo>
-                  <a:pt x="2421803" y="1046151"/>
-                  <a:pt x="2427464" y="1032103"/>
-                  <a:pt x="2435949" y="1020554"/>
-                </a:cubicBezTo>
-                <a:cubicBezTo>
-                  <a:pt x="2552267" y="863390"/>
-                  <a:pt x="2699750" y="743944"/>
-                  <a:pt x="2873962" y="655569"/>
-                </a:cubicBezTo>
-                <a:cubicBezTo>
-                  <a:pt x="2913491" y="635494"/>
-                  <a:pt x="2953584" y="621497"/>
-                  <a:pt x="2994046" y="612203"/>
-                </a:cubicBezTo>
-                <a:close/>
-                <a:moveTo>
-                  <a:pt x="3027835" y="249929"/>
-                </a:moveTo>
-                <a:lnTo>
-                  <a:pt x="3027835" y="396832"/>
-                </a:lnTo>
-                <a:lnTo>
-                  <a:pt x="3019187" y="398490"/>
-                </a:lnTo>
-                <a:cubicBezTo>
-                  <a:pt x="2928684" y="421789"/>
-                  <a:pt x="2845424" y="462795"/>
-                  <a:pt x="2774694" y="531824"/>
-                </a:cubicBezTo>
-                <a:cubicBezTo>
-                  <a:pt x="2762998" y="543131"/>
-                  <a:pt x="2738612" y="541729"/>
-                  <a:pt x="2720297" y="546480"/>
-                </a:cubicBezTo>
-                <a:cubicBezTo>
-                  <a:pt x="2715256" y="540659"/>
-                  <a:pt x="2710214" y="534838"/>
-                  <a:pt x="2705172" y="529016"/>
-                </a:cubicBezTo>
-                <a:cubicBezTo>
-                  <a:pt x="2726223" y="497482"/>
-                  <a:pt x="2741187" y="458089"/>
-                  <a:pt x="2769368" y="436451"/>
-                </a:cubicBezTo>
-                <a:cubicBezTo>
-                  <a:pt x="2823463" y="395109"/>
-                  <a:pt x="2877590" y="353579"/>
-                  <a:pt x="2932748" y="313600"/>
-                </a:cubicBezTo>
-                <a:close/>
-                <a:moveTo>
-                  <a:pt x="3027835" y="0"/>
-                </a:moveTo>
-                <a:lnTo>
-                  <a:pt x="3027835" y="137269"/>
-                </a:lnTo>
-                <a:lnTo>
-                  <a:pt x="2989957" y="159851"/>
-                </a:lnTo>
-                <a:cubicBezTo>
-                  <a:pt x="2975179" y="170164"/>
-                  <a:pt x="2948964" y="163183"/>
-                  <a:pt x="2910686" y="165123"/>
-                </a:cubicBezTo>
-                <a:cubicBezTo>
-                  <a:pt x="2933762" y="124491"/>
-                  <a:pt x="2943559" y="100779"/>
-                  <a:pt x="2958656" y="81384"/>
-                </a:cubicBezTo>
-                <a:cubicBezTo>
-                  <a:pt x="2980771" y="53014"/>
-                  <a:pt x="3003627" y="26048"/>
-                  <a:pt x="3027271" y="554"/>
-                </a:cubicBezTo>
-                <a:close/>
-              </a:path>
-            </a:pathLst>
-          </a:custGeom>
-          <a:solidFill>
-            <a:schemeClr val="tx2">
-              <a:alpha val="10000"/>
-            </a:schemeClr>
-          </a:solidFill>
-          <a:ln w="34059" cap="flat">
-            <a:noFill/>
-            <a:prstDash val="solid"/>
-            <a:miter/>
-          </a:ln>
-        </p:spPr>
-        <p:txBody>
-          <a:bodyPr rot="0" spcFirstLastPara="0" vertOverflow="overflow" horzOverflow="overflow" vert="horz" wrap="square" lIns="91440" tIns="45720" rIns="91440" bIns="45720" numCol="1" spcCol="0" rtlCol="0" fromWordArt="0" anchor="ctr" anchorCtr="0" forceAA="0" compatLnSpc="1">
-            <a:prstTxWarp prst="textNoShape">
-              <a:avLst/>
-            </a:prstTxWarp>
-            <a:noAutofit/>
-          </a:bodyPr>
-          <a:lstStyle/>
-          <a:p>
-            <a:pPr lvl="0"/>
-            <a:endParaRPr lang="en-US" dirty="0">
-              <a:solidFill>
-                <a:schemeClr val="tx1"/>
-              </a:solidFill>
-            </a:endParaRPr>
-          </a:p>
-        </p:txBody>
-      </p:sp>
-      <p:sp>
-        <p:nvSpPr>
-          <p:cNvPr id="20" name="Title 1">
-            <a:extLst>
-              <a:ext uri="{FF2B5EF4-FFF2-40B4-BE49-F238E27FC236}">
-                <a16:creationId xmlns:a16="http://schemas.microsoft.com/office/drawing/2014/main" id="{20AE86F9-DD66-DE05-383C-6220D559B0DF}"/>
-              </a:ext>
-            </a:extLst>
-          </p:cNvPr>
-          <p:cNvSpPr>
-            <a:spLocks noGrp="1"/>
-          </p:cNvSpPr>
-          <p:nvPr userDrawn="1">
-            <p:ph type="title"/>
-          </p:nvPr>
-        </p:nvSpPr>
-        <p:spPr>
-          <a:xfrm>
-            <a:off x="914400" y="914400"/>
-            <a:ext cx="7534656" cy="914400"/>
-          </a:xfrm>
-        </p:spPr>
-        <p:txBody>
-          <a:bodyPr anchor="b" anchorCtr="0"/>
-          <a:lstStyle>
-            <a:lvl1pPr>
-              <a:defRPr sz="3200"/>
-            </a:lvl1pPr>
-          </a:lstStyle>
-          <a:p>
-            <a:r>
-              <a:rPr lang="en-US"/>
-              <a:t>Click to edit Master title style</a:t>
-            </a:r>
-            <a:endParaRPr lang="en-US" dirty="0"/>
-          </a:p>
-        </p:txBody>
-      </p:sp>
-      <p:sp>
-        <p:nvSpPr>
-          <p:cNvPr id="3" name="Content Placeholder 6">
-            <a:extLst>
-              <a:ext uri="{FF2B5EF4-FFF2-40B4-BE49-F238E27FC236}">
-                <a16:creationId xmlns:a16="http://schemas.microsoft.com/office/drawing/2014/main" id="{2A01A65B-D54F-AD53-7320-5D272BEC11D3}"/>
-              </a:ext>
-            </a:extLst>
-          </p:cNvPr>
-          <p:cNvSpPr>
-            <a:spLocks noGrp="1"/>
-          </p:cNvSpPr>
-          <p:nvPr>
-            <p:ph sz="quarter" idx="12"/>
-          </p:nvPr>
-        </p:nvSpPr>
-        <p:spPr>
-          <a:xfrm>
-            <a:off x="914399" y="2039111"/>
-            <a:ext cx="5650992" cy="3904488"/>
-          </a:xfrm>
-        </p:spPr>
-        <p:txBody>
-          <a:bodyPr>
-            <a:normAutofit/>
-          </a:bodyPr>
-          <a:lstStyle>
-            <a:lvl1pPr marL="0" indent="0">
-              <a:buNone/>
-              <a:defRPr sz="2000"/>
-            </a:lvl1pPr>
-            <a:lvl2pPr marL="228600" indent="-228600">
-              <a:spcBef>
-                <a:spcPts val="1000"/>
-              </a:spcBef>
-              <a:buFont typeface="Courier New" panose="02070309020205020404" pitchFamily="49" charset="0"/>
-              <a:buChar char="o"/>
-              <a:defRPr sz="2000"/>
-            </a:lvl2pPr>
-            <a:lvl3pPr marL="685800" indent="-228600">
-              <a:spcBef>
-                <a:spcPts val="1000"/>
-              </a:spcBef>
-              <a:buFont typeface="Courier New" panose="02070309020205020404" pitchFamily="49" charset="0"/>
-              <a:buChar char="o"/>
-              <a:defRPr sz="2000"/>
-            </a:lvl3pPr>
-            <a:lvl4pPr marL="1143000" indent="-228600">
-              <a:spcBef>
-                <a:spcPts val="1000"/>
-              </a:spcBef>
-              <a:buFont typeface="Courier New" panose="02070309020205020404" pitchFamily="49" charset="0"/>
-              <a:buChar char="o"/>
-              <a:defRPr sz="2000"/>
-            </a:lvl4pPr>
-            <a:lvl5pPr marL="1600200" indent="-228600">
-              <a:spcBef>
-                <a:spcPts val="1000"/>
-              </a:spcBef>
-              <a:buFont typeface="Courier New" panose="02070309020205020404" pitchFamily="49" charset="0"/>
-              <a:buChar char="o"/>
-              <a:defRPr sz="2000"/>
-            </a:lvl5pPr>
-          </a:lstStyle>
-          <a:p>
-            <a:pPr lvl="0"/>
-            <a:r>
-              <a:rPr lang="en-US"/>
-              <a:t>Click to edit Master text styles</a:t>
-            </a:r>
-          </a:p>
-          <a:p>
-            <a:pPr lvl="1"/>
-            <a:r>
-              <a:rPr lang="en-US"/>
-              <a:t>Second level</a:t>
-            </a:r>
-          </a:p>
-          <a:p>
-            <a:pPr lvl="2"/>
-            <a:r>
-              <a:rPr lang="en-US"/>
-              <a:t>Third level</a:t>
-            </a:r>
-          </a:p>
-          <a:p>
-            <a:pPr lvl="3"/>
-            <a:r>
-              <a:rPr lang="en-US"/>
-              <a:t>Fourth level</a:t>
-            </a:r>
-          </a:p>
-          <a:p>
-            <a:pPr lvl="4"/>
-            <a:r>
-              <a:rPr lang="en-US"/>
-              <a:t>Fifth level</a:t>
-            </a:r>
-            <a:endParaRPr lang="en-US" dirty="0"/>
-          </a:p>
-        </p:txBody>
-      </p:sp>
-      <p:sp>
-        <p:nvSpPr>
-          <p:cNvPr id="5" name="Picture Placeholder 4">
-            <a:extLst>
-              <a:ext uri="{FF2B5EF4-FFF2-40B4-BE49-F238E27FC236}">
-                <a16:creationId xmlns:a16="http://schemas.microsoft.com/office/drawing/2014/main" id="{E724DBE4-044A-67D8-93C0-EB245AFBB297}"/>
-              </a:ext>
-            </a:extLst>
-          </p:cNvPr>
-          <p:cNvSpPr>
-            <a:spLocks noGrp="1"/>
-          </p:cNvSpPr>
-          <p:nvPr>
-            <p:ph type="pic" sz="quarter" idx="10"/>
-          </p:nvPr>
-        </p:nvSpPr>
-        <p:spPr>
-          <a:xfrm>
-            <a:off x="7623125" y="-20757"/>
-            <a:ext cx="4589511" cy="6555026"/>
-          </a:xfrm>
-          <a:custGeom>
-            <a:avLst/>
-            <a:gdLst>
-              <a:gd name="connsiteX0" fmla="*/ 0 w 4573588"/>
-              <a:gd name="connsiteY0" fmla="*/ 3278407 h 6556813"/>
-              <a:gd name="connsiteX1" fmla="*/ 2286794 w 4573588"/>
-              <a:gd name="connsiteY1" fmla="*/ 0 h 6556813"/>
-              <a:gd name="connsiteX2" fmla="*/ 4573588 w 4573588"/>
-              <a:gd name="connsiteY2" fmla="*/ 3278407 h 6556813"/>
-              <a:gd name="connsiteX3" fmla="*/ 2286794 w 4573588"/>
-              <a:gd name="connsiteY3" fmla="*/ 6556814 h 6556813"/>
-              <a:gd name="connsiteX4" fmla="*/ 0 w 4573588"/>
-              <a:gd name="connsiteY4" fmla="*/ 3278407 h 6556813"/>
-              <a:gd name="connsiteX0" fmla="*/ 3943 w 4577531"/>
-              <a:gd name="connsiteY0" fmla="*/ 3278407 h 6556814"/>
-              <a:gd name="connsiteX1" fmla="*/ 1909737 w 4577531"/>
-              <a:gd name="connsiteY1" fmla="*/ 0 h 6556814"/>
-              <a:gd name="connsiteX2" fmla="*/ 4577531 w 4577531"/>
-              <a:gd name="connsiteY2" fmla="*/ 3278407 h 6556814"/>
-              <a:gd name="connsiteX3" fmla="*/ 2290737 w 4577531"/>
-              <a:gd name="connsiteY3" fmla="*/ 6556814 h 6556814"/>
-              <a:gd name="connsiteX4" fmla="*/ 3943 w 4577531"/>
-              <a:gd name="connsiteY4" fmla="*/ 3278407 h 6556814"/>
-              <a:gd name="connsiteX0" fmla="*/ 2372 w 4749832"/>
-              <a:gd name="connsiteY0" fmla="*/ 3670402 h 6948809"/>
-              <a:gd name="connsiteX1" fmla="*/ 1908166 w 4749832"/>
-              <a:gd name="connsiteY1" fmla="*/ 391995 h 6948809"/>
-              <a:gd name="connsiteX2" fmla="*/ 4460073 w 4749832"/>
-              <a:gd name="connsiteY2" fmla="*/ 424182 h 6948809"/>
-              <a:gd name="connsiteX3" fmla="*/ 4575960 w 4749832"/>
-              <a:gd name="connsiteY3" fmla="*/ 3670402 h 6948809"/>
-              <a:gd name="connsiteX4" fmla="*/ 2289166 w 4749832"/>
-              <a:gd name="connsiteY4" fmla="*/ 6948809 h 6948809"/>
-              <a:gd name="connsiteX5" fmla="*/ 2372 w 4749832"/>
-              <a:gd name="connsiteY5" fmla="*/ 3670402 h 6948809"/>
-              <a:gd name="connsiteX0" fmla="*/ 2372 w 4749832"/>
-              <a:gd name="connsiteY0" fmla="*/ 3515592 h 6793999"/>
-              <a:gd name="connsiteX1" fmla="*/ 1908166 w 4749832"/>
-              <a:gd name="connsiteY1" fmla="*/ 237185 h 6793999"/>
-              <a:gd name="connsiteX2" fmla="*/ 4460073 w 4749832"/>
-              <a:gd name="connsiteY2" fmla="*/ 269372 h 6793999"/>
-              <a:gd name="connsiteX3" fmla="*/ 4575960 w 4749832"/>
-              <a:gd name="connsiteY3" fmla="*/ 3515592 h 6793999"/>
-              <a:gd name="connsiteX4" fmla="*/ 2289166 w 4749832"/>
-              <a:gd name="connsiteY4" fmla="*/ 6793999 h 6793999"/>
-              <a:gd name="connsiteX5" fmla="*/ 2372 w 4749832"/>
-              <a:gd name="connsiteY5" fmla="*/ 3515592 h 6793999"/>
-              <a:gd name="connsiteX0" fmla="*/ 3695 w 4751155"/>
-              <a:gd name="connsiteY0" fmla="*/ 3278452 h 6556859"/>
-              <a:gd name="connsiteX1" fmla="*/ 1909489 w 4751155"/>
-              <a:gd name="connsiteY1" fmla="*/ 45 h 6556859"/>
-              <a:gd name="connsiteX2" fmla="*/ 4461396 w 4751155"/>
-              <a:gd name="connsiteY2" fmla="*/ 32232 h 6556859"/>
-              <a:gd name="connsiteX3" fmla="*/ 4577283 w 4751155"/>
-              <a:gd name="connsiteY3" fmla="*/ 3278452 h 6556859"/>
-              <a:gd name="connsiteX4" fmla="*/ 2290489 w 4751155"/>
-              <a:gd name="connsiteY4" fmla="*/ 6556859 h 6556859"/>
-              <a:gd name="connsiteX5" fmla="*/ 3695 w 4751155"/>
-              <a:gd name="connsiteY5" fmla="*/ 3278452 h 6556859"/>
-              <a:gd name="connsiteX0" fmla="*/ 3695 w 4751155"/>
-              <a:gd name="connsiteY0" fmla="*/ 3278452 h 6556859"/>
-              <a:gd name="connsiteX1" fmla="*/ 1909489 w 4751155"/>
-              <a:gd name="connsiteY1" fmla="*/ 45 h 6556859"/>
-              <a:gd name="connsiteX2" fmla="*/ 4461396 w 4751155"/>
-              <a:gd name="connsiteY2" fmla="*/ 32232 h 6556859"/>
-              <a:gd name="connsiteX3" fmla="*/ 4577283 w 4751155"/>
-              <a:gd name="connsiteY3" fmla="*/ 3278452 h 6556859"/>
-              <a:gd name="connsiteX4" fmla="*/ 2290489 w 4751155"/>
-              <a:gd name="connsiteY4" fmla="*/ 6556859 h 6556859"/>
-              <a:gd name="connsiteX5" fmla="*/ 3695 w 4751155"/>
-              <a:gd name="connsiteY5" fmla="*/ 3278452 h 6556859"/>
-              <a:gd name="connsiteX0" fmla="*/ 2433 w 4711793"/>
-              <a:gd name="connsiteY0" fmla="*/ 4771380 h 6899113"/>
-              <a:gd name="connsiteX1" fmla="*/ 1870127 w 4711793"/>
-              <a:gd name="connsiteY1" fmla="*/ 321398 h 6899113"/>
-              <a:gd name="connsiteX2" fmla="*/ 4422034 w 4711793"/>
-              <a:gd name="connsiteY2" fmla="*/ 353585 h 6899113"/>
-              <a:gd name="connsiteX3" fmla="*/ 4537921 w 4711793"/>
-              <a:gd name="connsiteY3" fmla="*/ 3599805 h 6899113"/>
-              <a:gd name="connsiteX4" fmla="*/ 2251127 w 4711793"/>
-              <a:gd name="connsiteY4" fmla="*/ 6878212 h 6899113"/>
-              <a:gd name="connsiteX5" fmla="*/ 2433 w 4711793"/>
-              <a:gd name="connsiteY5" fmla="*/ 4771380 h 6899113"/>
-              <a:gd name="connsiteX0" fmla="*/ 2433 w 4711793"/>
-              <a:gd name="connsiteY0" fmla="*/ 4736101 h 6863719"/>
-              <a:gd name="connsiteX1" fmla="*/ 1870127 w 4711793"/>
-              <a:gd name="connsiteY1" fmla="*/ 333744 h 6863719"/>
-              <a:gd name="connsiteX2" fmla="*/ 4422034 w 4711793"/>
-              <a:gd name="connsiteY2" fmla="*/ 318306 h 6863719"/>
-              <a:gd name="connsiteX3" fmla="*/ 4537921 w 4711793"/>
-              <a:gd name="connsiteY3" fmla="*/ 3564526 h 6863719"/>
-              <a:gd name="connsiteX4" fmla="*/ 2251127 w 4711793"/>
-              <a:gd name="connsiteY4" fmla="*/ 6842933 h 6863719"/>
-              <a:gd name="connsiteX5" fmla="*/ 2433 w 4711793"/>
-              <a:gd name="connsiteY5" fmla="*/ 4736101 h 6863719"/>
-              <a:gd name="connsiteX0" fmla="*/ 2995 w 4712355"/>
-              <a:gd name="connsiteY0" fmla="*/ 4417795 h 6545413"/>
-              <a:gd name="connsiteX1" fmla="*/ 1870689 w 4712355"/>
-              <a:gd name="connsiteY1" fmla="*/ 15438 h 6545413"/>
-              <a:gd name="connsiteX2" fmla="*/ 4422596 w 4712355"/>
-              <a:gd name="connsiteY2" fmla="*/ 0 h 6545413"/>
-              <a:gd name="connsiteX3" fmla="*/ 4538483 w 4712355"/>
-              <a:gd name="connsiteY3" fmla="*/ 3246220 h 6545413"/>
-              <a:gd name="connsiteX4" fmla="*/ 2251689 w 4712355"/>
-              <a:gd name="connsiteY4" fmla="*/ 6524627 h 6545413"/>
-              <a:gd name="connsiteX5" fmla="*/ 2995 w 4712355"/>
-              <a:gd name="connsiteY5" fmla="*/ 4417795 h 6545413"/>
-              <a:gd name="connsiteX0" fmla="*/ 3403 w 4712763"/>
-              <a:gd name="connsiteY0" fmla="*/ 4724021 h 6851639"/>
-              <a:gd name="connsiteX1" fmla="*/ 1871097 w 4712763"/>
-              <a:gd name="connsiteY1" fmla="*/ 321664 h 6851639"/>
-              <a:gd name="connsiteX2" fmla="*/ 4423004 w 4712763"/>
-              <a:gd name="connsiteY2" fmla="*/ 306226 h 6851639"/>
-              <a:gd name="connsiteX3" fmla="*/ 4538891 w 4712763"/>
-              <a:gd name="connsiteY3" fmla="*/ 3552446 h 6851639"/>
-              <a:gd name="connsiteX4" fmla="*/ 2252097 w 4712763"/>
-              <a:gd name="connsiteY4" fmla="*/ 6830853 h 6851639"/>
-              <a:gd name="connsiteX5" fmla="*/ 3403 w 4712763"/>
-              <a:gd name="connsiteY5" fmla="*/ 4724021 h 6851639"/>
-              <a:gd name="connsiteX0" fmla="*/ 3172 w 4712532"/>
-              <a:gd name="connsiteY0" fmla="*/ 4417795 h 6545413"/>
-              <a:gd name="connsiteX1" fmla="*/ 1870866 w 4712532"/>
-              <a:gd name="connsiteY1" fmla="*/ 15438 h 6545413"/>
-              <a:gd name="connsiteX2" fmla="*/ 4422773 w 4712532"/>
-              <a:gd name="connsiteY2" fmla="*/ 0 h 6545413"/>
-              <a:gd name="connsiteX3" fmla="*/ 4538660 w 4712532"/>
-              <a:gd name="connsiteY3" fmla="*/ 3246220 h 6545413"/>
-              <a:gd name="connsiteX4" fmla="*/ 2251866 w 4712532"/>
-              <a:gd name="connsiteY4" fmla="*/ 6524627 h 6545413"/>
-              <a:gd name="connsiteX5" fmla="*/ 3172 w 4712532"/>
-              <a:gd name="connsiteY5" fmla="*/ 4417795 h 6545413"/>
-              <a:gd name="connsiteX0" fmla="*/ 3172 w 4712532"/>
-              <a:gd name="connsiteY0" fmla="*/ 4417795 h 6545413"/>
-              <a:gd name="connsiteX1" fmla="*/ 1870866 w 4712532"/>
-              <a:gd name="connsiteY1" fmla="*/ 15438 h 6545413"/>
-              <a:gd name="connsiteX2" fmla="*/ 4422773 w 4712532"/>
-              <a:gd name="connsiteY2" fmla="*/ 0 h 6545413"/>
-              <a:gd name="connsiteX3" fmla="*/ 4538660 w 4712532"/>
-              <a:gd name="connsiteY3" fmla="*/ 3246220 h 6545413"/>
-              <a:gd name="connsiteX4" fmla="*/ 2251866 w 4712532"/>
-              <a:gd name="connsiteY4" fmla="*/ 6524627 h 6545413"/>
-              <a:gd name="connsiteX5" fmla="*/ 3172 w 4712532"/>
-              <a:gd name="connsiteY5" fmla="*/ 4417795 h 6545413"/>
-              <a:gd name="connsiteX0" fmla="*/ 12060 w 4721420"/>
-              <a:gd name="connsiteY0" fmla="*/ 4417795 h 6545413"/>
-              <a:gd name="connsiteX1" fmla="*/ 1879754 w 4721420"/>
-              <a:gd name="connsiteY1" fmla="*/ 15438 h 6545413"/>
-              <a:gd name="connsiteX2" fmla="*/ 4431661 w 4721420"/>
-              <a:gd name="connsiteY2" fmla="*/ 0 h 6545413"/>
-              <a:gd name="connsiteX3" fmla="*/ 4547548 w 4721420"/>
-              <a:gd name="connsiteY3" fmla="*/ 3246220 h 6545413"/>
-              <a:gd name="connsiteX4" fmla="*/ 2260754 w 4721420"/>
-              <a:gd name="connsiteY4" fmla="*/ 6524627 h 6545413"/>
-              <a:gd name="connsiteX5" fmla="*/ 12060 w 4721420"/>
-              <a:gd name="connsiteY5" fmla="*/ 4417795 h 6545413"/>
-              <a:gd name="connsiteX0" fmla="*/ 17431 w 4726791"/>
-              <a:gd name="connsiteY0" fmla="*/ 4417795 h 6545976"/>
-              <a:gd name="connsiteX1" fmla="*/ 1885125 w 4726791"/>
-              <a:gd name="connsiteY1" fmla="*/ 15438 h 6545976"/>
-              <a:gd name="connsiteX2" fmla="*/ 4437032 w 4726791"/>
-              <a:gd name="connsiteY2" fmla="*/ 0 h 6545976"/>
-              <a:gd name="connsiteX3" fmla="*/ 4552919 w 4726791"/>
-              <a:gd name="connsiteY3" fmla="*/ 3246220 h 6545976"/>
-              <a:gd name="connsiteX4" fmla="*/ 2266125 w 4726791"/>
-              <a:gd name="connsiteY4" fmla="*/ 6524627 h 6545976"/>
-              <a:gd name="connsiteX5" fmla="*/ 17431 w 4726791"/>
-              <a:gd name="connsiteY5" fmla="*/ 4417795 h 6545976"/>
-              <a:gd name="connsiteX0" fmla="*/ 32352 w 4741712"/>
-              <a:gd name="connsiteY0" fmla="*/ 4417795 h 6542761"/>
-              <a:gd name="connsiteX1" fmla="*/ 1900046 w 4741712"/>
-              <a:gd name="connsiteY1" fmla="*/ 15438 h 6542761"/>
-              <a:gd name="connsiteX2" fmla="*/ 4451953 w 4741712"/>
-              <a:gd name="connsiteY2" fmla="*/ 0 h 6542761"/>
-              <a:gd name="connsiteX3" fmla="*/ 4567840 w 4741712"/>
-              <a:gd name="connsiteY3" fmla="*/ 3246220 h 6542761"/>
-              <a:gd name="connsiteX4" fmla="*/ 2281046 w 4741712"/>
-              <a:gd name="connsiteY4" fmla="*/ 6524627 h 6542761"/>
-              <a:gd name="connsiteX5" fmla="*/ 32352 w 4741712"/>
-              <a:gd name="connsiteY5" fmla="*/ 4417795 h 6542761"/>
-              <a:gd name="connsiteX0" fmla="*/ 29235 w 4738595"/>
-              <a:gd name="connsiteY0" fmla="*/ 4417795 h 6545413"/>
-              <a:gd name="connsiteX1" fmla="*/ 1896929 w 4738595"/>
-              <a:gd name="connsiteY1" fmla="*/ 15438 h 6545413"/>
-              <a:gd name="connsiteX2" fmla="*/ 4448836 w 4738595"/>
-              <a:gd name="connsiteY2" fmla="*/ 0 h 6545413"/>
-              <a:gd name="connsiteX3" fmla="*/ 4564723 w 4738595"/>
-              <a:gd name="connsiteY3" fmla="*/ 3246220 h 6545413"/>
-              <a:gd name="connsiteX4" fmla="*/ 2620829 w 4738595"/>
-              <a:gd name="connsiteY4" fmla="*/ 6524627 h 6545413"/>
-              <a:gd name="connsiteX5" fmla="*/ 29235 w 4738595"/>
-              <a:gd name="connsiteY5" fmla="*/ 4417795 h 6545413"/>
-              <a:gd name="connsiteX0" fmla="*/ 23668 w 4733028"/>
-              <a:gd name="connsiteY0" fmla="*/ 4417795 h 6545413"/>
-              <a:gd name="connsiteX1" fmla="*/ 1891362 w 4733028"/>
-              <a:gd name="connsiteY1" fmla="*/ 15438 h 6545413"/>
-              <a:gd name="connsiteX2" fmla="*/ 4443269 w 4733028"/>
-              <a:gd name="connsiteY2" fmla="*/ 0 h 6545413"/>
-              <a:gd name="connsiteX3" fmla="*/ 4559156 w 4733028"/>
-              <a:gd name="connsiteY3" fmla="*/ 3246220 h 6545413"/>
-              <a:gd name="connsiteX4" fmla="*/ 2615262 w 4733028"/>
-              <a:gd name="connsiteY4" fmla="*/ 6524627 h 6545413"/>
-              <a:gd name="connsiteX5" fmla="*/ 23668 w 4733028"/>
-              <a:gd name="connsiteY5" fmla="*/ 4417795 h 6545413"/>
-              <a:gd name="connsiteX0" fmla="*/ 4994 w 4714354"/>
-              <a:gd name="connsiteY0" fmla="*/ 4417795 h 6549476"/>
-              <a:gd name="connsiteX1" fmla="*/ 1872688 w 4714354"/>
-              <a:gd name="connsiteY1" fmla="*/ 15438 h 6549476"/>
-              <a:gd name="connsiteX2" fmla="*/ 4424595 w 4714354"/>
-              <a:gd name="connsiteY2" fmla="*/ 0 h 6549476"/>
-              <a:gd name="connsiteX3" fmla="*/ 4540482 w 4714354"/>
-              <a:gd name="connsiteY3" fmla="*/ 3246220 h 6549476"/>
-              <a:gd name="connsiteX4" fmla="*/ 2596588 w 4714354"/>
-              <a:gd name="connsiteY4" fmla="*/ 6524627 h 6549476"/>
-              <a:gd name="connsiteX5" fmla="*/ 4994 w 4714354"/>
-              <a:gd name="connsiteY5" fmla="*/ 4417795 h 6549476"/>
-              <a:gd name="connsiteX0" fmla="*/ 26445 w 4735805"/>
-              <a:gd name="connsiteY0" fmla="*/ 4417795 h 6543881"/>
-              <a:gd name="connsiteX1" fmla="*/ 1894139 w 4735805"/>
-              <a:gd name="connsiteY1" fmla="*/ 15438 h 6543881"/>
-              <a:gd name="connsiteX2" fmla="*/ 4446046 w 4735805"/>
-              <a:gd name="connsiteY2" fmla="*/ 0 h 6543881"/>
-              <a:gd name="connsiteX3" fmla="*/ 4561933 w 4735805"/>
-              <a:gd name="connsiteY3" fmla="*/ 3246220 h 6543881"/>
-              <a:gd name="connsiteX4" fmla="*/ 2618039 w 4735805"/>
-              <a:gd name="connsiteY4" fmla="*/ 6524627 h 6543881"/>
-              <a:gd name="connsiteX5" fmla="*/ 26445 w 4735805"/>
-              <a:gd name="connsiteY5" fmla="*/ 4417795 h 6543881"/>
-              <a:gd name="connsiteX0" fmla="*/ 26445 w 4735805"/>
-              <a:gd name="connsiteY0" fmla="*/ 4417795 h 6524810"/>
-              <a:gd name="connsiteX1" fmla="*/ 1894139 w 4735805"/>
-              <a:gd name="connsiteY1" fmla="*/ 15438 h 6524810"/>
-              <a:gd name="connsiteX2" fmla="*/ 4446046 w 4735805"/>
-              <a:gd name="connsiteY2" fmla="*/ 0 h 6524810"/>
-              <a:gd name="connsiteX3" fmla="*/ 4561933 w 4735805"/>
-              <a:gd name="connsiteY3" fmla="*/ 3246220 h 6524810"/>
-              <a:gd name="connsiteX4" fmla="*/ 2618039 w 4735805"/>
-              <a:gd name="connsiteY4" fmla="*/ 6524627 h 6524810"/>
-              <a:gd name="connsiteX5" fmla="*/ 26445 w 4735805"/>
-              <a:gd name="connsiteY5" fmla="*/ 4417795 h 6524810"/>
-              <a:gd name="connsiteX0" fmla="*/ 26445 w 4710448"/>
-              <a:gd name="connsiteY0" fmla="*/ 4417795 h 6610217"/>
-              <a:gd name="connsiteX1" fmla="*/ 1894139 w 4710448"/>
-              <a:gd name="connsiteY1" fmla="*/ 15438 h 6610217"/>
-              <a:gd name="connsiteX2" fmla="*/ 4446046 w 4710448"/>
-              <a:gd name="connsiteY2" fmla="*/ 0 h 6610217"/>
-              <a:gd name="connsiteX3" fmla="*/ 4504783 w 4710448"/>
-              <a:gd name="connsiteY3" fmla="*/ 5627470 h 6610217"/>
-              <a:gd name="connsiteX4" fmla="*/ 2618039 w 4710448"/>
-              <a:gd name="connsiteY4" fmla="*/ 6524627 h 6610217"/>
-              <a:gd name="connsiteX5" fmla="*/ 26445 w 4710448"/>
-              <a:gd name="connsiteY5" fmla="*/ 4417795 h 6610217"/>
-              <a:gd name="connsiteX0" fmla="*/ 26445 w 4710448"/>
-              <a:gd name="connsiteY0" fmla="*/ 4417795 h 6610217"/>
-              <a:gd name="connsiteX1" fmla="*/ 1894139 w 4710448"/>
-              <a:gd name="connsiteY1" fmla="*/ 15438 h 6610217"/>
-              <a:gd name="connsiteX2" fmla="*/ 4446046 w 4710448"/>
-              <a:gd name="connsiteY2" fmla="*/ 0 h 6610217"/>
-              <a:gd name="connsiteX3" fmla="*/ 4504783 w 4710448"/>
-              <a:gd name="connsiteY3" fmla="*/ 5627470 h 6610217"/>
-              <a:gd name="connsiteX4" fmla="*/ 2618039 w 4710448"/>
-              <a:gd name="connsiteY4" fmla="*/ 6524627 h 6610217"/>
-              <a:gd name="connsiteX5" fmla="*/ 26445 w 4710448"/>
-              <a:gd name="connsiteY5" fmla="*/ 4417795 h 6610217"/>
-              <a:gd name="connsiteX0" fmla="*/ 26445 w 4681167"/>
-              <a:gd name="connsiteY0" fmla="*/ 4417795 h 6610217"/>
-              <a:gd name="connsiteX1" fmla="*/ 1894139 w 4681167"/>
-              <a:gd name="connsiteY1" fmla="*/ 15438 h 6610217"/>
-              <a:gd name="connsiteX2" fmla="*/ 4446046 w 4681167"/>
-              <a:gd name="connsiteY2" fmla="*/ 0 h 6610217"/>
-              <a:gd name="connsiteX3" fmla="*/ 4504783 w 4681167"/>
-              <a:gd name="connsiteY3" fmla="*/ 5627470 h 6610217"/>
-              <a:gd name="connsiteX4" fmla="*/ 2618039 w 4681167"/>
-              <a:gd name="connsiteY4" fmla="*/ 6524627 h 6610217"/>
-              <a:gd name="connsiteX5" fmla="*/ 26445 w 4681167"/>
-              <a:gd name="connsiteY5" fmla="*/ 4417795 h 6610217"/>
-              <a:gd name="connsiteX0" fmla="*/ 26445 w 4706902"/>
-              <a:gd name="connsiteY0" fmla="*/ 4417795 h 6614982"/>
-              <a:gd name="connsiteX1" fmla="*/ 1894139 w 4706902"/>
-              <a:gd name="connsiteY1" fmla="*/ 15438 h 6614982"/>
-              <a:gd name="connsiteX2" fmla="*/ 4446046 w 4706902"/>
-              <a:gd name="connsiteY2" fmla="*/ 0 h 6614982"/>
-              <a:gd name="connsiteX3" fmla="*/ 4571458 w 4706902"/>
-              <a:gd name="connsiteY3" fmla="*/ 5646520 h 6614982"/>
-              <a:gd name="connsiteX4" fmla="*/ 2618039 w 4706902"/>
-              <a:gd name="connsiteY4" fmla="*/ 6524627 h 6614982"/>
-              <a:gd name="connsiteX5" fmla="*/ 26445 w 4706902"/>
-              <a:gd name="connsiteY5" fmla="*/ 4417795 h 6614982"/>
-              <a:gd name="connsiteX0" fmla="*/ 26445 w 4688588"/>
-              <a:gd name="connsiteY0" fmla="*/ 4417795 h 6614982"/>
-              <a:gd name="connsiteX1" fmla="*/ 1894139 w 4688588"/>
-              <a:gd name="connsiteY1" fmla="*/ 15438 h 6614982"/>
-              <a:gd name="connsiteX2" fmla="*/ 4446046 w 4688588"/>
-              <a:gd name="connsiteY2" fmla="*/ 0 h 6614982"/>
-              <a:gd name="connsiteX3" fmla="*/ 4571458 w 4688588"/>
-              <a:gd name="connsiteY3" fmla="*/ 5646520 h 6614982"/>
-              <a:gd name="connsiteX4" fmla="*/ 2618039 w 4688588"/>
-              <a:gd name="connsiteY4" fmla="*/ 6524627 h 6614982"/>
-              <a:gd name="connsiteX5" fmla="*/ 26445 w 4688588"/>
-              <a:gd name="connsiteY5" fmla="*/ 4417795 h 6614982"/>
-              <a:gd name="connsiteX0" fmla="*/ 26445 w 4713932"/>
-              <a:gd name="connsiteY0" fmla="*/ 4497839 h 6695026"/>
-              <a:gd name="connsiteX1" fmla="*/ 1894139 w 4713932"/>
-              <a:gd name="connsiteY1" fmla="*/ 95482 h 6695026"/>
-              <a:gd name="connsiteX2" fmla="*/ 4446046 w 4713932"/>
-              <a:gd name="connsiteY2" fmla="*/ 80044 h 6695026"/>
-              <a:gd name="connsiteX3" fmla="*/ 4550821 w 4713932"/>
-              <a:gd name="connsiteY3" fmla="*/ 603919 h 6695026"/>
-              <a:gd name="connsiteX4" fmla="*/ 4571458 w 4713932"/>
-              <a:gd name="connsiteY4" fmla="*/ 5726564 h 6695026"/>
-              <a:gd name="connsiteX5" fmla="*/ 2618039 w 4713932"/>
-              <a:gd name="connsiteY5" fmla="*/ 6604671 h 6695026"/>
-              <a:gd name="connsiteX6" fmla="*/ 26445 w 4713932"/>
-              <a:gd name="connsiteY6" fmla="*/ 4497839 h 6695026"/>
-              <a:gd name="connsiteX0" fmla="*/ 26445 w 4713932"/>
-              <a:gd name="connsiteY0" fmla="*/ 4497839 h 6695026"/>
-              <a:gd name="connsiteX1" fmla="*/ 1894139 w 4713932"/>
-              <a:gd name="connsiteY1" fmla="*/ 95482 h 6695026"/>
-              <a:gd name="connsiteX2" fmla="*/ 4446046 w 4713932"/>
-              <a:gd name="connsiteY2" fmla="*/ 80044 h 6695026"/>
-              <a:gd name="connsiteX3" fmla="*/ 4550821 w 4713932"/>
-              <a:gd name="connsiteY3" fmla="*/ 603919 h 6695026"/>
-              <a:gd name="connsiteX4" fmla="*/ 4571458 w 4713932"/>
-              <a:gd name="connsiteY4" fmla="*/ 5726564 h 6695026"/>
-              <a:gd name="connsiteX5" fmla="*/ 2618039 w 4713932"/>
-              <a:gd name="connsiteY5" fmla="*/ 6604671 h 6695026"/>
-              <a:gd name="connsiteX6" fmla="*/ 26445 w 4713932"/>
-              <a:gd name="connsiteY6" fmla="*/ 4497839 h 6695026"/>
-              <a:gd name="connsiteX0" fmla="*/ 26445 w 4713932"/>
-              <a:gd name="connsiteY0" fmla="*/ 4497839 h 6695026"/>
-              <a:gd name="connsiteX1" fmla="*/ 1894139 w 4713932"/>
-              <a:gd name="connsiteY1" fmla="*/ 95482 h 6695026"/>
-              <a:gd name="connsiteX2" fmla="*/ 4446046 w 4713932"/>
-              <a:gd name="connsiteY2" fmla="*/ 80044 h 6695026"/>
-              <a:gd name="connsiteX3" fmla="*/ 4550821 w 4713932"/>
-              <a:gd name="connsiteY3" fmla="*/ 603919 h 6695026"/>
-              <a:gd name="connsiteX4" fmla="*/ 4571458 w 4713932"/>
-              <a:gd name="connsiteY4" fmla="*/ 5726564 h 6695026"/>
-              <a:gd name="connsiteX5" fmla="*/ 2618039 w 4713932"/>
-              <a:gd name="connsiteY5" fmla="*/ 6604671 h 6695026"/>
-              <a:gd name="connsiteX6" fmla="*/ 26445 w 4713932"/>
-              <a:gd name="connsiteY6" fmla="*/ 4497839 h 6695026"/>
-              <a:gd name="connsiteX0" fmla="*/ 26445 w 4713932"/>
-              <a:gd name="connsiteY0" fmla="*/ 4447608 h 6644795"/>
-              <a:gd name="connsiteX1" fmla="*/ 1894139 w 4713932"/>
-              <a:gd name="connsiteY1" fmla="*/ 45251 h 6644795"/>
-              <a:gd name="connsiteX2" fmla="*/ 4446046 w 4713932"/>
-              <a:gd name="connsiteY2" fmla="*/ 29813 h 6644795"/>
-              <a:gd name="connsiteX3" fmla="*/ 4550821 w 4713932"/>
-              <a:gd name="connsiteY3" fmla="*/ 553688 h 6644795"/>
-              <a:gd name="connsiteX4" fmla="*/ 4571458 w 4713932"/>
-              <a:gd name="connsiteY4" fmla="*/ 5676333 h 6644795"/>
-              <a:gd name="connsiteX5" fmla="*/ 2618039 w 4713932"/>
-              <a:gd name="connsiteY5" fmla="*/ 6554440 h 6644795"/>
-              <a:gd name="connsiteX6" fmla="*/ 26445 w 4713932"/>
-              <a:gd name="connsiteY6" fmla="*/ 4447608 h 6644795"/>
-              <a:gd name="connsiteX0" fmla="*/ 26445 w 4713932"/>
-              <a:gd name="connsiteY0" fmla="*/ 4417795 h 6614982"/>
-              <a:gd name="connsiteX1" fmla="*/ 1894139 w 4713932"/>
-              <a:gd name="connsiteY1" fmla="*/ 15438 h 6614982"/>
-              <a:gd name="connsiteX2" fmla="*/ 4446046 w 4713932"/>
-              <a:gd name="connsiteY2" fmla="*/ 0 h 6614982"/>
-              <a:gd name="connsiteX3" fmla="*/ 4550821 w 4713932"/>
-              <a:gd name="connsiteY3" fmla="*/ 523875 h 6614982"/>
-              <a:gd name="connsiteX4" fmla="*/ 4571458 w 4713932"/>
-              <a:gd name="connsiteY4" fmla="*/ 5646520 h 6614982"/>
-              <a:gd name="connsiteX5" fmla="*/ 2618039 w 4713932"/>
-              <a:gd name="connsiteY5" fmla="*/ 6524627 h 6614982"/>
-              <a:gd name="connsiteX6" fmla="*/ 26445 w 4713932"/>
-              <a:gd name="connsiteY6" fmla="*/ 4417795 h 6614982"/>
-              <a:gd name="connsiteX0" fmla="*/ 26445 w 4713932"/>
-              <a:gd name="connsiteY0" fmla="*/ 4428951 h 6626138"/>
-              <a:gd name="connsiteX1" fmla="*/ 1894139 w 4713932"/>
-              <a:gd name="connsiteY1" fmla="*/ 26594 h 6626138"/>
-              <a:gd name="connsiteX2" fmla="*/ 4446046 w 4713932"/>
-              <a:gd name="connsiteY2" fmla="*/ 11156 h 6626138"/>
-              <a:gd name="connsiteX3" fmla="*/ 4550821 w 4713932"/>
-              <a:gd name="connsiteY3" fmla="*/ 128631 h 6626138"/>
-              <a:gd name="connsiteX4" fmla="*/ 4571458 w 4713932"/>
-              <a:gd name="connsiteY4" fmla="*/ 5657676 h 6626138"/>
-              <a:gd name="connsiteX5" fmla="*/ 2618039 w 4713932"/>
-              <a:gd name="connsiteY5" fmla="*/ 6535783 h 6626138"/>
-              <a:gd name="connsiteX6" fmla="*/ 26445 w 4713932"/>
-              <a:gd name="connsiteY6" fmla="*/ 4428951 h 6626138"/>
-              <a:gd name="connsiteX0" fmla="*/ 26445 w 4713932"/>
-              <a:gd name="connsiteY0" fmla="*/ 4417795 h 6614982"/>
-              <a:gd name="connsiteX1" fmla="*/ 1894139 w 4713932"/>
-              <a:gd name="connsiteY1" fmla="*/ 15438 h 6614982"/>
-              <a:gd name="connsiteX2" fmla="*/ 4446046 w 4713932"/>
-              <a:gd name="connsiteY2" fmla="*/ 0 h 6614982"/>
-              <a:gd name="connsiteX3" fmla="*/ 4550821 w 4713932"/>
-              <a:gd name="connsiteY3" fmla="*/ 117475 h 6614982"/>
-              <a:gd name="connsiteX4" fmla="*/ 4571458 w 4713932"/>
-              <a:gd name="connsiteY4" fmla="*/ 5646520 h 6614982"/>
-              <a:gd name="connsiteX5" fmla="*/ 2618039 w 4713932"/>
-              <a:gd name="connsiteY5" fmla="*/ 6524627 h 6614982"/>
-              <a:gd name="connsiteX6" fmla="*/ 26445 w 4713932"/>
-              <a:gd name="connsiteY6" fmla="*/ 4417795 h 6614982"/>
-              <a:gd name="connsiteX0" fmla="*/ 26445 w 4713932"/>
-              <a:gd name="connsiteY0" fmla="*/ 4417795 h 6614982"/>
-              <a:gd name="connsiteX1" fmla="*/ 1894139 w 4713932"/>
-              <a:gd name="connsiteY1" fmla="*/ 15438 h 6614982"/>
-              <a:gd name="connsiteX2" fmla="*/ 4446046 w 4713932"/>
-              <a:gd name="connsiteY2" fmla="*/ 0 h 6614982"/>
-              <a:gd name="connsiteX3" fmla="*/ 4550821 w 4713932"/>
-              <a:gd name="connsiteY3" fmla="*/ 117475 h 6614982"/>
-              <a:gd name="connsiteX4" fmla="*/ 4571458 w 4713932"/>
-              <a:gd name="connsiteY4" fmla="*/ 5646520 h 6614982"/>
-              <a:gd name="connsiteX5" fmla="*/ 2618039 w 4713932"/>
-              <a:gd name="connsiteY5" fmla="*/ 6524627 h 6614982"/>
-              <a:gd name="connsiteX6" fmla="*/ 26445 w 4713932"/>
-              <a:gd name="connsiteY6" fmla="*/ 4417795 h 6614982"/>
-              <a:gd name="connsiteX0" fmla="*/ 26445 w 4713932"/>
-              <a:gd name="connsiteY0" fmla="*/ 4417795 h 6614982"/>
-              <a:gd name="connsiteX1" fmla="*/ 1894139 w 4713932"/>
-              <a:gd name="connsiteY1" fmla="*/ 15438 h 6614982"/>
-              <a:gd name="connsiteX2" fmla="*/ 4446046 w 4713932"/>
-              <a:gd name="connsiteY2" fmla="*/ 0 h 6614982"/>
-              <a:gd name="connsiteX3" fmla="*/ 4550821 w 4713932"/>
-              <a:gd name="connsiteY3" fmla="*/ 117475 h 6614982"/>
-              <a:gd name="connsiteX4" fmla="*/ 4571458 w 4713932"/>
-              <a:gd name="connsiteY4" fmla="*/ 5646520 h 6614982"/>
-              <a:gd name="connsiteX5" fmla="*/ 2618039 w 4713932"/>
-              <a:gd name="connsiteY5" fmla="*/ 6524627 h 6614982"/>
-              <a:gd name="connsiteX6" fmla="*/ 26445 w 4713932"/>
-              <a:gd name="connsiteY6" fmla="*/ 4417795 h 6614982"/>
-              <a:gd name="connsiteX0" fmla="*/ 26445 w 4713932"/>
-              <a:gd name="connsiteY0" fmla="*/ 4417795 h 6614982"/>
-              <a:gd name="connsiteX1" fmla="*/ 1894139 w 4713932"/>
-              <a:gd name="connsiteY1" fmla="*/ 15438 h 6614982"/>
-              <a:gd name="connsiteX2" fmla="*/ 4446046 w 4713932"/>
-              <a:gd name="connsiteY2" fmla="*/ 0 h 6614982"/>
-              <a:gd name="connsiteX3" fmla="*/ 4550821 w 4713932"/>
-              <a:gd name="connsiteY3" fmla="*/ 117475 h 6614982"/>
-              <a:gd name="connsiteX4" fmla="*/ 4571458 w 4713932"/>
-              <a:gd name="connsiteY4" fmla="*/ 5646520 h 6614982"/>
-              <a:gd name="connsiteX5" fmla="*/ 2618039 w 4713932"/>
-              <a:gd name="connsiteY5" fmla="*/ 6524627 h 6614982"/>
-              <a:gd name="connsiteX6" fmla="*/ 26445 w 4713932"/>
-              <a:gd name="connsiteY6" fmla="*/ 4417795 h 6614982"/>
-              <a:gd name="connsiteX0" fmla="*/ 26445 w 4713932"/>
-              <a:gd name="connsiteY0" fmla="*/ 4417795 h 6614982"/>
-              <a:gd name="connsiteX1" fmla="*/ 1894139 w 4713932"/>
-              <a:gd name="connsiteY1" fmla="*/ 15438 h 6614982"/>
-              <a:gd name="connsiteX2" fmla="*/ 4446046 w 4713932"/>
-              <a:gd name="connsiteY2" fmla="*/ 0 h 6614982"/>
-              <a:gd name="connsiteX3" fmla="*/ 4550821 w 4713932"/>
-              <a:gd name="connsiteY3" fmla="*/ 117475 h 6614982"/>
-              <a:gd name="connsiteX4" fmla="*/ 4571458 w 4713932"/>
-              <a:gd name="connsiteY4" fmla="*/ 5646520 h 6614982"/>
-              <a:gd name="connsiteX5" fmla="*/ 2618039 w 4713932"/>
-              <a:gd name="connsiteY5" fmla="*/ 6524627 h 6614982"/>
-              <a:gd name="connsiteX6" fmla="*/ 26445 w 4713932"/>
-              <a:gd name="connsiteY6" fmla="*/ 4417795 h 6614982"/>
-              <a:gd name="connsiteX0" fmla="*/ 26445 w 4713932"/>
-              <a:gd name="connsiteY0" fmla="*/ 4419590 h 6616777"/>
-              <a:gd name="connsiteX1" fmla="*/ 1894139 w 4713932"/>
-              <a:gd name="connsiteY1" fmla="*/ 17233 h 6616777"/>
-              <a:gd name="connsiteX2" fmla="*/ 4446046 w 4713932"/>
-              <a:gd name="connsiteY2" fmla="*/ 1795 h 6616777"/>
-              <a:gd name="connsiteX3" fmla="*/ 4550821 w 4713932"/>
-              <a:gd name="connsiteY3" fmla="*/ 119270 h 6616777"/>
-              <a:gd name="connsiteX4" fmla="*/ 4571458 w 4713932"/>
-              <a:gd name="connsiteY4" fmla="*/ 5648315 h 6616777"/>
-              <a:gd name="connsiteX5" fmla="*/ 2618039 w 4713932"/>
-              <a:gd name="connsiteY5" fmla="*/ 6526422 h 6616777"/>
-              <a:gd name="connsiteX6" fmla="*/ 26445 w 4713932"/>
-              <a:gd name="connsiteY6" fmla="*/ 4419590 h 6616777"/>
-              <a:gd name="connsiteX0" fmla="*/ 26445 w 4713932"/>
-              <a:gd name="connsiteY0" fmla="*/ 4419590 h 6616777"/>
-              <a:gd name="connsiteX1" fmla="*/ 1894139 w 4713932"/>
-              <a:gd name="connsiteY1" fmla="*/ 17233 h 6616777"/>
-              <a:gd name="connsiteX2" fmla="*/ 4400326 w 4713932"/>
-              <a:gd name="connsiteY2" fmla="*/ 1795 h 6616777"/>
-              <a:gd name="connsiteX3" fmla="*/ 4550821 w 4713932"/>
-              <a:gd name="connsiteY3" fmla="*/ 119270 h 6616777"/>
-              <a:gd name="connsiteX4" fmla="*/ 4571458 w 4713932"/>
-              <a:gd name="connsiteY4" fmla="*/ 5648315 h 6616777"/>
-              <a:gd name="connsiteX5" fmla="*/ 2618039 w 4713932"/>
-              <a:gd name="connsiteY5" fmla="*/ 6526422 h 6616777"/>
-              <a:gd name="connsiteX6" fmla="*/ 26445 w 4713932"/>
-              <a:gd name="connsiteY6" fmla="*/ 4419590 h 6616777"/>
-              <a:gd name="connsiteX0" fmla="*/ 26445 w 4713932"/>
-              <a:gd name="connsiteY0" fmla="*/ 4439546 h 6636733"/>
-              <a:gd name="connsiteX1" fmla="*/ 1894139 w 4713932"/>
-              <a:gd name="connsiteY1" fmla="*/ 37189 h 6636733"/>
-              <a:gd name="connsiteX2" fmla="*/ 4374926 w 4713932"/>
-              <a:gd name="connsiteY2" fmla="*/ 1431 h 6636733"/>
-              <a:gd name="connsiteX3" fmla="*/ 4550821 w 4713932"/>
-              <a:gd name="connsiteY3" fmla="*/ 139226 h 6636733"/>
-              <a:gd name="connsiteX4" fmla="*/ 4571458 w 4713932"/>
-              <a:gd name="connsiteY4" fmla="*/ 5668271 h 6636733"/>
-              <a:gd name="connsiteX5" fmla="*/ 2618039 w 4713932"/>
-              <a:gd name="connsiteY5" fmla="*/ 6546378 h 6636733"/>
-              <a:gd name="connsiteX6" fmla="*/ 26445 w 4713932"/>
-              <a:gd name="connsiteY6" fmla="*/ 4439546 h 6636733"/>
-              <a:gd name="connsiteX0" fmla="*/ 26445 w 4713932"/>
-              <a:gd name="connsiteY0" fmla="*/ 4439063 h 6636250"/>
-              <a:gd name="connsiteX1" fmla="*/ 1894139 w 4713932"/>
-              <a:gd name="connsiteY1" fmla="*/ 36706 h 6636250"/>
-              <a:gd name="connsiteX2" fmla="*/ 4374926 w 4713932"/>
-              <a:gd name="connsiteY2" fmla="*/ 948 h 6636250"/>
-              <a:gd name="connsiteX3" fmla="*/ 4550821 w 4713932"/>
-              <a:gd name="connsiteY3" fmla="*/ 189543 h 6636250"/>
-              <a:gd name="connsiteX4" fmla="*/ 4571458 w 4713932"/>
-              <a:gd name="connsiteY4" fmla="*/ 5667788 h 6636250"/>
-              <a:gd name="connsiteX5" fmla="*/ 2618039 w 4713932"/>
-              <a:gd name="connsiteY5" fmla="*/ 6545895 h 6636250"/>
-              <a:gd name="connsiteX6" fmla="*/ 26445 w 4713932"/>
-              <a:gd name="connsiteY6" fmla="*/ 4439063 h 6636250"/>
-              <a:gd name="connsiteX0" fmla="*/ 21007 w 4708494"/>
-              <a:gd name="connsiteY0" fmla="*/ 4439063 h 6636250"/>
-              <a:gd name="connsiteX1" fmla="*/ 1919181 w 4708494"/>
-              <a:gd name="connsiteY1" fmla="*/ 6226 h 6636250"/>
-              <a:gd name="connsiteX2" fmla="*/ 4369488 w 4708494"/>
-              <a:gd name="connsiteY2" fmla="*/ 948 h 6636250"/>
-              <a:gd name="connsiteX3" fmla="*/ 4545383 w 4708494"/>
-              <a:gd name="connsiteY3" fmla="*/ 189543 h 6636250"/>
-              <a:gd name="connsiteX4" fmla="*/ 4566020 w 4708494"/>
-              <a:gd name="connsiteY4" fmla="*/ 5667788 h 6636250"/>
-              <a:gd name="connsiteX5" fmla="*/ 2612601 w 4708494"/>
-              <a:gd name="connsiteY5" fmla="*/ 6545895 h 6636250"/>
-              <a:gd name="connsiteX6" fmla="*/ 21007 w 4708494"/>
-              <a:gd name="connsiteY6" fmla="*/ 4439063 h 6636250"/>
-              <a:gd name="connsiteX0" fmla="*/ 19363 w 4706850"/>
-              <a:gd name="connsiteY0" fmla="*/ 4448077 h 6645264"/>
-              <a:gd name="connsiteX1" fmla="*/ 1937857 w 4706850"/>
-              <a:gd name="connsiteY1" fmla="*/ 0 h 6645264"/>
-              <a:gd name="connsiteX2" fmla="*/ 4367844 w 4706850"/>
-              <a:gd name="connsiteY2" fmla="*/ 9962 h 6645264"/>
-              <a:gd name="connsiteX3" fmla="*/ 4543739 w 4706850"/>
-              <a:gd name="connsiteY3" fmla="*/ 198557 h 6645264"/>
-              <a:gd name="connsiteX4" fmla="*/ 4564376 w 4706850"/>
-              <a:gd name="connsiteY4" fmla="*/ 5676802 h 6645264"/>
-              <a:gd name="connsiteX5" fmla="*/ 2610957 w 4706850"/>
-              <a:gd name="connsiteY5" fmla="*/ 6554909 h 6645264"/>
-              <a:gd name="connsiteX6" fmla="*/ 19363 w 4706850"/>
-              <a:gd name="connsiteY6" fmla="*/ 4448077 h 6645264"/>
-              <a:gd name="connsiteX0" fmla="*/ 17092 w 4704579"/>
-              <a:gd name="connsiteY0" fmla="*/ 4448077 h 6645264"/>
-              <a:gd name="connsiteX1" fmla="*/ 1935586 w 4704579"/>
-              <a:gd name="connsiteY1" fmla="*/ 0 h 6645264"/>
-              <a:gd name="connsiteX2" fmla="*/ 4365573 w 4704579"/>
-              <a:gd name="connsiteY2" fmla="*/ 9962 h 6645264"/>
-              <a:gd name="connsiteX3" fmla="*/ 4541468 w 4704579"/>
-              <a:gd name="connsiteY3" fmla="*/ 198557 h 6645264"/>
-              <a:gd name="connsiteX4" fmla="*/ 4562105 w 4704579"/>
-              <a:gd name="connsiteY4" fmla="*/ 5676802 h 6645264"/>
-              <a:gd name="connsiteX5" fmla="*/ 2608686 w 4704579"/>
-              <a:gd name="connsiteY5" fmla="*/ 6554909 h 6645264"/>
-              <a:gd name="connsiteX6" fmla="*/ 17092 w 4704579"/>
-              <a:gd name="connsiteY6" fmla="*/ 4448077 h 6645264"/>
-              <a:gd name="connsiteX0" fmla="*/ 17092 w 4702381"/>
-              <a:gd name="connsiteY0" fmla="*/ 4448077 h 6645264"/>
-              <a:gd name="connsiteX1" fmla="*/ 1935586 w 4702381"/>
-              <a:gd name="connsiteY1" fmla="*/ 0 h 6645264"/>
-              <a:gd name="connsiteX2" fmla="*/ 4365573 w 4702381"/>
-              <a:gd name="connsiteY2" fmla="*/ 9962 h 6645264"/>
-              <a:gd name="connsiteX3" fmla="*/ 4541468 w 4702381"/>
-              <a:gd name="connsiteY3" fmla="*/ 198557 h 6645264"/>
-              <a:gd name="connsiteX4" fmla="*/ 4562105 w 4702381"/>
-              <a:gd name="connsiteY4" fmla="*/ 5676802 h 6645264"/>
-              <a:gd name="connsiteX5" fmla="*/ 2608686 w 4702381"/>
-              <a:gd name="connsiteY5" fmla="*/ 6554909 h 6645264"/>
-              <a:gd name="connsiteX6" fmla="*/ 17092 w 4702381"/>
-              <a:gd name="connsiteY6" fmla="*/ 4448077 h 6645264"/>
-              <a:gd name="connsiteX0" fmla="*/ 17092 w 4701301"/>
-              <a:gd name="connsiteY0" fmla="*/ 4448077 h 6645264"/>
-              <a:gd name="connsiteX1" fmla="*/ 1935586 w 4701301"/>
-              <a:gd name="connsiteY1" fmla="*/ 0 h 6645264"/>
-              <a:gd name="connsiteX2" fmla="*/ 4365573 w 4701301"/>
-              <a:gd name="connsiteY2" fmla="*/ 9962 h 6645264"/>
-              <a:gd name="connsiteX3" fmla="*/ 4541468 w 4701301"/>
-              <a:gd name="connsiteY3" fmla="*/ 198557 h 6645264"/>
-              <a:gd name="connsiteX4" fmla="*/ 4562105 w 4701301"/>
-              <a:gd name="connsiteY4" fmla="*/ 5676802 h 6645264"/>
-              <a:gd name="connsiteX5" fmla="*/ 2608686 w 4701301"/>
-              <a:gd name="connsiteY5" fmla="*/ 6554909 h 6645264"/>
-              <a:gd name="connsiteX6" fmla="*/ 17092 w 4701301"/>
-              <a:gd name="connsiteY6" fmla="*/ 4448077 h 6645264"/>
-              <a:gd name="connsiteX0" fmla="*/ 17092 w 4562105"/>
-              <a:gd name="connsiteY0" fmla="*/ 4448077 h 6645264"/>
-              <a:gd name="connsiteX1" fmla="*/ 1935586 w 4562105"/>
-              <a:gd name="connsiteY1" fmla="*/ 0 h 6645264"/>
-              <a:gd name="connsiteX2" fmla="*/ 4365573 w 4562105"/>
-              <a:gd name="connsiteY2" fmla="*/ 9962 h 6645264"/>
-              <a:gd name="connsiteX3" fmla="*/ 4541468 w 4562105"/>
-              <a:gd name="connsiteY3" fmla="*/ 198557 h 6645264"/>
-              <a:gd name="connsiteX4" fmla="*/ 4562105 w 4562105"/>
-              <a:gd name="connsiteY4" fmla="*/ 5676802 h 6645264"/>
-              <a:gd name="connsiteX5" fmla="*/ 2608686 w 4562105"/>
-              <a:gd name="connsiteY5" fmla="*/ 6554909 h 6645264"/>
-              <a:gd name="connsiteX6" fmla="*/ 17092 w 4562105"/>
-              <a:gd name="connsiteY6" fmla="*/ 4448077 h 6645264"/>
-              <a:gd name="connsiteX0" fmla="*/ 17092 w 4562105"/>
-              <a:gd name="connsiteY0" fmla="*/ 4448077 h 6592556"/>
-              <a:gd name="connsiteX1" fmla="*/ 1935586 w 4562105"/>
-              <a:gd name="connsiteY1" fmla="*/ 0 h 6592556"/>
-              <a:gd name="connsiteX2" fmla="*/ 4365573 w 4562105"/>
-              <a:gd name="connsiteY2" fmla="*/ 9962 h 6592556"/>
-              <a:gd name="connsiteX3" fmla="*/ 4541468 w 4562105"/>
-              <a:gd name="connsiteY3" fmla="*/ 198557 h 6592556"/>
-              <a:gd name="connsiteX4" fmla="*/ 4562105 w 4562105"/>
-              <a:gd name="connsiteY4" fmla="*/ 5676802 h 6592556"/>
-              <a:gd name="connsiteX5" fmla="*/ 2608686 w 4562105"/>
-              <a:gd name="connsiteY5" fmla="*/ 6554909 h 6592556"/>
-              <a:gd name="connsiteX6" fmla="*/ 17092 w 4562105"/>
-              <a:gd name="connsiteY6" fmla="*/ 4448077 h 6592556"/>
-              <a:gd name="connsiteX0" fmla="*/ 17092 w 4562105"/>
-              <a:gd name="connsiteY0" fmla="*/ 4448077 h 6561473"/>
-              <a:gd name="connsiteX1" fmla="*/ 1935586 w 4562105"/>
-              <a:gd name="connsiteY1" fmla="*/ 0 h 6561473"/>
-              <a:gd name="connsiteX2" fmla="*/ 4365573 w 4562105"/>
-              <a:gd name="connsiteY2" fmla="*/ 9962 h 6561473"/>
-              <a:gd name="connsiteX3" fmla="*/ 4541468 w 4562105"/>
-              <a:gd name="connsiteY3" fmla="*/ 198557 h 6561473"/>
-              <a:gd name="connsiteX4" fmla="*/ 4562105 w 4562105"/>
-              <a:gd name="connsiteY4" fmla="*/ 5676802 h 6561473"/>
-              <a:gd name="connsiteX5" fmla="*/ 2608686 w 4562105"/>
-              <a:gd name="connsiteY5" fmla="*/ 6554909 h 6561473"/>
-              <a:gd name="connsiteX6" fmla="*/ 17092 w 4562105"/>
-              <a:gd name="connsiteY6" fmla="*/ 4448077 h 6561473"/>
-              <a:gd name="connsiteX0" fmla="*/ 18334 w 4563347"/>
-              <a:gd name="connsiteY0" fmla="*/ 4448077 h 6561473"/>
-              <a:gd name="connsiteX1" fmla="*/ 1936828 w 4563347"/>
-              <a:gd name="connsiteY1" fmla="*/ 0 h 6561473"/>
-              <a:gd name="connsiteX2" fmla="*/ 4366815 w 4563347"/>
-              <a:gd name="connsiteY2" fmla="*/ 9962 h 6561473"/>
-              <a:gd name="connsiteX3" fmla="*/ 4542710 w 4563347"/>
-              <a:gd name="connsiteY3" fmla="*/ 198557 h 6561473"/>
-              <a:gd name="connsiteX4" fmla="*/ 4563347 w 4563347"/>
-              <a:gd name="connsiteY4" fmla="*/ 5676802 h 6561473"/>
-              <a:gd name="connsiteX5" fmla="*/ 2609928 w 4563347"/>
-              <a:gd name="connsiteY5" fmla="*/ 6554909 h 6561473"/>
-              <a:gd name="connsiteX6" fmla="*/ 18334 w 4563347"/>
-              <a:gd name="connsiteY6" fmla="*/ 4448077 h 6561473"/>
-              <a:gd name="connsiteX0" fmla="*/ 20715 w 4565728"/>
-              <a:gd name="connsiteY0" fmla="*/ 4448077 h 6564701"/>
-              <a:gd name="connsiteX1" fmla="*/ 1939209 w 4565728"/>
-              <a:gd name="connsiteY1" fmla="*/ 0 h 6564701"/>
-              <a:gd name="connsiteX2" fmla="*/ 4369196 w 4565728"/>
-              <a:gd name="connsiteY2" fmla="*/ 9962 h 6564701"/>
-              <a:gd name="connsiteX3" fmla="*/ 4545091 w 4565728"/>
-              <a:gd name="connsiteY3" fmla="*/ 198557 h 6564701"/>
-              <a:gd name="connsiteX4" fmla="*/ 4565728 w 4565728"/>
-              <a:gd name="connsiteY4" fmla="*/ 5676802 h 6564701"/>
-              <a:gd name="connsiteX5" fmla="*/ 2612309 w 4565728"/>
-              <a:gd name="connsiteY5" fmla="*/ 6554909 h 6564701"/>
-              <a:gd name="connsiteX6" fmla="*/ 1024651 w 4565728"/>
-              <a:gd name="connsiteY6" fmla="*/ 6039287 h 6564701"/>
-              <a:gd name="connsiteX7" fmla="*/ 20715 w 4565728"/>
-              <a:gd name="connsiteY7" fmla="*/ 4448077 h 6564701"/>
-              <a:gd name="connsiteX0" fmla="*/ 20715 w 4565728"/>
-              <a:gd name="connsiteY0" fmla="*/ 4448077 h 6562037"/>
-              <a:gd name="connsiteX1" fmla="*/ 1939209 w 4565728"/>
-              <a:gd name="connsiteY1" fmla="*/ 0 h 6562037"/>
-              <a:gd name="connsiteX2" fmla="*/ 4369196 w 4565728"/>
-              <a:gd name="connsiteY2" fmla="*/ 9962 h 6562037"/>
-              <a:gd name="connsiteX3" fmla="*/ 4545091 w 4565728"/>
-              <a:gd name="connsiteY3" fmla="*/ 198557 h 6562037"/>
-              <a:gd name="connsiteX4" fmla="*/ 4565728 w 4565728"/>
-              <a:gd name="connsiteY4" fmla="*/ 5676802 h 6562037"/>
-              <a:gd name="connsiteX5" fmla="*/ 2612309 w 4565728"/>
-              <a:gd name="connsiteY5" fmla="*/ 6554909 h 6562037"/>
-              <a:gd name="connsiteX6" fmla="*/ 1024651 w 4565728"/>
-              <a:gd name="connsiteY6" fmla="*/ 6039287 h 6562037"/>
-              <a:gd name="connsiteX7" fmla="*/ 20715 w 4565728"/>
-              <a:gd name="connsiteY7" fmla="*/ 4448077 h 6562037"/>
-              <a:gd name="connsiteX0" fmla="*/ 20715 w 4565728"/>
-              <a:gd name="connsiteY0" fmla="*/ 4448077 h 6556271"/>
-              <a:gd name="connsiteX1" fmla="*/ 1939209 w 4565728"/>
-              <a:gd name="connsiteY1" fmla="*/ 0 h 6556271"/>
-              <a:gd name="connsiteX2" fmla="*/ 4369196 w 4565728"/>
-              <a:gd name="connsiteY2" fmla="*/ 9962 h 6556271"/>
-              <a:gd name="connsiteX3" fmla="*/ 4545091 w 4565728"/>
-              <a:gd name="connsiteY3" fmla="*/ 198557 h 6556271"/>
-              <a:gd name="connsiteX4" fmla="*/ 4565728 w 4565728"/>
-              <a:gd name="connsiteY4" fmla="*/ 5676802 h 6556271"/>
-              <a:gd name="connsiteX5" fmla="*/ 2612309 w 4565728"/>
-              <a:gd name="connsiteY5" fmla="*/ 6554909 h 6556271"/>
-              <a:gd name="connsiteX6" fmla="*/ 1024651 w 4565728"/>
-              <a:gd name="connsiteY6" fmla="*/ 6039287 h 6556271"/>
-              <a:gd name="connsiteX7" fmla="*/ 20715 w 4565728"/>
-              <a:gd name="connsiteY7" fmla="*/ 4448077 h 6556271"/>
-              <a:gd name="connsiteX0" fmla="*/ 14580 w 4559593"/>
-              <a:gd name="connsiteY0" fmla="*/ 4448077 h 6556271"/>
-              <a:gd name="connsiteX1" fmla="*/ 1933074 w 4559593"/>
-              <a:gd name="connsiteY1" fmla="*/ 0 h 6556271"/>
-              <a:gd name="connsiteX2" fmla="*/ 4363061 w 4559593"/>
-              <a:gd name="connsiteY2" fmla="*/ 9962 h 6556271"/>
-              <a:gd name="connsiteX3" fmla="*/ 4538956 w 4559593"/>
-              <a:gd name="connsiteY3" fmla="*/ 198557 h 6556271"/>
-              <a:gd name="connsiteX4" fmla="*/ 4559593 w 4559593"/>
-              <a:gd name="connsiteY4" fmla="*/ 5676802 h 6556271"/>
-              <a:gd name="connsiteX5" fmla="*/ 2606174 w 4559593"/>
-              <a:gd name="connsiteY5" fmla="*/ 6554909 h 6556271"/>
-              <a:gd name="connsiteX6" fmla="*/ 1018516 w 4559593"/>
-              <a:gd name="connsiteY6" fmla="*/ 6039287 h 6556271"/>
-              <a:gd name="connsiteX7" fmla="*/ 14580 w 4559593"/>
-              <a:gd name="connsiteY7" fmla="*/ 4448077 h 6556271"/>
-              <a:gd name="connsiteX0" fmla="*/ 22013 w 4567026"/>
-              <a:gd name="connsiteY0" fmla="*/ 4448077 h 6562037"/>
-              <a:gd name="connsiteX1" fmla="*/ 1940507 w 4567026"/>
-              <a:gd name="connsiteY1" fmla="*/ 0 h 6562037"/>
-              <a:gd name="connsiteX2" fmla="*/ 4370494 w 4567026"/>
-              <a:gd name="connsiteY2" fmla="*/ 9962 h 6562037"/>
-              <a:gd name="connsiteX3" fmla="*/ 4546389 w 4567026"/>
-              <a:gd name="connsiteY3" fmla="*/ 198557 h 6562037"/>
-              <a:gd name="connsiteX4" fmla="*/ 4567026 w 4567026"/>
-              <a:gd name="connsiteY4" fmla="*/ 5676802 h 6562037"/>
-              <a:gd name="connsiteX5" fmla="*/ 2613607 w 4567026"/>
-              <a:gd name="connsiteY5" fmla="*/ 6554909 h 6562037"/>
-              <a:gd name="connsiteX6" fmla="*/ 1005629 w 4567026"/>
-              <a:gd name="connsiteY6" fmla="*/ 6039287 h 6562037"/>
-              <a:gd name="connsiteX7" fmla="*/ 22013 w 4567026"/>
-              <a:gd name="connsiteY7" fmla="*/ 4448077 h 6562037"/>
-              <a:gd name="connsiteX0" fmla="*/ 22013 w 4567026"/>
-              <a:gd name="connsiteY0" fmla="*/ 4448077 h 6561948"/>
-              <a:gd name="connsiteX1" fmla="*/ 1940507 w 4567026"/>
-              <a:gd name="connsiteY1" fmla="*/ 0 h 6561948"/>
-              <a:gd name="connsiteX2" fmla="*/ 4370494 w 4567026"/>
-              <a:gd name="connsiteY2" fmla="*/ 9962 h 6561948"/>
-              <a:gd name="connsiteX3" fmla="*/ 4546389 w 4567026"/>
-              <a:gd name="connsiteY3" fmla="*/ 198557 h 6561948"/>
-              <a:gd name="connsiteX4" fmla="*/ 4567026 w 4567026"/>
-              <a:gd name="connsiteY4" fmla="*/ 5676802 h 6561948"/>
-              <a:gd name="connsiteX5" fmla="*/ 2613607 w 4567026"/>
-              <a:gd name="connsiteY5" fmla="*/ 6554909 h 6561948"/>
-              <a:gd name="connsiteX6" fmla="*/ 1005629 w 4567026"/>
-              <a:gd name="connsiteY6" fmla="*/ 6039287 h 6561948"/>
-              <a:gd name="connsiteX7" fmla="*/ 22013 w 4567026"/>
-              <a:gd name="connsiteY7" fmla="*/ 4448077 h 6561948"/>
-              <a:gd name="connsiteX0" fmla="*/ 22013 w 4567026"/>
-              <a:gd name="connsiteY0" fmla="*/ 4448077 h 6554958"/>
-              <a:gd name="connsiteX1" fmla="*/ 1940507 w 4567026"/>
-              <a:gd name="connsiteY1" fmla="*/ 0 h 6554958"/>
-              <a:gd name="connsiteX2" fmla="*/ 4370494 w 4567026"/>
-              <a:gd name="connsiteY2" fmla="*/ 9962 h 6554958"/>
-              <a:gd name="connsiteX3" fmla="*/ 4546389 w 4567026"/>
-              <a:gd name="connsiteY3" fmla="*/ 198557 h 6554958"/>
-              <a:gd name="connsiteX4" fmla="*/ 4567026 w 4567026"/>
-              <a:gd name="connsiteY4" fmla="*/ 5676802 h 6554958"/>
-              <a:gd name="connsiteX5" fmla="*/ 2613607 w 4567026"/>
-              <a:gd name="connsiteY5" fmla="*/ 6554909 h 6554958"/>
-              <a:gd name="connsiteX6" fmla="*/ 1005629 w 4567026"/>
-              <a:gd name="connsiteY6" fmla="*/ 6039287 h 6554958"/>
-              <a:gd name="connsiteX7" fmla="*/ 22013 w 4567026"/>
-              <a:gd name="connsiteY7" fmla="*/ 4448077 h 6554958"/>
-              <a:gd name="connsiteX0" fmla="*/ 22013 w 4567026"/>
-              <a:gd name="connsiteY0" fmla="*/ 4448077 h 6565849"/>
-              <a:gd name="connsiteX1" fmla="*/ 1940507 w 4567026"/>
-              <a:gd name="connsiteY1" fmla="*/ 0 h 6565849"/>
-              <a:gd name="connsiteX2" fmla="*/ 4370494 w 4567026"/>
-              <a:gd name="connsiteY2" fmla="*/ 9962 h 6565849"/>
-              <a:gd name="connsiteX3" fmla="*/ 4546389 w 4567026"/>
-              <a:gd name="connsiteY3" fmla="*/ 198557 h 6565849"/>
-              <a:gd name="connsiteX4" fmla="*/ 4567026 w 4567026"/>
-              <a:gd name="connsiteY4" fmla="*/ 5676802 h 6565849"/>
-              <a:gd name="connsiteX5" fmla="*/ 3682789 w 4567026"/>
-              <a:gd name="connsiteY5" fmla="*/ 6333927 h 6565849"/>
-              <a:gd name="connsiteX6" fmla="*/ 2613607 w 4567026"/>
-              <a:gd name="connsiteY6" fmla="*/ 6554909 h 6565849"/>
-              <a:gd name="connsiteX7" fmla="*/ 1005629 w 4567026"/>
-              <a:gd name="connsiteY7" fmla="*/ 6039287 h 6565849"/>
-              <a:gd name="connsiteX8" fmla="*/ 22013 w 4567026"/>
-              <a:gd name="connsiteY8" fmla="*/ 4448077 h 6565849"/>
-              <a:gd name="connsiteX0" fmla="*/ 22013 w 4567026"/>
-              <a:gd name="connsiteY0" fmla="*/ 4448077 h 6565849"/>
-              <a:gd name="connsiteX1" fmla="*/ 1940507 w 4567026"/>
-              <a:gd name="connsiteY1" fmla="*/ 0 h 6565849"/>
-              <a:gd name="connsiteX2" fmla="*/ 4370494 w 4567026"/>
-              <a:gd name="connsiteY2" fmla="*/ 9962 h 6565849"/>
-              <a:gd name="connsiteX3" fmla="*/ 4546389 w 4567026"/>
-              <a:gd name="connsiteY3" fmla="*/ 198557 h 6565849"/>
-              <a:gd name="connsiteX4" fmla="*/ 4567026 w 4567026"/>
-              <a:gd name="connsiteY4" fmla="*/ 5676802 h 6565849"/>
-              <a:gd name="connsiteX5" fmla="*/ 3682789 w 4567026"/>
-              <a:gd name="connsiteY5" fmla="*/ 6333927 h 6565849"/>
-              <a:gd name="connsiteX6" fmla="*/ 2613607 w 4567026"/>
-              <a:gd name="connsiteY6" fmla="*/ 6554909 h 6565849"/>
-              <a:gd name="connsiteX7" fmla="*/ 1005629 w 4567026"/>
-              <a:gd name="connsiteY7" fmla="*/ 6039287 h 6565849"/>
-              <a:gd name="connsiteX8" fmla="*/ 22013 w 4567026"/>
-              <a:gd name="connsiteY8" fmla="*/ 4448077 h 6565849"/>
-              <a:gd name="connsiteX0" fmla="*/ 22013 w 4567026"/>
-              <a:gd name="connsiteY0" fmla="*/ 4448077 h 6555026"/>
-              <a:gd name="connsiteX1" fmla="*/ 1940507 w 4567026"/>
-              <a:gd name="connsiteY1" fmla="*/ 0 h 6555026"/>
-              <a:gd name="connsiteX2" fmla="*/ 4370494 w 4567026"/>
-              <a:gd name="connsiteY2" fmla="*/ 9962 h 6555026"/>
-              <a:gd name="connsiteX3" fmla="*/ 4546389 w 4567026"/>
-              <a:gd name="connsiteY3" fmla="*/ 198557 h 6555026"/>
-              <a:gd name="connsiteX4" fmla="*/ 4567026 w 4567026"/>
-              <a:gd name="connsiteY4" fmla="*/ 5676802 h 6555026"/>
-              <a:gd name="connsiteX5" fmla="*/ 3682789 w 4567026"/>
-              <a:gd name="connsiteY5" fmla="*/ 6333927 h 6555026"/>
-              <a:gd name="connsiteX6" fmla="*/ 2613607 w 4567026"/>
-              <a:gd name="connsiteY6" fmla="*/ 6554909 h 6555026"/>
-              <a:gd name="connsiteX7" fmla="*/ 1005629 w 4567026"/>
-              <a:gd name="connsiteY7" fmla="*/ 6039287 h 6555026"/>
-              <a:gd name="connsiteX8" fmla="*/ 22013 w 4567026"/>
-              <a:gd name="connsiteY8" fmla="*/ 4448077 h 6555026"/>
-              <a:gd name="connsiteX0" fmla="*/ 44498 w 4589511"/>
-              <a:gd name="connsiteY0" fmla="*/ 4448077 h 6555026"/>
-              <a:gd name="connsiteX1" fmla="*/ 1962992 w 4589511"/>
-              <a:gd name="connsiteY1" fmla="*/ 0 h 6555026"/>
-              <a:gd name="connsiteX2" fmla="*/ 4392979 w 4589511"/>
-              <a:gd name="connsiteY2" fmla="*/ 9962 h 6555026"/>
-              <a:gd name="connsiteX3" fmla="*/ 4568874 w 4589511"/>
-              <a:gd name="connsiteY3" fmla="*/ 198557 h 6555026"/>
-              <a:gd name="connsiteX4" fmla="*/ 4589511 w 4589511"/>
-              <a:gd name="connsiteY4" fmla="*/ 5676802 h 6555026"/>
-              <a:gd name="connsiteX5" fmla="*/ 3705274 w 4589511"/>
-              <a:gd name="connsiteY5" fmla="*/ 6333927 h 6555026"/>
-              <a:gd name="connsiteX6" fmla="*/ 2636092 w 4589511"/>
-              <a:gd name="connsiteY6" fmla="*/ 6554909 h 6555026"/>
-              <a:gd name="connsiteX7" fmla="*/ 1028114 w 4589511"/>
-              <a:gd name="connsiteY7" fmla="*/ 6039287 h 6555026"/>
-              <a:gd name="connsiteX8" fmla="*/ 44498 w 4589511"/>
-              <a:gd name="connsiteY8" fmla="*/ 4448077 h 6555026"/>
-            </a:gdLst>
-            <a:ahLst/>
-            <a:cxnLst>
-              <a:cxn ang="0">
-                <a:pos x="connsiteX0" y="connsiteY0"/>
-              </a:cxn>
-              <a:cxn ang="0">
-                <a:pos x="connsiteX1" y="connsiteY1"/>
-              </a:cxn>
-              <a:cxn ang="0">
-                <a:pos x="connsiteX2" y="connsiteY2"/>
-              </a:cxn>
-              <a:cxn ang="0">
-                <a:pos x="connsiteX3" y="connsiteY3"/>
-              </a:cxn>
-              <a:cxn ang="0">
-                <a:pos x="connsiteX4" y="connsiteY4"/>
-              </a:cxn>
-              <a:cxn ang="0">
-                <a:pos x="connsiteX5" y="connsiteY5"/>
-              </a:cxn>
-              <a:cxn ang="0">
-                <a:pos x="connsiteX6" y="connsiteY6"/>
-              </a:cxn>
-              <a:cxn ang="0">
-                <a:pos x="connsiteX7" y="connsiteY7"/>
-              </a:cxn>
-              <a:cxn ang="0">
-                <a:pos x="connsiteX8" y="connsiteY8"/>
-              </a:cxn>
-            </a:cxnLst>
-            <a:rect l="l" t="t" r="r" b="b"/>
-            <a:pathLst>
-              <a:path w="4589511" h="6555026">
-                <a:moveTo>
-                  <a:pt x="44498" y="4448077"/>
-                </a:moveTo>
-                <a:cubicBezTo>
-                  <a:pt x="-165449" y="3431369"/>
-                  <a:pt x="350092" y="1272239"/>
-                  <a:pt x="1962992" y="0"/>
-                </a:cubicBezTo>
-                <a:lnTo>
-                  <a:pt x="4392979" y="9962"/>
-                </a:lnTo>
-                <a:cubicBezTo>
-                  <a:pt x="4433804" y="-3724"/>
-                  <a:pt x="4576547" y="134405"/>
-                  <a:pt x="4568874" y="198557"/>
-                </a:cubicBezTo>
-                <a:cubicBezTo>
-                  <a:pt x="4574536" y="2226764"/>
-                  <a:pt x="4581441" y="4495702"/>
-                  <a:pt x="4589511" y="5676802"/>
-                </a:cubicBezTo>
-                <a:cubicBezTo>
-                  <a:pt x="4428644" y="5983084"/>
-                  <a:pt x="4030844" y="6187576"/>
-                  <a:pt x="3705274" y="6333927"/>
-                </a:cubicBezTo>
-                <a:cubicBezTo>
-                  <a:pt x="3379704" y="6480278"/>
-                  <a:pt x="3148325" y="6548136"/>
-                  <a:pt x="2636092" y="6554909"/>
-                </a:cubicBezTo>
-                <a:cubicBezTo>
-                  <a:pt x="2123859" y="6561682"/>
-                  <a:pt x="1343206" y="6273586"/>
-                  <a:pt x="1028114" y="6039287"/>
-                </a:cubicBezTo>
-                <a:cubicBezTo>
-                  <a:pt x="596182" y="5688148"/>
-                  <a:pt x="254445" y="5464785"/>
-                  <a:pt x="44498" y="4448077"/>
-                </a:cubicBezTo>
-                <a:close/>
-              </a:path>
-            </a:pathLst>
-          </a:custGeom>
-          <a:solidFill>
-            <a:schemeClr val="accent3"/>
-          </a:solidFill>
-          <a:ln>
-            <a:noFill/>
-          </a:ln>
-        </p:spPr>
-        <p:txBody>
-          <a:bodyPr lIns="182880" tIns="274320" rIns="274320">
-            <a:normAutofit/>
-          </a:bodyPr>
-          <a:lstStyle>
-            <a:lvl1pPr marL="0" indent="0" algn="r">
-              <a:buNone/>
-              <a:defRPr sz="2000"/>
-            </a:lvl1pPr>
-          </a:lstStyle>
-          <a:p>
-            <a:r>
-              <a:rPr lang="en-US"/>
-              <a:t>Click icon to add picture</a:t>
-            </a:r>
-            <a:endParaRPr lang="en-US" dirty="0"/>
-          </a:p>
-        </p:txBody>
-      </p:sp>
-      <p:sp>
-        <p:nvSpPr>
-          <p:cNvPr id="6" name="Slide Number Placeholder 5">
-            <a:extLst>
-              <a:ext uri="{FF2B5EF4-FFF2-40B4-BE49-F238E27FC236}">
-                <a16:creationId xmlns:a16="http://schemas.microsoft.com/office/drawing/2014/main" id="{2FA893C5-3725-2BF8-B201-6C4123C13131}"/>
-              </a:ext>
-            </a:extLst>
-          </p:cNvPr>
-          <p:cNvSpPr>
-            <a:spLocks noGrp="1"/>
-          </p:cNvSpPr>
-          <p:nvPr>
-            <p:ph type="sldNum" sz="quarter" idx="4"/>
-          </p:nvPr>
-        </p:nvSpPr>
-        <p:spPr>
-          <a:xfrm>
-            <a:off x="11353800" y="5879804"/>
-            <a:ext cx="661416" cy="895899"/>
-          </a:xfrm>
-          <a:prstGeom prst="rect">
-            <a:avLst/>
-          </a:prstGeom>
-        </p:spPr>
-        <p:txBody>
-          <a:bodyPr vert="horz" lIns="91440" tIns="45720" rIns="91440" bIns="45720" rtlCol="0" anchor="ctr"/>
-          <a:lstStyle>
-            <a:lvl1pPr algn="ctr">
-              <a:defRPr sz="2400" b="0" i="0">
-                <a:solidFill>
-                  <a:schemeClr val="tx1"/>
-                </a:solidFill>
-                <a:latin typeface="Sagona Book" panose="02020503050505020204" pitchFamily="18" charset="0"/>
-              </a:defRPr>
-            </a:lvl1pPr>
-          </a:lstStyle>
-          <a:p>
-            <a:fld id="{58FB4751-880F-D840-AAA9-3A15815CC996}" type="slidenum">
-              <a:rPr lang="en-US" smtClean="0"/>
-              <a:pPr/>
-              <a:t>‹#›</a:t>
-            </a:fld>
-            <a:endParaRPr lang="en-US" dirty="0"/>
-          </a:p>
-        </p:txBody>
-      </p:sp>
-    </p:spTree>
-    <p:extLst>
-      <p:ext uri="{BB962C8B-B14F-4D97-AF65-F5344CB8AC3E}">
-        <p14:creationId xmlns:p14="http://schemas.microsoft.com/office/powerpoint/2010/main" val="1921541502"/>
-      </p:ext>
-    </p:extLst>
-  </p:cSld>
-  <p:clrMapOvr>
-    <a:masterClrMapping/>
-  </p:clrMapOvr>
-  <p:extLst>
-    <p:ext uri="{DCECCB84-F9BA-43D5-87BE-67443E8EF086}">
-      <p15:sldGuideLst xmlns:p15="http://schemas.microsoft.com/office/powerpoint/2012/main">
-        <p15:guide id="1" orient="horz" pos="3984">
-          <p15:clr>
-            <a:srgbClr val="FBAE40"/>
-          </p15:clr>
-        </p15:guide>
-        <p15:guide id="2" pos="7272">
-          <p15:clr>
-            <a:srgbClr val="FBAE40"/>
-          </p15:clr>
-        </p15:guide>
-        <p15:guide id="3" pos="408">
-          <p15:clr>
-            <a:srgbClr val="FBAE40"/>
-          </p15:clr>
-        </p15:guide>
-        <p15:guide id="4" orient="horz" pos="504">
-          <p15:clr>
-            <a:srgbClr val="FBAE40"/>
-          </p15:clr>
-        </p15:guide>
-      </p15:sldGuideLst>
-    </p:ext>
-  </p:extLst>
-</p:sldLayout>
-</file>
-
-<file path=ppt/slideLayouts/slideLayout2.xml><?xml version="1.0" encoding="utf-8"?>
-<p:sldLayout xmlns:a="http://schemas.openxmlformats.org/drawingml/2006/main" xmlns:r="http://schemas.openxmlformats.org/officeDocument/2006/relationships" xmlns:p="http://schemas.openxmlformats.org/presentationml/2006/main" type="obj" preserve="1">
-  <p:cSld name="Title and Content">
-    <p:spTree>
-      <p:nvGrpSpPr>
-        <p:cNvPr id="1" name=""/>
-        <p:cNvGrpSpPr/>
-        <p:nvPr/>
-      </p:nvGrpSpPr>
-      <p:grpSpPr>
-        <a:xfrm>
-          <a:off x="0" y="0"/>
-          <a:ext cx="0" cy="0"/>
-          <a:chOff x="0" y="0"/>
-          <a:chExt cx="0" cy="0"/>
-        </a:xfrm>
-      </p:grpSpPr>
-      <p:sp>
-        <p:nvSpPr>
-          <p:cNvPr id="2" name="Title 1"/>
-          <p:cNvSpPr>
-            <a:spLocks noGrp="1"/>
-          </p:cNvSpPr>
-          <p:nvPr>
-            <p:ph type="title"/>
-          </p:nvPr>
-        </p:nvSpPr>
-        <p:spPr/>
-        <p:txBody>
-          <a:bodyPr/>
-          <a:lstStyle/>
-          <a:p>
-            <a:r>
-              <a:rPr lang="en-US"/>
-              <a:t>Click to edit Master title style</a:t>
-            </a:r>
-            <a:endParaRPr lang="en-US" dirty="0"/>
-          </a:p>
-        </p:txBody>
-      </p:sp>
-      <p:sp>
-        <p:nvSpPr>
-          <p:cNvPr id="3" name="Content Placeholder 2"/>
-          <p:cNvSpPr>
-            <a:spLocks noGrp="1"/>
-          </p:cNvSpPr>
-          <p:nvPr>
-            <p:ph idx="1"/>
-          </p:nvPr>
-        </p:nvSpPr>
-        <p:spPr/>
-        <p:txBody>
-          <a:bodyPr anchor="t"/>
-          <a:lstStyle/>
-          <a:p>
-            <a:pPr lvl="0"/>
-            <a:r>
-              <a:rPr lang="en-US"/>
-              <a:t>Click to edit Master text styles</a:t>
-            </a:r>
-          </a:p>
-          <a:p>
-            <a:pPr lvl="1"/>
-            <a:r>
-              <a:rPr lang="en-US"/>
-              <a:t>Second level</a:t>
-            </a:r>
-          </a:p>
-          <a:p>
-            <a:pPr lvl="2"/>
-            <a:r>
-              <a:rPr lang="en-US"/>
-              <a:t>Third level</a:t>
-            </a:r>
-          </a:p>
-          <a:p>
-            <a:pPr lvl="3"/>
-            <a:r>
-              <a:rPr lang="en-US"/>
-              <a:t>Fourth level</a:t>
-            </a:r>
-          </a:p>
-          <a:p>
-            <a:pPr lvl="4"/>
-            <a:r>
-              <a:rPr lang="en-US"/>
-              <a:t>Fifth level</a:t>
-            </a:r>
-            <a:endParaRPr lang="en-US" dirty="0"/>
-          </a:p>
-        </p:txBody>
-      </p:sp>
-      <p:sp>
-        <p:nvSpPr>
-          <p:cNvPr id="4" name="Date Placeholder 3"/>
-          <p:cNvSpPr>
-            <a:spLocks noGrp="1"/>
-          </p:cNvSpPr>
-          <p:nvPr>
-            <p:ph type="dt" sz="half" idx="10"/>
-          </p:nvPr>
-        </p:nvSpPr>
-        <p:spPr/>
-        <p:txBody>
-          <a:bodyPr/>
-          <a:lstStyle/>
-          <a:p>
-            <a:endParaRPr lang="en-US" dirty="0"/>
-          </a:p>
-        </p:txBody>
-      </p:sp>
-      <p:sp>
-        <p:nvSpPr>
-          <p:cNvPr id="5" name="Footer Placeholder 4"/>
-          <p:cNvSpPr>
-            <a:spLocks noGrp="1"/>
-          </p:cNvSpPr>
-          <p:nvPr>
-            <p:ph type="ftr" sz="quarter" idx="11"/>
-          </p:nvPr>
-        </p:nvSpPr>
-        <p:spPr/>
-        <p:txBody>
-          <a:bodyPr/>
-          <a:lstStyle/>
-          <a:p>
-            <a:endParaRPr lang="en-US" dirty="0"/>
-          </a:p>
-        </p:txBody>
-      </p:sp>
-      <p:sp>
-        <p:nvSpPr>
-          <p:cNvPr id="6" name="Slide Number Placeholder 5"/>
-          <p:cNvSpPr>
-            <a:spLocks noGrp="1"/>
-          </p:cNvSpPr>
-          <p:nvPr>
-            <p:ph type="sldNum" sz="quarter" idx="12"/>
-          </p:nvPr>
-        </p:nvSpPr>
-        <p:spPr/>
-        <p:txBody>
-          <a:bodyPr/>
-          <a:lstStyle/>
-          <a:p>
-            <a:fld id="{58FB4751-880F-D840-AAA9-3A15815CC996}" type="slidenum">
-              <a:rPr lang="en-US" smtClean="0"/>
-              <a:pPr/>
-              <a:t>‹#›</a:t>
-            </a:fld>
-            <a:endParaRPr lang="en-US" dirty="0"/>
-          </a:p>
-        </p:txBody>
-      </p:sp>
-      <p:cxnSp>
-        <p:nvCxnSpPr>
-          <p:cNvPr id="33" name="Straight Connector 32"/>
-          <p:cNvCxnSpPr/>
-          <p:nvPr/>
-        </p:nvCxnSpPr>
-        <p:spPr>
-          <a:xfrm>
-            <a:off x="1453896" y="1847088"/>
-            <a:ext cx="9607522" cy="0"/>
-          </a:xfrm>
-          <a:prstGeom prst="line">
-            <a:avLst/>
-          </a:prstGeom>
-          <a:ln w="31750"/>
-        </p:spPr>
-        <p:style>
-          <a:lnRef idx="3">
-            <a:schemeClr val="accent1"/>
-          </a:lnRef>
-          <a:fillRef idx="0">
-            <a:schemeClr val="accent1"/>
-          </a:fillRef>
-          <a:effectRef idx="2">
-            <a:schemeClr val="accent1"/>
-          </a:effectRef>
-          <a:fontRef idx="minor">
-            <a:schemeClr val="tx1"/>
-          </a:fontRef>
-        </p:style>
-      </p:cxnSp>
-    </p:spTree>
-    <p:extLst>
-      <p:ext uri="{BB962C8B-B14F-4D97-AF65-F5344CB8AC3E}">
-        <p14:creationId xmlns:p14="http://schemas.microsoft.com/office/powerpoint/2010/main" val="3742409253"/>
-      </p:ext>
-    </p:extLst>
-  </p:cSld>
-  <p:clrMapOvr>
-    <a:masterClrMapping/>
-  </p:clrMapOvr>
-  <p:hf hdr="0" ftr="0" dt="0"/>
-</p:sldLayout>
-</file>
-
-<file path=ppt/slideLayouts/slideLayout20.xml><?xml version="1.0" encoding="utf-8"?>
-<p:sldLayout xmlns:a="http://schemas.openxmlformats.org/drawingml/2006/main" xmlns:r="http://schemas.openxmlformats.org/officeDocument/2006/relationships" xmlns:p="http://schemas.openxmlformats.org/presentationml/2006/main" showMasterSp="0" userDrawn="1">
-  <p:cSld name="Title and Two Content 2">
-    <p:bg>
-      <p:bgPr>
-        <a:solidFill>
-          <a:schemeClr val="bg2"/>
-        </a:solidFill>
-        <a:effectLst/>
-      </p:bgPr>
-    </p:bg>
-    <p:spTree>
-      <p:nvGrpSpPr>
-        <p:cNvPr id="1" name=""/>
-        <p:cNvGrpSpPr/>
-        <p:nvPr/>
-      </p:nvGrpSpPr>
-      <p:grpSpPr>
-        <a:xfrm>
-          <a:off x="0" y="0"/>
-          <a:ext cx="0" cy="0"/>
-          <a:chOff x="0" y="0"/>
-          <a:chExt cx="0" cy="0"/>
-        </a:xfrm>
-      </p:grpSpPr>
-      <p:sp>
-        <p:nvSpPr>
-          <p:cNvPr id="17" name="Freeform: Shape 51">
-            <a:extLst>
-              <a:ext uri="{FF2B5EF4-FFF2-40B4-BE49-F238E27FC236}">
-                <a16:creationId xmlns:a16="http://schemas.microsoft.com/office/drawing/2014/main" id="{4A781A8E-199F-1F48-C80E-B6501B563323}"/>
-              </a:ext>
-              <a:ext uri="{C183D7F6-B498-43B3-948B-1728B52AA6E4}">
-                <adec:decorative xmlns:adec="http://schemas.microsoft.com/office/drawing/2017/decorative" val="1"/>
-              </a:ext>
-            </a:extLst>
-          </p:cNvPr>
-          <p:cNvSpPr/>
-          <p:nvPr userDrawn="1"/>
-        </p:nvSpPr>
-        <p:spPr>
-          <a:xfrm rot="5400000">
-            <a:off x="10423648" y="-93866"/>
-            <a:ext cx="1698615" cy="1838087"/>
-          </a:xfrm>
-          <a:custGeom>
-            <a:avLst/>
-            <a:gdLst>
-              <a:gd name="connsiteX0" fmla="*/ 0 w 3216357"/>
-              <a:gd name="connsiteY0" fmla="*/ 0 h 3480449"/>
-              <a:gd name="connsiteX1" fmla="*/ 3216357 w 3216357"/>
-              <a:gd name="connsiteY1" fmla="*/ 0 h 3480449"/>
-              <a:gd name="connsiteX2" fmla="*/ 3215555 w 3216357"/>
-              <a:gd name="connsiteY2" fmla="*/ 37372 h 3480449"/>
-              <a:gd name="connsiteX3" fmla="*/ 1743546 w 3216357"/>
-              <a:gd name="connsiteY3" fmla="*/ 3185195 h 3480449"/>
-              <a:gd name="connsiteX4" fmla="*/ 112171 w 3216357"/>
-              <a:gd name="connsiteY4" fmla="*/ 3438794 h 3480449"/>
-              <a:gd name="connsiteX5" fmla="*/ 0 w 3216357"/>
-              <a:gd name="connsiteY5" fmla="*/ 3408770 h 3480449"/>
-            </a:gdLst>
-            <a:ahLst/>
-            <a:cxnLst>
-              <a:cxn ang="0">
-                <a:pos x="connsiteX0" y="connsiteY0"/>
-              </a:cxn>
-              <a:cxn ang="0">
-                <a:pos x="connsiteX1" y="connsiteY1"/>
-              </a:cxn>
-              <a:cxn ang="0">
-                <a:pos x="connsiteX2" y="connsiteY2"/>
-              </a:cxn>
-              <a:cxn ang="0">
-                <a:pos x="connsiteX3" y="connsiteY3"/>
-              </a:cxn>
-              <a:cxn ang="0">
-                <a:pos x="connsiteX4" y="connsiteY4"/>
-              </a:cxn>
-              <a:cxn ang="0">
-                <a:pos x="connsiteX5" y="connsiteY5"/>
-              </a:cxn>
-            </a:cxnLst>
-            <a:rect l="l" t="t" r="r" b="b"/>
-            <a:pathLst>
-              <a:path w="3216357" h="3480449">
-                <a:moveTo>
-                  <a:pt x="0" y="0"/>
-                </a:moveTo>
-                <a:lnTo>
-                  <a:pt x="3216357" y="0"/>
-                </a:lnTo>
-                <a:lnTo>
-                  <a:pt x="3215555" y="37372"/>
-                </a:lnTo>
-                <a:cubicBezTo>
-                  <a:pt x="3204137" y="529564"/>
-                  <a:pt x="3121634" y="2470682"/>
-                  <a:pt x="1743546" y="3185195"/>
-                </a:cubicBezTo>
-                <a:cubicBezTo>
-                  <a:pt x="1289330" y="3420695"/>
-                  <a:pt x="636456" y="3552958"/>
-                  <a:pt x="112171" y="3438794"/>
-                </a:cubicBezTo>
-                <a:lnTo>
-                  <a:pt x="0" y="3408770"/>
-                </a:lnTo>
-                <a:close/>
-              </a:path>
-            </a:pathLst>
-          </a:custGeom>
-          <a:solidFill>
-            <a:schemeClr val="accent4">
-              <a:alpha val="79000"/>
-            </a:schemeClr>
-          </a:solidFill>
-          <a:ln w="3531" cap="flat">
-            <a:noFill/>
-            <a:prstDash val="solid"/>
-            <a:miter/>
-          </a:ln>
-        </p:spPr>
-        <p:style>
-          <a:lnRef idx="2">
-            <a:schemeClr val="accent1">
-              <a:shade val="50000"/>
-            </a:schemeClr>
-          </a:lnRef>
-          <a:fillRef idx="1">
-            <a:schemeClr val="accent1"/>
-          </a:fillRef>
-          <a:effectRef idx="0">
-            <a:schemeClr val="accent1"/>
-          </a:effectRef>
-          <a:fontRef idx="minor">
-            <a:schemeClr val="lt1"/>
-          </a:fontRef>
-        </p:style>
-        <p:txBody>
-          <a:bodyPr wrap="square" rtlCol="0" anchor="ctr">
-            <a:noAutofit/>
-          </a:bodyPr>
-          <a:lstStyle/>
-          <a:p>
-            <a:pPr algn="ctr"/>
-            <a:endParaRPr lang="en-US" dirty="0"/>
-          </a:p>
-        </p:txBody>
-      </p:sp>
-      <p:sp>
-        <p:nvSpPr>
-          <p:cNvPr id="24" name="Freeform: Shape 23">
-            <a:extLst>
-              <a:ext uri="{FF2B5EF4-FFF2-40B4-BE49-F238E27FC236}">
-                <a16:creationId xmlns:a16="http://schemas.microsoft.com/office/drawing/2014/main" id="{11C6679A-1B60-DCCD-7295-255649B92C60}"/>
-              </a:ext>
-              <a:ext uri="{C183D7F6-B498-43B3-948B-1728B52AA6E4}">
-                <adec:decorative xmlns:adec="http://schemas.microsoft.com/office/drawing/2017/decorative" val="1"/>
-              </a:ext>
-            </a:extLst>
-          </p:cNvPr>
-          <p:cNvSpPr/>
-          <p:nvPr userDrawn="1"/>
-        </p:nvSpPr>
-        <p:spPr>
-          <a:xfrm>
-            <a:off x="6381060" y="-24130"/>
-            <a:ext cx="5371060" cy="6899910"/>
-          </a:xfrm>
-          <a:custGeom>
-            <a:avLst/>
-            <a:gdLst>
-              <a:gd name="connsiteX0" fmla="*/ 0 w 5864280"/>
-              <a:gd name="connsiteY0" fmla="*/ 0 h 6938010"/>
-              <a:gd name="connsiteX1" fmla="*/ 5864280 w 5864280"/>
-              <a:gd name="connsiteY1" fmla="*/ 0 h 6938010"/>
-              <a:gd name="connsiteX2" fmla="*/ 5864280 w 5864280"/>
-              <a:gd name="connsiteY2" fmla="*/ 6938010 h 6938010"/>
-              <a:gd name="connsiteX3" fmla="*/ 4899969 w 5864280"/>
-              <a:gd name="connsiteY3" fmla="*/ 6938010 h 6938010"/>
-              <a:gd name="connsiteX4" fmla="*/ 4880783 w 5864280"/>
-              <a:gd name="connsiteY4" fmla="*/ 6771085 h 6938010"/>
-              <a:gd name="connsiteX5" fmla="*/ 5036864 w 5864280"/>
-              <a:gd name="connsiteY5" fmla="*/ 1534679 h 6938010"/>
-              <a:gd name="connsiteX6" fmla="*/ 438790 w 5864280"/>
-              <a:gd name="connsiteY6" fmla="*/ 927368 h 6938010"/>
-              <a:gd name="connsiteX7" fmla="*/ 39064 w 5864280"/>
-              <a:gd name="connsiteY7" fmla="*/ 165620 h 6938010"/>
-              <a:gd name="connsiteX0" fmla="*/ 0 w 5864280"/>
-              <a:gd name="connsiteY0" fmla="*/ 0 h 6938010"/>
-              <a:gd name="connsiteX1" fmla="*/ 5864280 w 5864280"/>
-              <a:gd name="connsiteY1" fmla="*/ 0 h 6938010"/>
-              <a:gd name="connsiteX2" fmla="*/ 5864280 w 5864280"/>
-              <a:gd name="connsiteY2" fmla="*/ 6938010 h 6938010"/>
-              <a:gd name="connsiteX3" fmla="*/ 4899969 w 5864280"/>
-              <a:gd name="connsiteY3" fmla="*/ 6938010 h 6938010"/>
-              <a:gd name="connsiteX4" fmla="*/ 4880783 w 5864280"/>
-              <a:gd name="connsiteY4" fmla="*/ 6771085 h 6938010"/>
-              <a:gd name="connsiteX5" fmla="*/ 5036864 w 5864280"/>
-              <a:gd name="connsiteY5" fmla="*/ 1534679 h 6938010"/>
-              <a:gd name="connsiteX6" fmla="*/ 438790 w 5864280"/>
-              <a:gd name="connsiteY6" fmla="*/ 927368 h 6938010"/>
-              <a:gd name="connsiteX7" fmla="*/ 39064 w 5864280"/>
-              <a:gd name="connsiteY7" fmla="*/ 165620 h 6938010"/>
-              <a:gd name="connsiteX8" fmla="*/ 91440 w 5864280"/>
-              <a:gd name="connsiteY8" fmla="*/ 91440 h 6938010"/>
-              <a:gd name="connsiteX0" fmla="*/ 7620 w 5871900"/>
-              <a:gd name="connsiteY0" fmla="*/ 0 h 6938010"/>
-              <a:gd name="connsiteX1" fmla="*/ 5871900 w 5871900"/>
-              <a:gd name="connsiteY1" fmla="*/ 0 h 6938010"/>
-              <a:gd name="connsiteX2" fmla="*/ 5871900 w 5871900"/>
-              <a:gd name="connsiteY2" fmla="*/ 6938010 h 6938010"/>
-              <a:gd name="connsiteX3" fmla="*/ 4907589 w 5871900"/>
-              <a:gd name="connsiteY3" fmla="*/ 6938010 h 6938010"/>
-              <a:gd name="connsiteX4" fmla="*/ 4888403 w 5871900"/>
-              <a:gd name="connsiteY4" fmla="*/ 6771085 h 6938010"/>
-              <a:gd name="connsiteX5" fmla="*/ 5044484 w 5871900"/>
-              <a:gd name="connsiteY5" fmla="*/ 1534679 h 6938010"/>
-              <a:gd name="connsiteX6" fmla="*/ 446410 w 5871900"/>
-              <a:gd name="connsiteY6" fmla="*/ 927368 h 6938010"/>
-              <a:gd name="connsiteX7" fmla="*/ 46684 w 5871900"/>
-              <a:gd name="connsiteY7" fmla="*/ 165620 h 6938010"/>
-              <a:gd name="connsiteX8" fmla="*/ 0 w 5871900"/>
-              <a:gd name="connsiteY8" fmla="*/ 15240 h 6938010"/>
-              <a:gd name="connsiteX0" fmla="*/ 0 w 5864280"/>
-              <a:gd name="connsiteY0" fmla="*/ 0 h 6938010"/>
-              <a:gd name="connsiteX1" fmla="*/ 5864280 w 5864280"/>
-              <a:gd name="connsiteY1" fmla="*/ 0 h 6938010"/>
-              <a:gd name="connsiteX2" fmla="*/ 5864280 w 5864280"/>
-              <a:gd name="connsiteY2" fmla="*/ 6938010 h 6938010"/>
-              <a:gd name="connsiteX3" fmla="*/ 4899969 w 5864280"/>
-              <a:gd name="connsiteY3" fmla="*/ 6938010 h 6938010"/>
-              <a:gd name="connsiteX4" fmla="*/ 4880783 w 5864280"/>
-              <a:gd name="connsiteY4" fmla="*/ 6771085 h 6938010"/>
-              <a:gd name="connsiteX5" fmla="*/ 5036864 w 5864280"/>
-              <a:gd name="connsiteY5" fmla="*/ 1534679 h 6938010"/>
-              <a:gd name="connsiteX6" fmla="*/ 438790 w 5864280"/>
-              <a:gd name="connsiteY6" fmla="*/ 927368 h 6938010"/>
-              <a:gd name="connsiteX7" fmla="*/ 39064 w 5864280"/>
-              <a:gd name="connsiteY7" fmla="*/ 165620 h 6938010"/>
-              <a:gd name="connsiteX8" fmla="*/ 7620 w 5864280"/>
-              <a:gd name="connsiteY8" fmla="*/ 17780 h 6938010"/>
-              <a:gd name="connsiteX0" fmla="*/ 12700 w 5856660"/>
-              <a:gd name="connsiteY0" fmla="*/ 0 h 7004050"/>
-              <a:gd name="connsiteX1" fmla="*/ 5856660 w 5856660"/>
-              <a:gd name="connsiteY1" fmla="*/ 66040 h 7004050"/>
-              <a:gd name="connsiteX2" fmla="*/ 5856660 w 5856660"/>
-              <a:gd name="connsiteY2" fmla="*/ 7004050 h 7004050"/>
-              <a:gd name="connsiteX3" fmla="*/ 4892349 w 5856660"/>
-              <a:gd name="connsiteY3" fmla="*/ 7004050 h 7004050"/>
-              <a:gd name="connsiteX4" fmla="*/ 4873163 w 5856660"/>
-              <a:gd name="connsiteY4" fmla="*/ 6837125 h 7004050"/>
-              <a:gd name="connsiteX5" fmla="*/ 5029244 w 5856660"/>
-              <a:gd name="connsiteY5" fmla="*/ 1600719 h 7004050"/>
-              <a:gd name="connsiteX6" fmla="*/ 431170 w 5856660"/>
-              <a:gd name="connsiteY6" fmla="*/ 993408 h 7004050"/>
-              <a:gd name="connsiteX7" fmla="*/ 31444 w 5856660"/>
-              <a:gd name="connsiteY7" fmla="*/ 231660 h 7004050"/>
-              <a:gd name="connsiteX8" fmla="*/ 0 w 5856660"/>
-              <a:gd name="connsiteY8" fmla="*/ 83820 h 7004050"/>
-              <a:gd name="connsiteX0" fmla="*/ 5856660 w 5856660"/>
-              <a:gd name="connsiteY0" fmla="*/ 0 h 6938010"/>
-              <a:gd name="connsiteX1" fmla="*/ 5856660 w 5856660"/>
-              <a:gd name="connsiteY1" fmla="*/ 6938010 h 6938010"/>
-              <a:gd name="connsiteX2" fmla="*/ 4892349 w 5856660"/>
-              <a:gd name="connsiteY2" fmla="*/ 6938010 h 6938010"/>
-              <a:gd name="connsiteX3" fmla="*/ 4873163 w 5856660"/>
-              <a:gd name="connsiteY3" fmla="*/ 6771085 h 6938010"/>
-              <a:gd name="connsiteX4" fmla="*/ 5029244 w 5856660"/>
-              <a:gd name="connsiteY4" fmla="*/ 1534679 h 6938010"/>
-              <a:gd name="connsiteX5" fmla="*/ 431170 w 5856660"/>
-              <a:gd name="connsiteY5" fmla="*/ 927368 h 6938010"/>
-              <a:gd name="connsiteX6" fmla="*/ 31444 w 5856660"/>
-              <a:gd name="connsiteY6" fmla="*/ 165620 h 6938010"/>
-              <a:gd name="connsiteX7" fmla="*/ 0 w 5856660"/>
-              <a:gd name="connsiteY7" fmla="*/ 17780 h 6938010"/>
-              <a:gd name="connsiteX0" fmla="*/ 5856660 w 5856660"/>
-              <a:gd name="connsiteY0" fmla="*/ 6920230 h 6920230"/>
-              <a:gd name="connsiteX1" fmla="*/ 4892349 w 5856660"/>
-              <a:gd name="connsiteY1" fmla="*/ 6920230 h 6920230"/>
-              <a:gd name="connsiteX2" fmla="*/ 4873163 w 5856660"/>
-              <a:gd name="connsiteY2" fmla="*/ 6753305 h 6920230"/>
-              <a:gd name="connsiteX3" fmla="*/ 5029244 w 5856660"/>
-              <a:gd name="connsiteY3" fmla="*/ 1516899 h 6920230"/>
-              <a:gd name="connsiteX4" fmla="*/ 431170 w 5856660"/>
-              <a:gd name="connsiteY4" fmla="*/ 909588 h 6920230"/>
-              <a:gd name="connsiteX5" fmla="*/ 31444 w 5856660"/>
-              <a:gd name="connsiteY5" fmla="*/ 147840 h 6920230"/>
-              <a:gd name="connsiteX6" fmla="*/ 0 w 5856660"/>
-              <a:gd name="connsiteY6" fmla="*/ 0 h 6920230"/>
-              <a:gd name="connsiteX0" fmla="*/ 4892349 w 5371060"/>
-              <a:gd name="connsiteY0" fmla="*/ 6920230 h 6920230"/>
-              <a:gd name="connsiteX1" fmla="*/ 4873163 w 5371060"/>
-              <a:gd name="connsiteY1" fmla="*/ 6753305 h 6920230"/>
-              <a:gd name="connsiteX2" fmla="*/ 5029244 w 5371060"/>
-              <a:gd name="connsiteY2" fmla="*/ 1516899 h 6920230"/>
-              <a:gd name="connsiteX3" fmla="*/ 431170 w 5371060"/>
-              <a:gd name="connsiteY3" fmla="*/ 909588 h 6920230"/>
-              <a:gd name="connsiteX4" fmla="*/ 31444 w 5371060"/>
-              <a:gd name="connsiteY4" fmla="*/ 147840 h 6920230"/>
-              <a:gd name="connsiteX5" fmla="*/ 0 w 5371060"/>
-              <a:gd name="connsiteY5" fmla="*/ 0 h 6920230"/>
-              <a:gd name="connsiteX0" fmla="*/ 4889809 w 5371060"/>
-              <a:gd name="connsiteY0" fmla="*/ 6904990 h 6904990"/>
-              <a:gd name="connsiteX1" fmla="*/ 4873163 w 5371060"/>
-              <a:gd name="connsiteY1" fmla="*/ 6753305 h 6904990"/>
-              <a:gd name="connsiteX2" fmla="*/ 5029244 w 5371060"/>
-              <a:gd name="connsiteY2" fmla="*/ 1516899 h 6904990"/>
-              <a:gd name="connsiteX3" fmla="*/ 431170 w 5371060"/>
-              <a:gd name="connsiteY3" fmla="*/ 909588 h 6904990"/>
-              <a:gd name="connsiteX4" fmla="*/ 31444 w 5371060"/>
-              <a:gd name="connsiteY4" fmla="*/ 147840 h 6904990"/>
-              <a:gd name="connsiteX5" fmla="*/ 0 w 5371060"/>
-              <a:gd name="connsiteY5" fmla="*/ 0 h 6904990"/>
-              <a:gd name="connsiteX0" fmla="*/ 4892349 w 5371060"/>
-              <a:gd name="connsiteY0" fmla="*/ 6899910 h 6899910"/>
-              <a:gd name="connsiteX1" fmla="*/ 4873163 w 5371060"/>
-              <a:gd name="connsiteY1" fmla="*/ 6753305 h 6899910"/>
-              <a:gd name="connsiteX2" fmla="*/ 5029244 w 5371060"/>
-              <a:gd name="connsiteY2" fmla="*/ 1516899 h 6899910"/>
-              <a:gd name="connsiteX3" fmla="*/ 431170 w 5371060"/>
-              <a:gd name="connsiteY3" fmla="*/ 909588 h 6899910"/>
-              <a:gd name="connsiteX4" fmla="*/ 31444 w 5371060"/>
-              <a:gd name="connsiteY4" fmla="*/ 147840 h 6899910"/>
-              <a:gd name="connsiteX5" fmla="*/ 0 w 5371060"/>
-              <a:gd name="connsiteY5" fmla="*/ 0 h 6899910"/>
-            </a:gdLst>
-            <a:ahLst/>
-            <a:cxnLst>
-              <a:cxn ang="0">
-                <a:pos x="connsiteX0" y="connsiteY0"/>
-              </a:cxn>
-              <a:cxn ang="0">
-                <a:pos x="connsiteX1" y="connsiteY1"/>
-              </a:cxn>
-              <a:cxn ang="0">
-                <a:pos x="connsiteX2" y="connsiteY2"/>
-              </a:cxn>
-              <a:cxn ang="0">
-                <a:pos x="connsiteX3" y="connsiteY3"/>
-              </a:cxn>
-              <a:cxn ang="0">
-                <a:pos x="connsiteX4" y="connsiteY4"/>
-              </a:cxn>
-              <a:cxn ang="0">
-                <a:pos x="connsiteX5" y="connsiteY5"/>
-              </a:cxn>
-            </a:cxnLst>
-            <a:rect l="l" t="t" r="r" b="b"/>
-            <a:pathLst>
-              <a:path w="5371060" h="6899910">
-                <a:moveTo>
-                  <a:pt x="4892349" y="6899910"/>
-                </a:moveTo>
-                <a:lnTo>
-                  <a:pt x="4873163" y="6753305"/>
-                </a:lnTo>
-                <a:cubicBezTo>
-                  <a:pt x="4753267" y="5217685"/>
-                  <a:pt x="5929393" y="2564469"/>
-                  <a:pt x="5029244" y="1516899"/>
-                </a:cubicBezTo>
-                <a:cubicBezTo>
-                  <a:pt x="4044398" y="370782"/>
-                  <a:pt x="1685778" y="2440015"/>
-                  <a:pt x="431170" y="909588"/>
-                </a:cubicBezTo>
-                <a:cubicBezTo>
-                  <a:pt x="361992" y="824949"/>
-                  <a:pt x="151981" y="561750"/>
-                  <a:pt x="31444" y="147840"/>
-                </a:cubicBezTo>
-                <a:cubicBezTo>
-                  <a:pt x="18423" y="92633"/>
-                  <a:pt x="0" y="0"/>
-                  <a:pt x="0" y="0"/>
-                </a:cubicBezTo>
-              </a:path>
-            </a:pathLst>
-          </a:custGeom>
-          <a:noFill/>
-          <a:ln w="60325" cap="flat">
-            <a:solidFill>
-              <a:schemeClr val="accent1"/>
-            </a:solidFill>
-            <a:prstDash val="solid"/>
-            <a:miter/>
-          </a:ln>
-        </p:spPr>
-        <p:txBody>
-          <a:bodyPr rot="0" spcFirstLastPara="0" vertOverflow="overflow" horzOverflow="overflow" vert="horz" wrap="square" lIns="91440" tIns="45720" rIns="91440" bIns="45720" numCol="1" spcCol="0" rtlCol="0" fromWordArt="0" anchor="ctr" anchorCtr="0" forceAA="0" compatLnSpc="1">
-            <a:prstTxWarp prst="textNoShape">
-              <a:avLst/>
-            </a:prstTxWarp>
-            <a:noAutofit/>
-          </a:bodyPr>
-          <a:lstStyle/>
-          <a:p>
-            <a:pPr lvl="0"/>
-            <a:endParaRPr lang="en-US" dirty="0">
-              <a:solidFill>
-                <a:schemeClr val="tx1"/>
-              </a:solidFill>
-            </a:endParaRPr>
-          </a:p>
-        </p:txBody>
-      </p:sp>
-      <p:sp>
-        <p:nvSpPr>
-          <p:cNvPr id="6" name="Freeform: Shape 22">
-            <a:extLst>
-              <a:ext uri="{FF2B5EF4-FFF2-40B4-BE49-F238E27FC236}">
-                <a16:creationId xmlns:a16="http://schemas.microsoft.com/office/drawing/2014/main" id="{1C466053-4CA7-4CBB-C1D2-19FE899BEDFC}"/>
-              </a:ext>
-              <a:ext uri="{C183D7F6-B498-43B3-948B-1728B52AA6E4}">
-                <adec:decorative xmlns:adec="http://schemas.microsoft.com/office/drawing/2017/decorative" val="1"/>
-              </a:ext>
-            </a:extLst>
-          </p:cNvPr>
-          <p:cNvSpPr/>
-          <p:nvPr userDrawn="1"/>
-        </p:nvSpPr>
-        <p:spPr>
-          <a:xfrm>
-            <a:off x="1" y="1"/>
-            <a:ext cx="3097831" cy="2532431"/>
-          </a:xfrm>
-          <a:custGeom>
-            <a:avLst/>
-            <a:gdLst>
-              <a:gd name="connsiteX0" fmla="*/ 177065 w 3097831"/>
-              <a:gd name="connsiteY0" fmla="*/ 2339513 h 2532431"/>
-              <a:gd name="connsiteX1" fmla="*/ 254598 w 3097831"/>
-              <a:gd name="connsiteY1" fmla="*/ 2356846 h 2532431"/>
-              <a:gd name="connsiteX2" fmla="*/ 184928 w 3097831"/>
-              <a:gd name="connsiteY2" fmla="*/ 2423626 h 2532431"/>
-              <a:gd name="connsiteX3" fmla="*/ 5587 w 3097831"/>
-              <a:gd name="connsiteY3" fmla="*/ 2530140 h 2532431"/>
-              <a:gd name="connsiteX4" fmla="*/ 0 w 3097831"/>
-              <a:gd name="connsiteY4" fmla="*/ 2532431 h 2532431"/>
-              <a:gd name="connsiteX5" fmla="*/ 0 w 3097831"/>
-              <a:gd name="connsiteY5" fmla="*/ 2381588 h 2532431"/>
-              <a:gd name="connsiteX6" fmla="*/ 23582 w 3097831"/>
-              <a:gd name="connsiteY6" fmla="*/ 2378908 h 2532431"/>
-              <a:gd name="connsiteX7" fmla="*/ 177065 w 3097831"/>
-              <a:gd name="connsiteY7" fmla="*/ 2339513 h 2532431"/>
-              <a:gd name="connsiteX8" fmla="*/ 515105 w 3097831"/>
-              <a:gd name="connsiteY8" fmla="*/ 2041082 h 2532431"/>
-              <a:gd name="connsiteX9" fmla="*/ 544953 w 3097831"/>
-              <a:gd name="connsiteY9" fmla="*/ 2044795 h 2532431"/>
-              <a:gd name="connsiteX10" fmla="*/ 554530 w 3097831"/>
-              <a:gd name="connsiteY10" fmla="*/ 2065819 h 2532431"/>
-              <a:gd name="connsiteX11" fmla="*/ 466801 w 3097831"/>
-              <a:gd name="connsiteY11" fmla="*/ 2136482 h 2532431"/>
-              <a:gd name="connsiteX12" fmla="*/ 80640 w 3097831"/>
-              <a:gd name="connsiteY12" fmla="*/ 2269208 h 2532431"/>
-              <a:gd name="connsiteX13" fmla="*/ 4467 w 3097831"/>
-              <a:gd name="connsiteY13" fmla="*/ 2284674 h 2532431"/>
-              <a:gd name="connsiteX14" fmla="*/ 0 w 3097831"/>
-              <a:gd name="connsiteY14" fmla="*/ 2284999 h 2532431"/>
-              <a:gd name="connsiteX15" fmla="*/ 0 w 3097831"/>
-              <a:gd name="connsiteY15" fmla="*/ 2070368 h 2532431"/>
-              <a:gd name="connsiteX16" fmla="*/ 122464 w 3097831"/>
-              <a:gd name="connsiteY16" fmla="*/ 2093200 h 2532431"/>
-              <a:gd name="connsiteX17" fmla="*/ 488631 w 3097831"/>
-              <a:gd name="connsiteY17" fmla="*/ 2043490 h 2532431"/>
-              <a:gd name="connsiteX18" fmla="*/ 515105 w 3097831"/>
-              <a:gd name="connsiteY18" fmla="*/ 2041082 h 2532431"/>
-              <a:gd name="connsiteX19" fmla="*/ 0 w 3097831"/>
-              <a:gd name="connsiteY19" fmla="*/ 1575747 h 2532431"/>
-              <a:gd name="connsiteX20" fmla="*/ 30326 w 3097831"/>
-              <a:gd name="connsiteY20" fmla="*/ 1578492 h 2532431"/>
-              <a:gd name="connsiteX21" fmla="*/ 134013 w 3097831"/>
-              <a:gd name="connsiteY21" fmla="*/ 1600874 h 2532431"/>
-              <a:gd name="connsiteX22" fmla="*/ 546960 w 3097831"/>
-              <a:gd name="connsiteY22" fmla="*/ 1673430 h 2532431"/>
-              <a:gd name="connsiteX23" fmla="*/ 902901 w 3097831"/>
-              <a:gd name="connsiteY23" fmla="*/ 1616488 h 2532431"/>
-              <a:gd name="connsiteX24" fmla="*/ 981963 w 3097831"/>
-              <a:gd name="connsiteY24" fmla="*/ 1600906 h 2532431"/>
-              <a:gd name="connsiteX25" fmla="*/ 980602 w 3097831"/>
-              <a:gd name="connsiteY25" fmla="*/ 1637984 h 2532431"/>
-              <a:gd name="connsiteX26" fmla="*/ 951630 w 3097831"/>
-              <a:gd name="connsiteY26" fmla="*/ 1670341 h 2532431"/>
-              <a:gd name="connsiteX27" fmla="*/ 428358 w 3097831"/>
-              <a:gd name="connsiteY27" fmla="*/ 1896744 h 2532431"/>
-              <a:gd name="connsiteX28" fmla="*/ 62362 w 3097831"/>
-              <a:gd name="connsiteY28" fmla="*/ 1844923 h 2532431"/>
-              <a:gd name="connsiteX29" fmla="*/ 0 w 3097831"/>
-              <a:gd name="connsiteY29" fmla="*/ 1817067 h 2532431"/>
-              <a:gd name="connsiteX30" fmla="*/ 2392663 w 3097831"/>
-              <a:gd name="connsiteY30" fmla="*/ 0 h 2532431"/>
-              <a:gd name="connsiteX31" fmla="*/ 2887521 w 3097831"/>
-              <a:gd name="connsiteY31" fmla="*/ 0 h 2532431"/>
-              <a:gd name="connsiteX32" fmla="*/ 2970795 w 3097831"/>
-              <a:gd name="connsiteY32" fmla="*/ 34444 h 2532431"/>
-              <a:gd name="connsiteX33" fmla="*/ 3097831 w 3097831"/>
-              <a:gd name="connsiteY33" fmla="*/ 71279 h 2532431"/>
-              <a:gd name="connsiteX34" fmla="*/ 2863239 w 3097831"/>
-              <a:gd name="connsiteY34" fmla="*/ 172683 h 2532431"/>
-              <a:gd name="connsiteX35" fmla="*/ 2407524 w 3097831"/>
-              <a:gd name="connsiteY35" fmla="*/ 16854 h 2532431"/>
-              <a:gd name="connsiteX36" fmla="*/ 605964 w 3097831"/>
-              <a:gd name="connsiteY36" fmla="*/ 0 h 2532431"/>
-              <a:gd name="connsiteX37" fmla="*/ 747628 w 3097831"/>
-              <a:gd name="connsiteY37" fmla="*/ 0 h 2532431"/>
-              <a:gd name="connsiteX38" fmla="*/ 724307 w 3097831"/>
-              <a:gd name="connsiteY38" fmla="*/ 81673 h 2532431"/>
-              <a:gd name="connsiteX39" fmla="*/ 692486 w 3097831"/>
-              <a:gd name="connsiteY39" fmla="*/ 210269 h 2532431"/>
-              <a:gd name="connsiteX40" fmla="*/ 526415 w 3097831"/>
-              <a:gd name="connsiteY40" fmla="*/ 804384 h 2532431"/>
-              <a:gd name="connsiteX41" fmla="*/ 536624 w 3097831"/>
-              <a:gd name="connsiteY41" fmla="*/ 827931 h 2532431"/>
-              <a:gd name="connsiteX42" fmla="*/ 641647 w 3097831"/>
-              <a:gd name="connsiteY42" fmla="*/ 769841 h 2532431"/>
-              <a:gd name="connsiteX43" fmla="*/ 943988 w 3097831"/>
-              <a:gd name="connsiteY43" fmla="*/ 325957 h 2532431"/>
-              <a:gd name="connsiteX44" fmla="*/ 983823 w 3097831"/>
-              <a:gd name="connsiteY44" fmla="*/ 130441 h 2532431"/>
-              <a:gd name="connsiteX45" fmla="*/ 1018176 w 3097831"/>
-              <a:gd name="connsiteY45" fmla="*/ 0 h 2532431"/>
-              <a:gd name="connsiteX46" fmla="*/ 1245150 w 3097831"/>
-              <a:gd name="connsiteY46" fmla="*/ 0 h 2532431"/>
-              <a:gd name="connsiteX47" fmla="*/ 1215445 w 3097831"/>
-              <a:gd name="connsiteY47" fmla="*/ 85044 h 2532431"/>
-              <a:gd name="connsiteX48" fmla="*/ 1037154 w 3097831"/>
-              <a:gd name="connsiteY48" fmla="*/ 517590 h 2532431"/>
-              <a:gd name="connsiteX49" fmla="*/ 1405473 w 3097831"/>
-              <a:gd name="connsiteY49" fmla="*/ 180067 h 2532431"/>
-              <a:gd name="connsiteX50" fmla="*/ 1485372 w 3097831"/>
-              <a:gd name="connsiteY50" fmla="*/ 2313 h 2532431"/>
-              <a:gd name="connsiteX51" fmla="*/ 1486481 w 3097831"/>
-              <a:gd name="connsiteY51" fmla="*/ 0 h 2532431"/>
-              <a:gd name="connsiteX52" fmla="*/ 1767143 w 3097831"/>
-              <a:gd name="connsiteY52" fmla="*/ 0 h 2532431"/>
-              <a:gd name="connsiteX53" fmla="*/ 1720915 w 3097831"/>
-              <a:gd name="connsiteY53" fmla="*/ 86701 h 2532431"/>
-              <a:gd name="connsiteX54" fmla="*/ 1659572 w 3097831"/>
-              <a:gd name="connsiteY54" fmla="*/ 177506 h 2532431"/>
-              <a:gd name="connsiteX55" fmla="*/ 1944334 w 3097831"/>
-              <a:gd name="connsiteY55" fmla="*/ 44335 h 2532431"/>
-              <a:gd name="connsiteX56" fmla="*/ 1997754 w 3097831"/>
-              <a:gd name="connsiteY56" fmla="*/ 0 h 2532431"/>
-              <a:gd name="connsiteX57" fmla="*/ 2262240 w 3097831"/>
-              <a:gd name="connsiteY57" fmla="*/ 0 h 2532431"/>
-              <a:gd name="connsiteX58" fmla="*/ 2121733 w 3097831"/>
-              <a:gd name="connsiteY58" fmla="*/ 60384 h 2532431"/>
-              <a:gd name="connsiteX59" fmla="*/ 1880826 w 3097831"/>
-              <a:gd name="connsiteY59" fmla="*/ 163915 h 2532431"/>
-              <a:gd name="connsiteX60" fmla="*/ 2245700 w 3097831"/>
-              <a:gd name="connsiteY60" fmla="*/ 343440 h 2532431"/>
-              <a:gd name="connsiteX61" fmla="*/ 2434618 w 3097831"/>
-              <a:gd name="connsiteY61" fmla="*/ 387079 h 2532431"/>
-              <a:gd name="connsiteX62" fmla="*/ 2512614 w 3097831"/>
-              <a:gd name="connsiteY62" fmla="*/ 411781 h 2532431"/>
-              <a:gd name="connsiteX63" fmla="*/ 2208593 w 3097831"/>
-              <a:gd name="connsiteY63" fmla="*/ 529585 h 2532431"/>
-              <a:gd name="connsiteX64" fmla="*/ 1625861 w 3097831"/>
-              <a:gd name="connsiteY64" fmla="*/ 279117 h 2532431"/>
-              <a:gd name="connsiteX65" fmla="*/ 1249141 w 3097831"/>
-              <a:gd name="connsiteY65" fmla="*/ 487887 h 2532431"/>
-              <a:gd name="connsiteX66" fmla="*/ 1489817 w 3097831"/>
-              <a:gd name="connsiteY66" fmla="*/ 543171 h 2532431"/>
-              <a:gd name="connsiteX67" fmla="*/ 2017586 w 3097831"/>
-              <a:gd name="connsiteY67" fmla="*/ 654434 h 2532431"/>
-              <a:gd name="connsiteX68" fmla="*/ 2090269 w 3097831"/>
-              <a:gd name="connsiteY68" fmla="*/ 689617 h 2532431"/>
-              <a:gd name="connsiteX69" fmla="*/ 1865658 w 3097831"/>
-              <a:gd name="connsiteY69" fmla="*/ 783850 h 2532431"/>
-              <a:gd name="connsiteX70" fmla="*/ 1168690 w 3097831"/>
-              <a:gd name="connsiteY70" fmla="*/ 673999 h 2532431"/>
-              <a:gd name="connsiteX71" fmla="*/ 1097817 w 3097831"/>
-              <a:gd name="connsiteY71" fmla="*/ 643444 h 2532431"/>
-              <a:gd name="connsiteX72" fmla="*/ 990410 w 3097831"/>
-              <a:gd name="connsiteY72" fmla="*/ 638134 h 2532431"/>
-              <a:gd name="connsiteX73" fmla="*/ 736992 w 3097831"/>
-              <a:gd name="connsiteY73" fmla="*/ 786910 h 2532431"/>
-              <a:gd name="connsiteX74" fmla="*/ 992677 w 3097831"/>
-              <a:gd name="connsiteY74" fmla="*/ 823042 h 2532431"/>
-              <a:gd name="connsiteX75" fmla="*/ 1650715 w 3097831"/>
-              <a:gd name="connsiteY75" fmla="*/ 884022 h 2532431"/>
-              <a:gd name="connsiteX76" fmla="*/ 1721679 w 3097831"/>
-              <a:gd name="connsiteY76" fmla="*/ 908500 h 2532431"/>
-              <a:gd name="connsiteX77" fmla="*/ 1683851 w 3097831"/>
-              <a:gd name="connsiteY77" fmla="*/ 952322 h 2532431"/>
-              <a:gd name="connsiteX78" fmla="*/ 897899 w 3097831"/>
-              <a:gd name="connsiteY78" fmla="*/ 1046664 h 2532431"/>
-              <a:gd name="connsiteX79" fmla="*/ 509734 w 3097831"/>
-              <a:gd name="connsiteY79" fmla="*/ 965536 h 2532431"/>
-              <a:gd name="connsiteX80" fmla="*/ 445191 w 3097831"/>
-              <a:gd name="connsiteY80" fmla="*/ 969204 h 2532431"/>
-              <a:gd name="connsiteX81" fmla="*/ 133050 w 3097831"/>
-              <a:gd name="connsiteY81" fmla="*/ 1206458 h 2532431"/>
-              <a:gd name="connsiteX82" fmla="*/ 747077 w 3097831"/>
-              <a:gd name="connsiteY82" fmla="*/ 1223721 h 2532431"/>
-              <a:gd name="connsiteX83" fmla="*/ 1246838 w 3097831"/>
-              <a:gd name="connsiteY83" fmla="*/ 1194561 h 2532431"/>
-              <a:gd name="connsiteX84" fmla="*/ 1295481 w 3097831"/>
-              <a:gd name="connsiteY84" fmla="*/ 1191416 h 2532431"/>
-              <a:gd name="connsiteX85" fmla="*/ 1157573 w 3097831"/>
-              <a:gd name="connsiteY85" fmla="*/ 1361213 h 2532431"/>
-              <a:gd name="connsiteX86" fmla="*/ 989171 w 3097831"/>
-              <a:gd name="connsiteY86" fmla="*/ 1414361 h 2532431"/>
-              <a:gd name="connsiteX87" fmla="*/ 353864 w 3097831"/>
-              <a:gd name="connsiteY87" fmla="*/ 1426601 h 2532431"/>
-              <a:gd name="connsiteX88" fmla="*/ 48450 w 3097831"/>
-              <a:gd name="connsiteY88" fmla="*/ 1385431 h 2532431"/>
-              <a:gd name="connsiteX89" fmla="*/ 0 w 3097831"/>
-              <a:gd name="connsiteY89" fmla="*/ 1383095 h 2532431"/>
-              <a:gd name="connsiteX90" fmla="*/ 0 w 3097831"/>
-              <a:gd name="connsiteY90" fmla="*/ 442797 h 2532431"/>
-              <a:gd name="connsiteX91" fmla="*/ 10908 w 3097831"/>
-              <a:gd name="connsiteY91" fmla="*/ 416103 h 2532431"/>
-              <a:gd name="connsiteX92" fmla="*/ 176820 w 3097831"/>
-              <a:gd name="connsiteY92" fmla="*/ 175170 h 2532431"/>
-              <a:gd name="connsiteX93" fmla="*/ 260099 w 3097831"/>
-              <a:gd name="connsiteY93" fmla="*/ 130205 h 2532431"/>
-              <a:gd name="connsiteX94" fmla="*/ 260495 w 3097831"/>
-              <a:gd name="connsiteY94" fmla="*/ 174096 h 2532431"/>
-              <a:gd name="connsiteX95" fmla="*/ 174574 w 3097831"/>
-              <a:gd name="connsiteY95" fmla="*/ 605925 h 2532431"/>
-              <a:gd name="connsiteX96" fmla="*/ 85341 w 3097831"/>
-              <a:gd name="connsiteY96" fmla="*/ 1060441 h 2532431"/>
-              <a:gd name="connsiteX97" fmla="*/ 45643 w 3097831"/>
-              <a:gd name="connsiteY97" fmla="*/ 1173905 h 2532431"/>
-              <a:gd name="connsiteX98" fmla="*/ 288222 w 3097831"/>
-              <a:gd name="connsiteY98" fmla="*/ 862194 h 2532431"/>
-              <a:gd name="connsiteX99" fmla="*/ 370923 w 3097831"/>
-              <a:gd name="connsiteY99" fmla="*/ 437965 h 2532431"/>
-              <a:gd name="connsiteX100" fmla="*/ 600507 w 3097831"/>
-              <a:gd name="connsiteY100" fmla="*/ 5216 h 2532431"/>
-            </a:gdLst>
-            <a:ahLst/>
-            <a:cxnLst>
-              <a:cxn ang="0">
-                <a:pos x="connsiteX0" y="connsiteY0"/>
-              </a:cxn>
-              <a:cxn ang="0">
-                <a:pos x="connsiteX1" y="connsiteY1"/>
-              </a:cxn>
-              <a:cxn ang="0">
-                <a:pos x="connsiteX2" y="connsiteY2"/>
-              </a:cxn>
-              <a:cxn ang="0">
-                <a:pos x="connsiteX3" y="connsiteY3"/>
-              </a:cxn>
-              <a:cxn ang="0">
-                <a:pos x="connsiteX4" y="connsiteY4"/>
-              </a:cxn>
-              <a:cxn ang="0">
-                <a:pos x="connsiteX5" y="connsiteY5"/>
-              </a:cxn>
-              <a:cxn ang="0">
-                <a:pos x="connsiteX6" y="connsiteY6"/>
-              </a:cxn>
-              <a:cxn ang="0">
-                <a:pos x="connsiteX7" y="connsiteY7"/>
-              </a:cxn>
-              <a:cxn ang="0">
-                <a:pos x="connsiteX8" y="connsiteY8"/>
-              </a:cxn>
-              <a:cxn ang="0">
-                <a:pos x="connsiteX9" y="connsiteY9"/>
-              </a:cxn>
-              <a:cxn ang="0">
-                <a:pos x="connsiteX10" y="connsiteY10"/>
-              </a:cxn>
-              <a:cxn ang="0">
-                <a:pos x="connsiteX11" y="connsiteY11"/>
-              </a:cxn>
-              <a:cxn ang="0">
-                <a:pos x="connsiteX12" y="connsiteY12"/>
-              </a:cxn>
-              <a:cxn ang="0">
-                <a:pos x="connsiteX13" y="connsiteY13"/>
-              </a:cxn>
-              <a:cxn ang="0">
-                <a:pos x="connsiteX14" y="connsiteY14"/>
-              </a:cxn>
-              <a:cxn ang="0">
-                <a:pos x="connsiteX15" y="connsiteY15"/>
-              </a:cxn>
-              <a:cxn ang="0">
-                <a:pos x="connsiteX16" y="connsiteY16"/>
-              </a:cxn>
-              <a:cxn ang="0">
-                <a:pos x="connsiteX17" y="connsiteY17"/>
-              </a:cxn>
-              <a:cxn ang="0">
-                <a:pos x="connsiteX18" y="connsiteY18"/>
-              </a:cxn>
-              <a:cxn ang="0">
-                <a:pos x="connsiteX19" y="connsiteY19"/>
-              </a:cxn>
-              <a:cxn ang="0">
-                <a:pos x="connsiteX20" y="connsiteY20"/>
-              </a:cxn>
-              <a:cxn ang="0">
-                <a:pos x="connsiteX21" y="connsiteY21"/>
-              </a:cxn>
-              <a:cxn ang="0">
-                <a:pos x="connsiteX22" y="connsiteY22"/>
-              </a:cxn>
-              <a:cxn ang="0">
-                <a:pos x="connsiteX23" y="connsiteY23"/>
-              </a:cxn>
-              <a:cxn ang="0">
-                <a:pos x="connsiteX24" y="connsiteY24"/>
-              </a:cxn>
-              <a:cxn ang="0">
-                <a:pos x="connsiteX25" y="connsiteY25"/>
-              </a:cxn>
-              <a:cxn ang="0">
-                <a:pos x="connsiteX26" y="connsiteY26"/>
-              </a:cxn>
-              <a:cxn ang="0">
-                <a:pos x="connsiteX27" y="connsiteY27"/>
-              </a:cxn>
-              <a:cxn ang="0">
-                <a:pos x="connsiteX28" y="connsiteY28"/>
-              </a:cxn>
-              <a:cxn ang="0">
-                <a:pos x="connsiteX29" y="connsiteY29"/>
-              </a:cxn>
-              <a:cxn ang="0">
-                <a:pos x="connsiteX30" y="connsiteY30"/>
-              </a:cxn>
-              <a:cxn ang="0">
-                <a:pos x="connsiteX31" y="connsiteY31"/>
-              </a:cxn>
-              <a:cxn ang="0">
-                <a:pos x="connsiteX32" y="connsiteY32"/>
-              </a:cxn>
-              <a:cxn ang="0">
-                <a:pos x="connsiteX33" y="connsiteY33"/>
-              </a:cxn>
-              <a:cxn ang="0">
-                <a:pos x="connsiteX34" y="connsiteY34"/>
-              </a:cxn>
-              <a:cxn ang="0">
-                <a:pos x="connsiteX35" y="connsiteY35"/>
-              </a:cxn>
-              <a:cxn ang="0">
-                <a:pos x="connsiteX36" y="connsiteY36"/>
-              </a:cxn>
-              <a:cxn ang="0">
-                <a:pos x="connsiteX37" y="connsiteY37"/>
-              </a:cxn>
-              <a:cxn ang="0">
-                <a:pos x="connsiteX38" y="connsiteY38"/>
-              </a:cxn>
-              <a:cxn ang="0">
-                <a:pos x="connsiteX39" y="connsiteY39"/>
-              </a:cxn>
-              <a:cxn ang="0">
-                <a:pos x="connsiteX40" y="connsiteY40"/>
-              </a:cxn>
-              <a:cxn ang="0">
-                <a:pos x="connsiteX41" y="connsiteY41"/>
-              </a:cxn>
-              <a:cxn ang="0">
-                <a:pos x="connsiteX42" y="connsiteY42"/>
-              </a:cxn>
-              <a:cxn ang="0">
-                <a:pos x="connsiteX43" y="connsiteY43"/>
-              </a:cxn>
-              <a:cxn ang="0">
-                <a:pos x="connsiteX44" y="connsiteY44"/>
-              </a:cxn>
-              <a:cxn ang="0">
-                <a:pos x="connsiteX45" y="connsiteY45"/>
-              </a:cxn>
-              <a:cxn ang="0">
-                <a:pos x="connsiteX46" y="connsiteY46"/>
-              </a:cxn>
-              <a:cxn ang="0">
-                <a:pos x="connsiteX47" y="connsiteY47"/>
-              </a:cxn>
-              <a:cxn ang="0">
-                <a:pos x="connsiteX48" y="connsiteY48"/>
-              </a:cxn>
-              <a:cxn ang="0">
-                <a:pos x="connsiteX49" y="connsiteY49"/>
-              </a:cxn>
-              <a:cxn ang="0">
-                <a:pos x="connsiteX50" y="connsiteY50"/>
-              </a:cxn>
-              <a:cxn ang="0">
-                <a:pos x="connsiteX51" y="connsiteY51"/>
-              </a:cxn>
-              <a:cxn ang="0">
-                <a:pos x="connsiteX52" y="connsiteY52"/>
-              </a:cxn>
-              <a:cxn ang="0">
-                <a:pos x="connsiteX53" y="connsiteY53"/>
-              </a:cxn>
-              <a:cxn ang="0">
-                <a:pos x="connsiteX54" y="connsiteY54"/>
-              </a:cxn>
-              <a:cxn ang="0">
-                <a:pos x="connsiteX55" y="connsiteY55"/>
-              </a:cxn>
-              <a:cxn ang="0">
-                <a:pos x="connsiteX56" y="connsiteY56"/>
-              </a:cxn>
-              <a:cxn ang="0">
-                <a:pos x="connsiteX57" y="connsiteY57"/>
-              </a:cxn>
-              <a:cxn ang="0">
-                <a:pos x="connsiteX58" y="connsiteY58"/>
-              </a:cxn>
-              <a:cxn ang="0">
-                <a:pos x="connsiteX59" y="connsiteY59"/>
-              </a:cxn>
-              <a:cxn ang="0">
-                <a:pos x="connsiteX60" y="connsiteY60"/>
-              </a:cxn>
-              <a:cxn ang="0">
-                <a:pos x="connsiteX61" y="connsiteY61"/>
-              </a:cxn>
-              <a:cxn ang="0">
-                <a:pos x="connsiteX62" y="connsiteY62"/>
-              </a:cxn>
-              <a:cxn ang="0">
-                <a:pos x="connsiteX63" y="connsiteY63"/>
-              </a:cxn>
-              <a:cxn ang="0">
-                <a:pos x="connsiteX64" y="connsiteY64"/>
-              </a:cxn>
-              <a:cxn ang="0">
-                <a:pos x="connsiteX65" y="connsiteY65"/>
-              </a:cxn>
-              <a:cxn ang="0">
-                <a:pos x="connsiteX66" y="connsiteY66"/>
-              </a:cxn>
-              <a:cxn ang="0">
-                <a:pos x="connsiteX67" y="connsiteY67"/>
-              </a:cxn>
-              <a:cxn ang="0">
-                <a:pos x="connsiteX68" y="connsiteY68"/>
-              </a:cxn>
-              <a:cxn ang="0">
-                <a:pos x="connsiteX69" y="connsiteY69"/>
-              </a:cxn>
-              <a:cxn ang="0">
-                <a:pos x="connsiteX70" y="connsiteY70"/>
-              </a:cxn>
-              <a:cxn ang="0">
-                <a:pos x="connsiteX71" y="connsiteY71"/>
-              </a:cxn>
-              <a:cxn ang="0">
-                <a:pos x="connsiteX72" y="connsiteY72"/>
-              </a:cxn>
-              <a:cxn ang="0">
-                <a:pos x="connsiteX73" y="connsiteY73"/>
-              </a:cxn>
-              <a:cxn ang="0">
-                <a:pos x="connsiteX74" y="connsiteY74"/>
-              </a:cxn>
-              <a:cxn ang="0">
-                <a:pos x="connsiteX75" y="connsiteY75"/>
-              </a:cxn>
-              <a:cxn ang="0">
-                <a:pos x="connsiteX76" y="connsiteY76"/>
-              </a:cxn>
-              <a:cxn ang="0">
-                <a:pos x="connsiteX77" y="connsiteY77"/>
-              </a:cxn>
-              <a:cxn ang="0">
-                <a:pos x="connsiteX78" y="connsiteY78"/>
-              </a:cxn>
-              <a:cxn ang="0">
-                <a:pos x="connsiteX79" y="connsiteY79"/>
-              </a:cxn>
-              <a:cxn ang="0">
-                <a:pos x="connsiteX80" y="connsiteY80"/>
-              </a:cxn>
-              <a:cxn ang="0">
-                <a:pos x="connsiteX81" y="connsiteY81"/>
-              </a:cxn>
-              <a:cxn ang="0">
-                <a:pos x="connsiteX82" y="connsiteY82"/>
-              </a:cxn>
-              <a:cxn ang="0">
-                <a:pos x="connsiteX83" y="connsiteY83"/>
-              </a:cxn>
-              <a:cxn ang="0">
-                <a:pos x="connsiteX84" y="connsiteY84"/>
-              </a:cxn>
-              <a:cxn ang="0">
-                <a:pos x="connsiteX85" y="connsiteY85"/>
-              </a:cxn>
-              <a:cxn ang="0">
-                <a:pos x="connsiteX86" y="connsiteY86"/>
-              </a:cxn>
-              <a:cxn ang="0">
-                <a:pos x="connsiteX87" y="connsiteY87"/>
-              </a:cxn>
-              <a:cxn ang="0">
-                <a:pos x="connsiteX88" y="connsiteY88"/>
-              </a:cxn>
-              <a:cxn ang="0">
-                <a:pos x="connsiteX89" y="connsiteY89"/>
-              </a:cxn>
-              <a:cxn ang="0">
-                <a:pos x="connsiteX90" y="connsiteY90"/>
-              </a:cxn>
-              <a:cxn ang="0">
-                <a:pos x="connsiteX91" y="connsiteY91"/>
-              </a:cxn>
-              <a:cxn ang="0">
-                <a:pos x="connsiteX92" y="connsiteY92"/>
-              </a:cxn>
-              <a:cxn ang="0">
-                <a:pos x="connsiteX93" y="connsiteY93"/>
-              </a:cxn>
-              <a:cxn ang="0">
-                <a:pos x="connsiteX94" y="connsiteY94"/>
-              </a:cxn>
-              <a:cxn ang="0">
-                <a:pos x="connsiteX95" y="connsiteY95"/>
-              </a:cxn>
-              <a:cxn ang="0">
-                <a:pos x="connsiteX96" y="connsiteY96"/>
-              </a:cxn>
-              <a:cxn ang="0">
-                <a:pos x="connsiteX97" y="connsiteY97"/>
-              </a:cxn>
-              <a:cxn ang="0">
-                <a:pos x="connsiteX98" y="connsiteY98"/>
-              </a:cxn>
-              <a:cxn ang="0">
-                <a:pos x="connsiteX99" y="connsiteY99"/>
-              </a:cxn>
-              <a:cxn ang="0">
-                <a:pos x="connsiteX100" y="connsiteY100"/>
-              </a:cxn>
-            </a:cxnLst>
-            <a:rect l="l" t="t" r="r" b="b"/>
-            <a:pathLst>
-              <a:path w="3097831" h="2532431">
-                <a:moveTo>
-                  <a:pt x="177065" y="2339513"/>
-                </a:moveTo>
-                <a:cubicBezTo>
-                  <a:pt x="194155" y="2333794"/>
-                  <a:pt x="217330" y="2347896"/>
-                  <a:pt x="254598" y="2356846"/>
-                </a:cubicBezTo>
-                <a:cubicBezTo>
-                  <a:pt x="220984" y="2389305"/>
-                  <a:pt x="204889" y="2409285"/>
-                  <a:pt x="184928" y="2423626"/>
-                </a:cubicBezTo>
-                <a:cubicBezTo>
-                  <a:pt x="126472" y="2465563"/>
-                  <a:pt x="66758" y="2501272"/>
-                  <a:pt x="5587" y="2530140"/>
-                </a:cubicBezTo>
-                <a:lnTo>
-                  <a:pt x="0" y="2532431"/>
-                </a:lnTo>
-                <a:lnTo>
-                  <a:pt x="0" y="2381588"/>
-                </a:lnTo>
-                <a:lnTo>
-                  <a:pt x="23582" y="2378908"/>
-                </a:lnTo>
-                <a:cubicBezTo>
-                  <a:pt x="74831" y="2369442"/>
-                  <a:pt x="125964" y="2356329"/>
-                  <a:pt x="177065" y="2339513"/>
-                </a:cubicBezTo>
-                <a:close/>
-                <a:moveTo>
-                  <a:pt x="515105" y="2041082"/>
-                </a:moveTo>
-                <a:cubicBezTo>
-                  <a:pt x="525020" y="2042275"/>
-                  <a:pt x="535497" y="2044487"/>
-                  <a:pt x="544953" y="2044795"/>
-                </a:cubicBezTo>
-                <a:cubicBezTo>
-                  <a:pt x="548144" y="2051803"/>
-                  <a:pt x="551336" y="2058812"/>
-                  <a:pt x="554530" y="2065819"/>
-                </a:cubicBezTo>
-                <a:cubicBezTo>
-                  <a:pt x="525428" y="2090123"/>
-                  <a:pt x="499946" y="2123686"/>
-                  <a:pt x="466801" y="2136482"/>
-                </a:cubicBezTo>
-                <a:cubicBezTo>
-                  <a:pt x="339661" y="2185241"/>
-                  <a:pt x="212186" y="2234684"/>
-                  <a:pt x="80640" y="2269208"/>
-                </a:cubicBezTo>
-                <a:cubicBezTo>
-                  <a:pt x="55707" y="2275751"/>
-                  <a:pt x="30214" y="2281031"/>
-                  <a:pt x="4467" y="2284674"/>
-                </a:cubicBezTo>
-                <a:lnTo>
-                  <a:pt x="0" y="2284999"/>
-                </a:lnTo>
-                <a:lnTo>
-                  <a:pt x="0" y="2070368"/>
-                </a:lnTo>
-                <a:lnTo>
-                  <a:pt x="122464" y="2093200"/>
-                </a:lnTo>
-                <a:cubicBezTo>
-                  <a:pt x="248407" y="2112713"/>
-                  <a:pt x="372168" y="2105142"/>
-                  <a:pt x="488631" y="2043490"/>
-                </a:cubicBezTo>
-                <a:cubicBezTo>
-                  <a:pt x="495838" y="2039718"/>
-                  <a:pt x="505191" y="2039890"/>
-                  <a:pt x="515105" y="2041082"/>
-                </a:cubicBezTo>
-                <a:close/>
-                <a:moveTo>
-                  <a:pt x="0" y="1575747"/>
-                </a:moveTo>
-                <a:lnTo>
-                  <a:pt x="30326" y="1578492"/>
-                </a:lnTo>
-                <a:cubicBezTo>
-                  <a:pt x="65045" y="1583805"/>
-                  <a:pt x="99455" y="1591256"/>
-                  <a:pt x="134013" y="1600874"/>
-                </a:cubicBezTo>
-                <a:cubicBezTo>
-                  <a:pt x="268006" y="1638282"/>
-                  <a:pt x="408089" y="1659470"/>
-                  <a:pt x="546960" y="1673430"/>
-                </a:cubicBezTo>
-                <a:cubicBezTo>
-                  <a:pt x="668003" y="1685947"/>
-                  <a:pt x="790523" y="1676746"/>
-                  <a:pt x="902901" y="1616488"/>
-                </a:cubicBezTo>
-                <a:cubicBezTo>
-                  <a:pt x="924452" y="1604798"/>
-                  <a:pt x="953472" y="1606297"/>
-                  <a:pt x="981963" y="1600906"/>
-                </a:cubicBezTo>
-                <a:cubicBezTo>
-                  <a:pt x="981521" y="1623983"/>
-                  <a:pt x="984183" y="1633111"/>
-                  <a:pt x="980602" y="1637984"/>
-                </a:cubicBezTo>
-                <a:cubicBezTo>
-                  <a:pt x="972430" y="1649782"/>
-                  <a:pt x="963031" y="1661659"/>
-                  <a:pt x="951630" y="1670341"/>
-                </a:cubicBezTo>
-                <a:cubicBezTo>
-                  <a:pt x="795656" y="1788250"/>
-                  <a:pt x="620439" y="1861176"/>
-                  <a:pt x="428358" y="1896744"/>
-                </a:cubicBezTo>
-                <a:cubicBezTo>
-                  <a:pt x="297589" y="1921022"/>
-                  <a:pt x="177399" y="1891390"/>
-                  <a:pt x="62362" y="1844923"/>
-                </a:cubicBezTo>
-                <a:lnTo>
-                  <a:pt x="0" y="1817067"/>
-                </a:lnTo>
-                <a:close/>
-                <a:moveTo>
-                  <a:pt x="2392663" y="0"/>
-                </a:moveTo>
-                <a:lnTo>
-                  <a:pt x="2887521" y="0"/>
-                </a:lnTo>
-                <a:lnTo>
-                  <a:pt x="2970795" y="34444"/>
-                </a:lnTo>
-                <a:cubicBezTo>
-                  <a:pt x="3012007" y="48971"/>
-                  <a:pt x="3054191" y="61282"/>
-                  <a:pt x="3097831" y="71279"/>
-                </a:cubicBezTo>
-                <a:cubicBezTo>
-                  <a:pt x="3050254" y="125956"/>
-                  <a:pt x="2955769" y="160146"/>
-                  <a:pt x="2863239" y="172683"/>
-                </a:cubicBezTo>
-                <a:cubicBezTo>
-                  <a:pt x="2680068" y="197283"/>
-                  <a:pt x="2529795" y="141319"/>
-                  <a:pt x="2407524" y="16854"/>
-                </a:cubicBezTo>
-                <a:close/>
-                <a:moveTo>
-                  <a:pt x="605964" y="0"/>
-                </a:moveTo>
-                <a:lnTo>
-                  <a:pt x="747628" y="0"/>
-                </a:lnTo>
-                <a:lnTo>
-                  <a:pt x="724307" y="81673"/>
-                </a:lnTo>
-                <a:cubicBezTo>
-                  <a:pt x="712100" y="124220"/>
-                  <a:pt x="700661" y="166932"/>
-                  <a:pt x="692486" y="210269"/>
-                </a:cubicBezTo>
-                <a:cubicBezTo>
-                  <a:pt x="654756" y="413620"/>
-                  <a:pt x="626527" y="618747"/>
-                  <a:pt x="526415" y="804384"/>
-                </a:cubicBezTo>
-                <a:cubicBezTo>
-                  <a:pt x="524462" y="808016"/>
-                  <a:pt x="531145" y="816228"/>
-                  <a:pt x="536624" y="827931"/>
-                </a:cubicBezTo>
-                <a:cubicBezTo>
-                  <a:pt x="571904" y="808361"/>
-                  <a:pt x="605528" y="786618"/>
-                  <a:pt x="641647" y="769841"/>
-                </a:cubicBezTo>
-                <a:cubicBezTo>
-                  <a:pt x="830399" y="681460"/>
-                  <a:pt x="917077" y="524931"/>
-                  <a:pt x="943988" y="325957"/>
-                </a:cubicBezTo>
-                <a:cubicBezTo>
-                  <a:pt x="953121" y="260223"/>
-                  <a:pt x="966831" y="194866"/>
-                  <a:pt x="983823" y="130441"/>
-                </a:cubicBezTo>
-                <a:lnTo>
-                  <a:pt x="1018176" y="0"/>
-                </a:lnTo>
-                <a:lnTo>
-                  <a:pt x="1245150" y="0"/>
-                </a:lnTo>
-                <a:lnTo>
-                  <a:pt x="1215445" y="85044"/>
-                </a:lnTo>
-                <a:cubicBezTo>
-                  <a:pt x="1172858" y="235346"/>
-                  <a:pt x="1145665" y="391844"/>
-                  <a:pt x="1037154" y="517590"/>
-                </a:cubicBezTo>
-                <a:cubicBezTo>
-                  <a:pt x="1215367" y="462120"/>
-                  <a:pt x="1324379" y="334920"/>
-                  <a:pt x="1405473" y="180067"/>
-                </a:cubicBezTo>
-                <a:cubicBezTo>
-                  <a:pt x="1435353" y="122991"/>
-                  <a:pt x="1459280" y="61760"/>
-                  <a:pt x="1485372" y="2313"/>
-                </a:cubicBezTo>
-                <a:lnTo>
-                  <a:pt x="1486481" y="0"/>
-                </a:lnTo>
-                <a:lnTo>
-                  <a:pt x="1767143" y="0"/>
-                </a:lnTo>
-                <a:lnTo>
-                  <a:pt x="1720915" y="86701"/>
-                </a:lnTo>
-                <a:cubicBezTo>
-                  <a:pt x="1702464" y="117768"/>
-                  <a:pt x="1682236" y="148127"/>
-                  <a:pt x="1659572" y="177506"/>
-                </a:cubicBezTo>
-                <a:cubicBezTo>
-                  <a:pt x="1752607" y="159436"/>
-                  <a:pt x="1856210" y="110043"/>
-                  <a:pt x="1944334" y="44335"/>
-                </a:cubicBezTo>
-                <a:lnTo>
-                  <a:pt x="1997754" y="0"/>
-                </a:lnTo>
-                <a:lnTo>
-                  <a:pt x="2262240" y="0"/>
-                </a:lnTo>
-                <a:lnTo>
-                  <a:pt x="2121733" y="60384"/>
-                </a:lnTo>
-                <a:cubicBezTo>
-                  <a:pt x="2043455" y="94032"/>
-                  <a:pt x="1964207" y="128097"/>
-                  <a:pt x="1880826" y="163915"/>
-                </a:cubicBezTo>
-                <a:cubicBezTo>
-                  <a:pt x="2016471" y="230529"/>
-                  <a:pt x="2132159" y="284451"/>
-                  <a:pt x="2245700" y="343440"/>
-                </a:cubicBezTo>
-                <a:cubicBezTo>
-                  <a:pt x="2305999" y="374753"/>
-                  <a:pt x="2363067" y="402948"/>
-                  <a:pt x="2434618" y="387079"/>
-                </a:cubicBezTo>
-                <a:cubicBezTo>
-                  <a:pt x="2453698" y="382847"/>
-                  <a:pt x="2477235" y="399677"/>
-                  <a:pt x="2512614" y="411781"/>
-                </a:cubicBezTo>
-                <a:cubicBezTo>
-                  <a:pt x="2420100" y="508828"/>
-                  <a:pt x="2312511" y="515670"/>
-                  <a:pt x="2208593" y="529585"/>
-                </a:cubicBezTo>
-                <a:cubicBezTo>
-                  <a:pt x="1968980" y="561874"/>
-                  <a:pt x="1774391" y="480935"/>
-                  <a:pt x="1625861" y="279117"/>
-                </a:cubicBezTo>
-                <a:cubicBezTo>
-                  <a:pt x="1501602" y="347992"/>
-                  <a:pt x="1385771" y="412165"/>
-                  <a:pt x="1249141" y="487887"/>
-                </a:cubicBezTo>
-                <a:cubicBezTo>
-                  <a:pt x="1347937" y="510051"/>
-                  <a:pt x="1420506" y="520865"/>
-                  <a:pt x="1489817" y="543171"/>
-                </a:cubicBezTo>
-                <a:cubicBezTo>
-                  <a:pt x="1662032" y="598671"/>
-                  <a:pt x="1832774" y="657866"/>
-                  <a:pt x="2017586" y="654434"/>
-                </a:cubicBezTo>
-                <a:cubicBezTo>
-                  <a:pt x="2037106" y="654158"/>
-                  <a:pt x="2056972" y="672925"/>
-                  <a:pt x="2090269" y="689617"/>
-                </a:cubicBezTo>
-                <a:cubicBezTo>
-                  <a:pt x="2014771" y="752684"/>
-                  <a:pt x="1942857" y="774836"/>
-                  <a:pt x="1865658" y="783850"/>
-                </a:cubicBezTo>
-                <a:cubicBezTo>
-                  <a:pt x="1623085" y="812816"/>
-                  <a:pt x="1385662" y="809115"/>
-                  <a:pt x="1168690" y="673999"/>
-                </a:cubicBezTo>
-                <a:cubicBezTo>
-                  <a:pt x="1146885" y="660570"/>
-                  <a:pt x="1122765" y="648045"/>
-                  <a:pt x="1097817" y="643444"/>
-                </a:cubicBezTo>
-                <a:cubicBezTo>
-                  <a:pt x="1062411" y="636939"/>
-                  <a:pt x="1020764" y="626176"/>
-                  <a:pt x="990410" y="638134"/>
-                </a:cubicBezTo>
-                <a:cubicBezTo>
-                  <a:pt x="903436" y="672612"/>
-                  <a:pt x="823401" y="722400"/>
-                  <a:pt x="736992" y="786910"/>
-                </a:cubicBezTo>
-                <a:cubicBezTo>
-                  <a:pt x="833539" y="800489"/>
-                  <a:pt x="913270" y="810570"/>
-                  <a:pt x="992677" y="823042"/>
-                </a:cubicBezTo>
-                <a:cubicBezTo>
-                  <a:pt x="1210604" y="857464"/>
-                  <a:pt x="1426175" y="914702"/>
-                  <a:pt x="1650715" y="884022"/>
-                </a:cubicBezTo>
-                <a:cubicBezTo>
-                  <a:pt x="1670079" y="881290"/>
-                  <a:pt x="1692181" y="897925"/>
-                  <a:pt x="1721679" y="908500"/>
-                </a:cubicBezTo>
-                <a:cubicBezTo>
-                  <a:pt x="1702532" y="931232"/>
-                  <a:pt x="1695409" y="946096"/>
-                  <a:pt x="1683851" y="952322"/>
-                </a:cubicBezTo>
-                <a:cubicBezTo>
-                  <a:pt x="1434339" y="1084824"/>
-                  <a:pt x="1174944" y="1155344"/>
-                  <a:pt x="897899" y="1046664"/>
-                </a:cubicBezTo>
-                <a:cubicBezTo>
-                  <a:pt x="771870" y="997184"/>
-                  <a:pt x="642761" y="974076"/>
-                  <a:pt x="509734" y="965536"/>
-                </a:cubicBezTo>
-                <a:cubicBezTo>
-                  <a:pt x="488017" y="964052"/>
-                  <a:pt x="461157" y="959192"/>
-                  <a:pt x="445191" y="969204"/>
-                </a:cubicBezTo>
-                <a:cubicBezTo>
-                  <a:pt x="333897" y="1037646"/>
-                  <a:pt x="225641" y="1110639"/>
-                  <a:pt x="133050" y="1206458"/>
-                </a:cubicBezTo>
-                <a:cubicBezTo>
-                  <a:pt x="341357" y="1149953"/>
-                  <a:pt x="544404" y="1184550"/>
-                  <a:pt x="747077" y="1223721"/>
-                </a:cubicBezTo>
-                <a:cubicBezTo>
-                  <a:pt x="916050" y="1256376"/>
-                  <a:pt x="1083927" y="1270129"/>
-                  <a:pt x="1246838" y="1194561"/>
-                </a:cubicBezTo>
-                <a:cubicBezTo>
-                  <a:pt x="1258266" y="1189292"/>
-                  <a:pt x="1273919" y="1192389"/>
-                  <a:pt x="1295481" y="1191416"/>
-                </a:cubicBezTo>
-                <a:cubicBezTo>
-                  <a:pt x="1295482" y="1292240"/>
-                  <a:pt x="1223193" y="1327979"/>
-                  <a:pt x="1157573" y="1361213"/>
-                </a:cubicBezTo>
-                <a:cubicBezTo>
-                  <a:pt x="1105553" y="1387523"/>
-                  <a:pt x="1045986" y="1399416"/>
-                  <a:pt x="989171" y="1414361"/>
-                </a:cubicBezTo>
-                <a:cubicBezTo>
-                  <a:pt x="778473" y="1470541"/>
-                  <a:pt x="567742" y="1476548"/>
-                  <a:pt x="353864" y="1426601"/>
-                </a:cubicBezTo>
-                <a:cubicBezTo>
-                  <a:pt x="254241" y="1403352"/>
-                  <a:pt x="150259" y="1399724"/>
-                  <a:pt x="48450" y="1385431"/>
-                </a:cubicBezTo>
-                <a:lnTo>
-                  <a:pt x="0" y="1383095"/>
-                </a:lnTo>
-                <a:lnTo>
-                  <a:pt x="0" y="442797"/>
-                </a:lnTo>
-                <a:lnTo>
-                  <a:pt x="10908" y="416103"/>
-                </a:lnTo>
-                <a:cubicBezTo>
-                  <a:pt x="51257" y="330271"/>
-                  <a:pt x="105655" y="249632"/>
-                  <a:pt x="176820" y="175170"/>
-                </a:cubicBezTo>
-                <a:cubicBezTo>
-                  <a:pt x="198630" y="152556"/>
-                  <a:pt x="214572" y="121109"/>
-                  <a:pt x="260099" y="130205"/>
-                </a:cubicBezTo>
-                <a:cubicBezTo>
-                  <a:pt x="260498" y="147064"/>
-                  <a:pt x="265873" y="163135"/>
-                  <a:pt x="260495" y="174096"/>
-                </a:cubicBezTo>
-                <a:cubicBezTo>
-                  <a:pt x="193118" y="310351"/>
-                  <a:pt x="184260" y="458681"/>
-                  <a:pt x="174574" y="605925"/>
-                </a:cubicBezTo>
-                <a:cubicBezTo>
-                  <a:pt x="164473" y="761636"/>
-                  <a:pt x="140011" y="913697"/>
-                  <a:pt x="85341" y="1060441"/>
-                </a:cubicBezTo>
-                <a:cubicBezTo>
-                  <a:pt x="72759" y="1094049"/>
-                  <a:pt x="61613" y="1127849"/>
-                  <a:pt x="45643" y="1173905"/>
-                </a:cubicBezTo>
-                <a:cubicBezTo>
-                  <a:pt x="182365" y="1101118"/>
-                  <a:pt x="259625" y="999811"/>
-                  <a:pt x="288222" y="862194"/>
-                </a:cubicBezTo>
-                <a:cubicBezTo>
-                  <a:pt x="317271" y="721228"/>
-                  <a:pt x="343722" y="579667"/>
-                  <a:pt x="370923" y="437965"/>
-                </a:cubicBezTo>
-                <a:cubicBezTo>
-                  <a:pt x="404041" y="266013"/>
-                  <a:pt x="488120" y="126452"/>
-                  <a:pt x="600507" y="5216"/>
-                </a:cubicBezTo>
-                <a:close/>
-              </a:path>
-            </a:pathLst>
-          </a:custGeom>
-          <a:solidFill>
-            <a:schemeClr val="tx2">
-              <a:alpha val="10000"/>
-            </a:schemeClr>
-          </a:solidFill>
-          <a:ln w="34059" cap="flat">
-            <a:noFill/>
-            <a:prstDash val="solid"/>
-            <a:miter/>
-          </a:ln>
-        </p:spPr>
-        <p:txBody>
-          <a:bodyPr rot="0" spcFirstLastPara="0" vertOverflow="overflow" horzOverflow="overflow" vert="horz" wrap="square" lIns="91440" tIns="45720" rIns="91440" bIns="45720" numCol="1" spcCol="0" rtlCol="0" fromWordArt="0" anchor="ctr" anchorCtr="0" forceAA="0" compatLnSpc="1">
-            <a:prstTxWarp prst="textNoShape">
-              <a:avLst/>
-            </a:prstTxWarp>
-            <a:noAutofit/>
-          </a:bodyPr>
-          <a:lstStyle/>
-          <a:p>
-            <a:pPr lvl="0"/>
-            <a:endParaRPr lang="en-US" dirty="0">
-              <a:solidFill>
-                <a:schemeClr val="tx1"/>
-              </a:solidFill>
-            </a:endParaRPr>
-          </a:p>
-        </p:txBody>
-      </p:sp>
-      <p:cxnSp>
-        <p:nvCxnSpPr>
-          <p:cNvPr id="18" name="Straight Connector 17">
-            <a:extLst>
-              <a:ext uri="{FF2B5EF4-FFF2-40B4-BE49-F238E27FC236}">
-                <a16:creationId xmlns:a16="http://schemas.microsoft.com/office/drawing/2014/main" id="{1100480F-88D3-CF82-FAF8-9527C86BCAE2}"/>
-              </a:ext>
-              <a:ext uri="{C183D7F6-B498-43B3-948B-1728B52AA6E4}">
-                <adec:decorative xmlns:adec="http://schemas.microsoft.com/office/drawing/2017/decorative" val="1"/>
-              </a:ext>
-            </a:extLst>
-          </p:cNvPr>
-          <p:cNvCxnSpPr>
-            <a:cxnSpLocks/>
-          </p:cNvCxnSpPr>
-          <p:nvPr userDrawn="1"/>
-        </p:nvCxnSpPr>
-        <p:spPr>
-          <a:xfrm>
-            <a:off x="10938933" y="6327754"/>
-            <a:ext cx="414867" cy="0"/>
-          </a:xfrm>
-          <a:prstGeom prst="line">
-            <a:avLst/>
-          </a:prstGeom>
-          <a:ln w="15875">
-            <a:solidFill>
-              <a:schemeClr val="tx1"/>
-            </a:solidFill>
-          </a:ln>
-        </p:spPr>
-        <p:style>
-          <a:lnRef idx="1">
-            <a:schemeClr val="dk1"/>
-          </a:lnRef>
-          <a:fillRef idx="0">
-            <a:schemeClr val="dk1"/>
-          </a:fillRef>
-          <a:effectRef idx="0">
-            <a:schemeClr val="dk1"/>
-          </a:effectRef>
-          <a:fontRef idx="minor">
-            <a:schemeClr val="tx1"/>
-          </a:fontRef>
-        </p:style>
-      </p:cxnSp>
-      <p:sp>
-        <p:nvSpPr>
-          <p:cNvPr id="5" name="Title 1">
-            <a:extLst>
-              <a:ext uri="{FF2B5EF4-FFF2-40B4-BE49-F238E27FC236}">
-                <a16:creationId xmlns:a16="http://schemas.microsoft.com/office/drawing/2014/main" id="{05F17713-1E50-F9DA-1134-DEB4A4AEA114}"/>
-              </a:ext>
-            </a:extLst>
-          </p:cNvPr>
-          <p:cNvSpPr>
-            <a:spLocks noGrp="1"/>
-          </p:cNvSpPr>
-          <p:nvPr>
-            <p:ph type="title"/>
-          </p:nvPr>
-        </p:nvSpPr>
-        <p:spPr>
-          <a:xfrm>
-            <a:off x="914400" y="914400"/>
-            <a:ext cx="10360152" cy="914400"/>
-          </a:xfrm>
-        </p:spPr>
-        <p:txBody>
-          <a:bodyPr anchor="b" anchorCtr="0"/>
-          <a:lstStyle>
-            <a:lvl1pPr>
-              <a:defRPr sz="3200"/>
-            </a:lvl1pPr>
-          </a:lstStyle>
-          <a:p>
-            <a:r>
-              <a:rPr lang="en-US"/>
-              <a:t>Click to edit Master title style</a:t>
-            </a:r>
-            <a:endParaRPr lang="en-US" dirty="0"/>
-          </a:p>
-        </p:txBody>
-      </p:sp>
-      <p:sp>
-        <p:nvSpPr>
-          <p:cNvPr id="3" name="Content Placeholder 6">
-            <a:extLst>
-              <a:ext uri="{FF2B5EF4-FFF2-40B4-BE49-F238E27FC236}">
-                <a16:creationId xmlns:a16="http://schemas.microsoft.com/office/drawing/2014/main" id="{05A7D8CB-7B8B-DA38-6E7E-0DAEB7D29967}"/>
-              </a:ext>
-            </a:extLst>
-          </p:cNvPr>
-          <p:cNvSpPr>
-            <a:spLocks noGrp="1"/>
-          </p:cNvSpPr>
-          <p:nvPr>
-            <p:ph sz="quarter" idx="12"/>
-          </p:nvPr>
-        </p:nvSpPr>
-        <p:spPr>
-          <a:xfrm>
-            <a:off x="914399" y="2039111"/>
-            <a:ext cx="2816352" cy="3840480"/>
-          </a:xfrm>
-        </p:spPr>
-        <p:txBody>
-          <a:bodyPr>
-            <a:normAutofit/>
-          </a:bodyPr>
-          <a:lstStyle>
-            <a:lvl1pPr marL="0" indent="0">
-              <a:buNone/>
-              <a:defRPr sz="2000"/>
-            </a:lvl1pPr>
-            <a:lvl2pPr marL="228600" indent="-228600">
-              <a:spcBef>
-                <a:spcPts val="1000"/>
-              </a:spcBef>
-              <a:buFont typeface="Courier New" panose="02070309020205020404" pitchFamily="49" charset="0"/>
-              <a:buChar char="o"/>
-              <a:defRPr sz="2000"/>
-            </a:lvl2pPr>
-            <a:lvl3pPr marL="685800" indent="-228600">
-              <a:spcBef>
-                <a:spcPts val="1000"/>
-              </a:spcBef>
-              <a:buFont typeface="Courier New" panose="02070309020205020404" pitchFamily="49" charset="0"/>
-              <a:buChar char="o"/>
-              <a:defRPr sz="2000"/>
-            </a:lvl3pPr>
-            <a:lvl4pPr marL="1143000" indent="-228600">
-              <a:spcBef>
-                <a:spcPts val="1000"/>
-              </a:spcBef>
-              <a:buFont typeface="Courier New" panose="02070309020205020404" pitchFamily="49" charset="0"/>
-              <a:buChar char="o"/>
-              <a:defRPr sz="2000"/>
-            </a:lvl4pPr>
-            <a:lvl5pPr marL="1600200" indent="-228600">
-              <a:spcBef>
-                <a:spcPts val="1000"/>
-              </a:spcBef>
-              <a:buFont typeface="Courier New" panose="02070309020205020404" pitchFamily="49" charset="0"/>
-              <a:buChar char="o"/>
-              <a:defRPr sz="2000"/>
-            </a:lvl5pPr>
-          </a:lstStyle>
-          <a:p>
-            <a:pPr lvl="0"/>
-            <a:r>
-              <a:rPr lang="en-US"/>
-              <a:t>Click to edit Master text styles</a:t>
-            </a:r>
-          </a:p>
-          <a:p>
-            <a:pPr lvl="1"/>
-            <a:r>
-              <a:rPr lang="en-US"/>
-              <a:t>Second level</a:t>
-            </a:r>
-          </a:p>
-          <a:p>
-            <a:pPr lvl="2"/>
-            <a:r>
-              <a:rPr lang="en-US"/>
-              <a:t>Third level</a:t>
-            </a:r>
-          </a:p>
-          <a:p>
-            <a:pPr lvl="3"/>
-            <a:r>
-              <a:rPr lang="en-US"/>
-              <a:t>Fourth level</a:t>
-            </a:r>
-          </a:p>
-          <a:p>
-            <a:pPr lvl="4"/>
-            <a:r>
-              <a:rPr lang="en-US"/>
-              <a:t>Fifth level</a:t>
-            </a:r>
-            <a:endParaRPr lang="en-US" dirty="0"/>
-          </a:p>
-        </p:txBody>
-      </p:sp>
-      <p:sp>
-        <p:nvSpPr>
-          <p:cNvPr id="10" name="Content Placeholder 6">
-            <a:extLst>
-              <a:ext uri="{FF2B5EF4-FFF2-40B4-BE49-F238E27FC236}">
-                <a16:creationId xmlns:a16="http://schemas.microsoft.com/office/drawing/2014/main" id="{CE441B96-235E-1744-83C7-22A1E6ED8BB3}"/>
-              </a:ext>
-            </a:extLst>
-          </p:cNvPr>
-          <p:cNvSpPr>
-            <a:spLocks noGrp="1"/>
-          </p:cNvSpPr>
-          <p:nvPr>
-            <p:ph sz="quarter" idx="13"/>
-          </p:nvPr>
-        </p:nvSpPr>
-        <p:spPr>
-          <a:xfrm>
-            <a:off x="4097800" y="2039111"/>
-            <a:ext cx="6949440" cy="3840480"/>
-          </a:xfrm>
-        </p:spPr>
-        <p:txBody>
-          <a:bodyPr>
-            <a:normAutofit/>
-          </a:bodyPr>
-          <a:lstStyle>
-            <a:lvl1pPr marL="228600" indent="-228600">
-              <a:buFont typeface="Courier New" panose="02070309020205020404" pitchFamily="49" charset="0"/>
-              <a:buChar char="o"/>
-              <a:defRPr sz="2000"/>
-            </a:lvl1pPr>
-            <a:lvl2pPr marL="685800" indent="-228600">
-              <a:spcBef>
-                <a:spcPts val="1000"/>
-              </a:spcBef>
-              <a:buFont typeface="Courier New" panose="02070309020205020404" pitchFamily="49" charset="0"/>
-              <a:buChar char="o"/>
-              <a:defRPr sz="2000"/>
-            </a:lvl2pPr>
-            <a:lvl3pPr marL="1143000" indent="-228600">
-              <a:spcBef>
-                <a:spcPts val="1000"/>
-              </a:spcBef>
-              <a:buFont typeface="Courier New" panose="02070309020205020404" pitchFamily="49" charset="0"/>
-              <a:buChar char="o"/>
-              <a:defRPr sz="2000"/>
-            </a:lvl3pPr>
-            <a:lvl4pPr marL="1600200" indent="-228600">
-              <a:spcBef>
-                <a:spcPts val="1000"/>
-              </a:spcBef>
-              <a:buFont typeface="Courier New" panose="02070309020205020404" pitchFamily="49" charset="0"/>
-              <a:buChar char="o"/>
-              <a:defRPr sz="2000"/>
-            </a:lvl4pPr>
-            <a:lvl5pPr marL="2057400" indent="-228600">
-              <a:spcBef>
-                <a:spcPts val="1000"/>
-              </a:spcBef>
-              <a:buFont typeface="Courier New" panose="02070309020205020404" pitchFamily="49" charset="0"/>
-              <a:buChar char="o"/>
-              <a:defRPr sz="2000"/>
-            </a:lvl5pPr>
-          </a:lstStyle>
-          <a:p>
-            <a:pPr lvl="0"/>
-            <a:r>
-              <a:rPr lang="en-US"/>
-              <a:t>Click to edit Master text styles</a:t>
-            </a:r>
-          </a:p>
-          <a:p>
-            <a:pPr lvl="1"/>
-            <a:r>
-              <a:rPr lang="en-US"/>
-              <a:t>Second level</a:t>
-            </a:r>
-          </a:p>
-          <a:p>
-            <a:pPr lvl="2"/>
-            <a:r>
-              <a:rPr lang="en-US"/>
-              <a:t>Third level</a:t>
-            </a:r>
-          </a:p>
-          <a:p>
-            <a:pPr lvl="3"/>
-            <a:r>
-              <a:rPr lang="en-US"/>
-              <a:t>Fourth level</a:t>
-            </a:r>
-          </a:p>
-          <a:p>
-            <a:pPr lvl="4"/>
-            <a:r>
-              <a:rPr lang="en-US"/>
-              <a:t>Fifth level</a:t>
-            </a:r>
-            <a:endParaRPr lang="en-US" dirty="0"/>
-          </a:p>
-        </p:txBody>
-      </p:sp>
-      <p:sp>
-        <p:nvSpPr>
-          <p:cNvPr id="4" name="Slide Number Placeholder 5">
-            <a:extLst>
-              <a:ext uri="{FF2B5EF4-FFF2-40B4-BE49-F238E27FC236}">
-                <a16:creationId xmlns:a16="http://schemas.microsoft.com/office/drawing/2014/main" id="{CF605979-8A00-C008-E1AA-6AC1F9EABEAF}"/>
-              </a:ext>
-            </a:extLst>
-          </p:cNvPr>
-          <p:cNvSpPr>
-            <a:spLocks noGrp="1"/>
-          </p:cNvSpPr>
-          <p:nvPr>
-            <p:ph type="sldNum" sz="quarter" idx="4"/>
-          </p:nvPr>
-        </p:nvSpPr>
-        <p:spPr>
-          <a:xfrm>
-            <a:off x="11353800" y="5879804"/>
-            <a:ext cx="661416" cy="895899"/>
-          </a:xfrm>
-          <a:prstGeom prst="rect">
-            <a:avLst/>
-          </a:prstGeom>
-        </p:spPr>
-        <p:txBody>
-          <a:bodyPr vert="horz" lIns="91440" tIns="45720" rIns="91440" bIns="45720" rtlCol="0" anchor="ctr"/>
-          <a:lstStyle>
-            <a:lvl1pPr algn="ctr">
-              <a:defRPr sz="2400" b="0" i="0">
-                <a:solidFill>
-                  <a:schemeClr val="tx1"/>
-                </a:solidFill>
-                <a:latin typeface="Sagona Book" panose="02020503050505020204" pitchFamily="18" charset="0"/>
-              </a:defRPr>
-            </a:lvl1pPr>
-          </a:lstStyle>
-          <a:p>
-            <a:fld id="{58FB4751-880F-D840-AAA9-3A15815CC996}" type="slidenum">
-              <a:rPr lang="en-US" smtClean="0"/>
-              <a:pPr/>
-              <a:t>‹#›</a:t>
-            </a:fld>
-            <a:endParaRPr lang="en-US" dirty="0"/>
-          </a:p>
-        </p:txBody>
-      </p:sp>
-    </p:spTree>
-    <p:extLst>
-      <p:ext uri="{BB962C8B-B14F-4D97-AF65-F5344CB8AC3E}">
-        <p14:creationId xmlns:p14="http://schemas.microsoft.com/office/powerpoint/2010/main" val="4097120719"/>
-      </p:ext>
-    </p:extLst>
-  </p:cSld>
-  <p:clrMapOvr>
-    <a:masterClrMapping/>
-  </p:clrMapOvr>
-  <p:extLst>
-    <p:ext uri="{DCECCB84-F9BA-43D5-87BE-67443E8EF086}">
-      <p15:sldGuideLst xmlns:p15="http://schemas.microsoft.com/office/powerpoint/2012/main">
-        <p15:guide id="1" orient="horz" pos="3984">
-          <p15:clr>
-            <a:srgbClr val="FBAE40"/>
-          </p15:clr>
-        </p15:guide>
-        <p15:guide id="2" pos="7272">
-          <p15:clr>
-            <a:srgbClr val="FBAE40"/>
-          </p15:clr>
-        </p15:guide>
-        <p15:guide id="3" pos="408">
-          <p15:clr>
-            <a:srgbClr val="FBAE40"/>
-          </p15:clr>
-        </p15:guide>
-        <p15:guide id="4" orient="horz" pos="504">
-          <p15:clr>
-            <a:srgbClr val="FBAE40"/>
-          </p15:clr>
-        </p15:guide>
-      </p15:sldGuideLst>
-    </p:ext>
-  </p:extLst>
-</p:sldLayout>
-</file>
-
-<file path=ppt/slideLayouts/slideLayout21.xml><?xml version="1.0" encoding="utf-8"?>
-<p:sldLayout xmlns:a="http://schemas.openxmlformats.org/drawingml/2006/main" xmlns:r="http://schemas.openxmlformats.org/officeDocument/2006/relationships" xmlns:p="http://schemas.openxmlformats.org/presentationml/2006/main" userDrawn="1">
-  <p:cSld name="Title and Two Content">
-    <p:bg>
-      <p:bgPr>
-        <a:solidFill>
-          <a:schemeClr val="bg2"/>
-        </a:solidFill>
-        <a:effectLst/>
-      </p:bgPr>
-    </p:bg>
-    <p:spTree>
-      <p:nvGrpSpPr>
-        <p:cNvPr id="1" name=""/>
-        <p:cNvGrpSpPr/>
-        <p:nvPr/>
-      </p:nvGrpSpPr>
-      <p:grpSpPr>
-        <a:xfrm>
-          <a:off x="0" y="0"/>
-          <a:ext cx="0" cy="0"/>
-          <a:chOff x="0" y="0"/>
-          <a:chExt cx="0" cy="0"/>
-        </a:xfrm>
-      </p:grpSpPr>
-      <p:sp>
-        <p:nvSpPr>
-          <p:cNvPr id="13" name="Freeform: Shape 12">
-            <a:extLst>
-              <a:ext uri="{FF2B5EF4-FFF2-40B4-BE49-F238E27FC236}">
-                <a16:creationId xmlns:a16="http://schemas.microsoft.com/office/drawing/2014/main" id="{B05A86D8-26B0-1ADB-0CE2-B445D2A2866D}"/>
-              </a:ext>
-              <a:ext uri="{C183D7F6-B498-43B3-948B-1728B52AA6E4}">
-                <adec:decorative xmlns:adec="http://schemas.microsoft.com/office/drawing/2017/decorative" val="1"/>
-              </a:ext>
-            </a:extLst>
-          </p:cNvPr>
-          <p:cNvSpPr/>
-          <p:nvPr userDrawn="1"/>
-        </p:nvSpPr>
-        <p:spPr>
-          <a:xfrm>
-            <a:off x="4600810" y="0"/>
-            <a:ext cx="7591189" cy="6858000"/>
-          </a:xfrm>
-          <a:custGeom>
-            <a:avLst/>
-            <a:gdLst>
-              <a:gd name="connsiteX0" fmla="*/ 3873124 w 7591189"/>
-              <a:gd name="connsiteY0" fmla="*/ 0 h 6858000"/>
-              <a:gd name="connsiteX1" fmla="*/ 7591189 w 7591189"/>
-              <a:gd name="connsiteY1" fmla="*/ 0 h 6858000"/>
-              <a:gd name="connsiteX2" fmla="*/ 7591189 w 7591189"/>
-              <a:gd name="connsiteY2" fmla="*/ 6858000 h 6858000"/>
-              <a:gd name="connsiteX3" fmla="*/ 0 w 7591189"/>
-              <a:gd name="connsiteY3" fmla="*/ 6858000 h 6858000"/>
-              <a:gd name="connsiteX4" fmla="*/ 37792 w 7591189"/>
-              <a:gd name="connsiteY4" fmla="*/ 6767219 h 6858000"/>
-              <a:gd name="connsiteX5" fmla="*/ 124614 w 7591189"/>
-              <a:gd name="connsiteY5" fmla="*/ 6593191 h 6858000"/>
-              <a:gd name="connsiteX6" fmla="*/ 5022788 w 7591189"/>
-              <a:gd name="connsiteY6" fmla="*/ 3831835 h 6858000"/>
-              <a:gd name="connsiteX7" fmla="*/ 3917644 w 7591189"/>
-              <a:gd name="connsiteY7" fmla="*/ 112370 h 6858000"/>
-            </a:gdLst>
-            <a:ahLst/>
-            <a:cxnLst>
-              <a:cxn ang="0">
-                <a:pos x="connsiteX0" y="connsiteY0"/>
-              </a:cxn>
-              <a:cxn ang="0">
-                <a:pos x="connsiteX1" y="connsiteY1"/>
-              </a:cxn>
-              <a:cxn ang="0">
-                <a:pos x="connsiteX2" y="connsiteY2"/>
-              </a:cxn>
-              <a:cxn ang="0">
-                <a:pos x="connsiteX3" y="connsiteY3"/>
-              </a:cxn>
-              <a:cxn ang="0">
-                <a:pos x="connsiteX4" y="connsiteY4"/>
-              </a:cxn>
-              <a:cxn ang="0">
-                <a:pos x="connsiteX5" y="connsiteY5"/>
-              </a:cxn>
-              <a:cxn ang="0">
-                <a:pos x="connsiteX6" y="connsiteY6"/>
-              </a:cxn>
-              <a:cxn ang="0">
-                <a:pos x="connsiteX7" y="connsiteY7"/>
-              </a:cxn>
-            </a:cxnLst>
-            <a:rect l="l" t="t" r="r" b="b"/>
-            <a:pathLst>
-              <a:path w="7591189" h="6858000">
-                <a:moveTo>
-                  <a:pt x="3873124" y="0"/>
-                </a:moveTo>
-                <a:lnTo>
-                  <a:pt x="7591189" y="0"/>
-                </a:lnTo>
-                <a:lnTo>
-                  <a:pt x="7591189" y="6858000"/>
-                </a:lnTo>
-                <a:lnTo>
-                  <a:pt x="0" y="6858000"/>
-                </a:lnTo>
-                <a:lnTo>
-                  <a:pt x="37792" y="6767219"/>
-                </a:lnTo>
-                <a:cubicBezTo>
-                  <a:pt x="73499" y="6688089"/>
-                  <a:pt x="105476" y="6628399"/>
-                  <a:pt x="124614" y="6593191"/>
-                </a:cubicBezTo>
-                <a:cubicBezTo>
-                  <a:pt x="1166892" y="4681475"/>
-                  <a:pt x="4192708" y="5285613"/>
-                  <a:pt x="5022788" y="3831835"/>
-                </a:cubicBezTo>
-                <a:cubicBezTo>
-                  <a:pt x="5664755" y="2707491"/>
-                  <a:pt x="4432969" y="1333564"/>
-                  <a:pt x="3917644" y="112370"/>
-                </a:cubicBezTo>
-                <a:close/>
-              </a:path>
-            </a:pathLst>
-          </a:custGeom>
-          <a:solidFill>
-            <a:schemeClr val="accent4">
-              <a:alpha val="20000"/>
-            </a:schemeClr>
-          </a:solidFill>
-          <a:ln w="4557" cap="flat">
-            <a:noFill/>
-            <a:prstDash val="solid"/>
-            <a:miter/>
-          </a:ln>
-        </p:spPr>
-        <p:txBody>
-          <a:bodyPr rot="0" spcFirstLastPara="0" vertOverflow="overflow" horzOverflow="overflow" vert="horz" wrap="square" lIns="91440" tIns="45720" rIns="91440" bIns="45720" numCol="1" spcCol="0" rtlCol="0" fromWordArt="0" anchor="ctr" anchorCtr="0" forceAA="0" compatLnSpc="1">
-            <a:prstTxWarp prst="textNoShape">
-              <a:avLst/>
-            </a:prstTxWarp>
-            <a:noAutofit/>
-          </a:bodyPr>
-          <a:lstStyle/>
-          <a:p>
-            <a:pPr lvl="0"/>
-            <a:endParaRPr lang="en-US" dirty="0">
-              <a:solidFill>
-                <a:schemeClr val="tx1"/>
-              </a:solidFill>
-            </a:endParaRPr>
-          </a:p>
-        </p:txBody>
-      </p:sp>
-      <p:sp>
-        <p:nvSpPr>
-          <p:cNvPr id="19" name="Freeform: Shape 18">
-            <a:extLst>
-              <a:ext uri="{FF2B5EF4-FFF2-40B4-BE49-F238E27FC236}">
-                <a16:creationId xmlns:a16="http://schemas.microsoft.com/office/drawing/2014/main" id="{33A68E8B-64DF-46D3-2FA2-4BBBBF8BFB15}"/>
-              </a:ext>
-              <a:ext uri="{C183D7F6-B498-43B3-948B-1728B52AA6E4}">
-                <adec:decorative xmlns:adec="http://schemas.microsoft.com/office/drawing/2017/decorative" val="1"/>
-              </a:ext>
-            </a:extLst>
-          </p:cNvPr>
-          <p:cNvSpPr/>
-          <p:nvPr userDrawn="1"/>
-        </p:nvSpPr>
-        <p:spPr>
-          <a:xfrm>
-            <a:off x="6134000" y="-30589"/>
-            <a:ext cx="5047481" cy="6915258"/>
-          </a:xfrm>
-          <a:custGeom>
-            <a:avLst/>
-            <a:gdLst>
-              <a:gd name="connsiteX0" fmla="*/ 0 w 6112702"/>
-              <a:gd name="connsiteY0" fmla="*/ 0 h 7110654"/>
-              <a:gd name="connsiteX1" fmla="*/ 6112702 w 6112702"/>
-              <a:gd name="connsiteY1" fmla="*/ 0 h 7110654"/>
-              <a:gd name="connsiteX2" fmla="*/ 6112702 w 6112702"/>
-              <a:gd name="connsiteY2" fmla="*/ 7022484 h 7110654"/>
-              <a:gd name="connsiteX3" fmla="*/ 6063029 w 6112702"/>
-              <a:gd name="connsiteY3" fmla="*/ 7038508 h 7110654"/>
-              <a:gd name="connsiteX4" fmla="*/ 4891976 w 6112702"/>
-              <a:gd name="connsiteY4" fmla="*/ 6854987 h 7110654"/>
-              <a:gd name="connsiteX5" fmla="*/ 4716552 w 6112702"/>
-              <a:gd name="connsiteY5" fmla="*/ 767477 h 7110654"/>
-              <a:gd name="connsiteX6" fmla="*/ 118479 w 6112702"/>
-              <a:gd name="connsiteY6" fmla="*/ 160166 h 7110654"/>
-              <a:gd name="connsiteX7" fmla="*/ 10887 w 6112702"/>
-              <a:gd name="connsiteY7" fmla="*/ 17038 h 7110654"/>
-              <a:gd name="connsiteX0" fmla="*/ 0 w 6112702"/>
-              <a:gd name="connsiteY0" fmla="*/ 0 h 7110654"/>
-              <a:gd name="connsiteX1" fmla="*/ 6112702 w 6112702"/>
-              <a:gd name="connsiteY1" fmla="*/ 0 h 7110654"/>
-              <a:gd name="connsiteX2" fmla="*/ 6112702 w 6112702"/>
-              <a:gd name="connsiteY2" fmla="*/ 7022484 h 7110654"/>
-              <a:gd name="connsiteX3" fmla="*/ 6063029 w 6112702"/>
-              <a:gd name="connsiteY3" fmla="*/ 7038508 h 7110654"/>
-              <a:gd name="connsiteX4" fmla="*/ 4891976 w 6112702"/>
-              <a:gd name="connsiteY4" fmla="*/ 6854987 h 7110654"/>
-              <a:gd name="connsiteX5" fmla="*/ 4716552 w 6112702"/>
-              <a:gd name="connsiteY5" fmla="*/ 767477 h 7110654"/>
-              <a:gd name="connsiteX6" fmla="*/ 118479 w 6112702"/>
-              <a:gd name="connsiteY6" fmla="*/ 160166 h 7110654"/>
-              <a:gd name="connsiteX7" fmla="*/ 10887 w 6112702"/>
-              <a:gd name="connsiteY7" fmla="*/ 17038 h 7110654"/>
-              <a:gd name="connsiteX8" fmla="*/ 91440 w 6112702"/>
-              <a:gd name="connsiteY8" fmla="*/ 91440 h 7110654"/>
-              <a:gd name="connsiteX0" fmla="*/ 0 w 6112702"/>
-              <a:gd name="connsiteY0" fmla="*/ 0 h 7110654"/>
-              <a:gd name="connsiteX1" fmla="*/ 6112702 w 6112702"/>
-              <a:gd name="connsiteY1" fmla="*/ 0 h 7110654"/>
-              <a:gd name="connsiteX2" fmla="*/ 6112702 w 6112702"/>
-              <a:gd name="connsiteY2" fmla="*/ 7022484 h 7110654"/>
-              <a:gd name="connsiteX3" fmla="*/ 6063029 w 6112702"/>
-              <a:gd name="connsiteY3" fmla="*/ 7038508 h 7110654"/>
-              <a:gd name="connsiteX4" fmla="*/ 4891976 w 6112702"/>
-              <a:gd name="connsiteY4" fmla="*/ 6854987 h 7110654"/>
-              <a:gd name="connsiteX5" fmla="*/ 4716552 w 6112702"/>
-              <a:gd name="connsiteY5" fmla="*/ 767477 h 7110654"/>
-              <a:gd name="connsiteX6" fmla="*/ 118479 w 6112702"/>
-              <a:gd name="connsiteY6" fmla="*/ 160166 h 7110654"/>
-              <a:gd name="connsiteX7" fmla="*/ 10887 w 6112702"/>
-              <a:gd name="connsiteY7" fmla="*/ 17038 h 7110654"/>
-              <a:gd name="connsiteX0" fmla="*/ 6101815 w 6101815"/>
-              <a:gd name="connsiteY0" fmla="*/ 0 h 7110654"/>
-              <a:gd name="connsiteX1" fmla="*/ 6101815 w 6101815"/>
-              <a:gd name="connsiteY1" fmla="*/ 7022484 h 7110654"/>
-              <a:gd name="connsiteX2" fmla="*/ 6052142 w 6101815"/>
-              <a:gd name="connsiteY2" fmla="*/ 7038508 h 7110654"/>
-              <a:gd name="connsiteX3" fmla="*/ 4881089 w 6101815"/>
-              <a:gd name="connsiteY3" fmla="*/ 6854987 h 7110654"/>
-              <a:gd name="connsiteX4" fmla="*/ 4705665 w 6101815"/>
-              <a:gd name="connsiteY4" fmla="*/ 767477 h 7110654"/>
-              <a:gd name="connsiteX5" fmla="*/ 107592 w 6101815"/>
-              <a:gd name="connsiteY5" fmla="*/ 160166 h 7110654"/>
-              <a:gd name="connsiteX6" fmla="*/ 0 w 6101815"/>
-              <a:gd name="connsiteY6" fmla="*/ 17038 h 7110654"/>
-              <a:gd name="connsiteX0" fmla="*/ 6101815 w 6101815"/>
-              <a:gd name="connsiteY0" fmla="*/ 7005446 h 7093616"/>
-              <a:gd name="connsiteX1" fmla="*/ 6052142 w 6101815"/>
-              <a:gd name="connsiteY1" fmla="*/ 7021470 h 7093616"/>
-              <a:gd name="connsiteX2" fmla="*/ 4881089 w 6101815"/>
-              <a:gd name="connsiteY2" fmla="*/ 6837949 h 7093616"/>
-              <a:gd name="connsiteX3" fmla="*/ 4705665 w 6101815"/>
-              <a:gd name="connsiteY3" fmla="*/ 750439 h 7093616"/>
-              <a:gd name="connsiteX4" fmla="*/ 107592 w 6101815"/>
-              <a:gd name="connsiteY4" fmla="*/ 143128 h 7093616"/>
-              <a:gd name="connsiteX5" fmla="*/ 0 w 6101815"/>
-              <a:gd name="connsiteY5" fmla="*/ 0 h 7093616"/>
-              <a:gd name="connsiteX0" fmla="*/ 6052142 w 6052142"/>
-              <a:gd name="connsiteY0" fmla="*/ 7021470 h 7093616"/>
-              <a:gd name="connsiteX1" fmla="*/ 4881089 w 6052142"/>
-              <a:gd name="connsiteY1" fmla="*/ 6837949 h 7093616"/>
-              <a:gd name="connsiteX2" fmla="*/ 4705665 w 6052142"/>
-              <a:gd name="connsiteY2" fmla="*/ 750439 h 7093616"/>
-              <a:gd name="connsiteX3" fmla="*/ 107592 w 6052142"/>
-              <a:gd name="connsiteY3" fmla="*/ 143128 h 7093616"/>
-              <a:gd name="connsiteX4" fmla="*/ 0 w 6052142"/>
-              <a:gd name="connsiteY4" fmla="*/ 0 h 7093616"/>
-              <a:gd name="connsiteX0" fmla="*/ 6052142 w 6052142"/>
-              <a:gd name="connsiteY0" fmla="*/ 7021470 h 7095398"/>
-              <a:gd name="connsiteX1" fmla="*/ 4881089 w 6052142"/>
-              <a:gd name="connsiteY1" fmla="*/ 6843664 h 7095398"/>
-              <a:gd name="connsiteX2" fmla="*/ 4705665 w 6052142"/>
-              <a:gd name="connsiteY2" fmla="*/ 750439 h 7095398"/>
-              <a:gd name="connsiteX3" fmla="*/ 107592 w 6052142"/>
-              <a:gd name="connsiteY3" fmla="*/ 143128 h 7095398"/>
-              <a:gd name="connsiteX4" fmla="*/ 0 w 6052142"/>
-              <a:gd name="connsiteY4" fmla="*/ 0 h 7095398"/>
-              <a:gd name="connsiteX0" fmla="*/ 6052142 w 6052142"/>
-              <a:gd name="connsiteY0" fmla="*/ 7021470 h 7348010"/>
-              <a:gd name="connsiteX1" fmla="*/ 5132169 w 6052142"/>
-              <a:gd name="connsiteY1" fmla="*/ 7012413 h 7348010"/>
-              <a:gd name="connsiteX2" fmla="*/ 4881089 w 6052142"/>
-              <a:gd name="connsiteY2" fmla="*/ 6843664 h 7348010"/>
-              <a:gd name="connsiteX3" fmla="*/ 4705665 w 6052142"/>
-              <a:gd name="connsiteY3" fmla="*/ 750439 h 7348010"/>
-              <a:gd name="connsiteX4" fmla="*/ 107592 w 6052142"/>
-              <a:gd name="connsiteY4" fmla="*/ 143128 h 7348010"/>
-              <a:gd name="connsiteX5" fmla="*/ 0 w 6052142"/>
-              <a:gd name="connsiteY5" fmla="*/ 0 h 7348010"/>
-              <a:gd name="connsiteX0" fmla="*/ 6052142 w 6052142"/>
-              <a:gd name="connsiteY0" fmla="*/ 7021470 h 7351452"/>
-              <a:gd name="connsiteX1" fmla="*/ 5132169 w 6052142"/>
-              <a:gd name="connsiteY1" fmla="*/ 7012413 h 7351452"/>
-              <a:gd name="connsiteX2" fmla="*/ 4881089 w 6052142"/>
-              <a:gd name="connsiteY2" fmla="*/ 6843664 h 7351452"/>
-              <a:gd name="connsiteX3" fmla="*/ 4705665 w 6052142"/>
-              <a:gd name="connsiteY3" fmla="*/ 750439 h 7351452"/>
-              <a:gd name="connsiteX4" fmla="*/ 107592 w 6052142"/>
-              <a:gd name="connsiteY4" fmla="*/ 143128 h 7351452"/>
-              <a:gd name="connsiteX5" fmla="*/ 0 w 6052142"/>
-              <a:gd name="connsiteY5" fmla="*/ 0 h 7351452"/>
-              <a:gd name="connsiteX0" fmla="*/ 6052142 w 6052142"/>
-              <a:gd name="connsiteY0" fmla="*/ 7021470 h 7351452"/>
-              <a:gd name="connsiteX1" fmla="*/ 5132169 w 6052142"/>
-              <a:gd name="connsiteY1" fmla="*/ 7012413 h 7351452"/>
-              <a:gd name="connsiteX2" fmla="*/ 4881089 w 6052142"/>
-              <a:gd name="connsiteY2" fmla="*/ 6843664 h 7351452"/>
-              <a:gd name="connsiteX3" fmla="*/ 4705665 w 6052142"/>
-              <a:gd name="connsiteY3" fmla="*/ 750439 h 7351452"/>
-              <a:gd name="connsiteX4" fmla="*/ 107592 w 6052142"/>
-              <a:gd name="connsiteY4" fmla="*/ 143128 h 7351452"/>
-              <a:gd name="connsiteX5" fmla="*/ 0 w 6052142"/>
-              <a:gd name="connsiteY5" fmla="*/ 0 h 7351452"/>
-              <a:gd name="connsiteX0" fmla="*/ 6052142 w 6052142"/>
-              <a:gd name="connsiteY0" fmla="*/ 7021470 h 7021470"/>
-              <a:gd name="connsiteX1" fmla="*/ 5132169 w 6052142"/>
-              <a:gd name="connsiteY1" fmla="*/ 7012413 h 7021470"/>
-              <a:gd name="connsiteX2" fmla="*/ 4881089 w 6052142"/>
-              <a:gd name="connsiteY2" fmla="*/ 6843664 h 7021470"/>
-              <a:gd name="connsiteX3" fmla="*/ 4705665 w 6052142"/>
-              <a:gd name="connsiteY3" fmla="*/ 750439 h 7021470"/>
-              <a:gd name="connsiteX4" fmla="*/ 107592 w 6052142"/>
-              <a:gd name="connsiteY4" fmla="*/ 143128 h 7021470"/>
-              <a:gd name="connsiteX5" fmla="*/ 0 w 6052142"/>
-              <a:gd name="connsiteY5" fmla="*/ 0 h 7021470"/>
-              <a:gd name="connsiteX0" fmla="*/ 6052142 w 6052142"/>
-              <a:gd name="connsiteY0" fmla="*/ 7021470 h 7021470"/>
-              <a:gd name="connsiteX1" fmla="*/ 5132169 w 6052142"/>
-              <a:gd name="connsiteY1" fmla="*/ 7012413 h 7021470"/>
-              <a:gd name="connsiteX2" fmla="*/ 4968339 w 6052142"/>
-              <a:gd name="connsiteY2" fmla="*/ 6900018 h 7021470"/>
-              <a:gd name="connsiteX3" fmla="*/ 4881089 w 6052142"/>
-              <a:gd name="connsiteY3" fmla="*/ 6843664 h 7021470"/>
-              <a:gd name="connsiteX4" fmla="*/ 4705665 w 6052142"/>
-              <a:gd name="connsiteY4" fmla="*/ 750439 h 7021470"/>
-              <a:gd name="connsiteX5" fmla="*/ 107592 w 6052142"/>
-              <a:gd name="connsiteY5" fmla="*/ 143128 h 7021470"/>
-              <a:gd name="connsiteX6" fmla="*/ 0 w 6052142"/>
-              <a:gd name="connsiteY6" fmla="*/ 0 h 7021470"/>
-              <a:gd name="connsiteX0" fmla="*/ 5132169 w 5132169"/>
-              <a:gd name="connsiteY0" fmla="*/ 7012413 h 7012413"/>
-              <a:gd name="connsiteX1" fmla="*/ 4968339 w 5132169"/>
-              <a:gd name="connsiteY1" fmla="*/ 6900018 h 7012413"/>
-              <a:gd name="connsiteX2" fmla="*/ 4881089 w 5132169"/>
-              <a:gd name="connsiteY2" fmla="*/ 6843664 h 7012413"/>
-              <a:gd name="connsiteX3" fmla="*/ 4705665 w 5132169"/>
-              <a:gd name="connsiteY3" fmla="*/ 750439 h 7012413"/>
-              <a:gd name="connsiteX4" fmla="*/ 107592 w 5132169"/>
-              <a:gd name="connsiteY4" fmla="*/ 143128 h 7012413"/>
-              <a:gd name="connsiteX5" fmla="*/ 0 w 5132169"/>
-              <a:gd name="connsiteY5" fmla="*/ 0 h 7012413"/>
-              <a:gd name="connsiteX0" fmla="*/ 4995009 w 5047481"/>
-              <a:gd name="connsiteY0" fmla="*/ 6915258 h 6915258"/>
-              <a:gd name="connsiteX1" fmla="*/ 4968339 w 5047481"/>
-              <a:gd name="connsiteY1" fmla="*/ 6900018 h 6915258"/>
-              <a:gd name="connsiteX2" fmla="*/ 4881089 w 5047481"/>
-              <a:gd name="connsiteY2" fmla="*/ 6843664 h 6915258"/>
-              <a:gd name="connsiteX3" fmla="*/ 4705665 w 5047481"/>
-              <a:gd name="connsiteY3" fmla="*/ 750439 h 6915258"/>
-              <a:gd name="connsiteX4" fmla="*/ 107592 w 5047481"/>
-              <a:gd name="connsiteY4" fmla="*/ 143128 h 6915258"/>
-              <a:gd name="connsiteX5" fmla="*/ 0 w 5047481"/>
-              <a:gd name="connsiteY5" fmla="*/ 0 h 6915258"/>
-            </a:gdLst>
-            <a:ahLst/>
-            <a:cxnLst>
-              <a:cxn ang="0">
-                <a:pos x="connsiteX0" y="connsiteY0"/>
-              </a:cxn>
-              <a:cxn ang="0">
-                <a:pos x="connsiteX1" y="connsiteY1"/>
-              </a:cxn>
-              <a:cxn ang="0">
-                <a:pos x="connsiteX2" y="connsiteY2"/>
-              </a:cxn>
-              <a:cxn ang="0">
-                <a:pos x="connsiteX3" y="connsiteY3"/>
-              </a:cxn>
-              <a:cxn ang="0">
-                <a:pos x="connsiteX4" y="connsiteY4"/>
-              </a:cxn>
-              <a:cxn ang="0">
-                <a:pos x="connsiteX5" y="connsiteY5"/>
-              </a:cxn>
-            </a:cxnLst>
-            <a:rect l="l" t="t" r="r" b="b"/>
-            <a:pathLst>
-              <a:path w="5047481" h="6915258">
-                <a:moveTo>
-                  <a:pt x="4995009" y="6915258"/>
-                </a:moveTo>
-                <a:lnTo>
-                  <a:pt x="4968339" y="6900018"/>
-                </a:lnTo>
-                <a:lnTo>
-                  <a:pt x="4881089" y="6843664"/>
-                </a:lnTo>
-                <a:cubicBezTo>
-                  <a:pt x="3776291" y="5767009"/>
-                  <a:pt x="5813542" y="2039756"/>
-                  <a:pt x="4705665" y="750439"/>
-                </a:cubicBezTo>
-                <a:cubicBezTo>
-                  <a:pt x="3720820" y="-395678"/>
-                  <a:pt x="1362200" y="1673555"/>
-                  <a:pt x="107592" y="143128"/>
-                </a:cubicBezTo>
-                <a:cubicBezTo>
-                  <a:pt x="84533" y="114915"/>
-                  <a:pt x="45825" y="66862"/>
-                  <a:pt x="0" y="0"/>
-                </a:cubicBezTo>
-              </a:path>
-            </a:pathLst>
-          </a:custGeom>
-          <a:noFill/>
-          <a:ln w="60325" cap="flat">
-            <a:solidFill>
-              <a:schemeClr val="accent1">
-                <a:alpha val="50000"/>
-              </a:schemeClr>
-            </a:solidFill>
-            <a:prstDash val="solid"/>
-            <a:miter/>
-          </a:ln>
-        </p:spPr>
-        <p:txBody>
-          <a:bodyPr rot="0" spcFirstLastPara="0" vertOverflow="overflow" horzOverflow="overflow" vert="horz" wrap="square" lIns="91440" tIns="45720" rIns="91440" bIns="45720" numCol="1" spcCol="0" rtlCol="0" fromWordArt="0" anchor="ctr" anchorCtr="0" forceAA="0" compatLnSpc="1">
-            <a:prstTxWarp prst="textNoShape">
-              <a:avLst/>
-            </a:prstTxWarp>
-            <a:noAutofit/>
-          </a:bodyPr>
-          <a:lstStyle/>
-          <a:p>
-            <a:pPr lvl="0"/>
-            <a:endParaRPr lang="en-US" dirty="0">
-              <a:solidFill>
-                <a:schemeClr val="tx1"/>
-              </a:solidFill>
-            </a:endParaRPr>
-          </a:p>
-        </p:txBody>
-      </p:sp>
-      <p:sp>
-        <p:nvSpPr>
-          <p:cNvPr id="20" name="Title 1">
-            <a:extLst>
-              <a:ext uri="{FF2B5EF4-FFF2-40B4-BE49-F238E27FC236}">
-                <a16:creationId xmlns:a16="http://schemas.microsoft.com/office/drawing/2014/main" id="{20AE86F9-DD66-DE05-383C-6220D559B0DF}"/>
-              </a:ext>
-            </a:extLst>
-          </p:cNvPr>
-          <p:cNvSpPr>
-            <a:spLocks noGrp="1"/>
-          </p:cNvSpPr>
-          <p:nvPr userDrawn="1">
-            <p:ph type="title" hasCustomPrompt="1"/>
-          </p:nvPr>
-        </p:nvSpPr>
-        <p:spPr>
-          <a:xfrm>
-            <a:off x="914400" y="914400"/>
-            <a:ext cx="10360152" cy="914400"/>
-          </a:xfrm>
-        </p:spPr>
-        <p:txBody>
-          <a:bodyPr anchor="b" anchorCtr="0"/>
-          <a:lstStyle>
-            <a:lvl1pPr>
-              <a:defRPr sz="3200"/>
-            </a:lvl1pPr>
-          </a:lstStyle>
-          <a:p>
-            <a:r>
-              <a:rPr lang="en-US" dirty="0"/>
-              <a:t>click to add title</a:t>
-            </a:r>
-          </a:p>
-        </p:txBody>
-      </p:sp>
-      <p:sp>
-        <p:nvSpPr>
-          <p:cNvPr id="6" name="Content Placeholder 6">
-            <a:extLst>
-              <a:ext uri="{FF2B5EF4-FFF2-40B4-BE49-F238E27FC236}">
-                <a16:creationId xmlns:a16="http://schemas.microsoft.com/office/drawing/2014/main" id="{1B0F4867-5345-BF6B-3402-DEEC3D2DDF90}"/>
-              </a:ext>
-            </a:extLst>
-          </p:cNvPr>
-          <p:cNvSpPr>
-            <a:spLocks noGrp="1"/>
-          </p:cNvSpPr>
-          <p:nvPr>
-            <p:ph sz="quarter" idx="13"/>
-          </p:nvPr>
-        </p:nvSpPr>
-        <p:spPr>
-          <a:xfrm>
-            <a:off x="914399" y="2039111"/>
-            <a:ext cx="6729984" cy="3840480"/>
-          </a:xfrm>
-        </p:spPr>
-        <p:txBody>
-          <a:bodyPr>
-            <a:normAutofit/>
-          </a:bodyPr>
-          <a:lstStyle>
-            <a:lvl1pPr marL="228600" indent="-228600">
-              <a:buFont typeface="Courier New" panose="02070309020205020404" pitchFamily="49" charset="0"/>
-              <a:buChar char="o"/>
-              <a:defRPr sz="2000" cap="all" baseline="0"/>
-            </a:lvl1pPr>
-            <a:lvl2pPr marL="685800" indent="-228600">
-              <a:spcBef>
-                <a:spcPts val="1000"/>
-              </a:spcBef>
-              <a:buFont typeface="Courier New" panose="02070309020205020404" pitchFamily="49" charset="0"/>
-              <a:buChar char="o"/>
-              <a:defRPr sz="2000"/>
-            </a:lvl2pPr>
-            <a:lvl3pPr marL="1143000" indent="-228600">
-              <a:spcBef>
-                <a:spcPts val="1000"/>
-              </a:spcBef>
-              <a:buFont typeface="Courier New" panose="02070309020205020404" pitchFamily="49" charset="0"/>
-              <a:buChar char="o"/>
-              <a:defRPr sz="2000"/>
-            </a:lvl3pPr>
-            <a:lvl4pPr marL="1600200" indent="-228600">
-              <a:spcBef>
-                <a:spcPts val="1000"/>
-              </a:spcBef>
-              <a:buFont typeface="Courier New" panose="02070309020205020404" pitchFamily="49" charset="0"/>
-              <a:buChar char="o"/>
-              <a:defRPr sz="2000"/>
-            </a:lvl4pPr>
-            <a:lvl5pPr marL="2057400" indent="-228600">
-              <a:spcBef>
-                <a:spcPts val="1000"/>
-              </a:spcBef>
-              <a:buFont typeface="Courier New" panose="02070309020205020404" pitchFamily="49" charset="0"/>
-              <a:buChar char="o"/>
-              <a:defRPr sz="2000"/>
-            </a:lvl5pPr>
-          </a:lstStyle>
-          <a:p>
-            <a:pPr lvl="0"/>
-            <a:r>
-              <a:rPr lang="en-US"/>
-              <a:t>Click to edit Master text styles</a:t>
-            </a:r>
-          </a:p>
-          <a:p>
-            <a:pPr lvl="1"/>
-            <a:r>
-              <a:rPr lang="en-US"/>
-              <a:t>Second level</a:t>
-            </a:r>
-          </a:p>
-          <a:p>
-            <a:pPr lvl="2"/>
-            <a:r>
-              <a:rPr lang="en-US"/>
-              <a:t>Third level</a:t>
-            </a:r>
-          </a:p>
-          <a:p>
-            <a:pPr lvl="3"/>
-            <a:r>
-              <a:rPr lang="en-US"/>
-              <a:t>Fourth level</a:t>
-            </a:r>
-          </a:p>
-          <a:p>
-            <a:pPr lvl="4"/>
-            <a:r>
-              <a:rPr lang="en-US"/>
-              <a:t>Fifth level</a:t>
-            </a:r>
-            <a:endParaRPr lang="en-US" dirty="0"/>
-          </a:p>
-        </p:txBody>
-      </p:sp>
-      <p:sp>
-        <p:nvSpPr>
-          <p:cNvPr id="2" name="Content Placeholder 6">
-            <a:extLst>
-              <a:ext uri="{FF2B5EF4-FFF2-40B4-BE49-F238E27FC236}">
-                <a16:creationId xmlns:a16="http://schemas.microsoft.com/office/drawing/2014/main" id="{B693A8C2-EDAB-3C2B-00D3-3B9F9D64ACDC}"/>
-              </a:ext>
-            </a:extLst>
-          </p:cNvPr>
-          <p:cNvSpPr>
-            <a:spLocks noGrp="1"/>
-          </p:cNvSpPr>
-          <p:nvPr>
-            <p:ph sz="quarter" idx="12"/>
-          </p:nvPr>
-        </p:nvSpPr>
-        <p:spPr>
-          <a:xfrm>
-            <a:off x="8113472" y="2039111"/>
-            <a:ext cx="3163824" cy="3840480"/>
-          </a:xfrm>
-        </p:spPr>
-        <p:txBody>
-          <a:bodyPr>
-            <a:normAutofit/>
-          </a:bodyPr>
-          <a:lstStyle>
-            <a:lvl1pPr marL="0" indent="0">
-              <a:buNone/>
-              <a:defRPr sz="2000"/>
-            </a:lvl1pPr>
-            <a:lvl2pPr marL="228600" indent="-228600">
-              <a:spcBef>
-                <a:spcPts val="1000"/>
-              </a:spcBef>
-              <a:buFont typeface="Courier New" panose="02070309020205020404" pitchFamily="49" charset="0"/>
-              <a:buChar char="o"/>
-              <a:defRPr sz="2000"/>
-            </a:lvl2pPr>
-            <a:lvl3pPr marL="685800" indent="-228600">
-              <a:spcBef>
-                <a:spcPts val="1000"/>
-              </a:spcBef>
-              <a:buFont typeface="Courier New" panose="02070309020205020404" pitchFamily="49" charset="0"/>
-              <a:buChar char="o"/>
-              <a:defRPr sz="2000"/>
-            </a:lvl3pPr>
-            <a:lvl4pPr marL="1143000" indent="-228600">
-              <a:spcBef>
-                <a:spcPts val="1000"/>
-              </a:spcBef>
-              <a:buFont typeface="Courier New" panose="02070309020205020404" pitchFamily="49" charset="0"/>
-              <a:buChar char="o"/>
-              <a:defRPr sz="2000"/>
-            </a:lvl4pPr>
-            <a:lvl5pPr marL="1600200" indent="-228600">
-              <a:spcBef>
-                <a:spcPts val="1000"/>
-              </a:spcBef>
-              <a:buFont typeface="Courier New" panose="02070309020205020404" pitchFamily="49" charset="0"/>
-              <a:buChar char="o"/>
-              <a:defRPr sz="2000"/>
-            </a:lvl5pPr>
-          </a:lstStyle>
-          <a:p>
-            <a:pPr lvl="0"/>
-            <a:r>
-              <a:rPr lang="en-US"/>
-              <a:t>Click to edit Master text styles</a:t>
-            </a:r>
-          </a:p>
-          <a:p>
-            <a:pPr lvl="1"/>
-            <a:r>
-              <a:rPr lang="en-US"/>
-              <a:t>Second level</a:t>
-            </a:r>
-          </a:p>
-          <a:p>
-            <a:pPr lvl="2"/>
-            <a:r>
-              <a:rPr lang="en-US"/>
-              <a:t>Third level</a:t>
-            </a:r>
-          </a:p>
-          <a:p>
-            <a:pPr lvl="3"/>
-            <a:r>
-              <a:rPr lang="en-US"/>
-              <a:t>Fourth level</a:t>
-            </a:r>
-          </a:p>
-          <a:p>
-            <a:pPr lvl="4"/>
-            <a:r>
-              <a:rPr lang="en-US"/>
-              <a:t>Fifth level</a:t>
-            </a:r>
-            <a:endParaRPr lang="en-US" dirty="0"/>
-          </a:p>
-        </p:txBody>
-      </p:sp>
-      <p:sp>
-        <p:nvSpPr>
-          <p:cNvPr id="4" name="Slide Number Placeholder 5">
-            <a:extLst>
-              <a:ext uri="{FF2B5EF4-FFF2-40B4-BE49-F238E27FC236}">
-                <a16:creationId xmlns:a16="http://schemas.microsoft.com/office/drawing/2014/main" id="{4CE52DCD-6B80-A17A-B12C-76D628BAF304}"/>
-              </a:ext>
-            </a:extLst>
-          </p:cNvPr>
-          <p:cNvSpPr>
-            <a:spLocks noGrp="1"/>
-          </p:cNvSpPr>
-          <p:nvPr userDrawn="1">
-            <p:ph type="sldNum" sz="quarter" idx="4"/>
-          </p:nvPr>
-        </p:nvSpPr>
-        <p:spPr>
-          <a:xfrm>
-            <a:off x="11353800" y="5879804"/>
-            <a:ext cx="661416" cy="895899"/>
-          </a:xfrm>
-          <a:prstGeom prst="rect">
-            <a:avLst/>
-          </a:prstGeom>
-        </p:spPr>
-        <p:txBody>
-          <a:bodyPr vert="horz" lIns="91440" tIns="45720" rIns="91440" bIns="45720" rtlCol="0" anchor="ctr"/>
-          <a:lstStyle>
-            <a:lvl1pPr algn="ctr">
-              <a:defRPr sz="2400" b="0" i="0">
-                <a:solidFill>
-                  <a:schemeClr val="tx1"/>
-                </a:solidFill>
-                <a:latin typeface="Sagona Book" panose="02020503050505020204" pitchFamily="18" charset="0"/>
-              </a:defRPr>
-            </a:lvl1pPr>
-          </a:lstStyle>
-          <a:p>
-            <a:fld id="{58FB4751-880F-D840-AAA9-3A15815CC996}" type="slidenum">
-              <a:rPr lang="en-US" smtClean="0"/>
-              <a:pPr/>
-              <a:t>‹#›</a:t>
-            </a:fld>
-            <a:endParaRPr lang="en-US" dirty="0"/>
-          </a:p>
-        </p:txBody>
-      </p:sp>
-    </p:spTree>
-    <p:extLst>
-      <p:ext uri="{BB962C8B-B14F-4D97-AF65-F5344CB8AC3E}">
-        <p14:creationId xmlns:p14="http://schemas.microsoft.com/office/powerpoint/2010/main" val="3358203498"/>
-      </p:ext>
-    </p:extLst>
-  </p:cSld>
-  <p:clrMapOvr>
-    <a:masterClrMapping/>
-  </p:clrMapOvr>
-  <p:extLst>
-    <p:ext uri="{DCECCB84-F9BA-43D5-87BE-67443E8EF086}">
-      <p15:sldGuideLst xmlns:p15="http://schemas.microsoft.com/office/powerpoint/2012/main">
-        <p15:guide id="1" orient="horz" pos="3984">
-          <p15:clr>
-            <a:srgbClr val="FBAE40"/>
-          </p15:clr>
-        </p15:guide>
-        <p15:guide id="2" pos="7272">
-          <p15:clr>
-            <a:srgbClr val="FBAE40"/>
-          </p15:clr>
-        </p15:guide>
-        <p15:guide id="3" pos="408">
-          <p15:clr>
-            <a:srgbClr val="FBAE40"/>
-          </p15:clr>
-        </p15:guide>
-        <p15:guide id="4" orient="horz" pos="504">
-          <p15:clr>
-            <a:srgbClr val="FBAE40"/>
-          </p15:clr>
-        </p15:guide>
-      </p15:sldGuideLst>
-    </p:ext>
-  </p:extLst>
-</p:sldLayout>
-</file>
-
-<file path=ppt/slideLayouts/slideLayout22.xml><?xml version="1.0" encoding="utf-8"?>
-<p:sldLayout xmlns:a="http://schemas.openxmlformats.org/drawingml/2006/main" xmlns:r="http://schemas.openxmlformats.org/officeDocument/2006/relationships" xmlns:p="http://schemas.openxmlformats.org/presentationml/2006/main" userDrawn="1">
-  <p:cSld name="Title and Content 5">
-    <p:bg>
-      <p:bgPr>
-        <a:solidFill>
-          <a:schemeClr val="bg2"/>
-        </a:solidFill>
-        <a:effectLst/>
-      </p:bgPr>
-    </p:bg>
-    <p:spTree>
-      <p:nvGrpSpPr>
-        <p:cNvPr id="1" name=""/>
-        <p:cNvGrpSpPr/>
-        <p:nvPr/>
-      </p:nvGrpSpPr>
-      <p:grpSpPr>
-        <a:xfrm>
-          <a:off x="0" y="0"/>
-          <a:ext cx="0" cy="0"/>
-          <a:chOff x="0" y="0"/>
-          <a:chExt cx="0" cy="0"/>
-        </a:xfrm>
-      </p:grpSpPr>
-      <p:sp>
-        <p:nvSpPr>
-          <p:cNvPr id="6" name="Freeform 5">
-            <a:extLst>
-              <a:ext uri="{FF2B5EF4-FFF2-40B4-BE49-F238E27FC236}">
-                <a16:creationId xmlns:a16="http://schemas.microsoft.com/office/drawing/2014/main" id="{CADEA8BB-3550-ABDA-99A6-455084D5D432}"/>
-              </a:ext>
-              <a:ext uri="{C183D7F6-B498-43B3-948B-1728B52AA6E4}">
-                <adec:decorative xmlns:adec="http://schemas.microsoft.com/office/drawing/2017/decorative" val="1"/>
-              </a:ext>
-            </a:extLst>
-          </p:cNvPr>
-          <p:cNvSpPr>
-            <a:spLocks/>
-          </p:cNvSpPr>
-          <p:nvPr userDrawn="1"/>
-        </p:nvSpPr>
-        <p:spPr>
-          <a:xfrm>
-            <a:off x="0" y="3271424"/>
-            <a:ext cx="12192000" cy="3586577"/>
-          </a:xfrm>
-          <a:custGeom>
-            <a:avLst/>
-            <a:gdLst>
-              <a:gd name="connsiteX0" fmla="*/ 1849560 w 12192000"/>
-              <a:gd name="connsiteY0" fmla="*/ 803 h 3586577"/>
-              <a:gd name="connsiteX1" fmla="*/ 2779308 w 12192000"/>
-              <a:gd name="connsiteY1" fmla="*/ 191654 h 3586577"/>
-              <a:gd name="connsiteX2" fmla="*/ 3529993 w 12192000"/>
-              <a:gd name="connsiteY2" fmla="*/ 614650 h 3586577"/>
-              <a:gd name="connsiteX3" fmla="*/ 5271921 w 12192000"/>
-              <a:gd name="connsiteY3" fmla="*/ 1300408 h 3586577"/>
-              <a:gd name="connsiteX4" fmla="*/ 6940105 w 12192000"/>
-              <a:gd name="connsiteY4" fmla="*/ 1192018 h 3586577"/>
-              <a:gd name="connsiteX5" fmla="*/ 8301823 w 12192000"/>
-              <a:gd name="connsiteY5" fmla="*/ 780730 h 3586577"/>
-              <a:gd name="connsiteX6" fmla="*/ 12120288 w 12192000"/>
-              <a:gd name="connsiteY6" fmla="*/ 561429 h 3586577"/>
-              <a:gd name="connsiteX7" fmla="*/ 12192000 w 12192000"/>
-              <a:gd name="connsiteY7" fmla="*/ 591187 h 3586577"/>
-              <a:gd name="connsiteX8" fmla="*/ 12192000 w 12192000"/>
-              <a:gd name="connsiteY8" fmla="*/ 3586577 h 3586577"/>
-              <a:gd name="connsiteX9" fmla="*/ 0 w 12192000"/>
-              <a:gd name="connsiteY9" fmla="*/ 3586577 h 3586577"/>
-              <a:gd name="connsiteX10" fmla="*/ 0 w 12192000"/>
-              <a:gd name="connsiteY10" fmla="*/ 671712 h 3586577"/>
-              <a:gd name="connsiteX11" fmla="*/ 66994 w 12192000"/>
-              <a:gd name="connsiteY11" fmla="*/ 616810 h 3586577"/>
-              <a:gd name="connsiteX12" fmla="*/ 314608 w 12192000"/>
-              <a:gd name="connsiteY12" fmla="*/ 447849 h 3586577"/>
-              <a:gd name="connsiteX13" fmla="*/ 1849560 w 12192000"/>
-              <a:gd name="connsiteY13" fmla="*/ 803 h 3586577"/>
-            </a:gdLst>
-            <a:ahLst/>
-            <a:cxnLst>
-              <a:cxn ang="0">
-                <a:pos x="connsiteX0" y="connsiteY0"/>
-              </a:cxn>
-              <a:cxn ang="0">
-                <a:pos x="connsiteX1" y="connsiteY1"/>
-              </a:cxn>
-              <a:cxn ang="0">
-                <a:pos x="connsiteX2" y="connsiteY2"/>
-              </a:cxn>
-              <a:cxn ang="0">
-                <a:pos x="connsiteX3" y="connsiteY3"/>
-              </a:cxn>
-              <a:cxn ang="0">
-                <a:pos x="connsiteX4" y="connsiteY4"/>
-              </a:cxn>
-              <a:cxn ang="0">
-                <a:pos x="connsiteX5" y="connsiteY5"/>
-              </a:cxn>
-              <a:cxn ang="0">
-                <a:pos x="connsiteX6" y="connsiteY6"/>
-              </a:cxn>
-              <a:cxn ang="0">
-                <a:pos x="connsiteX7" y="connsiteY7"/>
-              </a:cxn>
-              <a:cxn ang="0">
-                <a:pos x="connsiteX8" y="connsiteY8"/>
-              </a:cxn>
-              <a:cxn ang="0">
-                <a:pos x="connsiteX9" y="connsiteY9"/>
-              </a:cxn>
-              <a:cxn ang="0">
-                <a:pos x="connsiteX10" y="connsiteY10"/>
-              </a:cxn>
-              <a:cxn ang="0">
-                <a:pos x="connsiteX11" y="connsiteY11"/>
-              </a:cxn>
-              <a:cxn ang="0">
-                <a:pos x="connsiteX12" y="connsiteY12"/>
-              </a:cxn>
-              <a:cxn ang="0">
-                <a:pos x="connsiteX13" y="connsiteY13"/>
-              </a:cxn>
-            </a:cxnLst>
-            <a:rect l="l" t="t" r="r" b="b"/>
-            <a:pathLst>
-              <a:path w="12192000" h="3586577">
-                <a:moveTo>
-                  <a:pt x="1849560" y="803"/>
-                </a:moveTo>
-                <a:cubicBezTo>
-                  <a:pt x="2158708" y="8598"/>
-                  <a:pt x="2468821" y="73153"/>
-                  <a:pt x="2779308" y="191654"/>
-                </a:cubicBezTo>
-                <a:cubicBezTo>
-                  <a:pt x="3056080" y="297323"/>
-                  <a:pt x="3289358" y="460148"/>
-                  <a:pt x="3529993" y="614650"/>
-                </a:cubicBezTo>
-                <a:cubicBezTo>
-                  <a:pt x="4050027" y="948769"/>
-                  <a:pt x="4615367" y="1204778"/>
-                  <a:pt x="5271921" y="1300408"/>
-                </a:cubicBezTo>
-                <a:cubicBezTo>
-                  <a:pt x="5824636" y="1381128"/>
-                  <a:pt x="6381038" y="1326165"/>
-                  <a:pt x="6940105" y="1192018"/>
-                </a:cubicBezTo>
-                <a:cubicBezTo>
-                  <a:pt x="7564423" y="1042204"/>
-                  <a:pt x="7924583" y="909418"/>
-                  <a:pt x="8301823" y="780730"/>
-                </a:cubicBezTo>
-                <a:cubicBezTo>
-                  <a:pt x="8668653" y="655543"/>
-                  <a:pt x="10619014" y="-9633"/>
-                  <a:pt x="12120288" y="561429"/>
-                </a:cubicBezTo>
-                <a:lnTo>
-                  <a:pt x="12192000" y="591187"/>
-                </a:lnTo>
-                <a:lnTo>
-                  <a:pt x="12192000" y="3586577"/>
-                </a:lnTo>
-                <a:lnTo>
-                  <a:pt x="0" y="3586577"/>
-                </a:lnTo>
-                <a:lnTo>
-                  <a:pt x="0" y="671712"/>
-                </a:lnTo>
-                <a:lnTo>
-                  <a:pt x="66994" y="616810"/>
-                </a:lnTo>
-                <a:cubicBezTo>
-                  <a:pt x="145598" y="557990"/>
-                  <a:pt x="228102" y="501632"/>
-                  <a:pt x="314608" y="447849"/>
-                </a:cubicBezTo>
-                <a:cubicBezTo>
-                  <a:pt x="821750" y="132484"/>
-                  <a:pt x="1334314" y="-12190"/>
-                  <a:pt x="1849560" y="803"/>
-                </a:cubicBezTo>
-                <a:close/>
-              </a:path>
-            </a:pathLst>
-          </a:custGeom>
-          <a:solidFill>
-            <a:schemeClr val="accent4">
-              <a:alpha val="50000"/>
-            </a:schemeClr>
-          </a:solidFill>
-          <a:ln w="5232" cap="flat">
-            <a:noFill/>
-            <a:prstDash val="solid"/>
-            <a:miter/>
-          </a:ln>
-        </p:spPr>
-        <p:txBody>
-          <a:bodyPr rot="0" spcFirstLastPara="0" vertOverflow="overflow" horzOverflow="overflow" vert="horz" wrap="square" lIns="91440" tIns="45720" rIns="91440" bIns="45720" numCol="1" spcCol="0" rtlCol="0" fromWordArt="0" anchor="ctr" anchorCtr="0" forceAA="0" compatLnSpc="1">
-            <a:prstTxWarp prst="textNoShape">
-              <a:avLst/>
-            </a:prstTxWarp>
-            <a:noAutofit/>
-          </a:bodyPr>
-          <a:lstStyle/>
-          <a:p>
-            <a:pPr lvl="0"/>
-            <a:endParaRPr lang="en-US" dirty="0">
-              <a:solidFill>
-                <a:schemeClr val="tx1"/>
-              </a:solidFill>
-            </a:endParaRPr>
-          </a:p>
-        </p:txBody>
-      </p:sp>
-      <p:sp>
-        <p:nvSpPr>
-          <p:cNvPr id="18" name="Freeform: Shape 17">
-            <a:extLst>
-              <a:ext uri="{FF2B5EF4-FFF2-40B4-BE49-F238E27FC236}">
-                <a16:creationId xmlns:a16="http://schemas.microsoft.com/office/drawing/2014/main" id="{F0A8F0DB-3D3D-DC0F-84AC-4386B58AD6E5}"/>
-              </a:ext>
-              <a:ext uri="{C183D7F6-B498-43B3-948B-1728B52AA6E4}">
-                <adec:decorative xmlns:adec="http://schemas.microsoft.com/office/drawing/2017/decorative" val="1"/>
-              </a:ext>
-            </a:extLst>
-          </p:cNvPr>
-          <p:cNvSpPr>
-            <a:spLocks/>
-          </p:cNvSpPr>
-          <p:nvPr userDrawn="1"/>
-        </p:nvSpPr>
-        <p:spPr>
-          <a:xfrm>
-            <a:off x="5591140" y="1"/>
-            <a:ext cx="5362677" cy="590065"/>
-          </a:xfrm>
-          <a:custGeom>
-            <a:avLst/>
-            <a:gdLst>
-              <a:gd name="connsiteX0" fmla="*/ 0 w 5362677"/>
-              <a:gd name="connsiteY0" fmla="*/ 0 h 590065"/>
-              <a:gd name="connsiteX1" fmla="*/ 5362677 w 5362677"/>
-              <a:gd name="connsiteY1" fmla="*/ 0 h 590065"/>
-              <a:gd name="connsiteX2" fmla="*/ 5169991 w 5362677"/>
-              <a:gd name="connsiteY2" fmla="*/ 69942 h 590065"/>
-              <a:gd name="connsiteX3" fmla="*/ 2860400 w 5362677"/>
-              <a:gd name="connsiteY3" fmla="*/ 564669 h 590065"/>
-              <a:gd name="connsiteX4" fmla="*/ 85760 w 5362677"/>
-              <a:gd name="connsiteY4" fmla="*/ 60567 h 590065"/>
-            </a:gdLst>
-            <a:ahLst/>
-            <a:cxnLst>
-              <a:cxn ang="0">
-                <a:pos x="connsiteX0" y="connsiteY0"/>
-              </a:cxn>
-              <a:cxn ang="0">
-                <a:pos x="connsiteX1" y="connsiteY1"/>
-              </a:cxn>
-              <a:cxn ang="0">
-                <a:pos x="connsiteX2" y="connsiteY2"/>
-              </a:cxn>
-              <a:cxn ang="0">
-                <a:pos x="connsiteX3" y="connsiteY3"/>
-              </a:cxn>
-              <a:cxn ang="0">
-                <a:pos x="connsiteX4" y="connsiteY4"/>
-              </a:cxn>
-            </a:cxnLst>
-            <a:rect l="l" t="t" r="r" b="b"/>
-            <a:pathLst>
-              <a:path w="5362677" h="590065">
-                <a:moveTo>
-                  <a:pt x="0" y="0"/>
-                </a:moveTo>
-                <a:lnTo>
-                  <a:pt x="5362677" y="0"/>
-                </a:lnTo>
-                <a:lnTo>
-                  <a:pt x="5169991" y="69942"/>
-                </a:lnTo>
-                <a:cubicBezTo>
-                  <a:pt x="4068113" y="454981"/>
-                  <a:pt x="3200546" y="538854"/>
-                  <a:pt x="2860400" y="564669"/>
-                </a:cubicBezTo>
-                <a:cubicBezTo>
-                  <a:pt x="1318014" y="681954"/>
-                  <a:pt x="547573" y="372284"/>
-                  <a:pt x="85760" y="60567"/>
-                </a:cubicBezTo>
-                <a:close/>
-              </a:path>
-            </a:pathLst>
-          </a:custGeom>
-          <a:solidFill>
-            <a:schemeClr val="accent2">
-              <a:alpha val="60000"/>
-            </a:schemeClr>
-          </a:solidFill>
-          <a:ln w="4492" cap="flat">
-            <a:noFill/>
-            <a:prstDash val="solid"/>
-            <a:miter/>
-          </a:ln>
-        </p:spPr>
-        <p:txBody>
-          <a:bodyPr rot="0" spcFirstLastPara="0" vertOverflow="overflow" horzOverflow="overflow" vert="horz" wrap="square" lIns="91440" tIns="45720" rIns="91440" bIns="45720" numCol="1" spcCol="0" rtlCol="0" fromWordArt="0" anchor="ctr" anchorCtr="0" forceAA="0" compatLnSpc="1">
-            <a:prstTxWarp prst="textNoShape">
-              <a:avLst/>
-            </a:prstTxWarp>
-            <a:noAutofit/>
-          </a:bodyPr>
-          <a:lstStyle/>
-          <a:p>
-            <a:pPr lvl="0"/>
-            <a:endParaRPr lang="en-US" dirty="0">
-              <a:solidFill>
-                <a:schemeClr val="tx1"/>
-              </a:solidFill>
-            </a:endParaRPr>
-          </a:p>
-        </p:txBody>
-      </p:sp>
-      <p:sp>
-        <p:nvSpPr>
-          <p:cNvPr id="45" name="Title 1">
-            <a:extLst>
-              <a:ext uri="{FF2B5EF4-FFF2-40B4-BE49-F238E27FC236}">
-                <a16:creationId xmlns:a16="http://schemas.microsoft.com/office/drawing/2014/main" id="{FDA50B04-DEA5-DCCF-0DAD-0D3B122FD652}"/>
-              </a:ext>
-            </a:extLst>
-          </p:cNvPr>
-          <p:cNvSpPr>
-            <a:spLocks noGrp="1"/>
-          </p:cNvSpPr>
-          <p:nvPr userDrawn="1">
-            <p:ph type="title" hasCustomPrompt="1"/>
-          </p:nvPr>
-        </p:nvSpPr>
-        <p:spPr>
-          <a:xfrm>
-            <a:off x="914400" y="914400"/>
-            <a:ext cx="10360152" cy="914400"/>
-          </a:xfrm>
-        </p:spPr>
-        <p:txBody>
-          <a:bodyPr anchor="b" anchorCtr="0"/>
-          <a:lstStyle>
-            <a:lvl1pPr>
-              <a:defRPr sz="3200"/>
-            </a:lvl1pPr>
-          </a:lstStyle>
-          <a:p>
-            <a:r>
-              <a:rPr lang="en-US" dirty="0"/>
-              <a:t>click to add title</a:t>
-            </a:r>
-          </a:p>
-        </p:txBody>
-      </p:sp>
-      <p:sp>
-        <p:nvSpPr>
-          <p:cNvPr id="7" name="Table Placeholder 4">
-            <a:extLst>
-              <a:ext uri="{FF2B5EF4-FFF2-40B4-BE49-F238E27FC236}">
-                <a16:creationId xmlns:a16="http://schemas.microsoft.com/office/drawing/2014/main" id="{A8715227-A125-7CA3-B8F5-9D5894E8C981}"/>
-              </a:ext>
-            </a:extLst>
-          </p:cNvPr>
-          <p:cNvSpPr>
-            <a:spLocks noGrp="1"/>
-          </p:cNvSpPr>
-          <p:nvPr>
-            <p:ph type="tbl" sz="quarter" idx="14"/>
-          </p:nvPr>
-        </p:nvSpPr>
-        <p:spPr>
-          <a:xfrm>
-            <a:off x="914400" y="2039111"/>
-            <a:ext cx="10360025" cy="3374136"/>
-          </a:xfrm>
-        </p:spPr>
-        <p:txBody>
-          <a:bodyPr/>
-          <a:lstStyle/>
-          <a:p>
-            <a:r>
-              <a:rPr lang="en-US"/>
-              <a:t>Click icon to add table</a:t>
-            </a:r>
-          </a:p>
-        </p:txBody>
-      </p:sp>
-      <p:sp>
-        <p:nvSpPr>
-          <p:cNvPr id="3" name="Slide Number Placeholder 5">
-            <a:extLst>
-              <a:ext uri="{FF2B5EF4-FFF2-40B4-BE49-F238E27FC236}">
-                <a16:creationId xmlns:a16="http://schemas.microsoft.com/office/drawing/2014/main" id="{CEC2E35B-5EFD-B330-984C-15A012C90B8A}"/>
-              </a:ext>
-            </a:extLst>
-          </p:cNvPr>
-          <p:cNvSpPr>
-            <a:spLocks noGrp="1"/>
-          </p:cNvSpPr>
-          <p:nvPr userDrawn="1">
-            <p:ph type="sldNum" sz="quarter" idx="4"/>
-          </p:nvPr>
-        </p:nvSpPr>
-        <p:spPr>
-          <a:xfrm>
-            <a:off x="11353800" y="5879804"/>
-            <a:ext cx="661416" cy="895899"/>
-          </a:xfrm>
-          <a:prstGeom prst="rect">
-            <a:avLst/>
-          </a:prstGeom>
-        </p:spPr>
-        <p:txBody>
-          <a:bodyPr vert="horz" lIns="91440" tIns="45720" rIns="91440" bIns="45720" rtlCol="0" anchor="ctr"/>
-          <a:lstStyle>
-            <a:lvl1pPr algn="ctr">
-              <a:defRPr sz="2400" b="0" i="0">
-                <a:solidFill>
-                  <a:schemeClr val="tx1"/>
-                </a:solidFill>
-                <a:latin typeface="Sagona Book" panose="02020503050505020204" pitchFamily="18" charset="0"/>
-              </a:defRPr>
-            </a:lvl1pPr>
-          </a:lstStyle>
-          <a:p>
-            <a:fld id="{58FB4751-880F-D840-AAA9-3A15815CC996}" type="slidenum">
-              <a:rPr lang="en-US" smtClean="0"/>
-              <a:pPr/>
-              <a:t>‹#›</a:t>
-            </a:fld>
-            <a:endParaRPr lang="en-US" dirty="0"/>
-          </a:p>
-        </p:txBody>
-      </p:sp>
-    </p:spTree>
-    <p:extLst>
-      <p:ext uri="{BB962C8B-B14F-4D97-AF65-F5344CB8AC3E}">
-        <p14:creationId xmlns:p14="http://schemas.microsoft.com/office/powerpoint/2010/main" val="1686133120"/>
-      </p:ext>
-    </p:extLst>
-  </p:cSld>
-  <p:clrMapOvr>
-    <a:masterClrMapping/>
-  </p:clrMapOvr>
-  <p:extLst>
-    <p:ext uri="{DCECCB84-F9BA-43D5-87BE-67443E8EF086}">
-      <p15:sldGuideLst xmlns:p15="http://schemas.microsoft.com/office/powerpoint/2012/main">
-        <p15:guide id="1" orient="horz" pos="3984">
-          <p15:clr>
-            <a:srgbClr val="FBAE40"/>
-          </p15:clr>
-        </p15:guide>
-        <p15:guide id="2" pos="7272">
-          <p15:clr>
-            <a:srgbClr val="FBAE40"/>
-          </p15:clr>
-        </p15:guide>
-        <p15:guide id="3" pos="408">
-          <p15:clr>
-            <a:srgbClr val="FBAE40"/>
-          </p15:clr>
-        </p15:guide>
-        <p15:guide id="4" orient="horz" pos="504">
-          <p15:clr>
-            <a:srgbClr val="FBAE40"/>
-          </p15:clr>
-        </p15:guide>
-      </p15:sldGuideLst>
-    </p:ext>
-  </p:extLst>
-</p:sldLayout>
-</file>
-
-<file path=ppt/slideLayouts/slideLayout23.xml><?xml version="1.0" encoding="utf-8"?>
-<p:sldLayout xmlns:a="http://schemas.openxmlformats.org/drawingml/2006/main" xmlns:r="http://schemas.openxmlformats.org/officeDocument/2006/relationships" xmlns:p="http://schemas.openxmlformats.org/presentationml/2006/main" showMasterSp="0" userDrawn="1">
   <p:cSld name="Closing">
     <p:bg>
       <p:bgPr>
@@ -24293,7 +18453,206 @@
 </p:sldLayout>
 </file>
 
-<file path=ppt/slideLayouts/slideLayout24.xml><?xml version="1.0" encoding="utf-8"?>
+<file path=ppt/slideLayouts/slideLayout2.xml><?xml version="1.0" encoding="utf-8"?>
+<p:sldLayout xmlns:a="http://schemas.openxmlformats.org/drawingml/2006/main" xmlns:r="http://schemas.openxmlformats.org/officeDocument/2006/relationships" xmlns:p="http://schemas.openxmlformats.org/presentationml/2006/main" type="obj" preserve="1">
+  <p:cSld name="Title and Content">
+    <p:spTree>
+      <p:nvGrpSpPr>
+        <p:cNvPr id="1" name=""/>
+        <p:cNvGrpSpPr/>
+        <p:nvPr/>
+      </p:nvGrpSpPr>
+      <p:grpSpPr>
+        <a:xfrm>
+          <a:off x="0" y="0"/>
+          <a:ext cx="0" cy="0"/>
+          <a:chOff x="0" y="0"/>
+          <a:chExt cx="0" cy="0"/>
+        </a:xfrm>
+      </p:grpSpPr>
+      <p:sp>
+        <p:nvSpPr>
+          <p:cNvPr id="2" name="Title 1"/>
+          <p:cNvSpPr>
+            <a:spLocks noGrp="1"/>
+          </p:cNvSpPr>
+          <p:nvPr>
+            <p:ph type="title"/>
+          </p:nvPr>
+        </p:nvSpPr>
+        <p:spPr/>
+        <p:txBody>
+          <a:bodyPr/>
+          <a:lstStyle/>
+          <a:p>
+            <a:r>
+              <a:rPr lang="en-US"/>
+              <a:t>Click to edit Master title style</a:t>
+            </a:r>
+            <a:endParaRPr lang="en-US" dirty="0"/>
+          </a:p>
+        </p:txBody>
+      </p:sp>
+      <p:sp>
+        <p:nvSpPr>
+          <p:cNvPr id="3" name="Content Placeholder 2"/>
+          <p:cNvSpPr>
+            <a:spLocks noGrp="1"/>
+          </p:cNvSpPr>
+          <p:nvPr>
+            <p:ph idx="1"/>
+          </p:nvPr>
+        </p:nvSpPr>
+        <p:spPr/>
+        <p:txBody>
+          <a:bodyPr anchor="t"/>
+          <a:lstStyle/>
+          <a:p>
+            <a:pPr lvl="0"/>
+            <a:r>
+              <a:rPr lang="en-US"/>
+              <a:t>Click to edit Master text styles</a:t>
+            </a:r>
+          </a:p>
+          <a:p>
+            <a:pPr lvl="1"/>
+            <a:r>
+              <a:rPr lang="en-US"/>
+              <a:t>Second level</a:t>
+            </a:r>
+          </a:p>
+          <a:p>
+            <a:pPr lvl="2"/>
+            <a:r>
+              <a:rPr lang="en-US"/>
+              <a:t>Third level</a:t>
+            </a:r>
+          </a:p>
+          <a:p>
+            <a:pPr lvl="3"/>
+            <a:r>
+              <a:rPr lang="en-US"/>
+              <a:t>Fourth level</a:t>
+            </a:r>
+          </a:p>
+          <a:p>
+            <a:pPr lvl="4"/>
+            <a:r>
+              <a:rPr lang="en-US"/>
+              <a:t>Fifth level</a:t>
+            </a:r>
+            <a:endParaRPr lang="en-US" dirty="0"/>
+          </a:p>
+        </p:txBody>
+      </p:sp>
+      <p:sp>
+        <p:nvSpPr>
+          <p:cNvPr id="4" name="Date Placeholder 3"/>
+          <p:cNvSpPr>
+            <a:spLocks noGrp="1"/>
+          </p:cNvSpPr>
+          <p:nvPr>
+            <p:ph type="dt" sz="half" idx="10"/>
+          </p:nvPr>
+        </p:nvSpPr>
+        <p:spPr/>
+        <p:txBody>
+          <a:bodyPr/>
+          <a:lstStyle/>
+          <a:p>
+            <a:endParaRPr lang="en-US" dirty="0"/>
+          </a:p>
+        </p:txBody>
+      </p:sp>
+      <p:sp>
+        <p:nvSpPr>
+          <p:cNvPr id="5" name="Footer Placeholder 4"/>
+          <p:cNvSpPr>
+            <a:spLocks noGrp="1"/>
+          </p:cNvSpPr>
+          <p:nvPr>
+            <p:ph type="ftr" sz="quarter" idx="11"/>
+          </p:nvPr>
+        </p:nvSpPr>
+        <p:spPr/>
+        <p:txBody>
+          <a:bodyPr/>
+          <a:lstStyle/>
+          <a:p>
+            <a:endParaRPr lang="en-US" dirty="0"/>
+          </a:p>
+        </p:txBody>
+      </p:sp>
+      <p:sp>
+        <p:nvSpPr>
+          <p:cNvPr id="6" name="Slide Number Placeholder 5"/>
+          <p:cNvSpPr>
+            <a:spLocks noGrp="1"/>
+          </p:cNvSpPr>
+          <p:nvPr>
+            <p:ph type="sldNum" sz="quarter" idx="12"/>
+          </p:nvPr>
+        </p:nvSpPr>
+        <p:spPr/>
+        <p:txBody>
+          <a:bodyPr/>
+          <a:lstStyle/>
+          <a:p>
+            <a:fld id="{58FB4751-880F-D840-AAA9-3A15815CC996}" type="slidenum">
+              <a:rPr lang="en-US" smtClean="0"/>
+              <a:pPr/>
+              <a:t>‹#›</a:t>
+            </a:fld>
+            <a:endParaRPr lang="en-US" dirty="0"/>
+          </a:p>
+        </p:txBody>
+      </p:sp>
+      <p:cxnSp>
+        <p:nvCxnSpPr>
+          <p:cNvPr id="33" name="Straight Connector 32"/>
+          <p:cNvCxnSpPr/>
+          <p:nvPr/>
+        </p:nvCxnSpPr>
+        <p:spPr>
+          <a:xfrm>
+            <a:off x="1453896" y="1847088"/>
+            <a:ext cx="9607522" cy="0"/>
+          </a:xfrm>
+          <a:prstGeom prst="line">
+            <a:avLst/>
+          </a:prstGeom>
+          <a:ln w="31750"/>
+        </p:spPr>
+        <p:style>
+          <a:lnRef idx="3">
+            <a:schemeClr val="accent1"/>
+          </a:lnRef>
+          <a:fillRef idx="0">
+            <a:schemeClr val="accent1"/>
+          </a:fillRef>
+          <a:effectRef idx="2">
+            <a:schemeClr val="accent1"/>
+          </a:effectRef>
+          <a:fontRef idx="minor">
+            <a:schemeClr val="tx1"/>
+          </a:fontRef>
+        </p:style>
+      </p:cxnSp>
+    </p:spTree>
+    <p:extLst>
+      <p:ext uri="{BB962C8B-B14F-4D97-AF65-F5344CB8AC3E}">
+        <p14:creationId xmlns:p14="http://schemas.microsoft.com/office/powerpoint/2010/main" val="3742409253"/>
+      </p:ext>
+    </p:extLst>
+  </p:cSld>
+  <p:clrMapOvr>
+    <a:masterClrMapping/>
+  </p:clrMapOvr>
+  <p:hf hdr="0" ftr="0" dt="0"/>
+</p:sldLayout>
+</file>
+
+<file path=ppt/slideLayouts/slideLayout20.xml><?xml version="1.0" encoding="utf-8"?>
 <p:sldLayout xmlns:a="http://schemas.openxmlformats.org/drawingml/2006/main" xmlns:r="http://schemas.openxmlformats.org/officeDocument/2006/relationships" xmlns:p="http://schemas.openxmlformats.org/presentationml/2006/main" preserve="1" userDrawn="1">
   <p:cSld name="1_Blank">
     <p:bg>
@@ -27162,7 +21521,7 @@
           <a:p>
             <a:fld id="{48A87A34-81AB-432B-8DAE-1953F412C126}" type="datetimeFigureOut">
               <a:rPr lang="en-US" smtClean="0"/>
-              <a:t>5/15/2025</a:t>
+              <a:t>5/16/2025</a:t>
             </a:fld>
             <a:endParaRPr lang="en-US" dirty="0"/>
           </a:p>
@@ -29678,7 +24037,7 @@
           <p:nvPr/>
         </p:nvPicPr>
         <p:blipFill rotWithShape="1">
-          <a:blip r:embed="rId26">
+          <a:blip r:embed="rId22">
             <a:extLst>
               <a:ext uri="{28A0092B-C50C-407E-A947-70E740481C1C}">
                 <a14:useLocalDpi xmlns:a14="http://schemas.microsoft.com/office/drawing/2010/main" val="0"/>
@@ -30015,12 +24374,8 @@
     <p:sldLayoutId id="2147483783" r:id="rId16"/>
     <p:sldLayoutId id="2147483784" r:id="rId17"/>
     <p:sldLayoutId id="2147483785" r:id="rId18"/>
-    <p:sldLayoutId id="2147483786" r:id="rId19"/>
-    <p:sldLayoutId id="2147483787" r:id="rId20"/>
-    <p:sldLayoutId id="2147483788" r:id="rId21"/>
-    <p:sldLayoutId id="2147483789" r:id="rId22"/>
-    <p:sldLayoutId id="2147483790" r:id="rId23"/>
-    <p:sldLayoutId id="2147483654" r:id="rId24"/>
+    <p:sldLayoutId id="2147483790" r:id="rId19"/>
+    <p:sldLayoutId id="2147483654" r:id="rId20"/>
   </p:sldLayoutIdLst>
   <p:hf hdr="0" ftr="0" dt="0"/>
   <p:txStyles>
@@ -30429,13 +24784,7 @@
     </p:bg>
     <p:spTree>
       <p:nvGrpSpPr>
-        <p:cNvPr id="1" name="">
-          <a:extLst>
-            <a:ext uri="{FF2B5EF4-FFF2-40B4-BE49-F238E27FC236}">
-              <a16:creationId xmlns:a16="http://schemas.microsoft.com/office/drawing/2014/main" id="{AE10ED15-E920-805C-39FF-47F48B8161DC}"/>
-            </a:ext>
-          </a:extLst>
-        </p:cNvPr>
+        <p:cNvPr id="1" name=""/>
         <p:cNvGrpSpPr/>
         <p:nvPr/>
       </p:nvGrpSpPr>
@@ -30452,7 +24801,7 @@
           <p:cNvPr id="11" name="Title 10">
             <a:extLst>
               <a:ext uri="{FF2B5EF4-FFF2-40B4-BE49-F238E27FC236}">
-                <a16:creationId xmlns:a16="http://schemas.microsoft.com/office/drawing/2014/main" id="{BA301D63-F456-E1CC-3D65-8B53416A6155}"/>
+                <a16:creationId xmlns:a16="http://schemas.microsoft.com/office/drawing/2014/main" id="{949404F1-8E94-7D3D-71E2-A1A4B7CBCB4A}"/>
               </a:ext>
             </a:extLst>
           </p:cNvPr>
@@ -30470,7 +24819,7 @@
           <a:p>
             <a:r>
               <a:rPr lang="en-US" sz="3200" dirty="0"/>
-              <a:t>Actual experience</a:t>
+              <a:t>Plan					Actual experience</a:t>
             </a:r>
             <a:endParaRPr lang="en-US" dirty="0"/>
           </a:p>
@@ -30481,7 +24830,7 @@
           <p:cNvPr id="14" name="Content Placeholder 13">
             <a:extLst>
               <a:ext uri="{FF2B5EF4-FFF2-40B4-BE49-F238E27FC236}">
-                <a16:creationId xmlns:a16="http://schemas.microsoft.com/office/drawing/2014/main" id="{16C207AC-598D-6B03-4B29-A45E5F4B5D17}"/>
+                <a16:creationId xmlns:a16="http://schemas.microsoft.com/office/drawing/2014/main" id="{F4A3718F-D67C-255A-4B64-BA379609FCD0}"/>
               </a:ext>
             </a:extLst>
           </p:cNvPr>
@@ -30499,36 +24848,47 @@
           <a:p>
             <a:r>
               <a:rPr lang="en-US" dirty="0"/>
-              <a:t>Effective body language enhances your message, making it more impactful and memorable:</a:t>
+              <a:t>Configure  ssh for key based log-in</a:t>
             </a:r>
           </a:p>
           <a:p>
-            <a:pPr lvl="1"/>
             <a:r>
               <a:rPr lang="en-US" dirty="0"/>
-              <a:t>Meaningful eye contact</a:t>
+              <a:t>Set file permissions for the web server</a:t>
             </a:r>
           </a:p>
           <a:p>
-            <a:pPr lvl="1"/>
             <a:r>
               <a:rPr lang="en-US" dirty="0"/>
-              <a:t>Purposeful gestures</a:t>
+              <a:t>Secure server through firewall</a:t>
             </a:r>
           </a:p>
           <a:p>
-            <a:pPr lvl="1"/>
             <a:r>
               <a:rPr lang="en-US" dirty="0"/>
-              <a:t>Maintain good posture</a:t>
+              <a:t>Cron jobs for automatic git pulls to update the website</a:t>
             </a:r>
           </a:p>
           <a:p>
-            <a:pPr lvl="1"/>
             <a:r>
               <a:rPr lang="en-US" dirty="0"/>
-              <a:t>Control your expressions</a:t>
+              <a:t>Daily backups  </a:t>
             </a:r>
+          </a:p>
+          <a:p>
+            <a:r>
+              <a:rPr lang="en-US" dirty="0" err="1"/>
+              <a:t>Systemd</a:t>
+            </a:r>
+            <a:r>
+              <a:rPr lang="en-US" dirty="0"/>
+              <a:t> vs </a:t>
+            </a:r>
+            <a:r>
+              <a:rPr lang="en-US"/>
+              <a:t>CronJobs</a:t>
+            </a:r>
+            <a:endParaRPr lang="en-US" dirty="0"/>
           </a:p>
         </p:txBody>
       </p:sp>
@@ -30537,7 +24897,7 @@
           <p:cNvPr id="17" name="Content Placeholder 16">
             <a:extLst>
               <a:ext uri="{FF2B5EF4-FFF2-40B4-BE49-F238E27FC236}">
-                <a16:creationId xmlns:a16="http://schemas.microsoft.com/office/drawing/2014/main" id="{3BADFF13-FF17-86FA-8D0E-C185E8BE4C60}"/>
+                <a16:creationId xmlns:a16="http://schemas.microsoft.com/office/drawing/2014/main" id="{2F3CEF66-C6D7-C765-24E7-1DCFB38FE51A}"/>
               </a:ext>
             </a:extLst>
           </p:cNvPr>
@@ -30551,35 +24911,65 @@
         <p:spPr/>
         <p:txBody>
           <a:bodyPr>
-            <a:normAutofit/>
+            <a:normAutofit fontScale="85000" lnSpcReduction="20000"/>
           </a:bodyPr>
           <a:lstStyle/>
           <a:p>
             <a:r>
               <a:rPr lang="en-US" dirty="0"/>
-              <a:t>This is a powerful tool in public speaking. It involves varying pitch, tone, and volume to convey emotion, emphasize points, and maintain interest:</a:t>
+              <a:t>Hosted website directly from GitHub into our DNS to check if all worked well</a:t>
             </a:r>
           </a:p>
           <a:p>
-            <a:pPr lvl="1"/>
             <a:r>
               <a:rPr lang="en-US" dirty="0"/>
-              <a:t>Pitch variation</a:t>
+              <a:t>Run into many issues with </a:t>
+            </a:r>
+            <a:r>
+              <a:rPr lang="en-US" dirty="0" err="1"/>
+              <a:t>OracleCLoudsince</a:t>
+            </a:r>
+            <a:r>
+              <a:rPr lang="en-US" dirty="0"/>
+              <a:t> we pasted our public keys at first that prevented us from logging in remotely</a:t>
             </a:r>
           </a:p>
           <a:p>
-            <a:pPr lvl="1"/>
             <a:r>
               <a:rPr lang="en-US" dirty="0"/>
-              <a:t>Tone inflection</a:t>
+              <a:t>Once fixed run into many more issues that did not give us an error message and the </a:t>
+            </a:r>
+            <a:r>
+              <a:rPr lang="en-US" dirty="0" err="1"/>
+              <a:t>ip</a:t>
+            </a:r>
+            <a:r>
+              <a:rPr lang="en-US" dirty="0"/>
+              <a:t> would not point to anything .</a:t>
             </a:r>
           </a:p>
           <a:p>
-            <a:pPr lvl="1"/>
             <a:r>
               <a:rPr lang="en-US" dirty="0"/>
-              <a:t>Volume control</a:t>
+              <a:t>We figured that the firewall was preventing proper startup</a:t>
             </a:r>
+          </a:p>
+          <a:p>
+            <a:r>
+              <a:rPr lang="en-US" dirty="0"/>
+              <a:t>We switched to a new VPS OVH cloud</a:t>
+            </a:r>
+          </a:p>
+          <a:p>
+            <a:r>
+              <a:rPr lang="en-US" dirty="0"/>
+              <a:t>Trouble at first due to school </a:t>
+            </a:r>
+            <a:r>
+              <a:rPr lang="en-US" dirty="0" err="1"/>
+              <a:t>wifi</a:t>
+            </a:r>
+            <a:endParaRPr lang="en-US" dirty="0"/>
           </a:p>
         </p:txBody>
       </p:sp>
@@ -30588,7 +24978,7 @@
           <p:cNvPr id="2" name="Slide Number Placeholder 1">
             <a:extLst>
               <a:ext uri="{FF2B5EF4-FFF2-40B4-BE49-F238E27FC236}">
-                <a16:creationId xmlns:a16="http://schemas.microsoft.com/office/drawing/2014/main" id="{ED08825D-AC08-0FAC-82C3-23A910A20C82}"/>
+                <a16:creationId xmlns:a16="http://schemas.microsoft.com/office/drawing/2014/main" id="{F35BAC3D-60A1-816B-5C79-2E8B6D9806E9}"/>
               </a:ext>
             </a:extLst>
           </p:cNvPr>
@@ -30616,7 +25006,7 @@
     </p:spTree>
     <p:extLst>
       <p:ext uri="{BB962C8B-B14F-4D97-AF65-F5344CB8AC3E}">
-        <p14:creationId xmlns:p14="http://schemas.microsoft.com/office/powerpoint/2010/main" val="4079100608"/>
+        <p14:creationId xmlns:p14="http://schemas.microsoft.com/office/powerpoint/2010/main" val="4230106960"/>
       </p:ext>
     </p:extLst>
   </p:cSld>
@@ -30998,7 +25388,46 @@
           <a:bodyPr/>
           <a:lstStyle/>
           <a:p>
-            <a:endParaRPr lang="en-US" dirty="0"/>
+            <a:pPr algn="l"/>
+            <a:r>
+              <a:rPr lang="en-US" dirty="0"/>
+              <a:t>Configuration</a:t>
+            </a:r>
+          </a:p>
+          <a:p>
+            <a:pPr algn="l"/>
+            <a:r>
+              <a:rPr lang="en-US" dirty="0"/>
+              <a:t>Firewall</a:t>
+            </a:r>
+          </a:p>
+          <a:p>
+            <a:pPr algn="l"/>
+            <a:r>
+              <a:rPr lang="en-US" dirty="0"/>
+              <a:t>SSH Connection Failure</a:t>
+            </a:r>
+          </a:p>
+          <a:p>
+            <a:pPr algn="l"/>
+            <a:r>
+              <a:rPr lang="en-US" dirty="0"/>
+              <a:t>DNs not pointing to the address</a:t>
+            </a:r>
+          </a:p>
+          <a:p>
+            <a:pPr algn="l"/>
+            <a:r>
+              <a:rPr lang="en-US" dirty="0"/>
+              <a:t>Disabling Apache</a:t>
+            </a:r>
+          </a:p>
+          <a:p>
+            <a:pPr algn="l"/>
+            <a:r>
+              <a:rPr lang="en-US" dirty="0"/>
+              <a:t>Troubleshooting</a:t>
+            </a:r>
           </a:p>
         </p:txBody>
       </p:sp>
@@ -31016,124 +25445,6 @@
 </file>
 
 <file path=ppt/slides/slide14.xml><?xml version="1.0" encoding="utf-8"?>
-<p:sld xmlns:a="http://schemas.openxmlformats.org/drawingml/2006/main" xmlns:r="http://schemas.openxmlformats.org/officeDocument/2006/relationships" xmlns:p="http://schemas.openxmlformats.org/presentationml/2006/main">
-  <p:cSld>
-    <p:spTree>
-      <p:nvGrpSpPr>
-        <p:cNvPr id="1" name=""/>
-        <p:cNvGrpSpPr/>
-        <p:nvPr/>
-      </p:nvGrpSpPr>
-      <p:grpSpPr>
-        <a:xfrm>
-          <a:off x="0" y="0"/>
-          <a:ext cx="0" cy="0"/>
-          <a:chOff x="0" y="0"/>
-          <a:chExt cx="0" cy="0"/>
-        </a:xfrm>
-      </p:grpSpPr>
-      <p:sp>
-        <p:nvSpPr>
-          <p:cNvPr id="5" name="Title 4">
-            <a:extLst>
-              <a:ext uri="{FF2B5EF4-FFF2-40B4-BE49-F238E27FC236}">
-                <a16:creationId xmlns:a16="http://schemas.microsoft.com/office/drawing/2014/main" id="{E95044F7-BD97-2FDE-4E33-A565BCF0EFEC}"/>
-              </a:ext>
-            </a:extLst>
-          </p:cNvPr>
-          <p:cNvSpPr>
-            <a:spLocks noGrp="1"/>
-          </p:cNvSpPr>
-          <p:nvPr>
-            <p:ph type="title"/>
-          </p:nvPr>
-        </p:nvSpPr>
-        <p:spPr/>
-        <p:txBody>
-          <a:bodyPr/>
-          <a:lstStyle/>
-          <a:p>
-            <a:r>
-              <a:rPr lang="en-US" sz="3200" dirty="0"/>
-              <a:t>speaking impact</a:t>
-            </a:r>
-            <a:endParaRPr lang="en-US" dirty="0"/>
-          </a:p>
-        </p:txBody>
-      </p:sp>
-      <p:sp>
-        <p:nvSpPr>
-          <p:cNvPr id="3" name="Content Placeholder 2">
-            <a:extLst>
-              <a:ext uri="{FF2B5EF4-FFF2-40B4-BE49-F238E27FC236}">
-                <a16:creationId xmlns:a16="http://schemas.microsoft.com/office/drawing/2014/main" id="{DE597F60-88E2-C430-D52B-6604405AD55C}"/>
-              </a:ext>
-            </a:extLst>
-          </p:cNvPr>
-          <p:cNvSpPr>
-            <a:spLocks noGrp="1"/>
-          </p:cNvSpPr>
-          <p:nvPr>
-            <p:ph sz="quarter" idx="12"/>
-          </p:nvPr>
-        </p:nvSpPr>
-        <p:spPr/>
-        <p:txBody>
-          <a:bodyPr/>
-          <a:lstStyle/>
-          <a:p>
-            <a:r>
-              <a:rPr lang="en-US" dirty="0"/>
-              <a:t>Your ability to communicate effectively will leave a lasting impact on your audience</a:t>
-            </a:r>
-          </a:p>
-          <a:p>
-            <a:r>
-              <a:rPr lang="en-US" dirty="0"/>
-              <a:t>Effectively communicating involves not only delivering a message but also resonating with the experiences, values, and emotions of those listening </a:t>
-            </a:r>
-          </a:p>
-        </p:txBody>
-      </p:sp>
-      <p:pic>
-        <p:nvPicPr>
-          <p:cNvPr id="7" name="Picture Placeholder 6" descr="A computer monitor with blue text on screen&#10;&#10;AI-generated content may be incorrect.">
-            <a:extLst>
-              <a:ext uri="{FF2B5EF4-FFF2-40B4-BE49-F238E27FC236}">
-                <a16:creationId xmlns:a16="http://schemas.microsoft.com/office/drawing/2014/main" id="{B3B42BFD-05B6-FC12-D2A0-8BA5C0451558}"/>
-              </a:ext>
-            </a:extLst>
-          </p:cNvPr>
-          <p:cNvPicPr>
-            <a:picLocks noGrp="1" noChangeAspect="1"/>
-          </p:cNvPicPr>
-          <p:nvPr>
-            <p:ph type="pic" sz="quarter" idx="10"/>
-          </p:nvPr>
-        </p:nvPicPr>
-        <p:blipFill>
-          <a:blip r:embed="rId3"/>
-          <a:srcRect l="23744" r="23744"/>
-          <a:stretch>
-            <a:fillRect/>
-          </a:stretch>
-        </p:blipFill>
-        <p:spPr/>
-      </p:pic>
-    </p:spTree>
-    <p:extLst>
-      <p:ext uri="{BB962C8B-B14F-4D97-AF65-F5344CB8AC3E}">
-        <p14:creationId xmlns:p14="http://schemas.microsoft.com/office/powerpoint/2010/main" val="859909800"/>
-      </p:ext>
-    </p:extLst>
-  </p:cSld>
-  <p:clrMapOvr>
-    <a:masterClrMapping/>
-  </p:clrMapOvr>
-</p:sld>
-</file>
-
-<file path=ppt/slides/slide15.xml><?xml version="1.0" encoding="utf-8"?>
 <p:sld xmlns:a="http://schemas.openxmlformats.org/drawingml/2006/main" xmlns:r="http://schemas.openxmlformats.org/officeDocument/2006/relationships" xmlns:p="http://schemas.openxmlformats.org/presentationml/2006/main">
   <p:cSld>
     <p:spTree>
@@ -31210,7 +25521,54 @@
           <a:bodyPr/>
           <a:lstStyle/>
           <a:p>
+            <a:pPr algn="l"/>
             <a:endParaRPr lang="en-US" dirty="0"/>
+          </a:p>
+          <a:p>
+            <a:pPr algn="l"/>
+            <a:r>
+              <a:rPr lang="en-US" dirty="0"/>
+              <a:t>Link the </a:t>
+            </a:r>
+            <a:r>
+              <a:rPr lang="en-US" dirty="0" err="1"/>
+              <a:t>dns</a:t>
+            </a:r>
+            <a:r>
+              <a:rPr lang="en-US" dirty="0"/>
+              <a:t> to the </a:t>
+            </a:r>
+            <a:r>
+              <a:rPr lang="en-US" dirty="0" err="1"/>
+              <a:t>vps</a:t>
+            </a:r>
+            <a:r>
+              <a:rPr lang="en-US" dirty="0"/>
+              <a:t> </a:t>
+            </a:r>
+            <a:r>
+              <a:rPr lang="en-US" dirty="0" err="1"/>
+              <a:t>ip</a:t>
+            </a:r>
+            <a:r>
+              <a:rPr lang="en-US" dirty="0"/>
+              <a:t> address</a:t>
+            </a:r>
+          </a:p>
+          <a:p>
+            <a:pPr algn="l"/>
+            <a:endParaRPr lang="en-US" dirty="0"/>
+          </a:p>
+          <a:p>
+            <a:pPr algn="l"/>
+            <a:endParaRPr lang="en-US" dirty="0"/>
+          </a:p>
+          <a:p>
+            <a:pPr algn="l"/>
+            <a:r>
+              <a:rPr lang="en-US" dirty="0"/>
+              <a:t>Configure the firewall</a:t>
+            </a:r>
           </a:p>
         </p:txBody>
       </p:sp>
@@ -31227,9 +25585,17 @@
 </p:sld>
 </file>
 
-<file path=ppt/slides/slide16.xml><?xml version="1.0" encoding="utf-8"?>
+<file path=ppt/slides/slide15.xml><?xml version="1.0" encoding="utf-8"?>
 <p:sld xmlns:a="http://schemas.openxmlformats.org/drawingml/2006/main" xmlns:r="http://schemas.openxmlformats.org/officeDocument/2006/relationships" xmlns:p="http://schemas.openxmlformats.org/presentationml/2006/main">
   <p:cSld>
+    <p:bg>
+      <p:bgPr>
+        <a:solidFill>
+          <a:schemeClr val="bg2"/>
+        </a:solidFill>
+        <a:effectLst/>
+      </p:bgPr>
+    </p:bg>
     <p:spTree>
       <p:nvGrpSpPr>
         <p:cNvPr id="1" name=""/>
@@ -31246,10 +25612,10 @@
       </p:grpSpPr>
       <p:sp>
         <p:nvSpPr>
-          <p:cNvPr id="9" name="Title 8">
+          <p:cNvPr id="6" name="Title 5">
             <a:extLst>
               <a:ext uri="{FF2B5EF4-FFF2-40B4-BE49-F238E27FC236}">
-                <a16:creationId xmlns:a16="http://schemas.microsoft.com/office/drawing/2014/main" id="{EB33A77B-664F-FFD3-D61A-0D344C269A12}"/>
+                <a16:creationId xmlns:a16="http://schemas.microsoft.com/office/drawing/2014/main" id="{D5DC0028-4150-0F89-E59C-F563C67F6CFD}"/>
               </a:ext>
             </a:extLst>
           </p:cNvPr>
@@ -31257,28 +25623,34 @@
             <a:spLocks noGrp="1"/>
           </p:cNvSpPr>
           <p:nvPr>
-            <p:ph type="title"/>
+            <p:ph type="ctrTitle"/>
           </p:nvPr>
         </p:nvSpPr>
-        <p:spPr/>
+        <p:spPr>
+          <a:xfrm>
+            <a:off x="4515612" y="1036320"/>
+            <a:ext cx="5918708" cy="2875280"/>
+          </a:xfrm>
+        </p:spPr>
         <p:txBody>
-          <a:bodyPr/>
+          <a:bodyPr>
+            <a:normAutofit/>
+          </a:bodyPr>
           <a:lstStyle/>
           <a:p>
             <a:r>
-              <a:rPr lang="en-US" sz="3200" dirty="0"/>
-              <a:t>final tips &amp; takeaways</a:t>
+              <a:rPr lang="en-US" sz="6000" dirty="0"/>
+              <a:t>thank you!</a:t>
             </a:r>
-            <a:endParaRPr lang="en-US" dirty="0"/>
           </a:p>
         </p:txBody>
       </p:sp>
       <p:sp>
         <p:nvSpPr>
-          <p:cNvPr id="3" name="Content Placeholder 2">
+          <p:cNvPr id="11" name="Content Placeholder 10">
             <a:extLst>
               <a:ext uri="{FF2B5EF4-FFF2-40B4-BE49-F238E27FC236}">
-                <a16:creationId xmlns:a16="http://schemas.microsoft.com/office/drawing/2014/main" id="{DA4B0F3C-5228-C9FB-1212-1D4894C80B46}"/>
+                <a16:creationId xmlns:a16="http://schemas.microsoft.com/office/drawing/2014/main" id="{C6DCC38C-603B-CCD0-2914-0BBCD4F4F74E}"/>
               </a:ext>
             </a:extLst>
           </p:cNvPr>
@@ -31289,1396 +25661,39 @@
             <p:ph sz="quarter" idx="13"/>
           </p:nvPr>
         </p:nvSpPr>
-        <p:spPr/>
+        <p:spPr>
+          <a:xfrm>
+            <a:off x="8189976" y="1645920"/>
+            <a:ext cx="3867912" cy="5029200"/>
+          </a:xfrm>
+        </p:spPr>
         <p:txBody>
-          <a:bodyPr>
-            <a:normAutofit lnSpcReduction="10000"/>
-          </a:bodyPr>
+          <a:bodyPr anchor="ctr"/>
           <a:lstStyle/>
           <a:p>
             <a:r>
               <a:rPr lang="en-US" dirty="0"/>
-              <a:t>CONSISTENT REHEARSAL</a:t>
-            </a:r>
-          </a:p>
-          <a:p>
-            <a:pPr lvl="1"/>
-            <a:r>
-              <a:rPr lang="en-US" dirty="0"/>
-              <a:t>Strengthen your familiarity</a:t>
+              <a:t>Talia Muro</a:t>
             </a:r>
           </a:p>
           <a:p>
             <a:r>
               <a:rPr lang="en-US" dirty="0"/>
-              <a:t>REFINE DELIVERY STYLE</a:t>
-            </a:r>
-          </a:p>
-          <a:p>
-            <a:pPr lvl="1"/>
-            <a:r>
-              <a:rPr lang="en-US" dirty="0"/>
-              <a:t>Pacing, tone, and emphasis</a:t>
+              <a:t>Mariam Salim</a:t>
             </a:r>
           </a:p>
           <a:p>
             <a:r>
               <a:rPr lang="en-US" dirty="0"/>
-              <a:t>TIMING AND TRANSITIONS</a:t>
+              <a:t>Selihom Efrem Ogbe</a:t>
             </a:r>
-          </a:p>
-          <a:p>
-            <a:pPr lvl="1"/>
-            <a:r>
-              <a:rPr lang="en-US" dirty="0"/>
-              <a:t>Aim for seamless, professional delivery</a:t>
-            </a:r>
-          </a:p>
-          <a:p>
-            <a:r>
-              <a:rPr lang="en-US" dirty="0"/>
-              <a:t>PRACTICE AUDIENCE</a:t>
-            </a:r>
-          </a:p>
-          <a:p>
-            <a:pPr lvl="1"/>
-            <a:r>
-              <a:rPr lang="en-US" dirty="0"/>
-              <a:t>Enlist colleagues to listen &amp; provide feedback</a:t>
-            </a:r>
-          </a:p>
-        </p:txBody>
-      </p:sp>
-      <p:sp>
-        <p:nvSpPr>
-          <p:cNvPr id="5" name="Content Placeholder 4">
-            <a:extLst>
-              <a:ext uri="{FF2B5EF4-FFF2-40B4-BE49-F238E27FC236}">
-                <a16:creationId xmlns:a16="http://schemas.microsoft.com/office/drawing/2014/main" id="{7DA9EE9E-3073-7E11-3AA5-F77C3B48A97F}"/>
-              </a:ext>
-            </a:extLst>
-          </p:cNvPr>
-          <p:cNvSpPr>
-            <a:spLocks noGrp="1"/>
-          </p:cNvSpPr>
-          <p:nvPr>
-            <p:ph sz="quarter" idx="12"/>
-          </p:nvPr>
-        </p:nvSpPr>
-        <p:spPr/>
-        <p:txBody>
-          <a:bodyPr>
-            <a:normAutofit/>
-          </a:bodyPr>
-          <a:lstStyle/>
-          <a:p>
-            <a:r>
-              <a:rPr lang="en-US" dirty="0"/>
-              <a:t>Seek feedback</a:t>
-            </a:r>
-          </a:p>
-          <a:p>
-            <a:r>
-              <a:rPr lang="en-US" dirty="0"/>
-              <a:t>Reflect on performance</a:t>
-            </a:r>
-          </a:p>
-          <a:p>
-            <a:r>
-              <a:rPr lang="en-US" dirty="0"/>
-              <a:t>Explore new techniques</a:t>
-            </a:r>
-          </a:p>
-          <a:p>
-            <a:r>
-              <a:rPr lang="en-US" dirty="0"/>
-              <a:t>Set personal goals</a:t>
-            </a:r>
-          </a:p>
-          <a:p>
-            <a:r>
-              <a:rPr lang="en-US" dirty="0"/>
-              <a:t>Iterate and adapt</a:t>
-            </a:r>
-          </a:p>
-        </p:txBody>
-      </p:sp>
-      <p:sp>
-        <p:nvSpPr>
-          <p:cNvPr id="4" name="Slide Number Placeholder 3">
-            <a:extLst>
-              <a:ext uri="{FF2B5EF4-FFF2-40B4-BE49-F238E27FC236}">
-                <a16:creationId xmlns:a16="http://schemas.microsoft.com/office/drawing/2014/main" id="{AE59500A-4B75-29F9-CE37-C3E13D6A566A}"/>
-              </a:ext>
-            </a:extLst>
-          </p:cNvPr>
-          <p:cNvSpPr>
-            <a:spLocks noGrp="1"/>
-          </p:cNvSpPr>
-          <p:nvPr>
-            <p:ph type="sldNum" sz="quarter" idx="4"/>
-          </p:nvPr>
-        </p:nvSpPr>
-        <p:spPr/>
-        <p:txBody>
-          <a:bodyPr/>
-          <a:lstStyle/>
-          <a:p>
-            <a:fld id="{58FB4751-880F-D840-AAA9-3A15815CC996}" type="slidenum">
-              <a:rPr lang="en-US" smtClean="0"/>
-              <a:pPr/>
-              <a:t>16</a:t>
-            </a:fld>
-            <a:endParaRPr lang="en-US" dirty="0"/>
           </a:p>
         </p:txBody>
       </p:sp>
     </p:spTree>
     <p:extLst>
       <p:ext uri="{BB962C8B-B14F-4D97-AF65-F5344CB8AC3E}">
-        <p14:creationId xmlns:p14="http://schemas.microsoft.com/office/powerpoint/2010/main" val="4132147533"/>
-      </p:ext>
-    </p:extLst>
-  </p:cSld>
-  <p:clrMapOvr>
-    <a:masterClrMapping/>
-  </p:clrMapOvr>
-</p:sld>
-</file>
-
-<file path=ppt/slides/slide17.xml><?xml version="1.0" encoding="utf-8"?>
-<p:sld xmlns:a="http://schemas.openxmlformats.org/drawingml/2006/main" xmlns:r="http://schemas.openxmlformats.org/officeDocument/2006/relationships" xmlns:p="http://schemas.openxmlformats.org/presentationml/2006/main">
-  <p:cSld>
-    <p:spTree>
-      <p:nvGrpSpPr>
-        <p:cNvPr id="1" name="">
-          <a:extLst>
-            <a:ext uri="{FF2B5EF4-FFF2-40B4-BE49-F238E27FC236}">
-              <a16:creationId xmlns:a16="http://schemas.microsoft.com/office/drawing/2014/main" id="{CF2E2B8E-6B88-3DED-A68D-27D18E32C50C}"/>
-            </a:ext>
-          </a:extLst>
-        </p:cNvPr>
-        <p:cNvGrpSpPr/>
-        <p:nvPr/>
-      </p:nvGrpSpPr>
-      <p:grpSpPr>
-        <a:xfrm>
-          <a:off x="0" y="0"/>
-          <a:ext cx="0" cy="0"/>
-          <a:chOff x="0" y="0"/>
-          <a:chExt cx="0" cy="0"/>
-        </a:xfrm>
-      </p:grpSpPr>
-      <p:sp>
-        <p:nvSpPr>
-          <p:cNvPr id="2" name="Title 1">
-            <a:extLst>
-              <a:ext uri="{FF2B5EF4-FFF2-40B4-BE49-F238E27FC236}">
-                <a16:creationId xmlns:a16="http://schemas.microsoft.com/office/drawing/2014/main" id="{AD3B6220-F952-A53F-5BBE-1A35DC717F73}"/>
-              </a:ext>
-            </a:extLst>
-          </p:cNvPr>
-          <p:cNvSpPr>
-            <a:spLocks noGrp="1"/>
-          </p:cNvSpPr>
-          <p:nvPr>
-            <p:ph type="title"/>
-          </p:nvPr>
-        </p:nvSpPr>
-        <p:spPr>
-          <a:xfrm>
-            <a:off x="914400" y="914400"/>
-            <a:ext cx="10360152" cy="2807208"/>
-          </a:xfrm>
-        </p:spPr>
-        <p:txBody>
-          <a:bodyPr/>
-          <a:lstStyle/>
-          <a:p>
-            <a:r>
-              <a:rPr lang="en-US" dirty="0"/>
-              <a:t>Why buy our product?</a:t>
-            </a:r>
-          </a:p>
-        </p:txBody>
-      </p:sp>
-      <p:sp>
-        <p:nvSpPr>
-          <p:cNvPr id="3" name="Text Placeholder 2">
-            <a:extLst>
-              <a:ext uri="{FF2B5EF4-FFF2-40B4-BE49-F238E27FC236}">
-                <a16:creationId xmlns:a16="http://schemas.microsoft.com/office/drawing/2014/main" id="{AB13457D-A477-94B8-CA47-3E5677B413EE}"/>
-              </a:ext>
-            </a:extLst>
-          </p:cNvPr>
-          <p:cNvSpPr>
-            <a:spLocks noGrp="1"/>
-          </p:cNvSpPr>
-          <p:nvPr>
-            <p:ph type="body" sz="quarter" idx="13"/>
-          </p:nvPr>
-        </p:nvSpPr>
-        <p:spPr/>
-        <p:txBody>
-          <a:bodyPr/>
-          <a:lstStyle/>
-          <a:p>
-            <a:endParaRPr lang="en-US" dirty="0"/>
-          </a:p>
-        </p:txBody>
-      </p:sp>
-    </p:spTree>
-    <p:extLst>
-      <p:ext uri="{BB962C8B-B14F-4D97-AF65-F5344CB8AC3E}">
-        <p14:creationId xmlns:p14="http://schemas.microsoft.com/office/powerpoint/2010/main" val="2269628443"/>
-      </p:ext>
-    </p:extLst>
-  </p:cSld>
-  <p:clrMapOvr>
-    <a:masterClrMapping/>
-  </p:clrMapOvr>
-</p:sld>
-</file>
-
-<file path=ppt/slides/slide18.xml><?xml version="1.0" encoding="utf-8"?>
-<p:sld xmlns:a="http://schemas.openxmlformats.org/drawingml/2006/main" xmlns:r="http://schemas.openxmlformats.org/officeDocument/2006/relationships" xmlns:p="http://schemas.openxmlformats.org/presentationml/2006/main">
-  <p:cSld>
-    <p:spTree>
-      <p:nvGrpSpPr>
-        <p:cNvPr id="1" name=""/>
-        <p:cNvGrpSpPr/>
-        <p:nvPr/>
-      </p:nvGrpSpPr>
-      <p:grpSpPr>
-        <a:xfrm>
-          <a:off x="0" y="0"/>
-          <a:ext cx="0" cy="0"/>
-          <a:chOff x="0" y="0"/>
-          <a:chExt cx="0" cy="0"/>
-        </a:xfrm>
-      </p:grpSpPr>
-      <p:sp>
-        <p:nvSpPr>
-          <p:cNvPr id="17" name="Title 16">
-            <a:extLst>
-              <a:ext uri="{FF2B5EF4-FFF2-40B4-BE49-F238E27FC236}">
-                <a16:creationId xmlns:a16="http://schemas.microsoft.com/office/drawing/2014/main" id="{96E3FD31-D19A-BFEB-821F-C00103830DC9}"/>
-              </a:ext>
-            </a:extLst>
-          </p:cNvPr>
-          <p:cNvSpPr>
-            <a:spLocks noGrp="1"/>
-          </p:cNvSpPr>
-          <p:nvPr>
-            <p:ph type="title"/>
-          </p:nvPr>
-        </p:nvSpPr>
-        <p:spPr/>
-        <p:txBody>
-          <a:bodyPr/>
-          <a:lstStyle/>
-          <a:p>
-            <a:r>
-              <a:rPr lang="en-US" sz="3200" dirty="0"/>
-              <a:t>speaking impact </a:t>
-            </a:r>
-            <a:endParaRPr lang="en-US" dirty="0"/>
-          </a:p>
-        </p:txBody>
-      </p:sp>
-      <p:sp>
-        <p:nvSpPr>
-          <p:cNvPr id="3" name="Content Placeholder 2">
-            <a:extLst>
-              <a:ext uri="{FF2B5EF4-FFF2-40B4-BE49-F238E27FC236}">
-                <a16:creationId xmlns:a16="http://schemas.microsoft.com/office/drawing/2014/main" id="{CF3ADB94-FC21-07C5-1FC9-E729C5DEDFC6}"/>
-              </a:ext>
-            </a:extLst>
-          </p:cNvPr>
-          <p:cNvSpPr>
-            <a:spLocks noGrp="1"/>
-          </p:cNvSpPr>
-          <p:nvPr>
-            <p:ph sz="quarter" idx="12"/>
-          </p:nvPr>
-        </p:nvSpPr>
-        <p:spPr/>
-        <p:txBody>
-          <a:bodyPr/>
-          <a:lstStyle/>
-          <a:p>
-            <a:r>
-              <a:rPr lang="en-US" dirty="0"/>
-              <a:t>Learn to infuse energy into your delivery to leave a lasting impression</a:t>
-            </a:r>
-          </a:p>
-          <a:p>
-            <a:r>
-              <a:rPr lang="en-US" dirty="0"/>
-              <a:t>One of the goals of effective communication is to motivate your audience</a:t>
-            </a:r>
-          </a:p>
-          <a:p>
-            <a:endParaRPr lang="en-US" dirty="0"/>
-          </a:p>
-        </p:txBody>
-      </p:sp>
-      <p:graphicFrame>
-        <p:nvGraphicFramePr>
-          <p:cNvPr id="6" name="Table 4">
-            <a:extLst>
-              <a:ext uri="{FF2B5EF4-FFF2-40B4-BE49-F238E27FC236}">
-                <a16:creationId xmlns:a16="http://schemas.microsoft.com/office/drawing/2014/main" id="{D3F53A55-1F2B-EB7F-3E43-C43170D77989}"/>
-              </a:ext>
-            </a:extLst>
-          </p:cNvPr>
-          <p:cNvGraphicFramePr>
-            <a:graphicFrameLocks noGrp="1"/>
-          </p:cNvGraphicFramePr>
-          <p:nvPr>
-            <p:ph sz="quarter" idx="13"/>
-            <p:extLst>
-              <p:ext uri="{D42A27DB-BD31-4B8C-83A1-F6EECF244321}">
-                <p14:modId xmlns:p14="http://schemas.microsoft.com/office/powerpoint/2010/main" val="1332799362"/>
-              </p:ext>
-            </p:extLst>
-          </p:nvPr>
-        </p:nvGraphicFramePr>
-        <p:xfrm>
-          <a:off x="4097338" y="2038350"/>
-          <a:ext cx="7180262" cy="3902543"/>
-        </p:xfrm>
-        <a:graphic>
-          <a:graphicData uri="http://schemas.openxmlformats.org/drawingml/2006/table">
-            <a:tbl>
-              <a:tblPr firstRow="1" bandRow="1">
-                <a:tableStyleId>{C4B1156A-380E-4F78-BDF5-A606A8083BF9}</a:tableStyleId>
-              </a:tblPr>
-              <a:tblGrid>
-                <a:gridCol w="2383731">
-                  <a:extLst>
-                    <a:ext uri="{9D8B030D-6E8A-4147-A177-3AD203B41FA5}">
-                      <a16:colId xmlns:a16="http://schemas.microsoft.com/office/drawing/2014/main" val="1689330750"/>
-                    </a:ext>
-                  </a:extLst>
-                </a:gridCol>
-                <a:gridCol w="2077175">
-                  <a:extLst>
-                    <a:ext uri="{9D8B030D-6E8A-4147-A177-3AD203B41FA5}">
-                      <a16:colId xmlns:a16="http://schemas.microsoft.com/office/drawing/2014/main" val="2660631934"/>
-                    </a:ext>
-                  </a:extLst>
-                </a:gridCol>
-                <a:gridCol w="1359678">
-                  <a:extLst>
-                    <a:ext uri="{9D8B030D-6E8A-4147-A177-3AD203B41FA5}">
-                      <a16:colId xmlns:a16="http://schemas.microsoft.com/office/drawing/2014/main" val="3909717689"/>
-                    </a:ext>
-                  </a:extLst>
-                </a:gridCol>
-                <a:gridCol w="1359678">
-                  <a:extLst>
-                    <a:ext uri="{9D8B030D-6E8A-4147-A177-3AD203B41FA5}">
-                      <a16:colId xmlns:a16="http://schemas.microsoft.com/office/drawing/2014/main" val="1603189107"/>
-                    </a:ext>
-                  </a:extLst>
-                </a:gridCol>
-              </a:tblGrid>
-              <a:tr h="618076">
-                <a:tc>
-                  <a:txBody>
-                    <a:bodyPr/>
-                    <a:lstStyle/>
-                    <a:p>
-                      <a:r>
-                        <a:rPr lang="en-US" sz="2000" b="0" dirty="0"/>
-                        <a:t>METRIC</a:t>
-                      </a:r>
-                    </a:p>
-                  </a:txBody>
-                  <a:tcPr anchor="ctr"/>
-                </a:tc>
-                <a:tc>
-                  <a:txBody>
-                    <a:bodyPr/>
-                    <a:lstStyle/>
-                    <a:p>
-                      <a:r>
-                        <a:rPr lang="en-US" sz="2000" b="0" dirty="0"/>
-                        <a:t>MEASUREMENT</a:t>
-                      </a:r>
-                    </a:p>
-                  </a:txBody>
-                  <a:tcPr anchor="ctr"/>
-                </a:tc>
-                <a:tc>
-                  <a:txBody>
-                    <a:bodyPr/>
-                    <a:lstStyle/>
-                    <a:p>
-                      <a:r>
-                        <a:rPr lang="en-US" sz="2000" b="0" dirty="0"/>
-                        <a:t>TARGET</a:t>
-                      </a:r>
-                    </a:p>
-                  </a:txBody>
-                  <a:tcPr anchor="ctr"/>
-                </a:tc>
-                <a:tc>
-                  <a:txBody>
-                    <a:bodyPr/>
-                    <a:lstStyle/>
-                    <a:p>
-                      <a:r>
-                        <a:rPr lang="en-US" sz="2000" b="0" dirty="0"/>
-                        <a:t>ACTUAL</a:t>
-                      </a:r>
-                    </a:p>
-                  </a:txBody>
-                  <a:tcPr anchor="ctr"/>
-                </a:tc>
-                <a:extLst>
-                  <a:ext uri="{0D108BD9-81ED-4DB2-BD59-A6C34878D82A}">
-                    <a16:rowId xmlns:a16="http://schemas.microsoft.com/office/drawing/2014/main" val="479928716"/>
-                  </a:ext>
-                </a:extLst>
-              </a:tr>
-              <a:tr h="618076">
-                <a:tc>
-                  <a:txBody>
-                    <a:bodyPr/>
-                    <a:lstStyle/>
-                    <a:p>
-                      <a:r>
-                        <a:rPr lang="en-US" sz="2000" b="0" dirty="0"/>
-                        <a:t>Audience attendance</a:t>
-                      </a:r>
-                    </a:p>
-                  </a:txBody>
-                  <a:tcPr anchor="ctr"/>
-                </a:tc>
-                <a:tc>
-                  <a:txBody>
-                    <a:bodyPr/>
-                    <a:lstStyle/>
-                    <a:p>
-                      <a:r>
-                        <a:rPr lang="en-US" sz="2000" b="0" dirty="0"/>
-                        <a:t># of attendees</a:t>
-                      </a:r>
-                    </a:p>
-                  </a:txBody>
-                  <a:tcPr anchor="ctr"/>
-                </a:tc>
-                <a:tc>
-                  <a:txBody>
-                    <a:bodyPr/>
-                    <a:lstStyle/>
-                    <a:p>
-                      <a:r>
-                        <a:rPr lang="en-US" sz="2000" b="0" dirty="0"/>
-                        <a:t>150</a:t>
-                      </a:r>
-                    </a:p>
-                  </a:txBody>
-                  <a:tcPr anchor="ctr"/>
-                </a:tc>
-                <a:tc>
-                  <a:txBody>
-                    <a:bodyPr/>
-                    <a:lstStyle/>
-                    <a:p>
-                      <a:r>
-                        <a:rPr lang="en-US" sz="2000" b="0" dirty="0"/>
-                        <a:t>120</a:t>
-                      </a:r>
-                    </a:p>
-                  </a:txBody>
-                  <a:tcPr anchor="ctr"/>
-                </a:tc>
-                <a:extLst>
-                  <a:ext uri="{0D108BD9-81ED-4DB2-BD59-A6C34878D82A}">
-                    <a16:rowId xmlns:a16="http://schemas.microsoft.com/office/drawing/2014/main" val="1760208656"/>
-                  </a:ext>
-                </a:extLst>
-              </a:tr>
-              <a:tr h="618076">
-                <a:tc>
-                  <a:txBody>
-                    <a:bodyPr/>
-                    <a:lstStyle/>
-                    <a:p>
-                      <a:r>
-                        <a:rPr lang="en-US" sz="2000" b="0" dirty="0"/>
-                        <a:t>Engagement duration</a:t>
-                      </a:r>
-                    </a:p>
-                  </a:txBody>
-                  <a:tcPr anchor="ctr"/>
-                </a:tc>
-                <a:tc>
-                  <a:txBody>
-                    <a:bodyPr/>
-                    <a:lstStyle/>
-                    <a:p>
-                      <a:r>
-                        <a:rPr lang="en-US" sz="2000" b="0" dirty="0"/>
-                        <a:t>Minutes</a:t>
-                      </a:r>
-                    </a:p>
-                  </a:txBody>
-                  <a:tcPr anchor="ctr"/>
-                </a:tc>
-                <a:tc>
-                  <a:txBody>
-                    <a:bodyPr/>
-                    <a:lstStyle/>
-                    <a:p>
-                      <a:r>
-                        <a:rPr lang="en-US" sz="2000" b="0" dirty="0"/>
-                        <a:t>60</a:t>
-                      </a:r>
-                    </a:p>
-                  </a:txBody>
-                  <a:tcPr anchor="ctr"/>
-                </a:tc>
-                <a:tc>
-                  <a:txBody>
-                    <a:bodyPr/>
-                    <a:lstStyle/>
-                    <a:p>
-                      <a:r>
-                        <a:rPr lang="en-US" sz="2000" b="0" dirty="0"/>
-                        <a:t>75</a:t>
-                      </a:r>
-                    </a:p>
-                  </a:txBody>
-                  <a:tcPr anchor="ctr"/>
-                </a:tc>
-                <a:extLst>
-                  <a:ext uri="{0D108BD9-81ED-4DB2-BD59-A6C34878D82A}">
-                    <a16:rowId xmlns:a16="http://schemas.microsoft.com/office/drawing/2014/main" val="3634243071"/>
-                  </a:ext>
-                </a:extLst>
-              </a:tr>
-              <a:tr h="618076">
-                <a:tc>
-                  <a:txBody>
-                    <a:bodyPr/>
-                    <a:lstStyle/>
-                    <a:p>
-                      <a:r>
-                        <a:rPr lang="en-US" sz="2000" b="0" dirty="0"/>
-                        <a:t>Q&amp;A interaction</a:t>
-                      </a:r>
-                    </a:p>
-                  </a:txBody>
-                  <a:tcPr anchor="ctr"/>
-                </a:tc>
-                <a:tc>
-                  <a:txBody>
-                    <a:bodyPr/>
-                    <a:lstStyle/>
-                    <a:p>
-                      <a:r>
-                        <a:rPr lang="en-US" sz="2000" b="0" dirty="0"/>
-                        <a:t># of questions</a:t>
-                      </a:r>
-                    </a:p>
-                  </a:txBody>
-                  <a:tcPr anchor="ctr"/>
-                </a:tc>
-                <a:tc>
-                  <a:txBody>
-                    <a:bodyPr/>
-                    <a:lstStyle/>
-                    <a:p>
-                      <a:r>
-                        <a:rPr lang="en-US" sz="2000" b="0" dirty="0"/>
-                        <a:t>10</a:t>
-                      </a:r>
-                    </a:p>
-                  </a:txBody>
-                  <a:tcPr anchor="ctr"/>
-                </a:tc>
-                <a:tc>
-                  <a:txBody>
-                    <a:bodyPr/>
-                    <a:lstStyle/>
-                    <a:p>
-                      <a:r>
-                        <a:rPr lang="en-US" sz="2000" b="0" dirty="0"/>
-                        <a:t>15</a:t>
-                      </a:r>
-                    </a:p>
-                  </a:txBody>
-                  <a:tcPr anchor="ctr"/>
-                </a:tc>
-                <a:extLst>
-                  <a:ext uri="{0D108BD9-81ED-4DB2-BD59-A6C34878D82A}">
-                    <a16:rowId xmlns:a16="http://schemas.microsoft.com/office/drawing/2014/main" val="415808797"/>
-                  </a:ext>
-                </a:extLst>
-              </a:tr>
-              <a:tr h="618076">
-                <a:tc>
-                  <a:txBody>
-                    <a:bodyPr/>
-                    <a:lstStyle/>
-                    <a:p>
-                      <a:r>
-                        <a:rPr lang="en-US" sz="2000" b="0" dirty="0"/>
-                        <a:t>Positive feedback</a:t>
-                      </a:r>
-                    </a:p>
-                  </a:txBody>
-                  <a:tcPr anchor="ctr"/>
-                </a:tc>
-                <a:tc>
-                  <a:txBody>
-                    <a:bodyPr/>
-                    <a:lstStyle/>
-                    <a:p>
-                      <a:r>
-                        <a:rPr lang="en-US" sz="2000" b="0" dirty="0"/>
-                        <a:t>Percentage (%)</a:t>
-                      </a:r>
-                    </a:p>
-                  </a:txBody>
-                  <a:tcPr anchor="ctr"/>
-                </a:tc>
-                <a:tc>
-                  <a:txBody>
-                    <a:bodyPr/>
-                    <a:lstStyle/>
-                    <a:p>
-                      <a:r>
-                        <a:rPr lang="en-US" sz="2000" b="0" dirty="0"/>
-                        <a:t>90</a:t>
-                      </a:r>
-                    </a:p>
-                  </a:txBody>
-                  <a:tcPr anchor="ctr"/>
-                </a:tc>
-                <a:tc>
-                  <a:txBody>
-                    <a:bodyPr/>
-                    <a:lstStyle/>
-                    <a:p>
-                      <a:r>
-                        <a:rPr lang="en-US" sz="2000" b="0" dirty="0"/>
-                        <a:t>95</a:t>
-                      </a:r>
-                    </a:p>
-                  </a:txBody>
-                  <a:tcPr anchor="ctr"/>
-                </a:tc>
-                <a:extLst>
-                  <a:ext uri="{0D108BD9-81ED-4DB2-BD59-A6C34878D82A}">
-                    <a16:rowId xmlns:a16="http://schemas.microsoft.com/office/drawing/2014/main" val="3150194648"/>
-                  </a:ext>
-                </a:extLst>
-              </a:tr>
-              <a:tr h="812163">
-                <a:tc>
-                  <a:txBody>
-                    <a:bodyPr/>
-                    <a:lstStyle/>
-                    <a:p>
-                      <a:r>
-                        <a:rPr lang="en-US" sz="2000" b="0" dirty="0"/>
-                        <a:t>Rate of information retention</a:t>
-                      </a:r>
-                    </a:p>
-                  </a:txBody>
-                  <a:tcPr anchor="ctr"/>
-                </a:tc>
-                <a:tc>
-                  <a:txBody>
-                    <a:bodyPr/>
-                    <a:lstStyle/>
-                    <a:p>
-                      <a:r>
-                        <a:rPr lang="en-US" sz="2000" b="0" dirty="0"/>
-                        <a:t>Percentage (%)</a:t>
-                      </a:r>
-                    </a:p>
-                  </a:txBody>
-                  <a:tcPr anchor="ctr"/>
-                </a:tc>
-                <a:tc>
-                  <a:txBody>
-                    <a:bodyPr/>
-                    <a:lstStyle/>
-                    <a:p>
-                      <a:r>
-                        <a:rPr lang="en-US" sz="2000" b="0" dirty="0"/>
-                        <a:t>80</a:t>
-                      </a:r>
-                    </a:p>
-                  </a:txBody>
-                  <a:tcPr anchor="ctr"/>
-                </a:tc>
-                <a:tc>
-                  <a:txBody>
-                    <a:bodyPr/>
-                    <a:lstStyle/>
-                    <a:p>
-                      <a:r>
-                        <a:rPr lang="en-US" sz="2000" b="0" dirty="0"/>
-                        <a:t>85</a:t>
-                      </a:r>
-                    </a:p>
-                  </a:txBody>
-                  <a:tcPr anchor="ctr"/>
-                </a:tc>
-                <a:extLst>
-                  <a:ext uri="{0D108BD9-81ED-4DB2-BD59-A6C34878D82A}">
-                    <a16:rowId xmlns:a16="http://schemas.microsoft.com/office/drawing/2014/main" val="380950325"/>
-                  </a:ext>
-                </a:extLst>
-              </a:tr>
-            </a:tbl>
-          </a:graphicData>
-        </a:graphic>
-      </p:graphicFrame>
-      <p:sp>
-        <p:nvSpPr>
-          <p:cNvPr id="5" name="Slide Number Placeholder 4">
-            <a:extLst>
-              <a:ext uri="{FF2B5EF4-FFF2-40B4-BE49-F238E27FC236}">
-                <a16:creationId xmlns:a16="http://schemas.microsoft.com/office/drawing/2014/main" id="{7F576313-F1C8-57CB-82F6-54BC07D3B9F4}"/>
-              </a:ext>
-            </a:extLst>
-          </p:cNvPr>
-          <p:cNvSpPr>
-            <a:spLocks noGrp="1"/>
-          </p:cNvSpPr>
-          <p:nvPr>
-            <p:ph type="sldNum" sz="quarter" idx="4"/>
-          </p:nvPr>
-        </p:nvSpPr>
-        <p:spPr/>
-        <p:txBody>
-          <a:bodyPr/>
-          <a:lstStyle/>
-          <a:p>
-            <a:fld id="{58FB4751-880F-D840-AAA9-3A15815CC996}" type="slidenum">
-              <a:rPr lang="en-US" smtClean="0"/>
-              <a:pPr/>
-              <a:t>18</a:t>
-            </a:fld>
-            <a:endParaRPr lang="en-US" dirty="0"/>
-          </a:p>
-        </p:txBody>
-      </p:sp>
-    </p:spTree>
-    <p:extLst>
-      <p:ext uri="{BB962C8B-B14F-4D97-AF65-F5344CB8AC3E}">
-        <p14:creationId xmlns:p14="http://schemas.microsoft.com/office/powerpoint/2010/main" val="537809529"/>
-      </p:ext>
-    </p:extLst>
-  </p:cSld>
-  <p:clrMapOvr>
-    <a:masterClrMapping/>
-  </p:clrMapOvr>
-</p:sld>
-</file>
-
-<file path=ppt/slides/slide19.xml><?xml version="1.0" encoding="utf-8"?>
-<p:sld xmlns:a="http://schemas.openxmlformats.org/drawingml/2006/main" xmlns:r="http://schemas.openxmlformats.org/officeDocument/2006/relationships" xmlns:p="http://schemas.openxmlformats.org/presentationml/2006/main">
-  <p:cSld>
-    <p:spTree>
-      <p:nvGrpSpPr>
-        <p:cNvPr id="1" name=""/>
-        <p:cNvGrpSpPr/>
-        <p:nvPr/>
-      </p:nvGrpSpPr>
-      <p:grpSpPr>
-        <a:xfrm>
-          <a:off x="0" y="0"/>
-          <a:ext cx="0" cy="0"/>
-          <a:chOff x="0" y="0"/>
-          <a:chExt cx="0" cy="0"/>
-        </a:xfrm>
-      </p:grpSpPr>
-      <p:sp>
-        <p:nvSpPr>
-          <p:cNvPr id="10" name="Title 9">
-            <a:extLst>
-              <a:ext uri="{FF2B5EF4-FFF2-40B4-BE49-F238E27FC236}">
-                <a16:creationId xmlns:a16="http://schemas.microsoft.com/office/drawing/2014/main" id="{4E4F88F8-17E5-45E3-77B1-77FACD99FF63}"/>
-              </a:ext>
-            </a:extLst>
-          </p:cNvPr>
-          <p:cNvSpPr>
-            <a:spLocks noGrp="1"/>
-          </p:cNvSpPr>
-          <p:nvPr>
-            <p:ph type="title"/>
-          </p:nvPr>
-        </p:nvSpPr>
-        <p:spPr/>
-        <p:txBody>
-          <a:bodyPr/>
-          <a:lstStyle/>
-          <a:p>
-            <a:r>
-              <a:rPr lang="en-US" dirty="0"/>
-              <a:t>speaking engagement metrics</a:t>
-            </a:r>
-          </a:p>
-        </p:txBody>
-      </p:sp>
-      <p:graphicFrame>
-        <p:nvGraphicFramePr>
-          <p:cNvPr id="8" name="Content Placeholder 4">
-            <a:extLst>
-              <a:ext uri="{FF2B5EF4-FFF2-40B4-BE49-F238E27FC236}">
-                <a16:creationId xmlns:a16="http://schemas.microsoft.com/office/drawing/2014/main" id="{5B6855E3-2188-20C8-4DD6-E45BC792C983}"/>
-              </a:ext>
-            </a:extLst>
-          </p:cNvPr>
-          <p:cNvGraphicFramePr>
-            <a:graphicFrameLocks noGrp="1"/>
-          </p:cNvGraphicFramePr>
-          <p:nvPr>
-            <p:ph type="tbl" sz="quarter" idx="14"/>
-            <p:extLst>
-              <p:ext uri="{D42A27DB-BD31-4B8C-83A1-F6EECF244321}">
-                <p14:modId xmlns:p14="http://schemas.microsoft.com/office/powerpoint/2010/main" val="1736418874"/>
-              </p:ext>
-            </p:extLst>
-          </p:nvPr>
-        </p:nvGraphicFramePr>
-        <p:xfrm>
-          <a:off x="914400" y="2038350"/>
-          <a:ext cx="10515598" cy="3902538"/>
-        </p:xfrm>
-        <a:graphic>
-          <a:graphicData uri="http://schemas.openxmlformats.org/drawingml/2006/table">
-            <a:tbl>
-              <a:tblPr firstRow="1" bandRow="1">
-                <a:tableStyleId>{C4B1156A-380E-4F78-BDF5-A606A8083BF9}</a:tableStyleId>
-              </a:tblPr>
-              <a:tblGrid>
-                <a:gridCol w="3548095">
-                  <a:extLst>
-                    <a:ext uri="{9D8B030D-6E8A-4147-A177-3AD203B41FA5}">
-                      <a16:colId xmlns:a16="http://schemas.microsoft.com/office/drawing/2014/main" val="1689330750"/>
-                    </a:ext>
-                  </a:extLst>
-                </a:gridCol>
-                <a:gridCol w="3548095">
-                  <a:extLst>
-                    <a:ext uri="{9D8B030D-6E8A-4147-A177-3AD203B41FA5}">
-                      <a16:colId xmlns:a16="http://schemas.microsoft.com/office/drawing/2014/main" val="2660631934"/>
-                    </a:ext>
-                  </a:extLst>
-                </a:gridCol>
-                <a:gridCol w="1709704">
-                  <a:extLst>
-                    <a:ext uri="{9D8B030D-6E8A-4147-A177-3AD203B41FA5}">
-                      <a16:colId xmlns:a16="http://schemas.microsoft.com/office/drawing/2014/main" val="3909717689"/>
-                    </a:ext>
-                  </a:extLst>
-                </a:gridCol>
-                <a:gridCol w="1709704">
-                  <a:extLst>
-                    <a:ext uri="{9D8B030D-6E8A-4147-A177-3AD203B41FA5}">
-                      <a16:colId xmlns:a16="http://schemas.microsoft.com/office/drawing/2014/main" val="1603189107"/>
-                    </a:ext>
-                  </a:extLst>
-                </a:gridCol>
-              </a:tblGrid>
-              <a:tr h="650423">
-                <a:tc>
-                  <a:txBody>
-                    <a:bodyPr/>
-                    <a:lstStyle/>
-                    <a:p>
-                      <a:r>
-                        <a:rPr lang="en-US" sz="2000" b="0" dirty="0">
-                          <a:solidFill>
-                            <a:schemeClr val="tx1"/>
-                          </a:solidFill>
-                        </a:rPr>
-                        <a:t>IMPACT FACTOR</a:t>
-                      </a:r>
-                    </a:p>
-                  </a:txBody>
-                  <a:tcPr anchor="ctr"/>
-                </a:tc>
-                <a:tc>
-                  <a:txBody>
-                    <a:bodyPr/>
-                    <a:lstStyle/>
-                    <a:p>
-                      <a:r>
-                        <a:rPr lang="en-US" sz="2000" b="0" dirty="0">
-                          <a:solidFill>
-                            <a:schemeClr val="tx1"/>
-                          </a:solidFill>
-                        </a:rPr>
-                        <a:t>MEASUREMENT</a:t>
-                      </a:r>
-                    </a:p>
-                  </a:txBody>
-                  <a:tcPr anchor="ctr"/>
-                </a:tc>
-                <a:tc>
-                  <a:txBody>
-                    <a:bodyPr/>
-                    <a:lstStyle/>
-                    <a:p>
-                      <a:r>
-                        <a:rPr lang="en-US" sz="2000" b="0" dirty="0">
-                          <a:solidFill>
-                            <a:schemeClr val="tx1"/>
-                          </a:solidFill>
-                        </a:rPr>
-                        <a:t>TARGET</a:t>
-                      </a:r>
-                    </a:p>
-                  </a:txBody>
-                  <a:tcPr anchor="ctr"/>
-                </a:tc>
-                <a:tc>
-                  <a:txBody>
-                    <a:bodyPr/>
-                    <a:lstStyle/>
-                    <a:p>
-                      <a:r>
-                        <a:rPr lang="en-US" sz="2000" b="0" dirty="0">
-                          <a:solidFill>
-                            <a:schemeClr val="tx1"/>
-                          </a:solidFill>
-                        </a:rPr>
-                        <a:t>ACHIEVED</a:t>
-                      </a:r>
-                    </a:p>
-                  </a:txBody>
-                  <a:tcPr anchor="ctr"/>
-                </a:tc>
-                <a:extLst>
-                  <a:ext uri="{0D108BD9-81ED-4DB2-BD59-A6C34878D82A}">
-                    <a16:rowId xmlns:a16="http://schemas.microsoft.com/office/drawing/2014/main" val="479928716"/>
-                  </a:ext>
-                </a:extLst>
-              </a:tr>
-              <a:tr h="650423">
-                <a:tc>
-                  <a:txBody>
-                    <a:bodyPr/>
-                    <a:lstStyle/>
-                    <a:p>
-                      <a:r>
-                        <a:rPr lang="en-US" sz="2000" b="0" dirty="0">
-                          <a:solidFill>
-                            <a:schemeClr val="tx1"/>
-                          </a:solidFill>
-                        </a:rPr>
-                        <a:t>Audience interaction</a:t>
-                      </a:r>
-                    </a:p>
-                  </a:txBody>
-                  <a:tcPr anchor="ctr"/>
-                </a:tc>
-                <a:tc>
-                  <a:txBody>
-                    <a:bodyPr/>
-                    <a:lstStyle/>
-                    <a:p>
-                      <a:r>
-                        <a:rPr lang="en-US" sz="2000" b="0" dirty="0">
-                          <a:solidFill>
-                            <a:schemeClr val="tx1"/>
-                          </a:solidFill>
-                        </a:rPr>
-                        <a:t>Percentage (%)</a:t>
-                      </a:r>
-                    </a:p>
-                  </a:txBody>
-                  <a:tcPr anchor="ctr"/>
-                </a:tc>
-                <a:tc>
-                  <a:txBody>
-                    <a:bodyPr/>
-                    <a:lstStyle/>
-                    <a:p>
-                      <a:r>
-                        <a:rPr lang="en-US" sz="2000" b="0" dirty="0">
-                          <a:solidFill>
-                            <a:schemeClr val="tx1"/>
-                          </a:solidFill>
-                        </a:rPr>
-                        <a:t>85</a:t>
-                      </a:r>
-                    </a:p>
-                  </a:txBody>
-                  <a:tcPr anchor="ctr"/>
-                </a:tc>
-                <a:tc>
-                  <a:txBody>
-                    <a:bodyPr/>
-                    <a:lstStyle/>
-                    <a:p>
-                      <a:r>
-                        <a:rPr lang="en-US" sz="2000" b="0" dirty="0">
-                          <a:solidFill>
-                            <a:schemeClr val="tx1"/>
-                          </a:solidFill>
-                        </a:rPr>
-                        <a:t>88</a:t>
-                      </a:r>
-                    </a:p>
-                  </a:txBody>
-                  <a:tcPr anchor="ctr"/>
-                </a:tc>
-                <a:extLst>
-                  <a:ext uri="{0D108BD9-81ED-4DB2-BD59-A6C34878D82A}">
-                    <a16:rowId xmlns:a16="http://schemas.microsoft.com/office/drawing/2014/main" val="1760208656"/>
-                  </a:ext>
-                </a:extLst>
-              </a:tr>
-              <a:tr h="650423">
-                <a:tc>
-                  <a:txBody>
-                    <a:bodyPr/>
-                    <a:lstStyle/>
-                    <a:p>
-                      <a:r>
-                        <a:rPr lang="en-US" sz="2000" b="0" dirty="0">
-                          <a:solidFill>
-                            <a:schemeClr val="tx1"/>
-                          </a:solidFill>
-                        </a:rPr>
-                        <a:t>Knowledge retention</a:t>
-                      </a:r>
-                    </a:p>
-                  </a:txBody>
-                  <a:tcPr anchor="ctr"/>
-                </a:tc>
-                <a:tc>
-                  <a:txBody>
-                    <a:bodyPr/>
-                    <a:lstStyle/>
-                    <a:p>
-                      <a:r>
-                        <a:rPr lang="en-US" sz="2000" b="0" dirty="0">
-                          <a:solidFill>
-                            <a:schemeClr val="tx1"/>
-                          </a:solidFill>
-                        </a:rPr>
-                        <a:t>Percentage (%)</a:t>
-                      </a:r>
-                    </a:p>
-                  </a:txBody>
-                  <a:tcPr anchor="ctr"/>
-                </a:tc>
-                <a:tc>
-                  <a:txBody>
-                    <a:bodyPr/>
-                    <a:lstStyle/>
-                    <a:p>
-                      <a:r>
-                        <a:rPr lang="en-US" sz="2000" b="0" dirty="0">
-                          <a:solidFill>
-                            <a:schemeClr val="tx1"/>
-                          </a:solidFill>
-                        </a:rPr>
-                        <a:t>75</a:t>
-                      </a:r>
-                    </a:p>
-                  </a:txBody>
-                  <a:tcPr anchor="ctr"/>
-                </a:tc>
-                <a:tc>
-                  <a:txBody>
-                    <a:bodyPr/>
-                    <a:lstStyle/>
-                    <a:p>
-                      <a:r>
-                        <a:rPr lang="en-US" sz="2000" b="0" dirty="0">
-                          <a:solidFill>
-                            <a:schemeClr val="tx1"/>
-                          </a:solidFill>
-                        </a:rPr>
-                        <a:t>80</a:t>
-                      </a:r>
-                    </a:p>
-                  </a:txBody>
-                  <a:tcPr anchor="ctr"/>
-                </a:tc>
-                <a:extLst>
-                  <a:ext uri="{0D108BD9-81ED-4DB2-BD59-A6C34878D82A}">
-                    <a16:rowId xmlns:a16="http://schemas.microsoft.com/office/drawing/2014/main" val="3634243071"/>
-                  </a:ext>
-                </a:extLst>
-              </a:tr>
-              <a:tr h="650423">
-                <a:tc>
-                  <a:txBody>
-                    <a:bodyPr/>
-                    <a:lstStyle/>
-                    <a:p>
-                      <a:r>
-                        <a:rPr lang="en-US" sz="2000" b="0" dirty="0">
-                          <a:solidFill>
-                            <a:schemeClr val="tx1"/>
-                          </a:solidFill>
-                        </a:rPr>
-                        <a:t>Post-presentation surveys</a:t>
-                      </a:r>
-                    </a:p>
-                  </a:txBody>
-                  <a:tcPr anchor="ctr"/>
-                </a:tc>
-                <a:tc>
-                  <a:txBody>
-                    <a:bodyPr/>
-                    <a:lstStyle/>
-                    <a:p>
-                      <a:r>
-                        <a:rPr lang="en-US" sz="2000" b="0" dirty="0">
-                          <a:solidFill>
-                            <a:schemeClr val="tx1"/>
-                          </a:solidFill>
-                        </a:rPr>
-                        <a:t>Average rating</a:t>
-                      </a:r>
-                    </a:p>
-                  </a:txBody>
-                  <a:tcPr anchor="ctr"/>
-                </a:tc>
-                <a:tc>
-                  <a:txBody>
-                    <a:bodyPr/>
-                    <a:lstStyle/>
-                    <a:p>
-                      <a:r>
-                        <a:rPr lang="en-US" sz="2000" b="0" dirty="0">
-                          <a:solidFill>
-                            <a:schemeClr val="tx1"/>
-                          </a:solidFill>
-                        </a:rPr>
-                        <a:t>4.2</a:t>
-                      </a:r>
-                    </a:p>
-                  </a:txBody>
-                  <a:tcPr anchor="ctr"/>
-                </a:tc>
-                <a:tc>
-                  <a:txBody>
-                    <a:bodyPr/>
-                    <a:lstStyle/>
-                    <a:p>
-                      <a:r>
-                        <a:rPr lang="en-US" sz="2000" b="0" dirty="0">
-                          <a:solidFill>
-                            <a:schemeClr val="tx1"/>
-                          </a:solidFill>
-                        </a:rPr>
-                        <a:t>4.5</a:t>
-                      </a:r>
-                    </a:p>
-                  </a:txBody>
-                  <a:tcPr anchor="ctr"/>
-                </a:tc>
-                <a:extLst>
-                  <a:ext uri="{0D108BD9-81ED-4DB2-BD59-A6C34878D82A}">
-                    <a16:rowId xmlns:a16="http://schemas.microsoft.com/office/drawing/2014/main" val="415808797"/>
-                  </a:ext>
-                </a:extLst>
-              </a:tr>
-              <a:tr h="650423">
-                <a:tc>
-                  <a:txBody>
-                    <a:bodyPr/>
-                    <a:lstStyle/>
-                    <a:p>
-                      <a:r>
-                        <a:rPr lang="en-US" sz="2000" b="0" dirty="0">
-                          <a:solidFill>
-                            <a:schemeClr val="tx1"/>
-                          </a:solidFill>
-                        </a:rPr>
-                        <a:t>Referral rate</a:t>
-                      </a:r>
-                    </a:p>
-                  </a:txBody>
-                  <a:tcPr anchor="ctr"/>
-                </a:tc>
-                <a:tc>
-                  <a:txBody>
-                    <a:bodyPr/>
-                    <a:lstStyle/>
-                    <a:p>
-                      <a:r>
-                        <a:rPr lang="en-US" sz="2000" b="0" dirty="0">
-                          <a:solidFill>
-                            <a:schemeClr val="tx1"/>
-                          </a:solidFill>
-                        </a:rPr>
-                        <a:t>Percentage (%)</a:t>
-                      </a:r>
-                    </a:p>
-                  </a:txBody>
-                  <a:tcPr anchor="ctr"/>
-                </a:tc>
-                <a:tc>
-                  <a:txBody>
-                    <a:bodyPr/>
-                    <a:lstStyle/>
-                    <a:p>
-                      <a:r>
-                        <a:rPr lang="en-US" sz="2000" b="0" dirty="0">
-                          <a:solidFill>
-                            <a:schemeClr val="tx1"/>
-                          </a:solidFill>
-                        </a:rPr>
-                        <a:t>10</a:t>
-                      </a:r>
-                    </a:p>
-                  </a:txBody>
-                  <a:tcPr anchor="ctr"/>
-                </a:tc>
-                <a:tc>
-                  <a:txBody>
-                    <a:bodyPr/>
-                    <a:lstStyle/>
-                    <a:p>
-                      <a:r>
-                        <a:rPr lang="en-US" sz="2000" b="0" dirty="0">
-                          <a:solidFill>
-                            <a:schemeClr val="tx1"/>
-                          </a:solidFill>
-                        </a:rPr>
-                        <a:t>12</a:t>
-                      </a:r>
-                    </a:p>
-                  </a:txBody>
-                  <a:tcPr anchor="ctr"/>
-                </a:tc>
-                <a:extLst>
-                  <a:ext uri="{0D108BD9-81ED-4DB2-BD59-A6C34878D82A}">
-                    <a16:rowId xmlns:a16="http://schemas.microsoft.com/office/drawing/2014/main" val="3150194648"/>
-                  </a:ext>
-                </a:extLst>
-              </a:tr>
-              <a:tr h="650423">
-                <a:tc>
-                  <a:txBody>
-                    <a:bodyPr/>
-                    <a:lstStyle/>
-                    <a:p>
-                      <a:r>
-                        <a:rPr lang="en-US" sz="2000" b="0" dirty="0">
-                          <a:solidFill>
-                            <a:schemeClr val="tx1"/>
-                          </a:solidFill>
-                        </a:rPr>
-                        <a:t>Collaboration opportunities</a:t>
-                      </a:r>
-                    </a:p>
-                  </a:txBody>
-                  <a:tcPr anchor="ctr"/>
-                </a:tc>
-                <a:tc>
-                  <a:txBody>
-                    <a:bodyPr/>
-                    <a:lstStyle/>
-                    <a:p>
-                      <a:r>
-                        <a:rPr lang="en-US" sz="2000" b="0" dirty="0">
-                          <a:solidFill>
-                            <a:schemeClr val="tx1"/>
-                          </a:solidFill>
-                        </a:rPr>
-                        <a:t># of opportunities</a:t>
-                      </a:r>
-                    </a:p>
-                  </a:txBody>
-                  <a:tcPr anchor="ctr"/>
-                </a:tc>
-                <a:tc>
-                  <a:txBody>
-                    <a:bodyPr/>
-                    <a:lstStyle/>
-                    <a:p>
-                      <a:r>
-                        <a:rPr lang="en-US" sz="2000" b="0" dirty="0">
-                          <a:solidFill>
-                            <a:schemeClr val="tx1"/>
-                          </a:solidFill>
-                        </a:rPr>
-                        <a:t>8</a:t>
-                      </a:r>
-                    </a:p>
-                  </a:txBody>
-                  <a:tcPr anchor="ctr"/>
-                </a:tc>
-                <a:tc>
-                  <a:txBody>
-                    <a:bodyPr/>
-                    <a:lstStyle/>
-                    <a:p>
-                      <a:r>
-                        <a:rPr lang="en-US" sz="2000" b="0" dirty="0">
-                          <a:solidFill>
-                            <a:schemeClr val="tx1"/>
-                          </a:solidFill>
-                        </a:rPr>
-                        <a:t>10</a:t>
-                      </a:r>
-                    </a:p>
-                  </a:txBody>
-                  <a:tcPr anchor="ctr"/>
-                </a:tc>
-                <a:extLst>
-                  <a:ext uri="{0D108BD9-81ED-4DB2-BD59-A6C34878D82A}">
-                    <a16:rowId xmlns:a16="http://schemas.microsoft.com/office/drawing/2014/main" val="380950325"/>
-                  </a:ext>
-                </a:extLst>
-              </a:tr>
-            </a:tbl>
-          </a:graphicData>
-        </a:graphic>
-      </p:graphicFrame>
-      <p:sp>
-        <p:nvSpPr>
-          <p:cNvPr id="4" name="Slide Number Placeholder 3">
-            <a:extLst>
-              <a:ext uri="{FF2B5EF4-FFF2-40B4-BE49-F238E27FC236}">
-                <a16:creationId xmlns:a16="http://schemas.microsoft.com/office/drawing/2014/main" id="{1D2469ED-926E-7CEE-5AF2-BF9AC726D015}"/>
-              </a:ext>
-            </a:extLst>
-          </p:cNvPr>
-          <p:cNvSpPr>
-            <a:spLocks noGrp="1"/>
-          </p:cNvSpPr>
-          <p:nvPr>
-            <p:ph type="sldNum" sz="quarter" idx="4"/>
-          </p:nvPr>
-        </p:nvSpPr>
-        <p:spPr/>
-        <p:txBody>
-          <a:bodyPr/>
-          <a:lstStyle/>
-          <a:p>
-            <a:fld id="{58FB4751-880F-D840-AAA9-3A15815CC996}" type="slidenum">
-              <a:rPr lang="en-US" smtClean="0"/>
-              <a:pPr/>
-              <a:t>19</a:t>
-            </a:fld>
-            <a:endParaRPr lang="en-US" dirty="0"/>
-          </a:p>
-        </p:txBody>
-      </p:sp>
-    </p:spTree>
-    <p:extLst>
-      <p:ext uri="{BB962C8B-B14F-4D97-AF65-F5344CB8AC3E}">
-        <p14:creationId xmlns:p14="http://schemas.microsoft.com/office/powerpoint/2010/main" val="3064996118"/>
+        <p14:creationId xmlns:p14="http://schemas.microsoft.com/office/powerpoint/2010/main" val="2188828507"/>
       </p:ext>
     </p:extLst>
   </p:cSld>
@@ -33490,97 +26505,6 @@
 </p:sld>
 </file>
 
-<file path=ppt/slides/slide20.xml><?xml version="1.0" encoding="utf-8"?>
-<p:sld xmlns:a="http://schemas.openxmlformats.org/drawingml/2006/main" xmlns:r="http://schemas.openxmlformats.org/officeDocument/2006/relationships" xmlns:p="http://schemas.openxmlformats.org/presentationml/2006/main">
-  <p:cSld>
-    <p:bg>
-      <p:bgPr>
-        <a:solidFill>
-          <a:schemeClr val="bg2"/>
-        </a:solidFill>
-        <a:effectLst/>
-      </p:bgPr>
-    </p:bg>
-    <p:spTree>
-      <p:nvGrpSpPr>
-        <p:cNvPr id="1" name=""/>
-        <p:cNvGrpSpPr/>
-        <p:nvPr/>
-      </p:nvGrpSpPr>
-      <p:grpSpPr>
-        <a:xfrm>
-          <a:off x="0" y="0"/>
-          <a:ext cx="0" cy="0"/>
-          <a:chOff x="0" y="0"/>
-          <a:chExt cx="0" cy="0"/>
-        </a:xfrm>
-      </p:grpSpPr>
-      <p:sp>
-        <p:nvSpPr>
-          <p:cNvPr id="6" name="Title 5">
-            <a:extLst>
-              <a:ext uri="{FF2B5EF4-FFF2-40B4-BE49-F238E27FC236}">
-                <a16:creationId xmlns:a16="http://schemas.microsoft.com/office/drawing/2014/main" id="{D5DC0028-4150-0F89-E59C-F563C67F6CFD}"/>
-              </a:ext>
-            </a:extLst>
-          </p:cNvPr>
-          <p:cNvSpPr>
-            <a:spLocks noGrp="1"/>
-          </p:cNvSpPr>
-          <p:nvPr>
-            <p:ph type="ctrTitle"/>
-          </p:nvPr>
-        </p:nvSpPr>
-        <p:spPr/>
-        <p:txBody>
-          <a:bodyPr/>
-          <a:lstStyle/>
-          <a:p>
-            <a:r>
-              <a:rPr lang="en-US" dirty="0"/>
-              <a:t>thank you!</a:t>
-            </a:r>
-          </a:p>
-        </p:txBody>
-      </p:sp>
-      <p:sp>
-        <p:nvSpPr>
-          <p:cNvPr id="11" name="Content Placeholder 10">
-            <a:extLst>
-              <a:ext uri="{FF2B5EF4-FFF2-40B4-BE49-F238E27FC236}">
-                <a16:creationId xmlns:a16="http://schemas.microsoft.com/office/drawing/2014/main" id="{C6DCC38C-603B-CCD0-2914-0BBCD4F4F74E}"/>
-              </a:ext>
-            </a:extLst>
-          </p:cNvPr>
-          <p:cNvSpPr>
-            <a:spLocks noGrp="1"/>
-          </p:cNvSpPr>
-          <p:nvPr>
-            <p:ph sz="quarter" idx="13"/>
-          </p:nvPr>
-        </p:nvSpPr>
-        <p:spPr/>
-        <p:txBody>
-          <a:bodyPr anchor="ctr"/>
-          <a:lstStyle/>
-          <a:p>
-            <a:endParaRPr lang="en-US" dirty="0"/>
-          </a:p>
-        </p:txBody>
-      </p:sp>
-    </p:spTree>
-    <p:extLst>
-      <p:ext uri="{BB962C8B-B14F-4D97-AF65-F5344CB8AC3E}">
-        <p14:creationId xmlns:p14="http://schemas.microsoft.com/office/powerpoint/2010/main" val="2188828507"/>
-      </p:ext>
-    </p:extLst>
-  </p:cSld>
-  <p:clrMapOvr>
-    <a:masterClrMapping/>
-  </p:clrMapOvr>
-</p:sld>
-</file>
-
 <file path=ppt/slides/slide3.xml><?xml version="1.0" encoding="utf-8"?>
 <p:sld xmlns:a="http://schemas.openxmlformats.org/drawingml/2006/main" xmlns:r="http://schemas.openxmlformats.org/officeDocument/2006/relationships" xmlns:p="http://schemas.openxmlformats.org/presentationml/2006/main">
   <p:cSld>
@@ -33855,7 +26779,12 @@
             <p:ph type="title"/>
           </p:nvPr>
         </p:nvSpPr>
-        <p:spPr/>
+        <p:spPr>
+          <a:xfrm>
+            <a:off x="757084" y="78658"/>
+            <a:ext cx="7534656" cy="914400"/>
+          </a:xfrm>
+        </p:spPr>
         <p:txBody>
           <a:bodyPr>
             <a:normAutofit fontScale="90000"/>
@@ -33900,7 +26829,12 @@
             <p:ph sz="quarter" idx="10"/>
           </p:nvPr>
         </p:nvSpPr>
-        <p:spPr/>
+        <p:spPr>
+          <a:xfrm>
+            <a:off x="757084" y="1065718"/>
+            <a:ext cx="7150608" cy="4361688"/>
+          </a:xfrm>
+        </p:spPr>
         <p:txBody>
           <a:bodyPr>
             <a:normAutofit/>
@@ -33908,22 +26842,69 @@
           <a:lstStyle/>
           <a:p>
             <a:r>
-              <a:rPr lang="en-US" dirty="0" err="1"/>
-              <a:t>Abc</a:t>
+              <a:rPr lang="en-US" dirty="0"/>
+              <a:t>Oracle Cloud Advantages:</a:t>
             </a:r>
-            <a:endParaRPr lang="en-US" dirty="0"/>
+          </a:p>
+          <a:p>
+            <a:pPr lvl="1"/>
+            <a:r>
+              <a:rPr lang="en-US" dirty="0"/>
+              <a:t>Free of charge</a:t>
+            </a:r>
+          </a:p>
+          <a:p>
+            <a:pPr lvl="1"/>
+            <a:r>
+              <a:rPr lang="en-US" dirty="0"/>
+              <a:t>Easy To understand (at the beginning)</a:t>
+            </a:r>
+          </a:p>
+          <a:p>
+            <a:pPr lvl="1"/>
+            <a:r>
+              <a:rPr lang="en-US" dirty="0"/>
+              <a:t>Functional Terminal</a:t>
+            </a:r>
+          </a:p>
+          <a:p>
+            <a:pPr lvl="1"/>
+            <a:r>
+              <a:rPr lang="en-US" dirty="0"/>
+              <a:t>Supports Multiple images and different ways of creating ssh keys at instance creation</a:t>
+            </a:r>
           </a:p>
           <a:p>
             <a:r>
               <a:rPr lang="en-US" dirty="0"/>
-              <a:t>Def</a:t>
+              <a:t>Oracle Cloud Disadvantages:</a:t>
             </a:r>
           </a:p>
           <a:p>
+            <a:pPr lvl="1"/>
             <a:r>
-              <a:rPr lang="en-US" dirty="0" err="1"/>
-              <a:t>Ghi</a:t>
+              <a:rPr lang="en-US" dirty="0"/>
+              <a:t>Complex</a:t>
             </a:r>
+          </a:p>
+          <a:p>
+            <a:pPr lvl="1"/>
+            <a:r>
+              <a:rPr lang="en-US" dirty="0"/>
+              <a:t>Issues Connecting to the DNS</a:t>
+            </a:r>
+          </a:p>
+          <a:p>
+            <a:pPr lvl="1"/>
+            <a:r>
+              <a:rPr lang="en-US" dirty="0"/>
+              <a:t>Firewall creation at the beginning made us run into many issues</a:t>
+            </a:r>
+          </a:p>
+          <a:p>
+            <a:pPr marL="0" indent="0">
+              <a:buNone/>
+            </a:pPr>
             <a:endParaRPr lang="en-US" dirty="0"/>
           </a:p>
         </p:txBody>
@@ -33972,6 +26953,219 @@
 </file>
 
 <file path=ppt/slides/slide6.xml><?xml version="1.0" encoding="utf-8"?>
+<p:sld xmlns:a="http://schemas.openxmlformats.org/drawingml/2006/main" xmlns:r="http://schemas.openxmlformats.org/officeDocument/2006/relationships" xmlns:p="http://schemas.openxmlformats.org/presentationml/2006/main">
+  <p:cSld>
+    <p:spTree>
+      <p:nvGrpSpPr>
+        <p:cNvPr id="1" name="">
+          <a:extLst>
+            <a:ext uri="{FF2B5EF4-FFF2-40B4-BE49-F238E27FC236}">
+              <a16:creationId xmlns:a16="http://schemas.microsoft.com/office/drawing/2014/main" id="{DE0161BB-62EA-3018-ED31-8A06F57BA382}"/>
+            </a:ext>
+          </a:extLst>
+        </p:cNvPr>
+        <p:cNvGrpSpPr/>
+        <p:nvPr/>
+      </p:nvGrpSpPr>
+      <p:grpSpPr>
+        <a:xfrm>
+          <a:off x="0" y="0"/>
+          <a:ext cx="0" cy="0"/>
+          <a:chOff x="0" y="0"/>
+          <a:chExt cx="0" cy="0"/>
+        </a:xfrm>
+      </p:grpSpPr>
+      <p:sp>
+        <p:nvSpPr>
+          <p:cNvPr id="19" name="Title 18">
+            <a:extLst>
+              <a:ext uri="{FF2B5EF4-FFF2-40B4-BE49-F238E27FC236}">
+                <a16:creationId xmlns:a16="http://schemas.microsoft.com/office/drawing/2014/main" id="{BAE11915-5FA1-67C2-530C-34DDAD02331D}"/>
+              </a:ext>
+            </a:extLst>
+          </p:cNvPr>
+          <p:cNvSpPr>
+            <a:spLocks noGrp="1"/>
+          </p:cNvSpPr>
+          <p:nvPr>
+            <p:ph type="title"/>
+          </p:nvPr>
+        </p:nvSpPr>
+        <p:spPr>
+          <a:xfrm>
+            <a:off x="757084" y="78658"/>
+            <a:ext cx="7534656" cy="914400"/>
+          </a:xfrm>
+        </p:spPr>
+        <p:txBody>
+          <a:bodyPr>
+            <a:normAutofit fontScale="90000"/>
+          </a:bodyPr>
+          <a:lstStyle/>
+          <a:p>
+            <a:pPr marR="0" lvl="0" algn="l" defTabSz="914400" rtl="0" eaLnBrk="1" fontAlgn="auto" latinLnBrk="0" hangingPunct="1">
+              <a:lnSpc>
+                <a:spcPct val="100000"/>
+              </a:lnSpc>
+              <a:spcBef>
+                <a:spcPts val="0"/>
+              </a:spcBef>
+              <a:spcAft>
+                <a:spcPts val="0"/>
+              </a:spcAft>
+              <a:buClrTx/>
+              <a:buSzTx/>
+              <a:tabLst/>
+              <a:defRPr/>
+            </a:pPr>
+            <a:r>
+              <a:rPr lang="en-US" dirty="0"/>
+              <a:t>Major technical solutions compared </a:t>
+            </a:r>
+          </a:p>
+        </p:txBody>
+      </p:sp>
+      <p:sp>
+        <p:nvSpPr>
+          <p:cNvPr id="8" name="Content Placeholder 7">
+            <a:extLst>
+              <a:ext uri="{FF2B5EF4-FFF2-40B4-BE49-F238E27FC236}">
+                <a16:creationId xmlns:a16="http://schemas.microsoft.com/office/drawing/2014/main" id="{9E1CBC7A-FD5C-9140-CFF1-F59501DF8BFB}"/>
+              </a:ext>
+            </a:extLst>
+          </p:cNvPr>
+          <p:cNvSpPr>
+            <a:spLocks noGrp="1"/>
+          </p:cNvSpPr>
+          <p:nvPr>
+            <p:ph sz="quarter" idx="10"/>
+          </p:nvPr>
+        </p:nvSpPr>
+        <p:spPr>
+          <a:xfrm>
+            <a:off x="757084" y="1065718"/>
+            <a:ext cx="7150608" cy="4361688"/>
+          </a:xfrm>
+        </p:spPr>
+        <p:txBody>
+          <a:bodyPr>
+            <a:normAutofit/>
+          </a:bodyPr>
+          <a:lstStyle/>
+          <a:p>
+            <a:r>
+              <a:rPr lang="en-US" dirty="0"/>
+              <a:t>OVH Cloud Advantages:</a:t>
+            </a:r>
+          </a:p>
+          <a:p>
+            <a:pPr lvl="1"/>
+            <a:r>
+              <a:rPr lang="en-US" dirty="0"/>
+              <a:t>Easy To understand and use</a:t>
+            </a:r>
+          </a:p>
+          <a:p>
+            <a:pPr lvl="1"/>
+            <a:r>
+              <a:rPr lang="en-US" dirty="0"/>
+              <a:t>Functional Terminal</a:t>
+            </a:r>
+          </a:p>
+          <a:p>
+            <a:pPr lvl="1"/>
+            <a:r>
+              <a:rPr lang="en-US" dirty="0"/>
+              <a:t>Supports Multiple </a:t>
+            </a:r>
+            <a:r>
+              <a:rPr lang="en-US" dirty="0" err="1"/>
+              <a:t>linux</a:t>
+            </a:r>
+            <a:r>
+              <a:rPr lang="en-US" dirty="0"/>
+              <a:t> distributions (more than oracle)</a:t>
+            </a:r>
+          </a:p>
+          <a:p>
+            <a:r>
+              <a:rPr lang="en-US" dirty="0"/>
+              <a:t>Oracle Cloud Disadvantages:</a:t>
+            </a:r>
+          </a:p>
+          <a:p>
+            <a:pPr lvl="1"/>
+            <a:r>
+              <a:rPr lang="en-US" dirty="0"/>
+              <a:t>Not Free/ Cost varies based on what you need</a:t>
+            </a:r>
+          </a:p>
+          <a:p>
+            <a:pPr lvl="1"/>
+            <a:r>
+              <a:rPr lang="en-US" dirty="0"/>
+              <a:t>Ss</a:t>
+            </a:r>
+          </a:p>
+          <a:p>
+            <a:pPr lvl="1"/>
+            <a:r>
+              <a:rPr lang="en-US" dirty="0"/>
+              <a:t>Firewall creation at the beginning made us run into many issues</a:t>
+            </a:r>
+          </a:p>
+          <a:p>
+            <a:pPr marL="0" indent="0">
+              <a:buNone/>
+            </a:pPr>
+            <a:endParaRPr lang="en-US" dirty="0"/>
+          </a:p>
+        </p:txBody>
+      </p:sp>
+      <p:sp>
+        <p:nvSpPr>
+          <p:cNvPr id="3" name="Slide Number Placeholder 2">
+            <a:extLst>
+              <a:ext uri="{FF2B5EF4-FFF2-40B4-BE49-F238E27FC236}">
+                <a16:creationId xmlns:a16="http://schemas.microsoft.com/office/drawing/2014/main" id="{9664EF73-9E9E-BCA1-EA5E-ECE2622FB639}"/>
+              </a:ext>
+            </a:extLst>
+          </p:cNvPr>
+          <p:cNvSpPr>
+            <a:spLocks noGrp="1"/>
+          </p:cNvSpPr>
+          <p:nvPr>
+            <p:ph type="sldNum" sz="quarter" idx="4"/>
+          </p:nvPr>
+        </p:nvSpPr>
+        <p:spPr/>
+        <p:txBody>
+          <a:bodyPr/>
+          <a:lstStyle/>
+          <a:p>
+            <a:fld id="{58FB4751-880F-D840-AAA9-3A15815CC996}" type="slidenum">
+              <a:rPr lang="en-US" smtClean="0"/>
+              <a:pPr/>
+              <a:t>6</a:t>
+            </a:fld>
+            <a:endParaRPr lang="en-US" dirty="0"/>
+          </a:p>
+        </p:txBody>
+      </p:sp>
+    </p:spTree>
+    <p:extLst>
+      <p:ext uri="{BB962C8B-B14F-4D97-AF65-F5344CB8AC3E}">
+        <p14:creationId xmlns:p14="http://schemas.microsoft.com/office/powerpoint/2010/main" val="381613027"/>
+      </p:ext>
+    </p:extLst>
+  </p:cSld>
+  <p:clrMapOvr>
+    <a:masterClrMapping/>
+  </p:clrMapOvr>
+</p:sld>
+</file>
+
+<file path=ppt/slides/slide7.xml><?xml version="1.0" encoding="utf-8"?>
 <p:sld xmlns:a="http://schemas.openxmlformats.org/drawingml/2006/main" xmlns:r="http://schemas.openxmlformats.org/officeDocument/2006/relationships" xmlns:p="http://schemas.openxmlformats.org/presentationml/2006/main">
   <p:cSld>
     <p:bg>
@@ -34090,7 +27284,7 @@
 </p:sld>
 </file>
 
-<file path=ppt/slides/slide7.xml><?xml version="1.0" encoding="utf-8"?>
+<file path=ppt/slides/slide8.xml><?xml version="1.0" encoding="utf-8"?>
 <p:sld xmlns:a="http://schemas.openxmlformats.org/drawingml/2006/main" xmlns:r="http://schemas.openxmlformats.org/officeDocument/2006/relationships" xmlns:p="http://schemas.openxmlformats.org/presentationml/2006/main">
   <p:cSld>
     <p:spTree>
@@ -34187,7 +27381,7 @@
 </p:sld>
 </file>
 
-<file path=ppt/slides/slide8.xml><?xml version="1.0" encoding="utf-8"?>
+<file path=ppt/slides/slide9.xml><?xml version="1.0" encoding="utf-8"?>
 <p:sld xmlns:a="http://schemas.openxmlformats.org/drawingml/2006/main" xmlns:r="http://schemas.openxmlformats.org/officeDocument/2006/relationships" xmlns:p="http://schemas.openxmlformats.org/presentationml/2006/main">
   <p:cSld>
     <p:spTree>
@@ -34264,211 +27458,6 @@
     <p:extLst>
       <p:ext uri="{BB962C8B-B14F-4D97-AF65-F5344CB8AC3E}">
         <p14:creationId xmlns:p14="http://schemas.microsoft.com/office/powerpoint/2010/main" val="4095135603"/>
-      </p:ext>
-    </p:extLst>
-  </p:cSld>
-  <p:clrMapOvr>
-    <a:masterClrMapping/>
-  </p:clrMapOvr>
-</p:sld>
-</file>
-
-<file path=ppt/slides/slide9.xml><?xml version="1.0" encoding="utf-8"?>
-<p:sld xmlns:a="http://schemas.openxmlformats.org/drawingml/2006/main" xmlns:r="http://schemas.openxmlformats.org/officeDocument/2006/relationships" xmlns:p="http://schemas.openxmlformats.org/presentationml/2006/main">
-  <p:cSld>
-    <p:bg>
-      <p:bgPr>
-        <a:solidFill>
-          <a:schemeClr val="bg2"/>
-        </a:solidFill>
-        <a:effectLst/>
-      </p:bgPr>
-    </p:bg>
-    <p:spTree>
-      <p:nvGrpSpPr>
-        <p:cNvPr id="1" name=""/>
-        <p:cNvGrpSpPr/>
-        <p:nvPr/>
-      </p:nvGrpSpPr>
-      <p:grpSpPr>
-        <a:xfrm>
-          <a:off x="0" y="0"/>
-          <a:ext cx="0" cy="0"/>
-          <a:chOff x="0" y="0"/>
-          <a:chExt cx="0" cy="0"/>
-        </a:xfrm>
-      </p:grpSpPr>
-      <p:sp>
-        <p:nvSpPr>
-          <p:cNvPr id="11" name="Title 10">
-            <a:extLst>
-              <a:ext uri="{FF2B5EF4-FFF2-40B4-BE49-F238E27FC236}">
-                <a16:creationId xmlns:a16="http://schemas.microsoft.com/office/drawing/2014/main" id="{949404F1-8E94-7D3D-71E2-A1A4B7CBCB4A}"/>
-              </a:ext>
-            </a:extLst>
-          </p:cNvPr>
-          <p:cNvSpPr>
-            <a:spLocks noGrp="1"/>
-          </p:cNvSpPr>
-          <p:nvPr>
-            <p:ph type="title"/>
-          </p:nvPr>
-        </p:nvSpPr>
-        <p:spPr/>
-        <p:txBody>
-          <a:bodyPr/>
-          <a:lstStyle/>
-          <a:p>
-            <a:r>
-              <a:rPr lang="en-US" sz="3200" dirty="0"/>
-              <a:t>Plan</a:t>
-            </a:r>
-            <a:endParaRPr lang="en-US" dirty="0"/>
-          </a:p>
-        </p:txBody>
-      </p:sp>
-      <p:sp>
-        <p:nvSpPr>
-          <p:cNvPr id="14" name="Content Placeholder 13">
-            <a:extLst>
-              <a:ext uri="{FF2B5EF4-FFF2-40B4-BE49-F238E27FC236}">
-                <a16:creationId xmlns:a16="http://schemas.microsoft.com/office/drawing/2014/main" id="{F4A3718F-D67C-255A-4B64-BA379609FCD0}"/>
-              </a:ext>
-            </a:extLst>
-          </p:cNvPr>
-          <p:cNvSpPr>
-            <a:spLocks noGrp="1"/>
-          </p:cNvSpPr>
-          <p:nvPr>
-            <p:ph sz="quarter" idx="11"/>
-          </p:nvPr>
-        </p:nvSpPr>
-        <p:spPr/>
-        <p:txBody>
-          <a:bodyPr/>
-          <a:lstStyle/>
-          <a:p>
-            <a:r>
-              <a:rPr lang="en-US"/>
-              <a:t>Effective body language enhances your message, making it more impactful and memorable:</a:t>
-            </a:r>
-          </a:p>
-          <a:p>
-            <a:pPr lvl="1"/>
-            <a:r>
-              <a:rPr lang="en-US"/>
-              <a:t>Meaningful eye contact</a:t>
-            </a:r>
-          </a:p>
-          <a:p>
-            <a:pPr lvl="1"/>
-            <a:r>
-              <a:rPr lang="en-US"/>
-              <a:t>Purposeful gestures</a:t>
-            </a:r>
-          </a:p>
-          <a:p>
-            <a:pPr lvl="1"/>
-            <a:r>
-              <a:rPr lang="en-US"/>
-              <a:t>Maintain good posture</a:t>
-            </a:r>
-          </a:p>
-          <a:p>
-            <a:pPr lvl="1"/>
-            <a:r>
-              <a:rPr lang="en-US"/>
-              <a:t>Control your expressions</a:t>
-            </a:r>
-            <a:endParaRPr lang="en-US" dirty="0"/>
-          </a:p>
-        </p:txBody>
-      </p:sp>
-      <p:sp>
-        <p:nvSpPr>
-          <p:cNvPr id="17" name="Content Placeholder 16">
-            <a:extLst>
-              <a:ext uri="{FF2B5EF4-FFF2-40B4-BE49-F238E27FC236}">
-                <a16:creationId xmlns:a16="http://schemas.microsoft.com/office/drawing/2014/main" id="{2F3CEF66-C6D7-C765-24E7-1DCFB38FE51A}"/>
-              </a:ext>
-            </a:extLst>
-          </p:cNvPr>
-          <p:cNvSpPr>
-            <a:spLocks noGrp="1"/>
-          </p:cNvSpPr>
-          <p:nvPr>
-            <p:ph sz="quarter" idx="12"/>
-          </p:nvPr>
-        </p:nvSpPr>
-        <p:spPr/>
-        <p:txBody>
-          <a:bodyPr>
-            <a:normAutofit/>
-          </a:bodyPr>
-          <a:lstStyle/>
-          <a:p>
-            <a:r>
-              <a:rPr lang="en-US" dirty="0"/>
-              <a:t>This is a powerful tool in public speaking. It involves varying pitch, tone, and volume to convey emotion, emphasize points, and maintain interest:</a:t>
-            </a:r>
-          </a:p>
-          <a:p>
-            <a:pPr lvl="1"/>
-            <a:r>
-              <a:rPr lang="en-US" dirty="0"/>
-              <a:t>Pitch variation</a:t>
-            </a:r>
-          </a:p>
-          <a:p>
-            <a:pPr lvl="1"/>
-            <a:r>
-              <a:rPr lang="en-US" dirty="0"/>
-              <a:t>Tone inflection</a:t>
-            </a:r>
-          </a:p>
-          <a:p>
-            <a:pPr lvl="1"/>
-            <a:r>
-              <a:rPr lang="en-US" dirty="0"/>
-              <a:t>Volume control</a:t>
-            </a:r>
-          </a:p>
-        </p:txBody>
-      </p:sp>
-      <p:sp>
-        <p:nvSpPr>
-          <p:cNvPr id="2" name="Slide Number Placeholder 1">
-            <a:extLst>
-              <a:ext uri="{FF2B5EF4-FFF2-40B4-BE49-F238E27FC236}">
-                <a16:creationId xmlns:a16="http://schemas.microsoft.com/office/drawing/2014/main" id="{F35BAC3D-60A1-816B-5C79-2E8B6D9806E9}"/>
-              </a:ext>
-            </a:extLst>
-          </p:cNvPr>
-          <p:cNvSpPr>
-            <a:spLocks noGrp="1"/>
-          </p:cNvSpPr>
-          <p:nvPr>
-            <p:ph type="sldNum" sz="quarter" idx="4"/>
-          </p:nvPr>
-        </p:nvSpPr>
-        <p:spPr/>
-        <p:txBody>
-          <a:bodyPr/>
-          <a:lstStyle/>
-          <a:p>
-            <a:fld id="{58FB4751-880F-D840-AAA9-3A15815CC996}" type="slidenum">
-              <a:rPr lang="en-US" smtClean="0"/>
-              <a:pPr/>
-              <a:t>9</a:t>
-            </a:fld>
-            <a:endParaRPr lang="en-US" dirty="0"/>
-          </a:p>
-        </p:txBody>
-      </p:sp>
-    </p:spTree>
-    <p:extLst>
-      <p:ext uri="{BB962C8B-B14F-4D97-AF65-F5344CB8AC3E}">
-        <p14:creationId xmlns:p14="http://schemas.microsoft.com/office/powerpoint/2010/main" val="4230106960"/>
       </p:ext>
     </p:extLst>
   </p:cSld>
@@ -35322,15 +28311,6 @@
 </file>
 
 <file path=customXml/item1.xml><?xml version="1.0" encoding="utf-8"?>
-<?mso-contentType ?>
-<FormTemplates xmlns="http://schemas.microsoft.com/sharepoint/v3/contenttype/forms">
-  <Display>DocumentLibraryForm</Display>
-  <Edit>DocumentLibraryForm</Edit>
-  <New>DocumentLibraryForm</New>
-</FormTemplates>
-</file>
-
-<file path=customXml/item2.xml><?xml version="1.0" encoding="utf-8"?>
 <ct:contentTypeSchema xmlns:ct="http://schemas.microsoft.com/office/2006/metadata/contentType" xmlns:ma="http://schemas.microsoft.com/office/2006/metadata/properties/metaAttributes" ct:_="" ma:_="" ma:contentTypeName="Document" ma:contentTypeID="0x01010079F111ED35F8CC479449609E8A0923A6" ma:contentTypeVersion="28" ma:contentTypeDescription="Create a new document." ma:contentTypeScope="" ma:versionID="60f5a4f2d2b0abadcf532d48ebf9cb71">
   <xsd:schema xmlns:xsd="http://www.w3.org/2001/XMLSchema" xmlns:xs="http://www.w3.org/2001/XMLSchema" xmlns:p="http://schemas.microsoft.com/office/2006/metadata/properties" xmlns:ns1="http://schemas.microsoft.com/sharepoint/v3" xmlns:ns2="71af3243-3dd4-4a8d-8c0d-dd76da1f02a5" xmlns:ns3="16c05727-aa75-4e4a-9b5f-8a80a1165891" xmlns:ns4="230e9df3-be65-4c73-a93b-d1236ebd677e" targetNamespace="http://schemas.microsoft.com/office/2006/metadata/properties" ma:root="true" ma:fieldsID="7dd78129e6a1811f84807ad11c651531" ns1:_="" ns2:_="" ns3:_="" ns4:_="">
     <xsd:import namespace="http://schemas.microsoft.com/sharepoint/v3"/>
@@ -35642,6 +28622,15 @@
 </ct:contentTypeSchema>
 </file>
 
+<file path=customXml/item2.xml><?xml version="1.0" encoding="utf-8"?>
+<?mso-contentType ?>
+<FormTemplates xmlns="http://schemas.microsoft.com/sharepoint/v3/contenttype/forms">
+  <Display>DocumentLibraryForm</Display>
+  <Edit>DocumentLibraryForm</Edit>
+  <New>DocumentLibraryForm</New>
+</FormTemplates>
+</file>
+
 <file path=customXml/item3.xml><?xml version="1.0" encoding="utf-8"?>
 <p:properties xmlns:p="http://schemas.microsoft.com/office/2006/metadata/properties" xmlns:xsi="http://www.w3.org/2001/XMLSchema-instance" xmlns:pc="http://schemas.microsoft.com/office/infopath/2007/PartnerControls">
   <documentManagement>
@@ -35663,14 +28652,6 @@
 </file>
 
 <file path=customXml/itemProps1.xml><?xml version="1.0" encoding="utf-8"?>
-<ds:datastoreItem xmlns:ds="http://schemas.openxmlformats.org/officeDocument/2006/customXml" ds:itemID="{1249AD37-9510-4A2D-B790-12C439A83F93}">
-  <ds:schemaRefs>
-    <ds:schemaRef ds:uri="http://schemas.microsoft.com/sharepoint/v3/contenttype/forms"/>
-  </ds:schemaRefs>
-</ds:datastoreItem>
-</file>
-
-<file path=customXml/itemProps2.xml><?xml version="1.0" encoding="utf-8"?>
 <ds:datastoreItem xmlns:ds="http://schemas.openxmlformats.org/officeDocument/2006/customXml" ds:itemID="{4D8B1D1D-0064-435C-8533-29A36067B8ED}">
   <ds:schemaRefs>
     <ds:schemaRef ds:uri="http://schemas.microsoft.com/office/2006/metadata/contentType"/>
@@ -35691,6 +28672,14 @@
 </ds:datastoreItem>
 </file>
 
+<file path=customXml/itemProps2.xml><?xml version="1.0" encoding="utf-8"?>
+<ds:datastoreItem xmlns:ds="http://schemas.openxmlformats.org/officeDocument/2006/customXml" ds:itemID="{1249AD37-9510-4A2D-B790-12C439A83F93}">
+  <ds:schemaRefs>
+    <ds:schemaRef ds:uri="http://schemas.microsoft.com/sharepoint/v3/contenttype/forms"/>
+  </ds:schemaRefs>
+</ds:datastoreItem>
+</file>
+
 <file path=customXml/itemProps3.xml><?xml version="1.0" encoding="utf-8"?>
 <ds:datastoreItem xmlns:ds="http://schemas.openxmlformats.org/officeDocument/2006/customXml" ds:itemID="{85DF9CEC-52C2-4D14-B2F5-11176002A8B6}">
   <ds:schemaRefs>

--- a/Unix Presentation.pptx
+++ b/Unix Presentation.pptx
@@ -5,10 +5,10 @@
     <p:sldMasterId id="2147483767" r:id="rId4"/>
   </p:sldMasterIdLst>
   <p:notesMasterIdLst>
-    <p:notesMasterId r:id="rId20"/>
+    <p:notesMasterId r:id="rId19"/>
   </p:notesMasterIdLst>
   <p:handoutMasterIdLst>
-    <p:handoutMasterId r:id="rId21"/>
+    <p:handoutMasterId r:id="rId20"/>
   </p:handoutMasterIdLst>
   <p:sldIdLst>
     <p:sldId id="317" r:id="rId5"/>
@@ -23,9 +23,8 @@
     <p:sldId id="310" r:id="rId14"/>
     <p:sldId id="321" r:id="rId15"/>
     <p:sldId id="311" r:id="rId16"/>
-    <p:sldId id="322" r:id="rId17"/>
-    <p:sldId id="323" r:id="rId18"/>
-    <p:sldId id="304" r:id="rId19"/>
+    <p:sldId id="323" r:id="rId17"/>
+    <p:sldId id="304" r:id="rId18"/>
   </p:sldIdLst>
   <p:sldSz cx="12192000" cy="6858000"/>
   <p:notesSz cx="6858000" cy="9144000"/>
@@ -846,7 +845,7 @@
           <a:p>
             <a:fld id="{7C366290-4595-5745-A50F-D5EC13BAC604}" type="slidenum">
               <a:rPr lang="en-US" noProof="0" smtClean="0"/>
-              <a:t>15</a:t>
+              <a:t>14</a:t>
             </a:fld>
             <a:endParaRPr lang="en-US" noProof="0" dirty="0"/>
           </a:p>
@@ -24753,7 +24752,7 @@
           <a:p>
             <a:r>
               <a:rPr lang="en-US" dirty="0"/>
-              <a:t>presentation title</a:t>
+              <a:t>Hosting a Static Website</a:t>
             </a:r>
           </a:p>
         </p:txBody>
@@ -24885,7 +24884,7 @@
               <a:t> vs </a:t>
             </a:r>
             <a:r>
-              <a:rPr lang="en-US"/>
+              <a:rPr lang="en-US" dirty="0" err="1"/>
               <a:t>CronJobs</a:t>
             </a:r>
             <a:endParaRPr lang="en-US" dirty="0"/>
@@ -25159,7 +25158,12 @@
             <p:ph type="title"/>
           </p:nvPr>
         </p:nvSpPr>
-        <p:spPr/>
+        <p:spPr>
+          <a:xfrm>
+            <a:off x="833120" y="325120"/>
+            <a:ext cx="10360152" cy="914400"/>
+          </a:xfrm>
+        </p:spPr>
         <p:txBody>
           <a:bodyPr/>
           <a:lstStyle/>
@@ -25188,83 +25192,91 @@
             <p:ph sz="quarter" idx="13"/>
           </p:nvPr>
         </p:nvSpPr>
-        <p:spPr/>
+        <p:spPr>
+          <a:xfrm>
+            <a:off x="914398" y="1239520"/>
+            <a:ext cx="8188962" cy="5435600"/>
+          </a:xfrm>
+        </p:spPr>
         <p:txBody>
-          <a:bodyPr/>
+          <a:bodyPr>
+            <a:normAutofit/>
+          </a:bodyPr>
           <a:lstStyle/>
           <a:p>
             <a:r>
-              <a:rPr lang="en-US" dirty="0"/>
-              <a:t>Know your material in advance</a:t>
+              <a:rPr lang="en-US" sz="2800" dirty="0"/>
+              <a:t>Nginx vs Apache</a:t>
             </a:r>
           </a:p>
           <a:p>
             <a:r>
-              <a:rPr lang="en-US" dirty="0"/>
-              <a:t>Anticipate common questions</a:t>
+              <a:rPr lang="en-US" sz="2800" dirty="0" err="1"/>
+              <a:t>CronJob</a:t>
+            </a:r>
+            <a:r>
+              <a:rPr lang="en-US" sz="2800" dirty="0"/>
+              <a:t> vs </a:t>
+            </a:r>
+            <a:r>
+              <a:rPr lang="en-US" sz="2800" dirty="0" err="1"/>
+              <a:t>Systemd</a:t>
+            </a:r>
+            <a:endParaRPr lang="en-US" sz="2800" dirty="0"/>
+          </a:p>
+          <a:p>
+            <a:r>
+              <a:rPr lang="en-US" sz="2800" dirty="0" err="1"/>
+              <a:t>Vps</a:t>
+            </a:r>
+            <a:r>
+              <a:rPr lang="en-US" sz="2800" dirty="0"/>
+              <a:t> and </a:t>
+            </a:r>
+            <a:r>
+              <a:rPr lang="en-US" sz="2800" dirty="0" err="1"/>
+              <a:t>dns</a:t>
+            </a:r>
+            <a:endParaRPr lang="en-US" sz="2800" dirty="0"/>
+          </a:p>
+          <a:p>
+            <a:r>
+              <a:rPr lang="en-US" sz="2800" dirty="0"/>
+              <a:t>Firewall</a:t>
             </a:r>
           </a:p>
           <a:p>
+            <a:pPr algn="l"/>
             <a:r>
-              <a:rPr lang="en-US" dirty="0"/>
-              <a:t>Rehearse your responses</a:t>
-            </a:r>
-          </a:p>
-        </p:txBody>
-      </p:sp>
-      <p:sp>
-        <p:nvSpPr>
-          <p:cNvPr id="25" name="Content Placeholder 24">
-            <a:extLst>
-              <a:ext uri="{FF2B5EF4-FFF2-40B4-BE49-F238E27FC236}">
-                <a16:creationId xmlns:a16="http://schemas.microsoft.com/office/drawing/2014/main" id="{7798761A-B671-4825-623F-F4726F2BDF28}"/>
-              </a:ext>
-            </a:extLst>
-          </p:cNvPr>
-          <p:cNvSpPr>
-            <a:spLocks noGrp="1"/>
-          </p:cNvSpPr>
-          <p:nvPr>
-            <p:ph sz="quarter" idx="12"/>
-          </p:nvPr>
-        </p:nvSpPr>
-        <p:spPr/>
-        <p:txBody>
-          <a:bodyPr/>
-          <a:lstStyle/>
-          <a:p>
-            <a:r>
-              <a:rPr lang="en-US" dirty="0"/>
-              <a:t>Maintaining composure during the Q&amp;A session is essential for projecting confidence and authority. Consider the following tips for staying composed:</a:t>
+              <a:rPr lang="en-US" sz="2800" dirty="0"/>
+              <a:t>Configuration</a:t>
             </a:r>
           </a:p>
           <a:p>
-            <a:pPr lvl="1"/>
+            <a:pPr algn="l"/>
             <a:r>
-              <a:rPr lang="en-US" dirty="0"/>
-              <a:t>Stay calm</a:t>
+              <a:rPr lang="en-US" sz="2800" dirty="0"/>
+              <a:t>SSH Connection Failure</a:t>
             </a:r>
           </a:p>
           <a:p>
-            <a:pPr lvl="1"/>
+            <a:pPr algn="l"/>
             <a:r>
-              <a:rPr lang="en-US" dirty="0"/>
-              <a:t>Actively listen</a:t>
+              <a:rPr lang="en-US" sz="2800" dirty="0"/>
+              <a:t>DNs not pointing to the address</a:t>
             </a:r>
           </a:p>
           <a:p>
-            <a:pPr lvl="1"/>
-            <a:r>
-              <a:rPr lang="en-US" dirty="0"/>
-              <a:t>Pause and reflect</a:t>
-            </a:r>
+            <a:pPr marL="0" indent="0">
+              <a:buNone/>
+            </a:pPr>
+            <a:endParaRPr lang="en-US" sz="3600" dirty="0"/>
           </a:p>
           <a:p>
-            <a:pPr lvl="1"/>
-            <a:r>
-              <a:rPr lang="en-US" dirty="0"/>
-              <a:t>Maintain eye contact</a:t>
-            </a:r>
+            <a:pPr marL="0" indent="0">
+              <a:buNone/>
+            </a:pPr>
+            <a:endParaRPr lang="en-US" sz="3200" dirty="0"/>
           </a:p>
         </p:txBody>
       </p:sp>
@@ -25312,139 +25324,6 @@
 </file>
 
 <file path=ppt/slides/slide13.xml><?xml version="1.0" encoding="utf-8"?>
-<p:sld xmlns:a="http://schemas.openxmlformats.org/drawingml/2006/main" xmlns:r="http://schemas.openxmlformats.org/officeDocument/2006/relationships" xmlns:p="http://schemas.openxmlformats.org/presentationml/2006/main">
-  <p:cSld>
-    <p:spTree>
-      <p:nvGrpSpPr>
-        <p:cNvPr id="1" name="">
-          <a:extLst>
-            <a:ext uri="{FF2B5EF4-FFF2-40B4-BE49-F238E27FC236}">
-              <a16:creationId xmlns:a16="http://schemas.microsoft.com/office/drawing/2014/main" id="{9918D43B-1AD4-5D5C-9F52-1DA0C3C77778}"/>
-            </a:ext>
-          </a:extLst>
-        </p:cNvPr>
-        <p:cNvGrpSpPr/>
-        <p:nvPr/>
-      </p:nvGrpSpPr>
-      <p:grpSpPr>
-        <a:xfrm>
-          <a:off x="0" y="0"/>
-          <a:ext cx="0" cy="0"/>
-          <a:chOff x="0" y="0"/>
-          <a:chExt cx="0" cy="0"/>
-        </a:xfrm>
-      </p:grpSpPr>
-      <p:sp>
-        <p:nvSpPr>
-          <p:cNvPr id="2" name="Title 1">
-            <a:extLst>
-              <a:ext uri="{FF2B5EF4-FFF2-40B4-BE49-F238E27FC236}">
-                <a16:creationId xmlns:a16="http://schemas.microsoft.com/office/drawing/2014/main" id="{037A7126-6EBA-6D3B-1E24-1A57D4164BB9}"/>
-              </a:ext>
-            </a:extLst>
-          </p:cNvPr>
-          <p:cNvSpPr>
-            <a:spLocks noGrp="1"/>
-          </p:cNvSpPr>
-          <p:nvPr>
-            <p:ph type="title"/>
-          </p:nvPr>
-        </p:nvSpPr>
-        <p:spPr>
-          <a:xfrm>
-            <a:off x="914400" y="914400"/>
-            <a:ext cx="10360152" cy="2807208"/>
-          </a:xfrm>
-        </p:spPr>
-        <p:txBody>
-          <a:bodyPr/>
-          <a:lstStyle/>
-          <a:p>
-            <a:r>
-              <a:rPr lang="en-US" dirty="0"/>
-              <a:t>Major accomplishments</a:t>
-            </a:r>
-          </a:p>
-        </p:txBody>
-      </p:sp>
-      <p:sp>
-        <p:nvSpPr>
-          <p:cNvPr id="3" name="Text Placeholder 2">
-            <a:extLst>
-              <a:ext uri="{FF2B5EF4-FFF2-40B4-BE49-F238E27FC236}">
-                <a16:creationId xmlns:a16="http://schemas.microsoft.com/office/drawing/2014/main" id="{927118ED-9325-943C-4794-04ADB765CF7C}"/>
-              </a:ext>
-            </a:extLst>
-          </p:cNvPr>
-          <p:cNvSpPr>
-            <a:spLocks noGrp="1"/>
-          </p:cNvSpPr>
-          <p:nvPr>
-            <p:ph type="body" sz="quarter" idx="13"/>
-          </p:nvPr>
-        </p:nvSpPr>
-        <p:spPr/>
-        <p:txBody>
-          <a:bodyPr/>
-          <a:lstStyle/>
-          <a:p>
-            <a:pPr algn="l"/>
-            <a:r>
-              <a:rPr lang="en-US" dirty="0"/>
-              <a:t>Configuration</a:t>
-            </a:r>
-          </a:p>
-          <a:p>
-            <a:pPr algn="l"/>
-            <a:r>
-              <a:rPr lang="en-US" dirty="0"/>
-              <a:t>Firewall</a:t>
-            </a:r>
-          </a:p>
-          <a:p>
-            <a:pPr algn="l"/>
-            <a:r>
-              <a:rPr lang="en-US" dirty="0"/>
-              <a:t>SSH Connection Failure</a:t>
-            </a:r>
-          </a:p>
-          <a:p>
-            <a:pPr algn="l"/>
-            <a:r>
-              <a:rPr lang="en-US" dirty="0"/>
-              <a:t>DNs not pointing to the address</a:t>
-            </a:r>
-          </a:p>
-          <a:p>
-            <a:pPr algn="l"/>
-            <a:r>
-              <a:rPr lang="en-US" dirty="0"/>
-              <a:t>Disabling Apache</a:t>
-            </a:r>
-          </a:p>
-          <a:p>
-            <a:pPr algn="l"/>
-            <a:r>
-              <a:rPr lang="en-US" dirty="0"/>
-              <a:t>Troubleshooting</a:t>
-            </a:r>
-          </a:p>
-        </p:txBody>
-      </p:sp>
-    </p:spTree>
-    <p:extLst>
-      <p:ext uri="{BB962C8B-B14F-4D97-AF65-F5344CB8AC3E}">
-        <p14:creationId xmlns:p14="http://schemas.microsoft.com/office/powerpoint/2010/main" val="3733762178"/>
-      </p:ext>
-    </p:extLst>
-  </p:cSld>
-  <p:clrMapOvr>
-    <a:masterClrMapping/>
-  </p:clrMapOvr>
-</p:sld>
-</file>
-
-<file path=ppt/slides/slide14.xml><?xml version="1.0" encoding="utf-8"?>
 <p:sld xmlns:a="http://schemas.openxmlformats.org/drawingml/2006/main" xmlns:r="http://schemas.openxmlformats.org/officeDocument/2006/relationships" xmlns:p="http://schemas.openxmlformats.org/presentationml/2006/main">
   <p:cSld>
     <p:spTree>
@@ -25500,78 +25379,6 @@
           </a:p>
         </p:txBody>
       </p:sp>
-      <p:sp>
-        <p:nvSpPr>
-          <p:cNvPr id="3" name="Text Placeholder 2">
-            <a:extLst>
-              <a:ext uri="{FF2B5EF4-FFF2-40B4-BE49-F238E27FC236}">
-                <a16:creationId xmlns:a16="http://schemas.microsoft.com/office/drawing/2014/main" id="{8531A963-4BF6-D779-7CD6-552612B577FB}"/>
-              </a:ext>
-            </a:extLst>
-          </p:cNvPr>
-          <p:cNvSpPr>
-            <a:spLocks noGrp="1"/>
-          </p:cNvSpPr>
-          <p:nvPr>
-            <p:ph type="body" sz="quarter" idx="13"/>
-          </p:nvPr>
-        </p:nvSpPr>
-        <p:spPr/>
-        <p:txBody>
-          <a:bodyPr/>
-          <a:lstStyle/>
-          <a:p>
-            <a:pPr algn="l"/>
-            <a:endParaRPr lang="en-US" dirty="0"/>
-          </a:p>
-          <a:p>
-            <a:pPr algn="l"/>
-            <a:r>
-              <a:rPr lang="en-US" dirty="0"/>
-              <a:t>Link the </a:t>
-            </a:r>
-            <a:r>
-              <a:rPr lang="en-US" dirty="0" err="1"/>
-              <a:t>dns</a:t>
-            </a:r>
-            <a:r>
-              <a:rPr lang="en-US" dirty="0"/>
-              <a:t> to the </a:t>
-            </a:r>
-            <a:r>
-              <a:rPr lang="en-US" dirty="0" err="1"/>
-              <a:t>vps</a:t>
-            </a:r>
-            <a:r>
-              <a:rPr lang="en-US" dirty="0"/>
-              <a:t> </a:t>
-            </a:r>
-            <a:r>
-              <a:rPr lang="en-US" dirty="0" err="1"/>
-              <a:t>ip</a:t>
-            </a:r>
-            <a:r>
-              <a:rPr lang="en-US" dirty="0"/>
-              <a:t> address</a:t>
-            </a:r>
-          </a:p>
-          <a:p>
-            <a:pPr algn="l"/>
-            <a:endParaRPr lang="en-US" dirty="0"/>
-          </a:p>
-          <a:p>
-            <a:pPr algn="l"/>
-            <a:endParaRPr lang="en-US" dirty="0"/>
-          </a:p>
-          <a:p>
-            <a:pPr algn="l"/>
-            <a:r>
-              <a:rPr lang="en-US" dirty="0"/>
-              <a:t>Configure the firewall</a:t>
-            </a:r>
-          </a:p>
-        </p:txBody>
-      </p:sp>
     </p:spTree>
     <p:extLst>
       <p:ext uri="{BB962C8B-B14F-4D97-AF65-F5344CB8AC3E}">
@@ -25585,7 +25392,7 @@
 </p:sld>
 </file>
 
-<file path=ppt/slides/slide15.xml><?xml version="1.0" encoding="utf-8"?>
+<file path=ppt/slides/slide14.xml><?xml version="1.0" encoding="utf-8"?>
 <p:sld xmlns:a="http://schemas.openxmlformats.org/drawingml/2006/main" xmlns:r="http://schemas.openxmlformats.org/officeDocument/2006/relationships" xmlns:p="http://schemas.openxmlformats.org/presentationml/2006/main">
   <p:cSld>
     <p:bg>
@@ -25628,7 +25435,7 @@
         </p:nvSpPr>
         <p:spPr>
           <a:xfrm>
-            <a:off x="4515612" y="1036320"/>
+            <a:off x="2168652" y="1645920"/>
             <a:ext cx="5918708" cy="2875280"/>
           </a:xfrm>
         </p:spPr>
@@ -25663,7 +25470,7 @@
         </p:nvSpPr>
         <p:spPr>
           <a:xfrm>
-            <a:off x="8189976" y="1645920"/>
+            <a:off x="7773416" y="2006600"/>
             <a:ext cx="3867912" cy="5029200"/>
           </a:xfrm>
         </p:spPr>
@@ -25764,14 +25571,14 @@
             <p:ph idx="1"/>
             <p:extLst>
               <p:ext uri="{D42A27DB-BD31-4B8C-83A1-F6EECF244321}">
-                <p14:modId xmlns:p14="http://schemas.microsoft.com/office/powerpoint/2010/main" val="635766959"/>
+                <p14:modId xmlns:p14="http://schemas.microsoft.com/office/powerpoint/2010/main" val="2216343877"/>
               </p:ext>
             </p:extLst>
           </p:nvPr>
         </p:nvGraphicFramePr>
         <p:xfrm>
-          <a:off x="1451579" y="1853754"/>
-          <a:ext cx="9604373" cy="4267912"/>
+          <a:off x="1451579" y="1487992"/>
+          <a:ext cx="9604373" cy="5461445"/>
         </p:xfrm>
         <a:graphic>
           <a:graphicData uri="http://schemas.openxmlformats.org/drawingml/2006/table">
@@ -25786,7 +25593,7 @@
                   </a:extLst>
                 </a:gridCol>
               </a:tblGrid>
-              <a:tr h="432246">
+              <a:tr h="514503">
                 <a:tc>
                   <a:txBody>
                     <a:bodyPr/>
@@ -25853,7 +25660,7 @@
                   </a:ext>
                 </a:extLst>
               </a:tr>
-              <a:tr h="429299">
+              <a:tr h="514503">
                 <a:tc>
                   <a:txBody>
                     <a:bodyPr/>
@@ -25925,7 +25732,7 @@
                   </a:ext>
                 </a:extLst>
               </a:tr>
-              <a:tr h="395514">
+              <a:tr h="514503">
                 <a:tc>
                   <a:txBody>
                     <a:bodyPr/>
@@ -26010,7 +25817,7 @@
                   </a:ext>
                 </a:extLst>
               </a:tr>
-              <a:tr h="355963">
+              <a:tr h="514503">
                 <a:tc>
                   <a:txBody>
                     <a:bodyPr/>
@@ -26095,7 +25902,7 @@
                   </a:ext>
                 </a:extLst>
               </a:tr>
-              <a:tr h="327995">
+              <a:tr h="514503">
                 <a:tc>
                   <a:txBody>
                     <a:bodyPr/>
@@ -26154,7 +25961,7 @@
                   </a:ext>
                 </a:extLst>
               </a:tr>
-              <a:tr h="367584">
+              <a:tr h="514503">
                 <a:tc>
                   <a:txBody>
                     <a:bodyPr/>
@@ -26234,7 +26041,7 @@
                   </a:ext>
                 </a:extLst>
               </a:tr>
-              <a:tr h="355963">
+              <a:tr h="514503">
                 <a:tc>
                   <a:txBody>
                     <a:bodyPr/>
@@ -26293,7 +26100,7 @@
                   </a:ext>
                 </a:extLst>
               </a:tr>
-              <a:tr h="327995">
+              <a:tr h="514503">
                 <a:tc>
                   <a:txBody>
                     <a:bodyPr/>
@@ -26365,20 +26172,17 @@
                   </a:ext>
                 </a:extLst>
               </a:tr>
-              <a:tr h="440729">
+              <a:tr h="514503">
                 <a:tc>
                   <a:txBody>
                     <a:bodyPr/>
                     <a:lstStyle/>
                     <a:p>
-                      <a:pPr marL="285750" indent="-285750" algn="l">
+                      <a:pPr marL="0" indent="0" algn="l">
                         <a:buFont typeface="Arial" panose="020B0604020202020204" pitchFamily="34" charset="0"/>
-                        <a:buChar char="•"/>
+                        <a:buNone/>
                       </a:pPr>
-                      <a:r>
-                        <a:rPr lang="en-US" dirty="0"/>
-                        <a:t>Why buy our product?</a:t>
-                      </a:r>
+                      <a:endParaRPr lang="en-US" dirty="0"/>
                     </a:p>
                   </a:txBody>
                   <a:tcPr marL="209550" marR="209550" anchor="b">
@@ -26424,7 +26228,7 @@
                   </a:ext>
                 </a:extLst>
               </a:tr>
-              <a:tr h="739500">
+              <a:tr h="830918">
                 <a:tc>
                   <a:txBody>
                     <a:bodyPr/>
@@ -27104,14 +26908,14 @@
             <a:pPr lvl="1"/>
             <a:r>
               <a:rPr lang="en-US" dirty="0"/>
-              <a:t>Ss</a:t>
+              <a:t>Ssh</a:t>
             </a:r>
           </a:p>
           <a:p>
             <a:pPr lvl="1"/>
             <a:r>
               <a:rPr lang="en-US" dirty="0"/>
-              <a:t>Firewall creation at the beginning made us run into many issues</a:t>
+              <a:t>Firewall creation at the beginning made us run into many issue</a:t>
             </a:r>
           </a:p>
           <a:p>
